--- a/presentation/중간발표.pptx
+++ b/presentation/중간발표.pptx
@@ -5,7 +5,7 @@
     <p:sldMasterId id="2147483744" r:id="rId1"/>
   </p:sldMasterIdLst>
   <p:notesMasterIdLst>
-    <p:notesMasterId r:id="rId26"/>
+    <p:notesMasterId r:id="rId28"/>
   </p:notesMasterIdLst>
   <p:sldIdLst>
     <p:sldId id="256" r:id="rId2"/>
@@ -21,17 +21,19 @@
     <p:sldId id="263" r:id="rId12"/>
     <p:sldId id="277" r:id="rId13"/>
     <p:sldId id="278" r:id="rId14"/>
-    <p:sldId id="281" r:id="rId15"/>
-    <p:sldId id="282" r:id="rId16"/>
-    <p:sldId id="283" r:id="rId17"/>
-    <p:sldId id="284" r:id="rId18"/>
-    <p:sldId id="285" r:id="rId19"/>
-    <p:sldId id="279" r:id="rId20"/>
-    <p:sldId id="280" r:id="rId21"/>
-    <p:sldId id="264" r:id="rId22"/>
-    <p:sldId id="265" r:id="rId23"/>
-    <p:sldId id="268" r:id="rId24"/>
-    <p:sldId id="269" r:id="rId25"/>
+    <p:sldId id="286" r:id="rId15"/>
+    <p:sldId id="281" r:id="rId16"/>
+    <p:sldId id="282" r:id="rId17"/>
+    <p:sldId id="283" r:id="rId18"/>
+    <p:sldId id="284" r:id="rId19"/>
+    <p:sldId id="285" r:id="rId20"/>
+    <p:sldId id="279" r:id="rId21"/>
+    <p:sldId id="280" r:id="rId22"/>
+    <p:sldId id="287" r:id="rId23"/>
+    <p:sldId id="264" r:id="rId24"/>
+    <p:sldId id="265" r:id="rId25"/>
+    <p:sldId id="268" r:id="rId26"/>
+    <p:sldId id="269" r:id="rId27"/>
   </p:sldIdLst>
   <p:sldSz cx="9144000" cy="6858000" type="screen4x3"/>
   <p:notesSz cx="6858000" cy="9144000"/>
@@ -1147,7 +1149,7 @@
             <a:fld id="{4595183F-AAF6-45BC-BF79-1156086BB643}" type="slidenum">
               <a:rPr lang="ko-KR" altLang="en-US" smtClean="0"/>
               <a:pPr/>
-              <a:t>21</a:t>
+              <a:t>23</a:t>
             </a:fld>
             <a:endParaRPr lang="ko-KR" altLang="en-US"/>
           </a:p>
@@ -1357,7 +1359,7 @@
             <a:fld id="{4595183F-AAF6-45BC-BF79-1156086BB643}" type="slidenum">
               <a:rPr lang="ko-KR" altLang="en-US" smtClean="0"/>
               <a:pPr/>
-              <a:t>22</a:t>
+              <a:t>24</a:t>
             </a:fld>
             <a:endParaRPr lang="ko-KR" altLang="en-US"/>
           </a:p>
@@ -1602,7 +1604,7 @@
             <a:fld id="{4595183F-AAF6-45BC-BF79-1156086BB643}" type="slidenum">
               <a:rPr lang="ko-KR" altLang="en-US" smtClean="0"/>
               <a:pPr/>
-              <a:t>23</a:t>
+              <a:t>25</a:t>
             </a:fld>
             <a:endParaRPr lang="ko-KR" altLang="en-US"/>
           </a:p>
@@ -1692,7 +1694,7 @@
             <a:fld id="{4595183F-AAF6-45BC-BF79-1156086BB643}" type="slidenum">
               <a:rPr lang="ko-KR" altLang="en-US" smtClean="0"/>
               <a:pPr/>
-              <a:t>24</a:t>
+              <a:t>26</a:t>
             </a:fld>
             <a:endParaRPr lang="ko-KR" altLang="en-US"/>
           </a:p>
@@ -11439,22 +11441,7 @@
                   </a:glow>
                 </a:effectLst>
               </a:rPr>
-              <a:t>디자인 </a:t>
-            </a:r>
-            <a:r>
-              <a:rPr lang="ko-KR" altLang="en-US" dirty="0" smtClean="0">
-                <a:solidFill>
-                  <a:srgbClr val="FFFF00"/>
-                </a:solidFill>
-                <a:effectLst>
-                  <a:glow rad="101600">
-                    <a:srgbClr val="FFFF00">
-                      <a:alpha val="40000"/>
-                    </a:srgbClr>
-                  </a:glow>
-                </a:effectLst>
-              </a:rPr>
-              <a:t>완료</a:t>
+              <a:t>디자인 완료</a:t>
             </a:r>
             <a:endParaRPr lang="en-US" altLang="ko-KR" dirty="0" smtClean="0">
               <a:solidFill>
@@ -12217,7 +12204,7 @@
               <a:t>- </a:t>
             </a:r>
             <a:r>
-              <a:rPr lang="ko-KR" altLang="en-US" dirty="0" smtClean="0">
+              <a:rPr lang="ko-KR" altLang="en-US" dirty="0" err="1" smtClean="0">
                 <a:solidFill>
                   <a:srgbClr val="00FFFF"/>
                 </a:solidFill>
@@ -12229,7 +12216,22 @@
                   </a:glow>
                 </a:effectLst>
               </a:rPr>
-              <a:t>지상현</a:t>
+              <a:t>김진</a:t>
+            </a:r>
+            <a:r>
+              <a:rPr lang="ko-KR" altLang="en-US" dirty="0" err="1">
+                <a:solidFill>
+                  <a:srgbClr val="00FFFF"/>
+                </a:solidFill>
+                <a:effectLst>
+                  <a:glow rad="101600">
+                    <a:srgbClr val="00FFFF">
+                      <a:alpha val="40000"/>
+                    </a:srgbClr>
+                  </a:glow>
+                </a:effectLst>
+              </a:rPr>
+              <a:t>협</a:t>
             </a:r>
             <a:endParaRPr lang="ko-KR" altLang="en-US" dirty="0">
               <a:solidFill>
@@ -12264,7 +12266,7 @@
           <a:lstStyle/>
           <a:p>
             <a:r>
-              <a:rPr lang="ko-KR" altLang="en-US" dirty="0" smtClean="0">
+              <a:rPr lang="en-US" altLang="ko-KR" dirty="0" smtClean="0">
                 <a:solidFill>
                   <a:srgbClr val="FFFF00"/>
                 </a:solidFill>
@@ -12276,10 +12278,10 @@
                   </a:glow>
                 </a:effectLst>
               </a:rPr>
-              <a:t>기본 </a:t>
-            </a:r>
-            <a:r>
-              <a:rPr lang="ko-KR" altLang="en-US" dirty="0">
+              <a:t>Ranking </a:t>
+            </a:r>
+            <a:r>
+              <a:rPr lang="ko-KR" altLang="en-US" dirty="0" smtClean="0">
                 <a:solidFill>
                   <a:srgbClr val="FFFF00"/>
                 </a:solidFill>
@@ -12291,10 +12293,10 @@
                   </a:glow>
                 </a:effectLst>
               </a:rPr>
-              <a:t>처리</a:t>
-            </a:r>
-            <a:r>
-              <a:rPr lang="en-US" altLang="ko-KR" dirty="0">
+              <a:t>구현 </a:t>
+            </a:r>
+            <a:r>
+              <a:rPr lang="en-US" altLang="ko-KR" dirty="0" smtClean="0">
                 <a:solidFill>
                   <a:srgbClr val="FFFF00"/>
                 </a:solidFill>
@@ -12306,7 +12308,7 @@
                   </a:glow>
                 </a:effectLst>
               </a:rPr>
-              <a:t>: </a:t>
+              <a:t>: SQLite</a:t>
             </a:r>
             <a:r>
               <a:rPr lang="ko-KR" altLang="en-US" dirty="0">
@@ -12321,7 +12323,7 @@
                   </a:glow>
                 </a:effectLst>
               </a:rPr>
-              <a:t>제목표시줄 제거</a:t>
+              <a:t>를 통하여 </a:t>
             </a:r>
             <a:r>
               <a:rPr lang="en-US" altLang="ko-KR" dirty="0">
@@ -12336,7 +12338,7 @@
                   </a:glow>
                 </a:effectLst>
               </a:rPr>
-              <a:t>, </a:t>
+              <a:t>DB</a:t>
             </a:r>
             <a:r>
               <a:rPr lang="ko-KR" altLang="en-US" dirty="0">
@@ -12351,7 +12353,7 @@
                   </a:glow>
                 </a:effectLst>
               </a:rPr>
-              <a:t>전체 화면</a:t>
+              <a:t>를 구축하여 </a:t>
             </a:r>
             <a:r>
               <a:rPr lang="en-US" altLang="ko-KR" dirty="0">
@@ -12366,7 +12368,7 @@
                   </a:glow>
                 </a:effectLst>
               </a:rPr>
-              <a:t>, </a:t>
+              <a:t>Ranking</a:t>
             </a:r>
             <a:r>
               <a:rPr lang="ko-KR" altLang="en-US" dirty="0">
@@ -12381,7 +12383,7 @@
                   </a:glow>
                 </a:effectLst>
               </a:rPr>
-              <a:t>화면 안 꺼짐</a:t>
+              <a:t>시스템 구현 </a:t>
             </a:r>
             <a:r>
               <a:rPr lang="en-US" altLang="ko-KR" dirty="0">
@@ -12396,10 +12398,10 @@
                   </a:glow>
                 </a:effectLst>
               </a:rPr>
-              <a:t>, </a:t>
-            </a:r>
-            <a:r>
-              <a:rPr lang="ko-KR" altLang="en-US" dirty="0">
+              <a:t>(column : index, date, point) – SQLite Manager </a:t>
+            </a:r>
+            <a:r>
+              <a:rPr lang="ko-KR" altLang="en-US" dirty="0" smtClean="0">
                 <a:solidFill>
                   <a:srgbClr val="FFFF00"/>
                 </a:solidFill>
@@ -12411,7 +12413,7 @@
                   </a:glow>
                 </a:effectLst>
               </a:rPr>
-              <a:t>화면 방향 고정</a:t>
+              <a:t>이용</a:t>
             </a:r>
             <a:endParaRPr lang="en-US" altLang="ko-KR" dirty="0">
               <a:solidFill>
@@ -12428,7 +12430,7 @@
           </a:p>
           <a:p>
             <a:r>
-              <a:rPr lang="ko-KR" altLang="en-US" dirty="0">
+              <a:rPr lang="ko-KR" altLang="en-US" dirty="0" smtClean="0">
                 <a:solidFill>
                   <a:srgbClr val="FFFF00"/>
                 </a:solidFill>
@@ -12440,24 +12442,10 @@
                   </a:glow>
                 </a:effectLst>
               </a:rPr>
-              <a:t>센서 사용하기</a:t>
-            </a:r>
-            <a:endParaRPr lang="en-US" altLang="ko-KR" dirty="0">
-              <a:solidFill>
-                <a:srgbClr val="FFFF00"/>
-              </a:solidFill>
-              <a:effectLst>
-                <a:glow rad="101600">
-                  <a:srgbClr val="FFFF00">
-                    <a:alpha val="40000"/>
-                  </a:srgbClr>
-                </a:glow>
-              </a:effectLst>
-            </a:endParaRPr>
-          </a:p>
-          <a:p>
-            <a:r>
-              <a:rPr lang="ko-KR" altLang="en-US" dirty="0" err="1">
+              <a:t>로딩화면 구현 </a:t>
+            </a:r>
+            <a:r>
+              <a:rPr lang="en-US" altLang="ko-KR" dirty="0" smtClean="0">
                 <a:solidFill>
                   <a:srgbClr val="FFFF00"/>
                 </a:solidFill>
@@ -12469,10 +12457,10 @@
                   </a:glow>
                 </a:effectLst>
               </a:rPr>
-              <a:t>렌더링</a:t>
-            </a:r>
-            <a:r>
-              <a:rPr lang="ko-KR" altLang="en-US" dirty="0">
+              <a:t>: Splash </a:t>
+            </a:r>
+            <a:r>
+              <a:rPr lang="en-US" altLang="ko-KR" dirty="0">
                 <a:solidFill>
                   <a:srgbClr val="FFFF00"/>
                 </a:solidFill>
@@ -12484,10 +12472,10 @@
                   </a:glow>
                 </a:effectLst>
               </a:rPr>
-              <a:t> </a:t>
-            </a:r>
-            <a:r>
-              <a:rPr lang="ko-KR" altLang="en-US" dirty="0" err="1">
+              <a:t>Activity</a:t>
+            </a:r>
+            <a:r>
+              <a:rPr lang="ko-KR" altLang="en-US" dirty="0">
                 <a:solidFill>
                   <a:srgbClr val="FFFF00"/>
                 </a:solidFill>
@@ -12499,22 +12487,8 @@
                   </a:glow>
                 </a:effectLst>
               </a:rPr>
-              <a:t>스레드</a:t>
-            </a:r>
-            <a:endParaRPr lang="en-US" altLang="ko-KR" dirty="0">
-              <a:solidFill>
-                <a:srgbClr val="FFFF00"/>
-              </a:solidFill>
-              <a:effectLst>
-                <a:glow rad="101600">
-                  <a:srgbClr val="FFFF00">
-                    <a:alpha val="40000"/>
-                  </a:srgbClr>
-                </a:glow>
-              </a:effectLst>
-            </a:endParaRPr>
-          </a:p>
-          <a:p>
+              <a:t>를 이용하여 </a:t>
+            </a:r>
             <a:r>
               <a:rPr lang="en-US" altLang="ko-KR" dirty="0">
                 <a:solidFill>
@@ -12528,10 +12502,8 @@
                   </a:glow>
                 </a:effectLst>
               </a:rPr>
-              <a:t>independent unit</a:t>
-            </a:r>
-          </a:p>
-          <a:p>
+              <a:t>Resource</a:t>
+            </a:r>
             <a:r>
               <a:rPr lang="ko-KR" altLang="en-US" dirty="0">
                 <a:solidFill>
@@ -12545,10 +12517,10 @@
                   </a:glow>
                 </a:effectLst>
               </a:rPr>
-              <a:t>게임 월드 내부 구조 </a:t>
-            </a:r>
-            <a:r>
-              <a:rPr lang="ko-KR" altLang="en-US" dirty="0" smtClean="0">
+              <a:t>가 </a:t>
+            </a:r>
+            <a:r>
+              <a:rPr lang="en-US" altLang="ko-KR" dirty="0">
                 <a:solidFill>
                   <a:srgbClr val="FFFF00"/>
                 </a:solidFill>
@@ -12560,20 +12532,68 @@
                   </a:glow>
                 </a:effectLst>
               </a:rPr>
-              <a:t>설계</a:t>
-            </a:r>
-            <a:endParaRPr lang="ko-KR" altLang="en-US" dirty="0">
-              <a:solidFill>
-                <a:srgbClr val="FFFF00"/>
-              </a:solidFill>
-              <a:effectLst>
-                <a:glow rad="101600">
-                  <a:srgbClr val="FFFF00">
-                    <a:alpha val="40000"/>
-                  </a:srgbClr>
-                </a:glow>
-              </a:effectLst>
-            </a:endParaRPr>
+              <a:t>loading </a:t>
+            </a:r>
+            <a:r>
+              <a:rPr lang="ko-KR" altLang="en-US" dirty="0">
+                <a:solidFill>
+                  <a:srgbClr val="FFFF00"/>
+                </a:solidFill>
+                <a:effectLst>
+                  <a:glow rad="101600">
+                    <a:srgbClr val="FFFF00">
+                      <a:alpha val="40000"/>
+                    </a:srgbClr>
+                  </a:glow>
+                </a:effectLst>
+              </a:rPr>
+              <a:t>되는 동안 팀의 </a:t>
+            </a:r>
+            <a:r>
+              <a:rPr lang="en-US" altLang="ko-KR" dirty="0">
+                <a:solidFill>
+                  <a:srgbClr val="FFFF00"/>
+                </a:solidFill>
+                <a:effectLst>
+                  <a:glow rad="101600">
+                    <a:srgbClr val="FFFF00">
+                      <a:alpha val="40000"/>
+                    </a:srgbClr>
+                  </a:glow>
+                </a:effectLst>
+              </a:rPr>
+              <a:t>Logo</a:t>
+            </a:r>
+            <a:r>
+              <a:rPr lang="ko-KR" altLang="en-US" dirty="0">
+                <a:solidFill>
+                  <a:srgbClr val="FFFF00"/>
+                </a:solidFill>
+                <a:effectLst>
+                  <a:glow rad="101600">
+                    <a:srgbClr val="FFFF00">
+                      <a:alpha val="40000"/>
+                    </a:srgbClr>
+                  </a:glow>
+                </a:effectLst>
+              </a:rPr>
+              <a:t>를 보여주도록 한다</a:t>
+            </a:r>
+            <a:r>
+              <a:rPr lang="en-US" altLang="ko-KR" dirty="0">
+                <a:solidFill>
+                  <a:srgbClr val="FFFF00"/>
+                </a:solidFill>
+                <a:effectLst>
+                  <a:glow rad="101600">
+                    <a:srgbClr val="FFFF00">
+                      <a:alpha val="40000"/>
+                    </a:srgbClr>
+                  </a:glow>
+                </a:effectLst>
+              </a:rPr>
+              <a:t>. </a:t>
+            </a:r>
           </a:p>
         </p:txBody>
       </p:sp>
@@ -12729,21 +12749,30 @@
                             </p:childTnLst>
                           </p:cTn>
                         </p:par>
+                      </p:childTnLst>
+                    </p:cTn>
+                  </p:par>
+                  <p:par>
+                    <p:cTn id="13" fill="hold">
+                      <p:stCondLst>
+                        <p:cond delay="indefinite"/>
+                      </p:stCondLst>
+                      <p:childTnLst>
                         <p:par>
-                          <p:cTn id="13" fill="hold">
+                          <p:cTn id="14" fill="hold">
                             <p:stCondLst>
-                              <p:cond delay="500"/>
+                              <p:cond delay="0"/>
                             </p:stCondLst>
                             <p:childTnLst>
                               <p:par>
-                                <p:cTn id="14" presetID="10" presetClass="entr" presetSubtype="0" fill="hold" grpId="0" nodeType="afterEffect">
+                                <p:cTn id="15" presetID="10" presetClass="entr" presetSubtype="0" fill="hold" grpId="0" nodeType="clickEffect">
                                   <p:stCondLst>
                                     <p:cond delay="0"/>
                                   </p:stCondLst>
                                   <p:childTnLst>
                                     <p:set>
                                       <p:cBhvr>
-                                        <p:cTn id="15" dur="1" fill="hold">
+                                        <p:cTn id="16" dur="1" fill="hold">
                                           <p:stCondLst>
                                             <p:cond delay="0"/>
                                           </p:stCondLst>
@@ -12765,167 +12794,11 @@
                                     </p:set>
                                     <p:animEffect transition="in" filter="fade">
                                       <p:cBhvr>
-                                        <p:cTn id="16" dur="500"/>
+                                        <p:cTn id="17" dur="500"/>
                                         <p:tgtEl>
                                           <p:spTgt spid="4">
                                             <p:txEl>
                                               <p:pRg st="1" end="1"/>
-                                            </p:txEl>
-                                          </p:spTgt>
-                                        </p:tgtEl>
-                                      </p:cBhvr>
-                                    </p:animEffect>
-                                  </p:childTnLst>
-                                </p:cTn>
-                              </p:par>
-                            </p:childTnLst>
-                          </p:cTn>
-                        </p:par>
-                        <p:par>
-                          <p:cTn id="17" fill="hold">
-                            <p:stCondLst>
-                              <p:cond delay="1000"/>
-                            </p:stCondLst>
-                            <p:childTnLst>
-                              <p:par>
-                                <p:cTn id="18" presetID="10" presetClass="entr" presetSubtype="0" fill="hold" grpId="0" nodeType="afterEffect">
-                                  <p:stCondLst>
-                                    <p:cond delay="0"/>
-                                  </p:stCondLst>
-                                  <p:childTnLst>
-                                    <p:set>
-                                      <p:cBhvr>
-                                        <p:cTn id="19" dur="1" fill="hold">
-                                          <p:stCondLst>
-                                            <p:cond delay="0"/>
-                                          </p:stCondLst>
-                                        </p:cTn>
-                                        <p:tgtEl>
-                                          <p:spTgt spid="4">
-                                            <p:txEl>
-                                              <p:pRg st="2" end="2"/>
-                                            </p:txEl>
-                                          </p:spTgt>
-                                        </p:tgtEl>
-                                        <p:attrNameLst>
-                                          <p:attrName>style.visibility</p:attrName>
-                                        </p:attrNameLst>
-                                      </p:cBhvr>
-                                      <p:to>
-                                        <p:strVal val="visible"/>
-                                      </p:to>
-                                    </p:set>
-                                    <p:animEffect transition="in" filter="fade">
-                                      <p:cBhvr>
-                                        <p:cTn id="20" dur="500"/>
-                                        <p:tgtEl>
-                                          <p:spTgt spid="4">
-                                            <p:txEl>
-                                              <p:pRg st="2" end="2"/>
-                                            </p:txEl>
-                                          </p:spTgt>
-                                        </p:tgtEl>
-                                      </p:cBhvr>
-                                    </p:animEffect>
-                                  </p:childTnLst>
-                                </p:cTn>
-                              </p:par>
-                            </p:childTnLst>
-                          </p:cTn>
-                        </p:par>
-                        <p:par>
-                          <p:cTn id="21" fill="hold">
-                            <p:stCondLst>
-                              <p:cond delay="1500"/>
-                            </p:stCondLst>
-                            <p:childTnLst>
-                              <p:par>
-                                <p:cTn id="22" presetID="10" presetClass="entr" presetSubtype="0" fill="hold" grpId="0" nodeType="afterEffect">
-                                  <p:stCondLst>
-                                    <p:cond delay="0"/>
-                                  </p:stCondLst>
-                                  <p:childTnLst>
-                                    <p:set>
-                                      <p:cBhvr>
-                                        <p:cTn id="23" dur="1" fill="hold">
-                                          <p:stCondLst>
-                                            <p:cond delay="0"/>
-                                          </p:stCondLst>
-                                        </p:cTn>
-                                        <p:tgtEl>
-                                          <p:spTgt spid="4">
-                                            <p:txEl>
-                                              <p:pRg st="3" end="3"/>
-                                            </p:txEl>
-                                          </p:spTgt>
-                                        </p:tgtEl>
-                                        <p:attrNameLst>
-                                          <p:attrName>style.visibility</p:attrName>
-                                        </p:attrNameLst>
-                                      </p:cBhvr>
-                                      <p:to>
-                                        <p:strVal val="visible"/>
-                                      </p:to>
-                                    </p:set>
-                                    <p:animEffect transition="in" filter="fade">
-                                      <p:cBhvr>
-                                        <p:cTn id="24" dur="500"/>
-                                        <p:tgtEl>
-                                          <p:spTgt spid="4">
-                                            <p:txEl>
-                                              <p:pRg st="3" end="3"/>
-                                            </p:txEl>
-                                          </p:spTgt>
-                                        </p:tgtEl>
-                                      </p:cBhvr>
-                                    </p:animEffect>
-                                  </p:childTnLst>
-                                </p:cTn>
-                              </p:par>
-                            </p:childTnLst>
-                          </p:cTn>
-                        </p:par>
-                        <p:par>
-                          <p:cTn id="25" fill="hold">
-                            <p:stCondLst>
-                              <p:cond delay="2000"/>
-                            </p:stCondLst>
-                            <p:childTnLst>
-                              <p:par>
-                                <p:cTn id="26" presetID="10" presetClass="entr" presetSubtype="0" fill="hold" grpId="0" nodeType="afterEffect">
-                                  <p:stCondLst>
-                                    <p:cond delay="0"/>
-                                  </p:stCondLst>
-                                  <p:childTnLst>
-                                    <p:set>
-                                      <p:cBhvr>
-                                        <p:cTn id="27" dur="1" fill="hold">
-                                          <p:stCondLst>
-                                            <p:cond delay="0"/>
-                                          </p:stCondLst>
-                                        </p:cTn>
-                                        <p:tgtEl>
-                                          <p:spTgt spid="4">
-                                            <p:txEl>
-                                              <p:pRg st="4" end="4"/>
-                                            </p:txEl>
-                                          </p:spTgt>
-                                        </p:tgtEl>
-                                        <p:attrNameLst>
-                                          <p:attrName>style.visibility</p:attrName>
-                                        </p:attrNameLst>
-                                      </p:cBhvr>
-                                      <p:to>
-                                        <p:strVal val="visible"/>
-                                      </p:to>
-                                    </p:set>
-                                    <p:animEffect transition="in" filter="fade">
-                                      <p:cBhvr>
-                                        <p:cTn id="28" dur="500"/>
-                                        <p:tgtEl>
-                                          <p:spTgt spid="4">
-                                            <p:txEl>
-                                              <p:pRg st="4" end="4"/>
                                             </p:txEl>
                                           </p:spTgt>
                                         </p:tgtEl>
@@ -13002,7 +12875,7 @@
           <a:lstStyle/>
           <a:p>
             <a:r>
-              <a:rPr lang="ko-KR" altLang="en-US" dirty="0">
+              <a:rPr lang="ko-KR" altLang="en-US" dirty="0" smtClean="0">
                 <a:solidFill>
                   <a:srgbClr val="00FFFF"/>
                 </a:solidFill>
@@ -13014,7 +12887,37 @@
                   </a:glow>
                 </a:effectLst>
               </a:rPr>
-              <a:t>센서 사용하기</a:t>
+              <a:t>진행 사항 </a:t>
+            </a:r>
+            <a:r>
+              <a:rPr lang="en-US" altLang="ko-KR" dirty="0" smtClean="0">
+                <a:solidFill>
+                  <a:srgbClr val="00FFFF"/>
+                </a:solidFill>
+                <a:effectLst>
+                  <a:glow rad="101600">
+                    <a:srgbClr val="00FFFF">
+                      <a:alpha val="40000"/>
+                    </a:srgbClr>
+                  </a:glow>
+                </a:effectLst>
+              </a:rPr>
+              <a:t>- </a:t>
+            </a:r>
+            <a:r>
+              <a:rPr lang="ko-KR" altLang="en-US" dirty="0" smtClean="0">
+                <a:solidFill>
+                  <a:srgbClr val="00FFFF"/>
+                </a:solidFill>
+                <a:effectLst>
+                  <a:glow rad="101600">
+                    <a:srgbClr val="00FFFF">
+                      <a:alpha val="40000"/>
+                    </a:srgbClr>
+                  </a:glow>
+                </a:effectLst>
+              </a:rPr>
+              <a:t>지상현</a:t>
             </a:r>
             <a:endParaRPr lang="ko-KR" altLang="en-US" dirty="0">
               <a:solidFill>
@@ -13044,7 +12947,7 @@
         <p:spPr/>
         <p:txBody>
           <a:bodyPr>
-            <a:normAutofit fontScale="70000" lnSpcReduction="20000"/>
+            <a:normAutofit/>
           </a:bodyPr>
           <a:lstStyle/>
           <a:p>
@@ -13225,331 +13128,8 @@
                   </a:glow>
                 </a:effectLst>
               </a:rPr>
-              <a:t>센서 </a:t>
-            </a:r>
-            <a:r>
-              <a:rPr lang="ko-KR" altLang="en-US" dirty="0" err="1">
-                <a:solidFill>
-                  <a:srgbClr val="FFFF00"/>
-                </a:solidFill>
-                <a:effectLst>
-                  <a:glow rad="101600">
-                    <a:srgbClr val="FFFF00">
-                      <a:alpha val="40000"/>
-                    </a:srgbClr>
-                  </a:glow>
-                </a:effectLst>
-              </a:rPr>
-              <a:t>사용하기게임의</a:t>
-            </a:r>
-            <a:r>
-              <a:rPr lang="ko-KR" altLang="en-US" dirty="0">
-                <a:solidFill>
-                  <a:srgbClr val="FFFF00"/>
-                </a:solidFill>
-                <a:effectLst>
-                  <a:glow rad="101600">
-                    <a:srgbClr val="FFFF00">
-                      <a:alpha val="40000"/>
-                    </a:srgbClr>
-                  </a:glow>
-                </a:effectLst>
-              </a:rPr>
-              <a:t> 주 컨트롤</a:t>
-            </a:r>
-            <a:r>
-              <a:rPr lang="en-US" altLang="ko-KR" dirty="0">
-                <a:solidFill>
-                  <a:srgbClr val="FFFF00"/>
-                </a:solidFill>
-                <a:effectLst>
-                  <a:glow rad="101600">
-                    <a:srgbClr val="FFFF00">
-                      <a:alpha val="40000"/>
-                    </a:srgbClr>
-                  </a:glow>
-                </a:effectLst>
-              </a:rPr>
-              <a:t>: </a:t>
-            </a:r>
-            <a:r>
-              <a:rPr lang="ko-KR" altLang="en-US" dirty="0">
-                <a:solidFill>
-                  <a:srgbClr val="FFFF00"/>
-                </a:solidFill>
-                <a:effectLst>
-                  <a:glow rad="101600">
-                    <a:srgbClr val="FFFF00">
-                      <a:alpha val="40000"/>
-                    </a:srgbClr>
-                  </a:glow>
-                </a:effectLst>
-              </a:rPr>
-              <a:t>센서를 이용해 아래 방향을 찾아</a:t>
-            </a:r>
-            <a:r>
-              <a:rPr lang="en-US" altLang="ko-KR" dirty="0">
-                <a:solidFill>
-                  <a:srgbClr val="FFFF00"/>
-                </a:solidFill>
-                <a:effectLst>
-                  <a:glow rad="101600">
-                    <a:srgbClr val="FFFF00">
-                      <a:alpha val="40000"/>
-                    </a:srgbClr>
-                  </a:glow>
-                </a:effectLst>
-              </a:rPr>
-              <a:t>, </a:t>
-            </a:r>
-            <a:r>
-              <a:rPr lang="ko-KR" altLang="en-US" dirty="0">
-                <a:solidFill>
-                  <a:srgbClr val="FFFF00"/>
-                </a:solidFill>
-                <a:effectLst>
-                  <a:glow rad="101600">
-                    <a:srgbClr val="FFFF00">
-                      <a:alpha val="40000"/>
-                    </a:srgbClr>
-                  </a:glow>
-                </a:effectLst>
-              </a:rPr>
-              <a:t>공을 낙하시킴</a:t>
-            </a:r>
-          </a:p>
-          <a:p>
-            <a:r>
-              <a:rPr lang="ko-KR" altLang="en-US" dirty="0">
-                <a:solidFill>
-                  <a:srgbClr val="FFFF00"/>
-                </a:solidFill>
-                <a:effectLst>
-                  <a:glow rad="101600">
-                    <a:srgbClr val="FFFF00">
-                      <a:alpha val="40000"/>
-                    </a:srgbClr>
-                  </a:glow>
-                </a:effectLst>
-              </a:rPr>
-              <a:t>기기의 자세</a:t>
-            </a:r>
-            <a:r>
-              <a:rPr lang="en-US" altLang="ko-KR" dirty="0">
-                <a:solidFill>
-                  <a:srgbClr val="FFFF00"/>
-                </a:solidFill>
-                <a:effectLst>
-                  <a:glow rad="101600">
-                    <a:srgbClr val="FFFF00">
-                      <a:alpha val="40000"/>
-                    </a:srgbClr>
-                  </a:glow>
-                </a:effectLst>
-              </a:rPr>
-              <a:t>(poses)</a:t>
-            </a:r>
-            <a:r>
-              <a:rPr lang="ko-KR" altLang="en-US" dirty="0">
-                <a:solidFill>
-                  <a:srgbClr val="FFFF00"/>
-                </a:solidFill>
-                <a:effectLst>
-                  <a:glow rad="101600">
-                    <a:srgbClr val="FFFF00">
-                      <a:alpha val="40000"/>
-                    </a:srgbClr>
-                  </a:glow>
-                </a:effectLst>
-              </a:rPr>
-              <a:t>를 알기 위해 방향 센서</a:t>
-            </a:r>
-            <a:r>
-              <a:rPr lang="en-US" altLang="ko-KR" dirty="0">
-                <a:solidFill>
-                  <a:srgbClr val="FFFF00"/>
-                </a:solidFill>
-                <a:effectLst>
-                  <a:glow rad="101600">
-                    <a:srgbClr val="FFFF00">
-                      <a:alpha val="40000"/>
-                    </a:srgbClr>
-                  </a:glow>
-                </a:effectLst>
-              </a:rPr>
-              <a:t>(orientation sensor)</a:t>
-            </a:r>
-            <a:r>
-              <a:rPr lang="ko-KR" altLang="en-US" dirty="0">
-                <a:solidFill>
-                  <a:srgbClr val="FFFF00"/>
-                </a:solidFill>
-                <a:effectLst>
-                  <a:glow rad="101600">
-                    <a:srgbClr val="FFFF00">
-                      <a:alpha val="40000"/>
-                    </a:srgbClr>
-                  </a:glow>
-                </a:effectLst>
-              </a:rPr>
-              <a:t>를 사용함</a:t>
-            </a:r>
-          </a:p>
-          <a:p>
-            <a:r>
-              <a:rPr lang="ko-KR" altLang="en-US" dirty="0">
-                <a:solidFill>
-                  <a:srgbClr val="FFFF00"/>
-                </a:solidFill>
-                <a:effectLst>
-                  <a:glow rad="101600">
-                    <a:srgbClr val="FFFF00">
-                      <a:alpha val="40000"/>
-                    </a:srgbClr>
-                  </a:glow>
-                </a:effectLst>
-              </a:rPr>
-              <a:t>센서 </a:t>
-            </a:r>
-            <a:r>
-              <a:rPr lang="ko-KR" altLang="en-US" dirty="0" err="1">
-                <a:solidFill>
-                  <a:srgbClr val="FFFF00"/>
-                </a:solidFill>
-                <a:effectLst>
-                  <a:glow rad="101600">
-                    <a:srgbClr val="FFFF00">
-                      <a:alpha val="40000"/>
-                    </a:srgbClr>
-                  </a:glow>
-                </a:effectLst>
-              </a:rPr>
-              <a:t>출력값</a:t>
-            </a:r>
-            <a:r>
-              <a:rPr lang="en-US" altLang="ko-KR" dirty="0">
-                <a:solidFill>
-                  <a:srgbClr val="FFFF00"/>
-                </a:solidFill>
-                <a:effectLst>
-                  <a:glow rad="101600">
-                    <a:srgbClr val="FFFF00">
-                      <a:alpha val="40000"/>
-                    </a:srgbClr>
-                  </a:glow>
-                </a:effectLst>
-              </a:rPr>
-              <a:t>: azimuth(</a:t>
-            </a:r>
-            <a:r>
-              <a:rPr lang="ko-KR" altLang="en-US" dirty="0">
-                <a:solidFill>
-                  <a:srgbClr val="FFFF00"/>
-                </a:solidFill>
-                <a:effectLst>
-                  <a:glow rad="101600">
-                    <a:srgbClr val="FFFF00">
-                      <a:alpha val="40000"/>
-                    </a:srgbClr>
-                  </a:glow>
-                </a:effectLst>
-              </a:rPr>
-              <a:t>방위</a:t>
-            </a:r>
-            <a:r>
-              <a:rPr lang="en-US" altLang="ko-KR" dirty="0">
-                <a:solidFill>
-                  <a:srgbClr val="FFFF00"/>
-                </a:solidFill>
-                <a:effectLst>
-                  <a:glow rad="101600">
-                    <a:srgbClr val="FFFF00">
-                      <a:alpha val="40000"/>
-                    </a:srgbClr>
-                  </a:glow>
-                </a:effectLst>
-              </a:rPr>
-              <a:t>), pitch(</a:t>
-            </a:r>
-            <a:r>
-              <a:rPr lang="ko-KR" altLang="en-US" dirty="0" err="1">
-                <a:solidFill>
-                  <a:srgbClr val="FFFF00"/>
-                </a:solidFill>
-                <a:effectLst>
-                  <a:glow rad="101600">
-                    <a:srgbClr val="FFFF00">
-                      <a:alpha val="40000"/>
-                    </a:srgbClr>
-                  </a:glow>
-                </a:effectLst>
-              </a:rPr>
-              <a:t>세움각</a:t>
-            </a:r>
-            <a:r>
-              <a:rPr lang="en-US" altLang="ko-KR" dirty="0">
-                <a:solidFill>
-                  <a:srgbClr val="FFFF00"/>
-                </a:solidFill>
-                <a:effectLst>
-                  <a:glow rad="101600">
-                    <a:srgbClr val="FFFF00">
-                      <a:alpha val="40000"/>
-                    </a:srgbClr>
-                  </a:glow>
-                </a:effectLst>
-              </a:rPr>
-              <a:t>), roll(</a:t>
-            </a:r>
-            <a:r>
-              <a:rPr lang="ko-KR" altLang="en-US" dirty="0" err="1">
-                <a:solidFill>
-                  <a:srgbClr val="FFFF00"/>
-                </a:solidFill>
-                <a:effectLst>
-                  <a:glow rad="101600">
-                    <a:srgbClr val="FFFF00">
-                      <a:alpha val="40000"/>
-                    </a:srgbClr>
-                  </a:glow>
-                </a:effectLst>
-              </a:rPr>
-              <a:t>구름각</a:t>
-            </a:r>
-            <a:r>
-              <a:rPr lang="en-US" altLang="ko-KR" dirty="0">
-                <a:solidFill>
-                  <a:srgbClr val="FFFF00"/>
-                </a:solidFill>
-                <a:effectLst>
-                  <a:glow rad="101600">
-                    <a:srgbClr val="FFFF00">
-                      <a:alpha val="40000"/>
-                    </a:srgbClr>
-                  </a:glow>
-                </a:effectLst>
-              </a:rPr>
-              <a:t>)</a:t>
-            </a:r>
-          </a:p>
-          <a:p>
-            <a:r>
-              <a:rPr lang="ko-KR" altLang="en-US" dirty="0">
-                <a:solidFill>
-                  <a:srgbClr val="FFFF00"/>
-                </a:solidFill>
-                <a:effectLst>
-                  <a:glow rad="101600">
-                    <a:srgbClr val="FFFF00">
-                      <a:alpha val="40000"/>
-                    </a:srgbClr>
-                  </a:glow>
-                </a:effectLst>
-              </a:rPr>
-              <a:t>기울기에 따라 축도 기울어지므로 절대적인 아래 방향을 찾으려면 추가 계산 필요</a:t>
-            </a:r>
-          </a:p>
-          <a:p>
+              <a:t>센서 사용하기</a:t>
+            </a:r>
             <a:endParaRPr lang="en-US" altLang="ko-KR" dirty="0">
               <a:solidFill>
                 <a:srgbClr val="FFFF00"/>
@@ -13711,7 +13291,7 @@
     </p:spTree>
     <p:extLst>
       <p:ext uri="{BB962C8B-B14F-4D97-AF65-F5344CB8AC3E}">
-        <p14:creationId xmlns:p14="http://schemas.microsoft.com/office/powerpoint/2010/main" val="4143101253"/>
+        <p14:creationId xmlns:p14="http://schemas.microsoft.com/office/powerpoint/2010/main" val="658081931"/>
       </p:ext>
     </p:extLst>
   </p:cSld>
@@ -14034,162 +13614,6 @@
                                           <p:spTgt spid="4">
                                             <p:txEl>
                                               <p:pRg st="4" end="4"/>
-                                            </p:txEl>
-                                          </p:spTgt>
-                                        </p:tgtEl>
-                                      </p:cBhvr>
-                                    </p:animEffect>
-                                  </p:childTnLst>
-                                </p:cTn>
-                              </p:par>
-                            </p:childTnLst>
-                          </p:cTn>
-                        </p:par>
-                        <p:par>
-                          <p:cTn id="29" fill="hold">
-                            <p:stCondLst>
-                              <p:cond delay="2500"/>
-                            </p:stCondLst>
-                            <p:childTnLst>
-                              <p:par>
-                                <p:cTn id="30" presetID="10" presetClass="entr" presetSubtype="0" fill="hold" grpId="0" nodeType="afterEffect">
-                                  <p:stCondLst>
-                                    <p:cond delay="0"/>
-                                  </p:stCondLst>
-                                  <p:childTnLst>
-                                    <p:set>
-                                      <p:cBhvr>
-                                        <p:cTn id="31" dur="1" fill="hold">
-                                          <p:stCondLst>
-                                            <p:cond delay="0"/>
-                                          </p:stCondLst>
-                                        </p:cTn>
-                                        <p:tgtEl>
-                                          <p:spTgt spid="4">
-                                            <p:txEl>
-                                              <p:pRg st="6" end="6"/>
-                                            </p:txEl>
-                                          </p:spTgt>
-                                        </p:tgtEl>
-                                        <p:attrNameLst>
-                                          <p:attrName>style.visibility</p:attrName>
-                                        </p:attrNameLst>
-                                      </p:cBhvr>
-                                      <p:to>
-                                        <p:strVal val="visible"/>
-                                      </p:to>
-                                    </p:set>
-                                    <p:animEffect transition="in" filter="fade">
-                                      <p:cBhvr>
-                                        <p:cTn id="32" dur="500"/>
-                                        <p:tgtEl>
-                                          <p:spTgt spid="4">
-                                            <p:txEl>
-                                              <p:pRg st="6" end="6"/>
-                                            </p:txEl>
-                                          </p:spTgt>
-                                        </p:tgtEl>
-                                      </p:cBhvr>
-                                    </p:animEffect>
-                                  </p:childTnLst>
-                                </p:cTn>
-                              </p:par>
-                            </p:childTnLst>
-                          </p:cTn>
-                        </p:par>
-                        <p:par>
-                          <p:cTn id="33" fill="hold">
-                            <p:stCondLst>
-                              <p:cond delay="3000"/>
-                            </p:stCondLst>
-                            <p:childTnLst>
-                              <p:par>
-                                <p:cTn id="34" presetID="10" presetClass="entr" presetSubtype="0" fill="hold" grpId="0" nodeType="afterEffect">
-                                  <p:stCondLst>
-                                    <p:cond delay="0"/>
-                                  </p:stCondLst>
-                                  <p:childTnLst>
-                                    <p:set>
-                                      <p:cBhvr>
-                                        <p:cTn id="35" dur="1" fill="hold">
-                                          <p:stCondLst>
-                                            <p:cond delay="0"/>
-                                          </p:stCondLst>
-                                        </p:cTn>
-                                        <p:tgtEl>
-                                          <p:spTgt spid="4">
-                                            <p:txEl>
-                                              <p:pRg st="7" end="7"/>
-                                            </p:txEl>
-                                          </p:spTgt>
-                                        </p:tgtEl>
-                                        <p:attrNameLst>
-                                          <p:attrName>style.visibility</p:attrName>
-                                        </p:attrNameLst>
-                                      </p:cBhvr>
-                                      <p:to>
-                                        <p:strVal val="visible"/>
-                                      </p:to>
-                                    </p:set>
-                                    <p:animEffect transition="in" filter="fade">
-                                      <p:cBhvr>
-                                        <p:cTn id="36" dur="500"/>
-                                        <p:tgtEl>
-                                          <p:spTgt spid="4">
-                                            <p:txEl>
-                                              <p:pRg st="7" end="7"/>
-                                            </p:txEl>
-                                          </p:spTgt>
-                                        </p:tgtEl>
-                                      </p:cBhvr>
-                                    </p:animEffect>
-                                  </p:childTnLst>
-                                </p:cTn>
-                              </p:par>
-                            </p:childTnLst>
-                          </p:cTn>
-                        </p:par>
-                        <p:par>
-                          <p:cTn id="37" fill="hold">
-                            <p:stCondLst>
-                              <p:cond delay="3500"/>
-                            </p:stCondLst>
-                            <p:childTnLst>
-                              <p:par>
-                                <p:cTn id="38" presetID="10" presetClass="entr" presetSubtype="0" fill="hold" grpId="0" nodeType="afterEffect">
-                                  <p:stCondLst>
-                                    <p:cond delay="0"/>
-                                  </p:stCondLst>
-                                  <p:childTnLst>
-                                    <p:set>
-                                      <p:cBhvr>
-                                        <p:cTn id="39" dur="1" fill="hold">
-                                          <p:stCondLst>
-                                            <p:cond delay="0"/>
-                                          </p:stCondLst>
-                                        </p:cTn>
-                                        <p:tgtEl>
-                                          <p:spTgt spid="4">
-                                            <p:txEl>
-                                              <p:pRg st="8" end="8"/>
-                                            </p:txEl>
-                                          </p:spTgt>
-                                        </p:tgtEl>
-                                        <p:attrNameLst>
-                                          <p:attrName>style.visibility</p:attrName>
-                                        </p:attrNameLst>
-                                      </p:cBhvr>
-                                      <p:to>
-                                        <p:strVal val="visible"/>
-                                      </p:to>
-                                    </p:set>
-                                    <p:animEffect transition="in" filter="fade">
-                                      <p:cBhvr>
-                                        <p:cTn id="40" dur="500"/>
-                                        <p:tgtEl>
-                                          <p:spTgt spid="4">
-                                            <p:txEl>
-                                              <p:pRg st="8" end="8"/>
                                             </p:txEl>
                                           </p:spTgt>
                                         </p:tgtEl>
@@ -14266,7 +13690,7 @@
           <a:lstStyle/>
           <a:p>
             <a:r>
-              <a:rPr lang="ko-KR" altLang="en-US" dirty="0" err="1">
+              <a:rPr lang="ko-KR" altLang="en-US" dirty="0">
                 <a:solidFill>
                   <a:srgbClr val="00FFFF"/>
                 </a:solidFill>
@@ -14278,50 +13702,8 @@
                   </a:glow>
                 </a:effectLst>
               </a:rPr>
-              <a:t>렌더링</a:t>
-            </a:r>
-            <a:r>
-              <a:rPr lang="ko-KR" altLang="en-US" dirty="0">
-                <a:solidFill>
-                  <a:srgbClr val="00FFFF"/>
-                </a:solidFill>
-                <a:effectLst>
-                  <a:glow rad="101600">
-                    <a:srgbClr val="00FFFF">
-                      <a:alpha val="40000"/>
-                    </a:srgbClr>
-                  </a:glow>
-                </a:effectLst>
-              </a:rPr>
-              <a:t> </a:t>
-            </a:r>
-            <a:r>
-              <a:rPr lang="ko-KR" altLang="en-US" dirty="0" err="1">
-                <a:solidFill>
-                  <a:srgbClr val="00FFFF"/>
-                </a:solidFill>
-                <a:effectLst>
-                  <a:glow rad="101600">
-                    <a:srgbClr val="00FFFF">
-                      <a:alpha val="40000"/>
-                    </a:srgbClr>
-                  </a:glow>
-                </a:effectLst>
-              </a:rPr>
-              <a:t>스레드</a:t>
-            </a:r>
-            <a:endParaRPr lang="ko-KR" altLang="en-US" dirty="0">
-              <a:solidFill>
-                <a:srgbClr val="00FFFF"/>
-              </a:solidFill>
-              <a:effectLst>
-                <a:glow rad="101600">
-                  <a:srgbClr val="00FFFF">
-                    <a:alpha val="40000"/>
-                  </a:srgbClr>
-                </a:glow>
-              </a:effectLst>
-            </a:endParaRPr>
+              <a:t>센서 사용하기</a:t>
+            </a:r>
           </a:p>
         </p:txBody>
       </p:sp>
@@ -14338,12 +13720,12 @@
         <p:spPr/>
         <p:txBody>
           <a:bodyPr>
-            <a:normAutofit/>
+            <a:normAutofit fontScale="70000" lnSpcReduction="20000"/>
           </a:bodyPr>
           <a:lstStyle/>
           <a:p>
             <a:r>
-              <a:rPr lang="ko-KR" altLang="en-US" dirty="0">
+              <a:rPr lang="ko-KR" altLang="en-US" dirty="0" smtClean="0">
                 <a:solidFill>
                   <a:srgbClr val="FFFF00"/>
                 </a:solidFill>
@@ -14355,10 +13737,10 @@
                   </a:glow>
                 </a:effectLst>
               </a:rPr>
-              <a:t>안드로이드는 </a:t>
-            </a:r>
-            <a:r>
-              <a:rPr lang="en-US" altLang="ko-KR" dirty="0">
+              <a:t>기본 </a:t>
+            </a:r>
+            <a:r>
+              <a:rPr lang="ko-KR" altLang="en-US" dirty="0">
                 <a:solidFill>
                   <a:srgbClr val="FFFF00"/>
                 </a:solidFill>
@@ -14370,10 +13752,10 @@
                   </a:glow>
                 </a:effectLst>
               </a:rPr>
-              <a:t>UI </a:t>
-            </a:r>
-            <a:r>
-              <a:rPr lang="ko-KR" altLang="en-US" dirty="0" err="1">
+              <a:t>처리</a:t>
+            </a:r>
+            <a:r>
+              <a:rPr lang="en-US" altLang="ko-KR" dirty="0">
                 <a:solidFill>
                   <a:srgbClr val="FFFF00"/>
                 </a:solidFill>
@@ -14385,7 +13767,7 @@
                   </a:glow>
                 </a:effectLst>
               </a:rPr>
-              <a:t>스레드가</a:t>
+              <a:t>: </a:t>
             </a:r>
             <a:r>
               <a:rPr lang="ko-KR" altLang="en-US" dirty="0">
@@ -14400,12 +13782,10 @@
                   </a:glow>
                 </a:effectLst>
               </a:rPr>
-              <a:t> 하나만 존재</a:t>
-            </a:r>
-          </a:p>
-          <a:p>
-            <a:r>
-              <a:rPr lang="ko-KR" altLang="en-US" dirty="0">
+              <a:t>제목표시줄 제거</a:t>
+            </a:r>
+            <a:r>
+              <a:rPr lang="en-US" altLang="ko-KR" dirty="0">
                 <a:solidFill>
                   <a:srgbClr val="FFFF00"/>
                 </a:solidFill>
@@ -14417,10 +13797,10 @@
                   </a:glow>
                 </a:effectLst>
               </a:rPr>
-              <a:t>잠금 </a:t>
-            </a:r>
-            <a:r>
-              <a:rPr lang="ko-KR" altLang="en-US" dirty="0" err="1">
+              <a:t>, </a:t>
+            </a:r>
+            <a:r>
+              <a:rPr lang="ko-KR" altLang="en-US" dirty="0">
                 <a:solidFill>
                   <a:srgbClr val="FFFF00"/>
                 </a:solidFill>
@@ -14432,10 +13812,10 @@
                   </a:glow>
                 </a:effectLst>
               </a:rPr>
-              <a:t>매커니즘이</a:t>
-            </a:r>
-            <a:r>
-              <a:rPr lang="ko-KR" altLang="en-US" dirty="0">
+              <a:t>전체 화면</a:t>
+            </a:r>
+            <a:r>
+              <a:rPr lang="en-US" altLang="ko-KR" dirty="0">
                 <a:solidFill>
                   <a:srgbClr val="FFFF00"/>
                 </a:solidFill>
@@ -14447,10 +13827,10 @@
                   </a:glow>
                 </a:effectLst>
               </a:rPr>
-              <a:t> 있는 </a:t>
-            </a:r>
-            <a:r>
-              <a:rPr lang="en-US" altLang="ko-KR" dirty="0" err="1">
+              <a:t>, </a:t>
+            </a:r>
+            <a:r>
+              <a:rPr lang="ko-KR" altLang="en-US" dirty="0">
                 <a:solidFill>
                   <a:srgbClr val="FFFF00"/>
                 </a:solidFill>
@@ -14462,10 +13842,421 @@
                   </a:glow>
                 </a:effectLst>
               </a:rPr>
-              <a:t>SurfaceView</a:t>
+              <a:t>화면 안 꺼짐</a:t>
             </a:r>
             <a:r>
               <a:rPr lang="en-US" altLang="ko-KR" dirty="0">
+                <a:solidFill>
+                  <a:srgbClr val="FFFF00"/>
+                </a:solidFill>
+                <a:effectLst>
+                  <a:glow rad="101600">
+                    <a:srgbClr val="FFFF00">
+                      <a:alpha val="40000"/>
+                    </a:srgbClr>
+                  </a:glow>
+                </a:effectLst>
+              </a:rPr>
+              <a:t>, </a:t>
+            </a:r>
+            <a:r>
+              <a:rPr lang="ko-KR" altLang="en-US" dirty="0">
+                <a:solidFill>
+                  <a:srgbClr val="FFFF00"/>
+                </a:solidFill>
+                <a:effectLst>
+                  <a:glow rad="101600">
+                    <a:srgbClr val="FFFF00">
+                      <a:alpha val="40000"/>
+                    </a:srgbClr>
+                  </a:glow>
+                </a:effectLst>
+              </a:rPr>
+              <a:t>화면 방향 고정</a:t>
+            </a:r>
+            <a:endParaRPr lang="en-US" altLang="ko-KR" dirty="0">
+              <a:solidFill>
+                <a:srgbClr val="FFFF00"/>
+              </a:solidFill>
+              <a:effectLst>
+                <a:glow rad="101600">
+                  <a:srgbClr val="FFFF00">
+                    <a:alpha val="40000"/>
+                  </a:srgbClr>
+                </a:glow>
+              </a:effectLst>
+            </a:endParaRPr>
+          </a:p>
+          <a:p>
+            <a:r>
+              <a:rPr lang="ko-KR" altLang="en-US" dirty="0">
+                <a:solidFill>
+                  <a:srgbClr val="FFFF00"/>
+                </a:solidFill>
+                <a:effectLst>
+                  <a:glow rad="101600">
+                    <a:srgbClr val="FFFF00">
+                      <a:alpha val="40000"/>
+                    </a:srgbClr>
+                  </a:glow>
+                </a:effectLst>
+              </a:rPr>
+              <a:t>센서 </a:t>
+            </a:r>
+            <a:r>
+              <a:rPr lang="ko-KR" altLang="en-US" dirty="0" err="1">
+                <a:solidFill>
+                  <a:srgbClr val="FFFF00"/>
+                </a:solidFill>
+                <a:effectLst>
+                  <a:glow rad="101600">
+                    <a:srgbClr val="FFFF00">
+                      <a:alpha val="40000"/>
+                    </a:srgbClr>
+                  </a:glow>
+                </a:effectLst>
+              </a:rPr>
+              <a:t>사용하기게임의</a:t>
+            </a:r>
+            <a:r>
+              <a:rPr lang="ko-KR" altLang="en-US" dirty="0">
+                <a:solidFill>
+                  <a:srgbClr val="FFFF00"/>
+                </a:solidFill>
+                <a:effectLst>
+                  <a:glow rad="101600">
+                    <a:srgbClr val="FFFF00">
+                      <a:alpha val="40000"/>
+                    </a:srgbClr>
+                  </a:glow>
+                </a:effectLst>
+              </a:rPr>
+              <a:t> 주 컨트롤</a:t>
+            </a:r>
+            <a:r>
+              <a:rPr lang="en-US" altLang="ko-KR" dirty="0">
+                <a:solidFill>
+                  <a:srgbClr val="FFFF00"/>
+                </a:solidFill>
+                <a:effectLst>
+                  <a:glow rad="101600">
+                    <a:srgbClr val="FFFF00">
+                      <a:alpha val="40000"/>
+                    </a:srgbClr>
+                  </a:glow>
+                </a:effectLst>
+              </a:rPr>
+              <a:t>: </a:t>
+            </a:r>
+            <a:r>
+              <a:rPr lang="ko-KR" altLang="en-US" dirty="0">
+                <a:solidFill>
+                  <a:srgbClr val="FFFF00"/>
+                </a:solidFill>
+                <a:effectLst>
+                  <a:glow rad="101600">
+                    <a:srgbClr val="FFFF00">
+                      <a:alpha val="40000"/>
+                    </a:srgbClr>
+                  </a:glow>
+                </a:effectLst>
+              </a:rPr>
+              <a:t>센서를 이용해 아래 방향을 찾아</a:t>
+            </a:r>
+            <a:r>
+              <a:rPr lang="en-US" altLang="ko-KR" dirty="0">
+                <a:solidFill>
+                  <a:srgbClr val="FFFF00"/>
+                </a:solidFill>
+                <a:effectLst>
+                  <a:glow rad="101600">
+                    <a:srgbClr val="FFFF00">
+                      <a:alpha val="40000"/>
+                    </a:srgbClr>
+                  </a:glow>
+                </a:effectLst>
+              </a:rPr>
+              <a:t>, </a:t>
+            </a:r>
+            <a:r>
+              <a:rPr lang="ko-KR" altLang="en-US" dirty="0">
+                <a:solidFill>
+                  <a:srgbClr val="FFFF00"/>
+                </a:solidFill>
+                <a:effectLst>
+                  <a:glow rad="101600">
+                    <a:srgbClr val="FFFF00">
+                      <a:alpha val="40000"/>
+                    </a:srgbClr>
+                  </a:glow>
+                </a:effectLst>
+              </a:rPr>
+              <a:t>공을 낙하시킴</a:t>
+            </a:r>
+          </a:p>
+          <a:p>
+            <a:r>
+              <a:rPr lang="ko-KR" altLang="en-US" dirty="0">
+                <a:solidFill>
+                  <a:srgbClr val="FFFF00"/>
+                </a:solidFill>
+                <a:effectLst>
+                  <a:glow rad="101600">
+                    <a:srgbClr val="FFFF00">
+                      <a:alpha val="40000"/>
+                    </a:srgbClr>
+                  </a:glow>
+                </a:effectLst>
+              </a:rPr>
+              <a:t>기기의 자세</a:t>
+            </a:r>
+            <a:r>
+              <a:rPr lang="en-US" altLang="ko-KR" dirty="0">
+                <a:solidFill>
+                  <a:srgbClr val="FFFF00"/>
+                </a:solidFill>
+                <a:effectLst>
+                  <a:glow rad="101600">
+                    <a:srgbClr val="FFFF00">
+                      <a:alpha val="40000"/>
+                    </a:srgbClr>
+                  </a:glow>
+                </a:effectLst>
+              </a:rPr>
+              <a:t>(poses)</a:t>
+            </a:r>
+            <a:r>
+              <a:rPr lang="ko-KR" altLang="en-US" dirty="0">
+                <a:solidFill>
+                  <a:srgbClr val="FFFF00"/>
+                </a:solidFill>
+                <a:effectLst>
+                  <a:glow rad="101600">
+                    <a:srgbClr val="FFFF00">
+                      <a:alpha val="40000"/>
+                    </a:srgbClr>
+                  </a:glow>
+                </a:effectLst>
+              </a:rPr>
+              <a:t>를 알기 위해 방향 센서</a:t>
+            </a:r>
+            <a:r>
+              <a:rPr lang="en-US" altLang="ko-KR" dirty="0">
+                <a:solidFill>
+                  <a:srgbClr val="FFFF00"/>
+                </a:solidFill>
+                <a:effectLst>
+                  <a:glow rad="101600">
+                    <a:srgbClr val="FFFF00">
+                      <a:alpha val="40000"/>
+                    </a:srgbClr>
+                  </a:glow>
+                </a:effectLst>
+              </a:rPr>
+              <a:t>(orientation sensor)</a:t>
+            </a:r>
+            <a:r>
+              <a:rPr lang="ko-KR" altLang="en-US" dirty="0">
+                <a:solidFill>
+                  <a:srgbClr val="FFFF00"/>
+                </a:solidFill>
+                <a:effectLst>
+                  <a:glow rad="101600">
+                    <a:srgbClr val="FFFF00">
+                      <a:alpha val="40000"/>
+                    </a:srgbClr>
+                  </a:glow>
+                </a:effectLst>
+              </a:rPr>
+              <a:t>를 사용함</a:t>
+            </a:r>
+          </a:p>
+          <a:p>
+            <a:r>
+              <a:rPr lang="ko-KR" altLang="en-US" dirty="0">
+                <a:solidFill>
+                  <a:srgbClr val="FFFF00"/>
+                </a:solidFill>
+                <a:effectLst>
+                  <a:glow rad="101600">
+                    <a:srgbClr val="FFFF00">
+                      <a:alpha val="40000"/>
+                    </a:srgbClr>
+                  </a:glow>
+                </a:effectLst>
+              </a:rPr>
+              <a:t>센서 </a:t>
+            </a:r>
+            <a:r>
+              <a:rPr lang="ko-KR" altLang="en-US" dirty="0" err="1">
+                <a:solidFill>
+                  <a:srgbClr val="FFFF00"/>
+                </a:solidFill>
+                <a:effectLst>
+                  <a:glow rad="101600">
+                    <a:srgbClr val="FFFF00">
+                      <a:alpha val="40000"/>
+                    </a:srgbClr>
+                  </a:glow>
+                </a:effectLst>
+              </a:rPr>
+              <a:t>출력값</a:t>
+            </a:r>
+            <a:r>
+              <a:rPr lang="en-US" altLang="ko-KR" dirty="0">
+                <a:solidFill>
+                  <a:srgbClr val="FFFF00"/>
+                </a:solidFill>
+                <a:effectLst>
+                  <a:glow rad="101600">
+                    <a:srgbClr val="FFFF00">
+                      <a:alpha val="40000"/>
+                    </a:srgbClr>
+                  </a:glow>
+                </a:effectLst>
+              </a:rPr>
+              <a:t>: azimuth(</a:t>
+            </a:r>
+            <a:r>
+              <a:rPr lang="ko-KR" altLang="en-US" dirty="0">
+                <a:solidFill>
+                  <a:srgbClr val="FFFF00"/>
+                </a:solidFill>
+                <a:effectLst>
+                  <a:glow rad="101600">
+                    <a:srgbClr val="FFFF00">
+                      <a:alpha val="40000"/>
+                    </a:srgbClr>
+                  </a:glow>
+                </a:effectLst>
+              </a:rPr>
+              <a:t>방위</a:t>
+            </a:r>
+            <a:r>
+              <a:rPr lang="en-US" altLang="ko-KR" dirty="0">
+                <a:solidFill>
+                  <a:srgbClr val="FFFF00"/>
+                </a:solidFill>
+                <a:effectLst>
+                  <a:glow rad="101600">
+                    <a:srgbClr val="FFFF00">
+                      <a:alpha val="40000"/>
+                    </a:srgbClr>
+                  </a:glow>
+                </a:effectLst>
+              </a:rPr>
+              <a:t>), pitch(</a:t>
+            </a:r>
+            <a:r>
+              <a:rPr lang="ko-KR" altLang="en-US" dirty="0" err="1">
+                <a:solidFill>
+                  <a:srgbClr val="FFFF00"/>
+                </a:solidFill>
+                <a:effectLst>
+                  <a:glow rad="101600">
+                    <a:srgbClr val="FFFF00">
+                      <a:alpha val="40000"/>
+                    </a:srgbClr>
+                  </a:glow>
+                </a:effectLst>
+              </a:rPr>
+              <a:t>세움각</a:t>
+            </a:r>
+            <a:r>
+              <a:rPr lang="en-US" altLang="ko-KR" dirty="0">
+                <a:solidFill>
+                  <a:srgbClr val="FFFF00"/>
+                </a:solidFill>
+                <a:effectLst>
+                  <a:glow rad="101600">
+                    <a:srgbClr val="FFFF00">
+                      <a:alpha val="40000"/>
+                    </a:srgbClr>
+                  </a:glow>
+                </a:effectLst>
+              </a:rPr>
+              <a:t>), roll(</a:t>
+            </a:r>
+            <a:r>
+              <a:rPr lang="ko-KR" altLang="en-US" dirty="0" err="1">
+                <a:solidFill>
+                  <a:srgbClr val="FFFF00"/>
+                </a:solidFill>
+                <a:effectLst>
+                  <a:glow rad="101600">
+                    <a:srgbClr val="FFFF00">
+                      <a:alpha val="40000"/>
+                    </a:srgbClr>
+                  </a:glow>
+                </a:effectLst>
+              </a:rPr>
+              <a:t>구름각</a:t>
+            </a:r>
+            <a:r>
+              <a:rPr lang="en-US" altLang="ko-KR" dirty="0">
+                <a:solidFill>
+                  <a:srgbClr val="FFFF00"/>
+                </a:solidFill>
+                <a:effectLst>
+                  <a:glow rad="101600">
+                    <a:srgbClr val="FFFF00">
+                      <a:alpha val="40000"/>
+                    </a:srgbClr>
+                  </a:glow>
+                </a:effectLst>
+              </a:rPr>
+              <a:t>)</a:t>
+            </a:r>
+          </a:p>
+          <a:p>
+            <a:r>
+              <a:rPr lang="ko-KR" altLang="en-US" dirty="0">
+                <a:solidFill>
+                  <a:srgbClr val="FFFF00"/>
+                </a:solidFill>
+                <a:effectLst>
+                  <a:glow rad="101600">
+                    <a:srgbClr val="FFFF00">
+                      <a:alpha val="40000"/>
+                    </a:srgbClr>
+                  </a:glow>
+                </a:effectLst>
+              </a:rPr>
+              <a:t>기울기에 따라 축도 기울어지므로 절대적인 아래 방향을 찾으려면 추가 계산 필요</a:t>
+            </a:r>
+          </a:p>
+          <a:p>
+            <a:endParaRPr lang="en-US" altLang="ko-KR" dirty="0">
+              <a:solidFill>
+                <a:srgbClr val="FFFF00"/>
+              </a:solidFill>
+              <a:effectLst>
+                <a:glow rad="101600">
+                  <a:srgbClr val="FFFF00">
+                    <a:alpha val="40000"/>
+                  </a:srgbClr>
+                </a:glow>
+              </a:effectLst>
+            </a:endParaRPr>
+          </a:p>
+          <a:p>
+            <a:r>
+              <a:rPr lang="ko-KR" altLang="en-US" dirty="0" err="1">
+                <a:solidFill>
+                  <a:srgbClr val="FFFF00"/>
+                </a:solidFill>
+                <a:effectLst>
+                  <a:glow rad="101600">
+                    <a:srgbClr val="FFFF00">
+                      <a:alpha val="40000"/>
+                    </a:srgbClr>
+                  </a:glow>
+                </a:effectLst>
+              </a:rPr>
+              <a:t>렌더링</a:t>
+            </a:r>
+            <a:r>
+              <a:rPr lang="ko-KR" altLang="en-US" dirty="0">
                 <a:solidFill>
                   <a:srgbClr val="FFFF00"/>
                 </a:solidFill>
@@ -14480,7 +14271,7 @@
               <a:t> </a:t>
             </a:r>
             <a:r>
-              <a:rPr lang="ko-KR" altLang="en-US" dirty="0">
+              <a:rPr lang="ko-KR" altLang="en-US" dirty="0" err="1">
                 <a:solidFill>
                   <a:srgbClr val="FFFF00"/>
                 </a:solidFill>
@@ -14492,12 +14283,24 @@
                   </a:glow>
                 </a:effectLst>
               </a:rPr>
-              <a:t>사용</a:t>
-            </a:r>
-          </a:p>
-          <a:p>
-            <a:r>
-              <a:rPr lang="ko-KR" altLang="en-US" dirty="0">
+              <a:t>스레드</a:t>
+            </a:r>
+            <a:endParaRPr lang="en-US" altLang="ko-KR" dirty="0">
+              <a:solidFill>
+                <a:srgbClr val="FFFF00"/>
+              </a:solidFill>
+              <a:effectLst>
+                <a:glow rad="101600">
+                  <a:srgbClr val="FFFF00">
+                    <a:alpha val="40000"/>
+                  </a:srgbClr>
+                </a:glow>
+              </a:effectLst>
+            </a:endParaRPr>
+          </a:p>
+          <a:p>
+            <a:r>
+              <a:rPr lang="en-US" altLang="ko-KR" dirty="0">
                 <a:solidFill>
                   <a:srgbClr val="FFFF00"/>
                 </a:solidFill>
@@ -14509,10 +14312,12 @@
                   </a:glow>
                 </a:effectLst>
               </a:rPr>
-              <a:t>게임이므로 화면이 지속적으로 업데이트 되어야 함</a:t>
-            </a:r>
-            <a:r>
-              <a:rPr lang="en-US" altLang="ko-KR" dirty="0">
+              <a:t>independent unit</a:t>
+            </a:r>
+          </a:p>
+          <a:p>
+            <a:r>
+              <a:rPr lang="ko-KR" altLang="en-US" dirty="0">
                 <a:solidFill>
                   <a:srgbClr val="FFFF00"/>
                 </a:solidFill>
@@ -14524,10 +14329,10 @@
                   </a:glow>
                 </a:effectLst>
               </a:rPr>
-              <a:t>; </a:t>
-            </a:r>
-            <a:r>
-              <a:rPr lang="ko-KR" altLang="en-US" dirty="0">
+              <a:t>게임 월드 내부 구조 </a:t>
+            </a:r>
+            <a:r>
+              <a:rPr lang="ko-KR" altLang="en-US" dirty="0" smtClean="0">
                 <a:solidFill>
                   <a:srgbClr val="FFFF00"/>
                 </a:solidFill>
@@ -14539,55 +14344,20 @@
                   </a:glow>
                 </a:effectLst>
               </a:rPr>
-              <a:t>화면 그리기를 별도 </a:t>
-            </a:r>
-            <a:r>
-              <a:rPr lang="ko-KR" altLang="en-US" dirty="0" err="1">
-                <a:solidFill>
-                  <a:srgbClr val="FFFF00"/>
-                </a:solidFill>
-                <a:effectLst>
-                  <a:glow rad="101600">
-                    <a:srgbClr val="FFFF00">
-                      <a:alpha val="40000"/>
-                    </a:srgbClr>
-                  </a:glow>
-                </a:effectLst>
-              </a:rPr>
-              <a:t>스레드에서</a:t>
-            </a:r>
-            <a:r>
-              <a:rPr lang="ko-KR" altLang="en-US" dirty="0">
-                <a:solidFill>
-                  <a:srgbClr val="FFFF00"/>
-                </a:solidFill>
-                <a:effectLst>
-                  <a:glow rad="101600">
-                    <a:srgbClr val="FFFF00">
-                      <a:alpha val="40000"/>
-                    </a:srgbClr>
-                  </a:glow>
-                </a:effectLst>
-              </a:rPr>
-              <a:t> 맡아 관리</a:t>
-            </a:r>
-          </a:p>
-          <a:p>
-            <a:r>
-              <a:rPr lang="ko-KR" altLang="en-US" dirty="0">
-                <a:solidFill>
-                  <a:srgbClr val="FFFF00"/>
-                </a:solidFill>
-                <a:effectLst>
-                  <a:glow rad="101600">
-                    <a:srgbClr val="FFFF00">
-                      <a:alpha val="40000"/>
-                    </a:srgbClr>
-                  </a:glow>
-                </a:effectLst>
-              </a:rPr>
-              <a:t>시간으로 게임 처리와 화면을 동기화 함</a:t>
-            </a:r>
+              <a:t>설계</a:t>
+            </a:r>
+            <a:endParaRPr lang="ko-KR" altLang="en-US" dirty="0">
+              <a:solidFill>
+                <a:srgbClr val="FFFF00"/>
+              </a:solidFill>
+              <a:effectLst>
+                <a:glow rad="101600">
+                  <a:srgbClr val="FFFF00">
+                    <a:alpha val="40000"/>
+                  </a:srgbClr>
+                </a:glow>
+              </a:effectLst>
+            </a:endParaRPr>
           </a:p>
         </p:txBody>
       </p:sp>
@@ -14617,7 +14387,7 @@
     </p:spTree>
     <p:extLst>
       <p:ext uri="{BB962C8B-B14F-4D97-AF65-F5344CB8AC3E}">
-        <p14:creationId xmlns:p14="http://schemas.microsoft.com/office/powerpoint/2010/main" val="2577794504"/>
+        <p14:creationId xmlns:p14="http://schemas.microsoft.com/office/powerpoint/2010/main" val="4143101253"/>
       </p:ext>
     </p:extLst>
   </p:cSld>
@@ -14743,30 +14513,21 @@
                             </p:childTnLst>
                           </p:cTn>
                         </p:par>
-                      </p:childTnLst>
-                    </p:cTn>
-                  </p:par>
-                  <p:par>
-                    <p:cTn id="13" fill="hold">
-                      <p:stCondLst>
-                        <p:cond delay="indefinite"/>
-                      </p:stCondLst>
-                      <p:childTnLst>
                         <p:par>
-                          <p:cTn id="14" fill="hold">
+                          <p:cTn id="13" fill="hold">
                             <p:stCondLst>
-                              <p:cond delay="0"/>
+                              <p:cond delay="500"/>
                             </p:stCondLst>
                             <p:childTnLst>
                               <p:par>
-                                <p:cTn id="15" presetID="10" presetClass="entr" presetSubtype="0" fill="hold" grpId="0" nodeType="clickEffect">
+                                <p:cTn id="14" presetID="10" presetClass="entr" presetSubtype="0" fill="hold" grpId="0" nodeType="afterEffect">
                                   <p:stCondLst>
                                     <p:cond delay="0"/>
                                   </p:stCondLst>
                                   <p:childTnLst>
                                     <p:set>
                                       <p:cBhvr>
-                                        <p:cTn id="16" dur="1" fill="hold">
+                                        <p:cTn id="15" dur="1" fill="hold">
                                           <p:stCondLst>
                                             <p:cond delay="0"/>
                                           </p:stCondLst>
@@ -14788,7 +14549,7 @@
                                     </p:set>
                                     <p:animEffect transition="in" filter="fade">
                                       <p:cBhvr>
-                                        <p:cTn id="17" dur="500"/>
+                                        <p:cTn id="16" dur="500"/>
                                         <p:tgtEl>
                                           <p:spTgt spid="4">
                                             <p:txEl>
@@ -14804,30 +14565,21 @@
                             </p:childTnLst>
                           </p:cTn>
                         </p:par>
-                      </p:childTnLst>
-                    </p:cTn>
-                  </p:par>
-                  <p:par>
-                    <p:cTn id="18" fill="hold">
-                      <p:stCondLst>
-                        <p:cond delay="indefinite"/>
-                      </p:stCondLst>
-                      <p:childTnLst>
                         <p:par>
-                          <p:cTn id="19" fill="hold">
+                          <p:cTn id="17" fill="hold">
                             <p:stCondLst>
-                              <p:cond delay="0"/>
+                              <p:cond delay="1000"/>
                             </p:stCondLst>
                             <p:childTnLst>
                               <p:par>
-                                <p:cTn id="20" presetID="10" presetClass="entr" presetSubtype="0" fill="hold" grpId="0" nodeType="clickEffect">
+                                <p:cTn id="18" presetID="10" presetClass="entr" presetSubtype="0" fill="hold" grpId="0" nodeType="afterEffect">
                                   <p:stCondLst>
                                     <p:cond delay="0"/>
                                   </p:stCondLst>
                                   <p:childTnLst>
                                     <p:set>
                                       <p:cBhvr>
-                                        <p:cTn id="21" dur="1" fill="hold">
+                                        <p:cTn id="19" dur="1" fill="hold">
                                           <p:stCondLst>
                                             <p:cond delay="0"/>
                                           </p:stCondLst>
@@ -14849,7 +14601,7 @@
                                     </p:set>
                                     <p:animEffect transition="in" filter="fade">
                                       <p:cBhvr>
-                                        <p:cTn id="22" dur="500"/>
+                                        <p:cTn id="20" dur="500"/>
                                         <p:tgtEl>
                                           <p:spTgt spid="4">
                                             <p:txEl>
@@ -14865,30 +14617,21 @@
                             </p:childTnLst>
                           </p:cTn>
                         </p:par>
-                      </p:childTnLst>
-                    </p:cTn>
-                  </p:par>
-                  <p:par>
-                    <p:cTn id="23" fill="hold">
-                      <p:stCondLst>
-                        <p:cond delay="indefinite"/>
-                      </p:stCondLst>
-                      <p:childTnLst>
                         <p:par>
-                          <p:cTn id="24" fill="hold">
+                          <p:cTn id="21" fill="hold">
                             <p:stCondLst>
-                              <p:cond delay="0"/>
+                              <p:cond delay="1500"/>
                             </p:stCondLst>
                             <p:childTnLst>
                               <p:par>
-                                <p:cTn id="25" presetID="10" presetClass="entr" presetSubtype="0" fill="hold" grpId="0" nodeType="clickEffect">
+                                <p:cTn id="22" presetID="10" presetClass="entr" presetSubtype="0" fill="hold" grpId="0" nodeType="afterEffect">
                                   <p:stCondLst>
                                     <p:cond delay="0"/>
                                   </p:stCondLst>
                                   <p:childTnLst>
                                     <p:set>
                                       <p:cBhvr>
-                                        <p:cTn id="26" dur="1" fill="hold">
+                                        <p:cTn id="23" dur="1" fill="hold">
                                           <p:stCondLst>
                                             <p:cond delay="0"/>
                                           </p:stCondLst>
@@ -14910,11 +14653,219 @@
                                     </p:set>
                                     <p:animEffect transition="in" filter="fade">
                                       <p:cBhvr>
-                                        <p:cTn id="27" dur="500"/>
+                                        <p:cTn id="24" dur="500"/>
                                         <p:tgtEl>
                                           <p:spTgt spid="4">
                                             <p:txEl>
                                               <p:pRg st="3" end="3"/>
+                                            </p:txEl>
+                                          </p:spTgt>
+                                        </p:tgtEl>
+                                      </p:cBhvr>
+                                    </p:animEffect>
+                                  </p:childTnLst>
+                                </p:cTn>
+                              </p:par>
+                            </p:childTnLst>
+                          </p:cTn>
+                        </p:par>
+                        <p:par>
+                          <p:cTn id="25" fill="hold">
+                            <p:stCondLst>
+                              <p:cond delay="2000"/>
+                            </p:stCondLst>
+                            <p:childTnLst>
+                              <p:par>
+                                <p:cTn id="26" presetID="10" presetClass="entr" presetSubtype="0" fill="hold" grpId="0" nodeType="afterEffect">
+                                  <p:stCondLst>
+                                    <p:cond delay="0"/>
+                                  </p:stCondLst>
+                                  <p:childTnLst>
+                                    <p:set>
+                                      <p:cBhvr>
+                                        <p:cTn id="27" dur="1" fill="hold">
+                                          <p:stCondLst>
+                                            <p:cond delay="0"/>
+                                          </p:stCondLst>
+                                        </p:cTn>
+                                        <p:tgtEl>
+                                          <p:spTgt spid="4">
+                                            <p:txEl>
+                                              <p:pRg st="4" end="4"/>
+                                            </p:txEl>
+                                          </p:spTgt>
+                                        </p:tgtEl>
+                                        <p:attrNameLst>
+                                          <p:attrName>style.visibility</p:attrName>
+                                        </p:attrNameLst>
+                                      </p:cBhvr>
+                                      <p:to>
+                                        <p:strVal val="visible"/>
+                                      </p:to>
+                                    </p:set>
+                                    <p:animEffect transition="in" filter="fade">
+                                      <p:cBhvr>
+                                        <p:cTn id="28" dur="500"/>
+                                        <p:tgtEl>
+                                          <p:spTgt spid="4">
+                                            <p:txEl>
+                                              <p:pRg st="4" end="4"/>
+                                            </p:txEl>
+                                          </p:spTgt>
+                                        </p:tgtEl>
+                                      </p:cBhvr>
+                                    </p:animEffect>
+                                  </p:childTnLst>
+                                </p:cTn>
+                              </p:par>
+                            </p:childTnLst>
+                          </p:cTn>
+                        </p:par>
+                        <p:par>
+                          <p:cTn id="29" fill="hold">
+                            <p:stCondLst>
+                              <p:cond delay="2500"/>
+                            </p:stCondLst>
+                            <p:childTnLst>
+                              <p:par>
+                                <p:cTn id="30" presetID="10" presetClass="entr" presetSubtype="0" fill="hold" grpId="0" nodeType="afterEffect">
+                                  <p:stCondLst>
+                                    <p:cond delay="0"/>
+                                  </p:stCondLst>
+                                  <p:childTnLst>
+                                    <p:set>
+                                      <p:cBhvr>
+                                        <p:cTn id="31" dur="1" fill="hold">
+                                          <p:stCondLst>
+                                            <p:cond delay="0"/>
+                                          </p:stCondLst>
+                                        </p:cTn>
+                                        <p:tgtEl>
+                                          <p:spTgt spid="4">
+                                            <p:txEl>
+                                              <p:pRg st="6" end="6"/>
+                                            </p:txEl>
+                                          </p:spTgt>
+                                        </p:tgtEl>
+                                        <p:attrNameLst>
+                                          <p:attrName>style.visibility</p:attrName>
+                                        </p:attrNameLst>
+                                      </p:cBhvr>
+                                      <p:to>
+                                        <p:strVal val="visible"/>
+                                      </p:to>
+                                    </p:set>
+                                    <p:animEffect transition="in" filter="fade">
+                                      <p:cBhvr>
+                                        <p:cTn id="32" dur="500"/>
+                                        <p:tgtEl>
+                                          <p:spTgt spid="4">
+                                            <p:txEl>
+                                              <p:pRg st="6" end="6"/>
+                                            </p:txEl>
+                                          </p:spTgt>
+                                        </p:tgtEl>
+                                      </p:cBhvr>
+                                    </p:animEffect>
+                                  </p:childTnLst>
+                                </p:cTn>
+                              </p:par>
+                            </p:childTnLst>
+                          </p:cTn>
+                        </p:par>
+                        <p:par>
+                          <p:cTn id="33" fill="hold">
+                            <p:stCondLst>
+                              <p:cond delay="3000"/>
+                            </p:stCondLst>
+                            <p:childTnLst>
+                              <p:par>
+                                <p:cTn id="34" presetID="10" presetClass="entr" presetSubtype="0" fill="hold" grpId="0" nodeType="afterEffect">
+                                  <p:stCondLst>
+                                    <p:cond delay="0"/>
+                                  </p:stCondLst>
+                                  <p:childTnLst>
+                                    <p:set>
+                                      <p:cBhvr>
+                                        <p:cTn id="35" dur="1" fill="hold">
+                                          <p:stCondLst>
+                                            <p:cond delay="0"/>
+                                          </p:stCondLst>
+                                        </p:cTn>
+                                        <p:tgtEl>
+                                          <p:spTgt spid="4">
+                                            <p:txEl>
+                                              <p:pRg st="7" end="7"/>
+                                            </p:txEl>
+                                          </p:spTgt>
+                                        </p:tgtEl>
+                                        <p:attrNameLst>
+                                          <p:attrName>style.visibility</p:attrName>
+                                        </p:attrNameLst>
+                                      </p:cBhvr>
+                                      <p:to>
+                                        <p:strVal val="visible"/>
+                                      </p:to>
+                                    </p:set>
+                                    <p:animEffect transition="in" filter="fade">
+                                      <p:cBhvr>
+                                        <p:cTn id="36" dur="500"/>
+                                        <p:tgtEl>
+                                          <p:spTgt spid="4">
+                                            <p:txEl>
+                                              <p:pRg st="7" end="7"/>
+                                            </p:txEl>
+                                          </p:spTgt>
+                                        </p:tgtEl>
+                                      </p:cBhvr>
+                                    </p:animEffect>
+                                  </p:childTnLst>
+                                </p:cTn>
+                              </p:par>
+                            </p:childTnLst>
+                          </p:cTn>
+                        </p:par>
+                        <p:par>
+                          <p:cTn id="37" fill="hold">
+                            <p:stCondLst>
+                              <p:cond delay="3500"/>
+                            </p:stCondLst>
+                            <p:childTnLst>
+                              <p:par>
+                                <p:cTn id="38" presetID="10" presetClass="entr" presetSubtype="0" fill="hold" grpId="0" nodeType="afterEffect">
+                                  <p:stCondLst>
+                                    <p:cond delay="0"/>
+                                  </p:stCondLst>
+                                  <p:childTnLst>
+                                    <p:set>
+                                      <p:cBhvr>
+                                        <p:cTn id="39" dur="1" fill="hold">
+                                          <p:stCondLst>
+                                            <p:cond delay="0"/>
+                                          </p:stCondLst>
+                                        </p:cTn>
+                                        <p:tgtEl>
+                                          <p:spTgt spid="4">
+                                            <p:txEl>
+                                              <p:pRg st="8" end="8"/>
+                                            </p:txEl>
+                                          </p:spTgt>
+                                        </p:tgtEl>
+                                        <p:attrNameLst>
+                                          <p:attrName>style.visibility</p:attrName>
+                                        </p:attrNameLst>
+                                      </p:cBhvr>
+                                      <p:to>
+                                        <p:strVal val="visible"/>
+                                      </p:to>
+                                    </p:set>
+                                    <p:animEffect transition="in" filter="fade">
+                                      <p:cBhvr>
+                                        <p:cTn id="40" dur="500"/>
+                                        <p:tgtEl>
+                                          <p:spTgt spid="4">
+                                            <p:txEl>
+                                              <p:pRg st="8" end="8"/>
                                             </p:txEl>
                                           </p:spTgt>
                                         </p:tgtEl>
@@ -14991,7 +14942,7 @@
           <a:lstStyle/>
           <a:p>
             <a:r>
-              <a:rPr lang="en-US" altLang="ko-KR" dirty="0">
+              <a:rPr lang="ko-KR" altLang="en-US" dirty="0" err="1">
                 <a:solidFill>
                   <a:srgbClr val="00FFFF"/>
                 </a:solidFill>
@@ -15003,7 +14954,37 @@
                   </a:glow>
                 </a:effectLst>
               </a:rPr>
-              <a:t>independent unit</a:t>
+              <a:t>렌더링</a:t>
+            </a:r>
+            <a:r>
+              <a:rPr lang="ko-KR" altLang="en-US" dirty="0">
+                <a:solidFill>
+                  <a:srgbClr val="00FFFF"/>
+                </a:solidFill>
+                <a:effectLst>
+                  <a:glow rad="101600">
+                    <a:srgbClr val="00FFFF">
+                      <a:alpha val="40000"/>
+                    </a:srgbClr>
+                  </a:glow>
+                </a:effectLst>
+              </a:rPr>
+              <a:t> </a:t>
+            </a:r>
+            <a:r>
+              <a:rPr lang="ko-KR" altLang="en-US" dirty="0" err="1">
+                <a:solidFill>
+                  <a:srgbClr val="00FFFF"/>
+                </a:solidFill>
+                <a:effectLst>
+                  <a:glow rad="101600">
+                    <a:srgbClr val="00FFFF">
+                      <a:alpha val="40000"/>
+                    </a:srgbClr>
+                  </a:glow>
+                </a:effectLst>
+              </a:rPr>
+              <a:t>스레드</a:t>
             </a:r>
             <a:endParaRPr lang="ko-KR" altLang="en-US" dirty="0">
               <a:solidFill>
@@ -15050,10 +15031,10 @@
                   </a:glow>
                 </a:effectLst>
               </a:rPr>
-              <a:t>기기마다 해상도 및 </a:t>
-            </a:r>
-            <a:r>
-              <a:rPr lang="ko-KR" altLang="en-US" dirty="0" err="1">
+              <a:t>안드로이드는 </a:t>
+            </a:r>
+            <a:r>
+              <a:rPr lang="en-US" altLang="ko-KR" dirty="0">
                 <a:solidFill>
                   <a:srgbClr val="FFFF00"/>
                 </a:solidFill>
@@ -15065,10 +15046,10 @@
                   </a:glow>
                 </a:effectLst>
               </a:rPr>
-              <a:t>종횡비</a:t>
-            </a:r>
-            <a:r>
-              <a:rPr lang="en-US" altLang="ko-KR" dirty="0">
+              <a:t>UI </a:t>
+            </a:r>
+            <a:r>
+              <a:rPr lang="ko-KR" altLang="en-US" dirty="0" err="1">
                 <a:solidFill>
                   <a:srgbClr val="FFFF00"/>
                 </a:solidFill>
@@ -15080,7 +15061,7 @@
                   </a:glow>
                 </a:effectLst>
               </a:rPr>
-              <a:t>(aspect ratio)</a:t>
+              <a:t>스레드가</a:t>
             </a:r>
             <a:r>
               <a:rPr lang="ko-KR" altLang="en-US" dirty="0">
@@ -15095,7 +15076,7 @@
                   </a:glow>
                 </a:effectLst>
               </a:rPr>
-              <a:t>가 다름</a:t>
+              <a:t> 하나만 존재</a:t>
             </a:r>
           </a:p>
           <a:p>
@@ -15112,10 +15093,10 @@
                   </a:glow>
                 </a:effectLst>
               </a:rPr>
-              <a:t>안드로이드에선 </a:t>
-            </a:r>
-            <a:r>
-              <a:rPr lang="en-US" altLang="ko-KR" dirty="0" err="1">
+              <a:t>잠금 </a:t>
+            </a:r>
+            <a:r>
+              <a:rPr lang="ko-KR" altLang="en-US" dirty="0" err="1">
                 <a:solidFill>
                   <a:srgbClr val="FFFF00"/>
                 </a:solidFill>
@@ -15127,7 +15108,37 @@
                   </a:glow>
                 </a:effectLst>
               </a:rPr>
-              <a:t>dp</a:t>
+              <a:t>매커니즘이</a:t>
+            </a:r>
+            <a:r>
+              <a:rPr lang="ko-KR" altLang="en-US" dirty="0">
+                <a:solidFill>
+                  <a:srgbClr val="FFFF00"/>
+                </a:solidFill>
+                <a:effectLst>
+                  <a:glow rad="101600">
+                    <a:srgbClr val="FFFF00">
+                      <a:alpha val="40000"/>
+                    </a:srgbClr>
+                  </a:glow>
+                </a:effectLst>
+              </a:rPr>
+              <a:t> 있는 </a:t>
+            </a:r>
+            <a:r>
+              <a:rPr lang="en-US" altLang="ko-KR" dirty="0" err="1">
+                <a:solidFill>
+                  <a:srgbClr val="FFFF00"/>
+                </a:solidFill>
+                <a:effectLst>
+                  <a:glow rad="101600">
+                    <a:srgbClr val="FFFF00">
+                      <a:alpha val="40000"/>
+                    </a:srgbClr>
+                  </a:glow>
+                </a:effectLst>
+              </a:rPr>
+              <a:t>SurfaceView</a:t>
             </a:r>
             <a:r>
               <a:rPr lang="en-US" altLang="ko-KR" dirty="0">
@@ -15157,10 +15168,12 @@
                   </a:glow>
                 </a:effectLst>
               </a:rPr>
-              <a:t>단위를 제공하나 </a:t>
-            </a:r>
-            <a:r>
-              <a:rPr lang="en-US" altLang="ko-KR" dirty="0">
+              <a:t>사용</a:t>
+            </a:r>
+          </a:p>
+          <a:p>
+            <a:r>
+              <a:rPr lang="ko-KR" altLang="en-US" dirty="0">
                 <a:solidFill>
                   <a:srgbClr val="FFFF00"/>
                 </a:solidFill>
@@ -15172,10 +15185,10 @@
                   </a:glow>
                 </a:effectLst>
               </a:rPr>
-              <a:t>Canvas</a:t>
-            </a:r>
-            <a:r>
-              <a:rPr lang="ko-KR" altLang="en-US" dirty="0">
+              <a:t>게임이므로 화면이 지속적으로 업데이트 되어야 함</a:t>
+            </a:r>
+            <a:r>
+              <a:rPr lang="en-US" altLang="ko-KR" dirty="0">
                 <a:solidFill>
                   <a:srgbClr val="FFFF00"/>
                 </a:solidFill>
@@ -15187,10 +15200,10 @@
                   </a:glow>
                 </a:effectLst>
               </a:rPr>
-              <a:t>의 </a:t>
-            </a:r>
-            <a:r>
-              <a:rPr lang="en-US" altLang="ko-KR" dirty="0" err="1">
+              <a:t>; </a:t>
+            </a:r>
+            <a:r>
+              <a:rPr lang="ko-KR" altLang="en-US" dirty="0">
                 <a:solidFill>
                   <a:srgbClr val="FFFF00"/>
                 </a:solidFill>
@@ -15202,10 +15215,10 @@
                   </a:glow>
                 </a:effectLst>
               </a:rPr>
-              <a:t>Api</a:t>
-            </a:r>
-            <a:r>
-              <a:rPr lang="ko-KR" altLang="en-US" dirty="0">
+              <a:t>화면 그리기를 별도 </a:t>
+            </a:r>
+            <a:r>
+              <a:rPr lang="ko-KR" altLang="en-US" dirty="0" err="1">
                 <a:solidFill>
                   <a:srgbClr val="FFFF00"/>
                 </a:solidFill>
@@ -15217,10 +15230,10 @@
                   </a:glow>
                 </a:effectLst>
               </a:rPr>
-              <a:t>들은 단위가 </a:t>
-            </a:r>
-            <a:r>
-              <a:rPr lang="en-US" altLang="ko-KR" dirty="0" err="1">
+              <a:t>스레드에서</a:t>
+            </a:r>
+            <a:r>
+              <a:rPr lang="ko-KR" altLang="en-US" dirty="0">
                 <a:solidFill>
                   <a:srgbClr val="FFFF00"/>
                 </a:solidFill>
@@ -15232,8 +15245,10 @@
                   </a:glow>
                 </a:effectLst>
               </a:rPr>
-              <a:t>px</a:t>
-            </a:r>
+              <a:t> 맡아 관리</a:t>
+            </a:r>
+          </a:p>
+          <a:p>
             <a:r>
               <a:rPr lang="ko-KR" altLang="en-US" dirty="0">
                 <a:solidFill>
@@ -15247,86 +15262,7 @@
                   </a:glow>
                 </a:effectLst>
               </a:rPr>
-              <a:t>인듯함</a:t>
-            </a:r>
-          </a:p>
-          <a:p>
-            <a:r>
-              <a:rPr lang="ko-KR" altLang="en-US" dirty="0">
-                <a:solidFill>
-                  <a:srgbClr val="FFFF00"/>
-                </a:solidFill>
-                <a:effectLst>
-                  <a:glow rad="101600">
-                    <a:srgbClr val="FFFF00">
-                      <a:alpha val="40000"/>
-                    </a:srgbClr>
-                  </a:glow>
-                </a:effectLst>
-              </a:rPr>
-              <a:t>게임의 모든 좌표는 기기의 짧은 축을 </a:t>
-            </a:r>
-            <a:r>
-              <a:rPr lang="en-US" altLang="ko-KR" dirty="0">
-                <a:solidFill>
-                  <a:srgbClr val="FFFF00"/>
-                </a:solidFill>
-                <a:effectLst>
-                  <a:glow rad="101600">
-                    <a:srgbClr val="FFFF00">
-                      <a:alpha val="40000"/>
-                    </a:srgbClr>
-                  </a:glow>
-                </a:effectLst>
-              </a:rPr>
-              <a:t>160 </a:t>
-            </a:r>
-            <a:r>
-              <a:rPr lang="ko-KR" altLang="en-US" dirty="0">
-                <a:solidFill>
-                  <a:srgbClr val="FFFF00"/>
-                </a:solidFill>
-                <a:effectLst>
-                  <a:glow rad="101600">
-                    <a:srgbClr val="FFFF00">
-                      <a:alpha val="40000"/>
-                    </a:srgbClr>
-                  </a:glow>
-                </a:effectLst>
-              </a:rPr>
-              <a:t>단위로 하는 내부적인 단위 사용</a:t>
-            </a:r>
-          </a:p>
-          <a:p>
-            <a:r>
-              <a:rPr lang="ko-KR" altLang="en-US" dirty="0">
-                <a:solidFill>
-                  <a:srgbClr val="FFFF00"/>
-                </a:solidFill>
-                <a:effectLst>
-                  <a:glow rad="101600">
-                    <a:srgbClr val="FFFF00">
-                      <a:alpha val="40000"/>
-                    </a:srgbClr>
-                  </a:glow>
-                </a:effectLst>
-              </a:rPr>
-              <a:t>예</a:t>
-            </a:r>
-            <a:r>
-              <a:rPr lang="en-US" altLang="ko-KR" dirty="0">
-                <a:solidFill>
-                  <a:srgbClr val="FFFF00"/>
-                </a:solidFill>
-                <a:effectLst>
-                  <a:glow rad="101600">
-                    <a:srgbClr val="FFFF00">
-                      <a:alpha val="40000"/>
-                    </a:srgbClr>
-                  </a:glow>
-                </a:effectLst>
-              </a:rPr>
-              <a:t>) WVGA 480x800 -&gt; 160unit x 266.7 unit</a:t>
+              <a:t>시간으로 게임 처리와 화면을 동기화 함</a:t>
             </a:r>
           </a:p>
         </p:txBody>
@@ -15357,7 +15293,7 @@
     </p:spTree>
     <p:extLst>
       <p:ext uri="{BB962C8B-B14F-4D97-AF65-F5344CB8AC3E}">
-        <p14:creationId xmlns:p14="http://schemas.microsoft.com/office/powerpoint/2010/main" val="2034086382"/>
+        <p14:creationId xmlns:p14="http://schemas.microsoft.com/office/powerpoint/2010/main" val="2577794504"/>
       </p:ext>
     </p:extLst>
   </p:cSld>
@@ -15731,7 +15667,7 @@
           <a:lstStyle/>
           <a:p>
             <a:r>
-              <a:rPr lang="ko-KR" altLang="en-US" dirty="0">
+              <a:rPr lang="en-US" altLang="ko-KR" dirty="0">
                 <a:solidFill>
                   <a:srgbClr val="00FFFF"/>
                 </a:solidFill>
@@ -15743,22 +15679,7 @@
                   </a:glow>
                 </a:effectLst>
               </a:rPr>
-              <a:t>게임 월드 내부 구조 </a:t>
-            </a:r>
-            <a:r>
-              <a:rPr lang="en-US" altLang="ko-KR" dirty="0">
-                <a:solidFill>
-                  <a:srgbClr val="00FFFF"/>
-                </a:solidFill>
-                <a:effectLst>
-                  <a:glow rad="101600">
-                    <a:srgbClr val="00FFFF">
-                      <a:alpha val="40000"/>
-                    </a:srgbClr>
-                  </a:glow>
-                </a:effectLst>
-              </a:rPr>
-              <a:t>(1)</a:t>
+              <a:t>independent unit</a:t>
             </a:r>
             <a:endParaRPr lang="ko-KR" altLang="en-US" dirty="0">
               <a:solidFill>
@@ -15805,7 +15726,7 @@
                   </a:glow>
                 </a:effectLst>
               </a:rPr>
-              <a:t>화면에 다 들어오지 않는 광활한 </a:t>
+              <a:t>기기마다 해상도 및 </a:t>
             </a:r>
             <a:r>
               <a:rPr lang="ko-KR" altLang="en-US" dirty="0" err="1">
@@ -15820,24 +15741,10 @@
                   </a:glow>
                 </a:effectLst>
               </a:rPr>
-              <a:t>맵</a:t>
-            </a:r>
-            <a:endParaRPr lang="ko-KR" altLang="en-US" dirty="0">
-              <a:solidFill>
-                <a:srgbClr val="FFFF00"/>
-              </a:solidFill>
-              <a:effectLst>
-                <a:glow rad="101600">
-                  <a:srgbClr val="FFFF00">
-                    <a:alpha val="40000"/>
-                  </a:srgbClr>
-                </a:glow>
-              </a:effectLst>
-            </a:endParaRPr>
-          </a:p>
-          <a:p>
-            <a:r>
-              <a:rPr lang="ko-KR" altLang="en-US" dirty="0" err="1">
+              <a:t>종횡비</a:t>
+            </a:r>
+            <a:r>
+              <a:rPr lang="en-US" altLang="ko-KR" dirty="0">
                 <a:solidFill>
                   <a:srgbClr val="FFFF00"/>
                 </a:solidFill>
@@ -15849,7 +15756,7 @@
                   </a:glow>
                 </a:effectLst>
               </a:rPr>
-              <a:t>맵</a:t>
+              <a:t>(aspect ratio)</a:t>
             </a:r>
             <a:r>
               <a:rPr lang="ko-KR" altLang="en-US" dirty="0">
@@ -15864,10 +15771,12 @@
                   </a:glow>
                 </a:effectLst>
               </a:rPr>
-              <a:t> 위의 물체들</a:t>
-            </a:r>
-            <a:r>
-              <a:rPr lang="en-US" altLang="ko-KR" dirty="0">
+              <a:t>가 다름</a:t>
+            </a:r>
+          </a:p>
+          <a:p>
+            <a:r>
+              <a:rPr lang="ko-KR" altLang="en-US" dirty="0">
                 <a:solidFill>
                   <a:srgbClr val="FFFF00"/>
                 </a:solidFill>
@@ -15879,10 +15788,10 @@
                   </a:glow>
                 </a:effectLst>
               </a:rPr>
-              <a:t>(objects) </a:t>
-            </a:r>
-            <a:r>
-              <a:rPr lang="ko-KR" altLang="en-US" dirty="0">
+              <a:t>안드로이드에선 </a:t>
+            </a:r>
+            <a:r>
+              <a:rPr lang="en-US" altLang="ko-KR" dirty="0" err="1">
                 <a:solidFill>
                   <a:srgbClr val="FFFF00"/>
                 </a:solidFill>
@@ -15894,7 +15803,7 @@
                   </a:glow>
                 </a:effectLst>
               </a:rPr>
-              <a:t>중 어떤 것이 그려줘야 할 것</a:t>
+              <a:t>dp</a:t>
             </a:r>
             <a:r>
               <a:rPr lang="en-US" altLang="ko-KR" dirty="0">
@@ -15909,7 +15818,7 @@
                   </a:glow>
                 </a:effectLst>
               </a:rPr>
-              <a:t>, </a:t>
+              <a:t> </a:t>
             </a:r>
             <a:r>
               <a:rPr lang="ko-KR" altLang="en-US" dirty="0">
@@ -15924,12 +15833,10 @@
                   </a:glow>
                 </a:effectLst>
               </a:rPr>
-              <a:t>충돌 처리 할 것인지 빠르게 판별해야 함</a:t>
-            </a:r>
-          </a:p>
-          <a:p>
-            <a:r>
-              <a:rPr lang="ko-KR" altLang="en-US" dirty="0" err="1">
+              <a:t>단위를 제공하나 </a:t>
+            </a:r>
+            <a:r>
+              <a:rPr lang="en-US" altLang="ko-KR" dirty="0">
                 <a:solidFill>
                   <a:srgbClr val="FFFF00"/>
                 </a:solidFill>
@@ -15941,7 +15848,7 @@
                   </a:glow>
                 </a:effectLst>
               </a:rPr>
-              <a:t>맵을</a:t>
+              <a:t>Canvas</a:t>
             </a:r>
             <a:r>
               <a:rPr lang="ko-KR" altLang="en-US" dirty="0">
@@ -15956,10 +15863,10 @@
                   </a:glow>
                 </a:effectLst>
               </a:rPr>
-              <a:t> 재귀적으로 </a:t>
-            </a:r>
-            <a:r>
-              <a:rPr lang="en-US" altLang="ko-KR" dirty="0">
+              <a:t>의 </a:t>
+            </a:r>
+            <a:r>
+              <a:rPr lang="en-US" altLang="ko-KR" dirty="0" err="1">
                 <a:solidFill>
                   <a:srgbClr val="FFFF00"/>
                 </a:solidFill>
@@ -15971,7 +15878,7 @@
                   </a:glow>
                 </a:effectLst>
               </a:rPr>
-              <a:t>4</a:t>
+              <a:t>Api</a:t>
             </a:r>
             <a:r>
               <a:rPr lang="ko-KR" altLang="en-US" dirty="0">
@@ -15986,7 +15893,7 @@
                   </a:glow>
                 </a:effectLst>
               </a:rPr>
-              <a:t>분할하여 </a:t>
+              <a:t>들은 단위가 </a:t>
             </a:r>
             <a:r>
               <a:rPr lang="en-US" altLang="ko-KR" dirty="0" err="1">
@@ -16001,7 +15908,7 @@
                   </a:glow>
                 </a:effectLst>
               </a:rPr>
-              <a:t>QuadTree</a:t>
+              <a:t>px</a:t>
             </a:r>
             <a:r>
               <a:rPr lang="ko-KR" altLang="en-US" dirty="0">
@@ -16016,7 +15923,7 @@
                   </a:glow>
                 </a:effectLst>
               </a:rPr>
-              <a:t>를 구성하여 관리</a:t>
+              <a:t>인듯함</a:t>
             </a:r>
           </a:p>
           <a:p>
@@ -16033,7 +15940,69 @@
                   </a:glow>
                 </a:effectLst>
               </a:rPr>
-              <a:t>처리하지 않아도 되는 부분을 빠르게 제외할 수 있음</a:t>
+              <a:t>게임의 모든 좌표는 기기의 짧은 축을 </a:t>
+            </a:r>
+            <a:r>
+              <a:rPr lang="en-US" altLang="ko-KR" dirty="0">
+                <a:solidFill>
+                  <a:srgbClr val="FFFF00"/>
+                </a:solidFill>
+                <a:effectLst>
+                  <a:glow rad="101600">
+                    <a:srgbClr val="FFFF00">
+                      <a:alpha val="40000"/>
+                    </a:srgbClr>
+                  </a:glow>
+                </a:effectLst>
+              </a:rPr>
+              <a:t>160 </a:t>
+            </a:r>
+            <a:r>
+              <a:rPr lang="ko-KR" altLang="en-US" dirty="0">
+                <a:solidFill>
+                  <a:srgbClr val="FFFF00"/>
+                </a:solidFill>
+                <a:effectLst>
+                  <a:glow rad="101600">
+                    <a:srgbClr val="FFFF00">
+                      <a:alpha val="40000"/>
+                    </a:srgbClr>
+                  </a:glow>
+                </a:effectLst>
+              </a:rPr>
+              <a:t>단위로 하는 내부적인 단위 사용</a:t>
+            </a:r>
+          </a:p>
+          <a:p>
+            <a:r>
+              <a:rPr lang="ko-KR" altLang="en-US" dirty="0">
+                <a:solidFill>
+                  <a:srgbClr val="FFFF00"/>
+                </a:solidFill>
+                <a:effectLst>
+                  <a:glow rad="101600">
+                    <a:srgbClr val="FFFF00">
+                      <a:alpha val="40000"/>
+                    </a:srgbClr>
+                  </a:glow>
+                </a:effectLst>
+              </a:rPr>
+              <a:t>예</a:t>
+            </a:r>
+            <a:r>
+              <a:rPr lang="en-US" altLang="ko-KR" dirty="0">
+                <a:solidFill>
+                  <a:srgbClr val="FFFF00"/>
+                </a:solidFill>
+                <a:effectLst>
+                  <a:glow rad="101600">
+                    <a:srgbClr val="FFFF00">
+                      <a:alpha val="40000"/>
+                    </a:srgbClr>
+                  </a:glow>
+                </a:effectLst>
+              </a:rPr>
+              <a:t>) WVGA 480x800 -&gt; 160unit x 266.7 unit</a:t>
             </a:r>
           </a:p>
         </p:txBody>
@@ -16064,7 +16033,7 @@
     </p:spTree>
     <p:extLst>
       <p:ext uri="{BB962C8B-B14F-4D97-AF65-F5344CB8AC3E}">
-        <p14:creationId xmlns:p14="http://schemas.microsoft.com/office/powerpoint/2010/main" val="1952032967"/>
+        <p14:creationId xmlns:p14="http://schemas.microsoft.com/office/powerpoint/2010/main" val="2034086382"/>
       </p:ext>
     </p:extLst>
   </p:cSld>
@@ -16453,7 +16422,7 @@
               <a:t>게임 월드 내부 구조 </a:t>
             </a:r>
             <a:r>
-              <a:rPr lang="en-US" altLang="ko-KR" dirty="0" smtClean="0">
+              <a:rPr lang="en-US" altLang="ko-KR" dirty="0">
                 <a:solidFill>
                   <a:srgbClr val="00FFFF"/>
                 </a:solidFill>
@@ -16465,7 +16434,7 @@
                   </a:glow>
                 </a:effectLst>
               </a:rPr>
-              <a:t>(2)</a:t>
+              <a:t>(1)</a:t>
             </a:r>
             <a:endParaRPr lang="ko-KR" altLang="en-US" dirty="0">
               <a:solidFill>
@@ -16512,7 +16481,7 @@
                   </a:glow>
                 </a:effectLst>
               </a:rPr>
-              <a:t>공이 움직이긴 하지만 화면상 실제로는 </a:t>
+              <a:t>화면에 다 들어오지 않는 광활한 </a:t>
             </a:r>
             <a:r>
               <a:rPr lang="ko-KR" altLang="en-US" dirty="0" err="1">
@@ -16527,10 +16496,24 @@
                   </a:glow>
                 </a:effectLst>
               </a:rPr>
-              <a:t>맵이</a:t>
-            </a:r>
-            <a:r>
-              <a:rPr lang="ko-KR" altLang="en-US" dirty="0">
+              <a:t>맵</a:t>
+            </a:r>
+            <a:endParaRPr lang="ko-KR" altLang="en-US" dirty="0">
+              <a:solidFill>
+                <a:srgbClr val="FFFF00"/>
+              </a:solidFill>
+              <a:effectLst>
+                <a:glow rad="101600">
+                  <a:srgbClr val="FFFF00">
+                    <a:alpha val="40000"/>
+                  </a:srgbClr>
+                </a:glow>
+              </a:effectLst>
+            </a:endParaRPr>
+          </a:p>
+          <a:p>
+            <a:r>
+              <a:rPr lang="ko-KR" altLang="en-US" dirty="0" err="1">
                 <a:solidFill>
                   <a:srgbClr val="FFFF00"/>
                 </a:solidFill>
@@ -16542,10 +16525,8 @@
                   </a:glow>
                 </a:effectLst>
               </a:rPr>
-              <a:t> 움직임</a:t>
-            </a:r>
-          </a:p>
-          <a:p>
+              <a:t>맵</a:t>
+            </a:r>
             <a:r>
               <a:rPr lang="ko-KR" altLang="en-US" dirty="0">
                 <a:solidFill>
@@ -16559,10 +16540,10 @@
                   </a:glow>
                 </a:effectLst>
               </a:rPr>
-              <a:t>월드 관리자에 카메라 </a:t>
-            </a:r>
-            <a:r>
-              <a:rPr lang="ko-KR" altLang="en-US" dirty="0" err="1">
+              <a:t> 위의 물체들</a:t>
+            </a:r>
+            <a:r>
+              <a:rPr lang="en-US" altLang="ko-KR" dirty="0">
                 <a:solidFill>
                   <a:srgbClr val="FFFF00"/>
                 </a:solidFill>
@@ -16574,10 +16555,10 @@
                   </a:glow>
                 </a:effectLst>
               </a:rPr>
-              <a:t>뷰</a:t>
-            </a:r>
-            <a:r>
-              <a:rPr lang="en-US" altLang="ko-KR" dirty="0">
+              <a:t>(objects) </a:t>
+            </a:r>
+            <a:r>
+              <a:rPr lang="ko-KR" altLang="en-US" dirty="0">
                 <a:solidFill>
                   <a:srgbClr val="FFFF00"/>
                 </a:solidFill>
@@ -16589,10 +16570,10 @@
                   </a:glow>
                 </a:effectLst>
               </a:rPr>
-              <a:t>(</a:t>
-            </a:r>
-            <a:r>
-              <a:rPr lang="ko-KR" altLang="en-US" dirty="0">
+              <a:t>중 어떤 것이 그려줘야 할 것</a:t>
+            </a:r>
+            <a:r>
+              <a:rPr lang="en-US" altLang="ko-KR" dirty="0">
                 <a:solidFill>
                   <a:srgbClr val="FFFF00"/>
                 </a:solidFill>
@@ -16604,10 +16585,10 @@
                   </a:glow>
                 </a:effectLst>
               </a:rPr>
-              <a:t>시점</a:t>
-            </a:r>
-            <a:r>
-              <a:rPr lang="en-US" altLang="ko-KR" dirty="0">
+              <a:t>, </a:t>
+            </a:r>
+            <a:r>
+              <a:rPr lang="ko-KR" altLang="en-US" dirty="0">
                 <a:solidFill>
                   <a:srgbClr val="FFFF00"/>
                 </a:solidFill>
@@ -16619,10 +16600,12 @@
                   </a:glow>
                 </a:effectLst>
               </a:rPr>
-              <a:t>) </a:t>
-            </a:r>
-            <a:r>
-              <a:rPr lang="ko-KR" altLang="en-US" dirty="0">
+              <a:t>충돌 처리 할 것인지 빠르게 판별해야 함</a:t>
+            </a:r>
+          </a:p>
+          <a:p>
+            <a:r>
+              <a:rPr lang="ko-KR" altLang="en-US" dirty="0" err="1">
                 <a:solidFill>
                   <a:srgbClr val="FFFF00"/>
                 </a:solidFill>
@@ -16634,10 +16617,8 @@
                   </a:glow>
                 </a:effectLst>
               </a:rPr>
-              <a:t>개념 도입</a:t>
-            </a:r>
-          </a:p>
-          <a:p>
+              <a:t>맵을</a:t>
+            </a:r>
             <a:r>
               <a:rPr lang="ko-KR" altLang="en-US" dirty="0">
                 <a:solidFill>
@@ -16651,12 +16632,10 @@
                   </a:glow>
                 </a:effectLst>
               </a:rPr>
-              <a:t>공의 움직임과 회전을 넣으면 공 이외 다른 모든 물체들을 반대로 움직이고 회전함</a:t>
-            </a:r>
-          </a:p>
-          <a:p>
-            <a:r>
-              <a:rPr lang="ko-KR" altLang="en-US" dirty="0">
+              <a:t> 재귀적으로 </a:t>
+            </a:r>
+            <a:r>
+              <a:rPr lang="en-US" altLang="ko-KR" dirty="0">
                 <a:solidFill>
                   <a:srgbClr val="FFFF00"/>
                 </a:solidFill>
@@ -16668,10 +16647,10 @@
                   </a:glow>
                 </a:effectLst>
               </a:rPr>
-              <a:t>게임 </a:t>
-            </a:r>
-            <a:r>
-              <a:rPr lang="ko-KR" altLang="en-US" dirty="0" err="1">
+              <a:t>4</a:t>
+            </a:r>
+            <a:r>
+              <a:rPr lang="ko-KR" altLang="en-US" dirty="0">
                 <a:solidFill>
                   <a:srgbClr val="FFFF00"/>
                 </a:solidFill>
@@ -16683,10 +16662,10 @@
                   </a:glow>
                 </a:effectLst>
               </a:rPr>
-              <a:t>로직상으로는</a:t>
-            </a:r>
-            <a:r>
-              <a:rPr lang="ko-KR" altLang="en-US" dirty="0">
+              <a:t>분할하여 </a:t>
+            </a:r>
+            <a:r>
+              <a:rPr lang="en-US" altLang="ko-KR" dirty="0" err="1">
                 <a:solidFill>
                   <a:srgbClr val="FFFF00"/>
                 </a:solidFill>
@@ -16698,7 +16677,39 @@
                   </a:glow>
                 </a:effectLst>
               </a:rPr>
-              <a:t> 간단히 공의 움직임만 생각하면 됨</a:t>
+              <a:t>QuadTree</a:t>
+            </a:r>
+            <a:r>
+              <a:rPr lang="ko-KR" altLang="en-US" dirty="0">
+                <a:solidFill>
+                  <a:srgbClr val="FFFF00"/>
+                </a:solidFill>
+                <a:effectLst>
+                  <a:glow rad="101600">
+                    <a:srgbClr val="FFFF00">
+                      <a:alpha val="40000"/>
+                    </a:srgbClr>
+                  </a:glow>
+                </a:effectLst>
+              </a:rPr>
+              <a:t>를 구성하여 관리</a:t>
+            </a:r>
+          </a:p>
+          <a:p>
+            <a:r>
+              <a:rPr lang="ko-KR" altLang="en-US" dirty="0">
+                <a:solidFill>
+                  <a:srgbClr val="FFFF00"/>
+                </a:solidFill>
+                <a:effectLst>
+                  <a:glow rad="101600">
+                    <a:srgbClr val="FFFF00">
+                      <a:alpha val="40000"/>
+                    </a:srgbClr>
+                  </a:glow>
+                </a:effectLst>
+              </a:rPr>
+              <a:t>처리하지 않아도 되는 부분을 빠르게 제외할 수 있음</a:t>
             </a:r>
           </a:p>
         </p:txBody>
@@ -16729,7 +16740,7 @@
     </p:spTree>
     <p:extLst>
       <p:ext uri="{BB962C8B-B14F-4D97-AF65-F5344CB8AC3E}">
-        <p14:creationId xmlns:p14="http://schemas.microsoft.com/office/powerpoint/2010/main" val="3756504526"/>
+        <p14:creationId xmlns:p14="http://schemas.microsoft.com/office/powerpoint/2010/main" val="1952032967"/>
       </p:ext>
     </p:extLst>
   </p:cSld>
@@ -17103,7 +17114,7 @@
           <a:lstStyle/>
           <a:p>
             <a:r>
-              <a:rPr lang="ko-KR" altLang="en-US" dirty="0" smtClean="0">
+              <a:rPr lang="ko-KR" altLang="en-US" dirty="0">
                 <a:solidFill>
                   <a:srgbClr val="00FFFF"/>
                 </a:solidFill>
@@ -17115,10 +17126,10 @@
                   </a:glow>
                 </a:effectLst>
               </a:rPr>
-              <a:t>예정 </a:t>
-            </a:r>
-            <a:r>
-              <a:rPr lang="ko-KR" altLang="en-US" dirty="0" smtClean="0">
+              <a:t>게임 월드 내부 구조 </a:t>
+            </a:r>
+            <a:r>
+              <a:rPr lang="en-US" altLang="ko-KR" dirty="0" smtClean="0">
                 <a:solidFill>
                   <a:srgbClr val="00FFFF"/>
                 </a:solidFill>
@@ -17130,37 +17141,7 @@
                   </a:glow>
                 </a:effectLst>
               </a:rPr>
-              <a:t>사항 </a:t>
-            </a:r>
-            <a:r>
-              <a:rPr lang="en-US" altLang="ko-KR" dirty="0" smtClean="0">
-                <a:solidFill>
-                  <a:srgbClr val="00FFFF"/>
-                </a:solidFill>
-                <a:effectLst>
-                  <a:glow rad="101600">
-                    <a:srgbClr val="00FFFF">
-                      <a:alpha val="40000"/>
-                    </a:srgbClr>
-                  </a:glow>
-                </a:effectLst>
-              </a:rPr>
-              <a:t>- </a:t>
-            </a:r>
-            <a:r>
-              <a:rPr lang="ko-KR" altLang="en-US" dirty="0" smtClean="0">
-                <a:solidFill>
-                  <a:srgbClr val="00FFFF"/>
-                </a:solidFill>
-                <a:effectLst>
-                  <a:glow rad="101600">
-                    <a:srgbClr val="00FFFF">
-                      <a:alpha val="40000"/>
-                    </a:srgbClr>
-                  </a:glow>
-                </a:effectLst>
-              </a:rPr>
-              <a:t>김이석</a:t>
+              <a:t>(2)</a:t>
             </a:r>
             <a:endParaRPr lang="ko-KR" altLang="en-US" dirty="0">
               <a:solidFill>
@@ -17195,7 +17176,7 @@
           <a:lstStyle/>
           <a:p>
             <a:r>
-              <a:rPr lang="ko-KR" altLang="en-US" dirty="0" smtClean="0">
+              <a:rPr lang="ko-KR" altLang="en-US" dirty="0">
                 <a:solidFill>
                   <a:srgbClr val="FFFF00"/>
                 </a:solidFill>
@@ -17207,10 +17188,10 @@
                   </a:glow>
                 </a:effectLst>
               </a:rPr>
-              <a:t>다양한 </a:t>
-            </a:r>
-            <a:r>
-              <a:rPr lang="ko-KR" altLang="en-US" dirty="0" err="1" smtClean="0">
+              <a:t>공이 움직이긴 하지만 화면상 실제로는 </a:t>
+            </a:r>
+            <a:r>
+              <a:rPr lang="ko-KR" altLang="en-US" dirty="0" err="1">
                 <a:solidFill>
                   <a:srgbClr val="FFFF00"/>
                 </a:solidFill>
@@ -17222,10 +17203,10 @@
                   </a:glow>
                 </a:effectLst>
               </a:rPr>
-              <a:t>맵</a:t>
-            </a:r>
-            <a:r>
-              <a:rPr lang="ko-KR" altLang="en-US" dirty="0" smtClean="0">
+              <a:t>맵이</a:t>
+            </a:r>
+            <a:r>
+              <a:rPr lang="ko-KR" altLang="en-US" dirty="0">
                 <a:solidFill>
                   <a:srgbClr val="FFFF00"/>
                 </a:solidFill>
@@ -17237,10 +17218,12 @@
                   </a:glow>
                 </a:effectLst>
               </a:rPr>
-              <a:t> 디자인</a:t>
-            </a:r>
-            <a:r>
-              <a:rPr lang="en-US" altLang="ko-KR" dirty="0" smtClean="0">
+              <a:t> 움직임</a:t>
+            </a:r>
+          </a:p>
+          <a:p>
+            <a:r>
+              <a:rPr lang="ko-KR" altLang="en-US" dirty="0">
                 <a:solidFill>
                   <a:srgbClr val="FFFF00"/>
                 </a:solidFill>
@@ -17252,10 +17235,10 @@
                   </a:glow>
                 </a:effectLst>
               </a:rPr>
-              <a:t/>
-            </a:r>
-            <a:br>
-              <a:rPr lang="en-US" altLang="ko-KR" dirty="0" smtClean="0">
+              <a:t>월드 관리자에 카메라 </a:t>
+            </a:r>
+            <a:r>
+              <a:rPr lang="ko-KR" altLang="en-US" dirty="0" err="1">
                 <a:solidFill>
                   <a:srgbClr val="FFFF00"/>
                 </a:solidFill>
@@ -17267,9 +17250,10 @@
                   </a:glow>
                 </a:effectLst>
               </a:rPr>
-            </a:br>
-            <a:r>
-              <a:rPr lang="en-US" altLang="ko-KR" dirty="0" smtClean="0">
+              <a:t>뷰</a:t>
+            </a:r>
+            <a:r>
+              <a:rPr lang="en-US" altLang="ko-KR" dirty="0">
                 <a:solidFill>
                   <a:srgbClr val="FFFF00"/>
                 </a:solidFill>
@@ -17284,7 +17268,7 @@
               <a:t>(</a:t>
             </a:r>
             <a:r>
-              <a:rPr lang="ko-KR" altLang="en-US" dirty="0" smtClean="0">
+              <a:rPr lang="ko-KR" altLang="en-US" dirty="0">
                 <a:solidFill>
                   <a:srgbClr val="FFFF00"/>
                 </a:solidFill>
@@ -17296,10 +17280,10 @@
                   </a:glow>
                 </a:effectLst>
               </a:rPr>
-              <a:t>기본 </a:t>
-            </a:r>
-            <a:r>
-              <a:rPr lang="en-US" altLang="ko-KR" dirty="0" smtClean="0">
+              <a:t>시점</a:t>
+            </a:r>
+            <a:r>
+              <a:rPr lang="en-US" altLang="ko-KR" dirty="0">
                 <a:solidFill>
                   <a:srgbClr val="FFFF00"/>
                 </a:solidFill>
@@ -17311,10 +17295,10 @@
                   </a:glow>
                 </a:effectLst>
               </a:rPr>
-              <a:t>20</a:t>
-            </a:r>
-            <a:r>
-              <a:rPr lang="ko-KR" altLang="en-US" dirty="0" smtClean="0">
+              <a:t>) </a:t>
+            </a:r>
+            <a:r>
+              <a:rPr lang="ko-KR" altLang="en-US" dirty="0">
                 <a:solidFill>
                   <a:srgbClr val="FFFF00"/>
                 </a:solidFill>
@@ -17326,10 +17310,12 @@
                   </a:glow>
                 </a:effectLst>
               </a:rPr>
-              <a:t>개 </a:t>
-            </a:r>
-            <a:r>
-              <a:rPr lang="en-US" altLang="ko-KR" dirty="0" smtClean="0">
+              <a:t>개념 도입</a:t>
+            </a:r>
+          </a:p>
+          <a:p>
+            <a:r>
+              <a:rPr lang="ko-KR" altLang="en-US" dirty="0">
                 <a:solidFill>
                   <a:srgbClr val="FFFF00"/>
                 </a:solidFill>
@@ -17341,10 +17327,12 @@
                   </a:glow>
                 </a:effectLst>
               </a:rPr>
-              <a:t>+ Hidden map 10</a:t>
-            </a:r>
-            <a:r>
-              <a:rPr lang="ko-KR" altLang="en-US" dirty="0" smtClean="0">
+              <a:t>공의 움직임과 회전을 넣으면 공 이외 다른 모든 물체들을 반대로 움직이고 회전함</a:t>
+            </a:r>
+          </a:p>
+          <a:p>
+            <a:r>
+              <a:rPr lang="ko-KR" altLang="en-US" dirty="0">
                 <a:solidFill>
                   <a:srgbClr val="FFFF00"/>
                 </a:solidFill>
@@ -17356,10 +17344,10 @@
                   </a:glow>
                 </a:effectLst>
               </a:rPr>
-              <a:t>개</a:t>
-            </a:r>
-            <a:r>
-              <a:rPr lang="en-US" altLang="ko-KR" dirty="0" smtClean="0">
+              <a:t>게임 </a:t>
+            </a:r>
+            <a:r>
+              <a:rPr lang="ko-KR" altLang="en-US" dirty="0" err="1">
                 <a:solidFill>
                   <a:srgbClr val="FFFF00"/>
                 </a:solidFill>
@@ -17371,12 +17359,10 @@
                   </a:glow>
                 </a:effectLst>
               </a:rPr>
-              <a:t>)</a:t>
-            </a:r>
-          </a:p>
-          <a:p>
-            <a:r>
-              <a:rPr lang="ko-KR" altLang="en-US" dirty="0" smtClean="0">
+              <a:t>로직상으로는</a:t>
+            </a:r>
+            <a:r>
+              <a:rPr lang="ko-KR" altLang="en-US" dirty="0">
                 <a:solidFill>
                   <a:srgbClr val="FFFF00"/>
                 </a:solidFill>
@@ -17388,152 +17374,8 @@
                   </a:glow>
                 </a:effectLst>
               </a:rPr>
-              <a:t>메인 화면 디자인 확정</a:t>
-            </a:r>
-            <a:endParaRPr lang="en-US" altLang="ko-KR" dirty="0" smtClean="0">
-              <a:solidFill>
-                <a:srgbClr val="FFFF00"/>
-              </a:solidFill>
-              <a:effectLst>
-                <a:glow rad="101600">
-                  <a:srgbClr val="FFFF00">
-                    <a:alpha val="40000"/>
-                  </a:srgbClr>
-                </a:glow>
-              </a:effectLst>
-            </a:endParaRPr>
-          </a:p>
-          <a:p>
-            <a:r>
-              <a:rPr lang="en-US" altLang="ko-KR" dirty="0" smtClean="0">
-                <a:solidFill>
-                  <a:srgbClr val="FFFF00"/>
-                </a:solidFill>
-                <a:effectLst>
-                  <a:glow rad="101600">
-                    <a:srgbClr val="FFFF00">
-                      <a:alpha val="40000"/>
-                    </a:srgbClr>
-                  </a:glow>
-                </a:effectLst>
-              </a:rPr>
-              <a:t>Intro Logo </a:t>
-            </a:r>
-            <a:r>
-              <a:rPr lang="ko-KR" altLang="en-US" dirty="0" smtClean="0">
-                <a:solidFill>
-                  <a:srgbClr val="FFFF00"/>
-                </a:solidFill>
-                <a:effectLst>
-                  <a:glow rad="101600">
-                    <a:srgbClr val="FFFF00">
-                      <a:alpha val="40000"/>
-                    </a:srgbClr>
-                  </a:glow>
-                </a:effectLst>
-              </a:rPr>
-              <a:t>디자인</a:t>
-            </a:r>
-            <a:endParaRPr lang="en-US" altLang="ko-KR" dirty="0" smtClean="0">
-              <a:solidFill>
-                <a:srgbClr val="FFFF00"/>
-              </a:solidFill>
-              <a:effectLst>
-                <a:glow rad="101600">
-                  <a:srgbClr val="FFFF00">
-                    <a:alpha val="40000"/>
-                  </a:srgbClr>
-                </a:glow>
-              </a:effectLst>
-            </a:endParaRPr>
-          </a:p>
-          <a:p>
-            <a:r>
-              <a:rPr lang="en-US" altLang="ko-KR" dirty="0" smtClean="0">
-                <a:solidFill>
-                  <a:srgbClr val="FFFF00"/>
-                </a:solidFill>
-                <a:effectLst>
-                  <a:glow rad="101600">
-                    <a:srgbClr val="FFFF00">
-                      <a:alpha val="40000"/>
-                    </a:srgbClr>
-                  </a:glow>
-                </a:effectLst>
-              </a:rPr>
-              <a:t>Ranking </a:t>
-            </a:r>
-            <a:r>
-              <a:rPr lang="ko-KR" altLang="en-US" dirty="0" smtClean="0">
-                <a:solidFill>
-                  <a:srgbClr val="FFFF00"/>
-                </a:solidFill>
-                <a:effectLst>
-                  <a:glow rad="101600">
-                    <a:srgbClr val="FFFF00">
-                      <a:alpha val="40000"/>
-                    </a:srgbClr>
-                  </a:glow>
-                </a:effectLst>
-              </a:rPr>
-              <a:t>화면 디자인</a:t>
-            </a:r>
-            <a:endParaRPr lang="en-US" altLang="ko-KR" dirty="0" smtClean="0">
-              <a:solidFill>
-                <a:srgbClr val="FFFF00"/>
-              </a:solidFill>
-              <a:effectLst>
-                <a:glow rad="101600">
-                  <a:srgbClr val="FFFF00">
-                    <a:alpha val="40000"/>
-                  </a:srgbClr>
-                </a:glow>
-              </a:effectLst>
-            </a:endParaRPr>
-          </a:p>
-          <a:p>
-            <a:r>
-              <a:rPr lang="en-US" altLang="ko-KR" dirty="0" smtClean="0">
-                <a:solidFill>
-                  <a:srgbClr val="FFFF00"/>
-                </a:solidFill>
-                <a:effectLst>
-                  <a:glow rad="101600">
-                    <a:srgbClr val="FFFF00">
-                      <a:alpha val="40000"/>
-                    </a:srgbClr>
-                  </a:glow>
-                </a:effectLst>
-              </a:rPr>
-              <a:t>Options </a:t>
-            </a:r>
-            <a:r>
-              <a:rPr lang="ko-KR" altLang="en-US" dirty="0" smtClean="0">
-                <a:solidFill>
-                  <a:srgbClr val="FFFF00"/>
-                </a:solidFill>
-                <a:effectLst>
-                  <a:glow rad="101600">
-                    <a:srgbClr val="FFFF00">
-                      <a:alpha val="40000"/>
-                    </a:srgbClr>
-                  </a:glow>
-                </a:effectLst>
-              </a:rPr>
-              <a:t>화면 디자인</a:t>
-            </a:r>
-            <a:endParaRPr lang="ko-KR" altLang="en-US" dirty="0">
-              <a:solidFill>
-                <a:srgbClr val="FFFF00"/>
-              </a:solidFill>
-              <a:effectLst>
-                <a:glow rad="101600">
-                  <a:srgbClr val="FFFF00">
-                    <a:alpha val="40000"/>
-                  </a:srgbClr>
-                </a:glow>
-              </a:effectLst>
-            </a:endParaRPr>
+              <a:t> 간단히 공의 움직임만 생각하면 됨</a:t>
+            </a:r>
           </a:p>
         </p:txBody>
       </p:sp>
@@ -17563,7 +17405,7 @@
     </p:spTree>
     <p:extLst>
       <p:ext uri="{BB962C8B-B14F-4D97-AF65-F5344CB8AC3E}">
-        <p14:creationId xmlns:p14="http://schemas.microsoft.com/office/powerpoint/2010/main" val="2996282390"/>
+        <p14:creationId xmlns:p14="http://schemas.microsoft.com/office/powerpoint/2010/main" val="3756504526"/>
       </p:ext>
     </p:extLst>
   </p:cSld>
@@ -17689,21 +17531,30 @@
                             </p:childTnLst>
                           </p:cTn>
                         </p:par>
+                      </p:childTnLst>
+                    </p:cTn>
+                  </p:par>
+                  <p:par>
+                    <p:cTn id="13" fill="hold">
+                      <p:stCondLst>
+                        <p:cond delay="indefinite"/>
+                      </p:stCondLst>
+                      <p:childTnLst>
                         <p:par>
-                          <p:cTn id="13" fill="hold">
+                          <p:cTn id="14" fill="hold">
                             <p:stCondLst>
-                              <p:cond delay="500"/>
+                              <p:cond delay="0"/>
                             </p:stCondLst>
                             <p:childTnLst>
                               <p:par>
-                                <p:cTn id="14" presetID="10" presetClass="entr" presetSubtype="0" fill="hold" grpId="0" nodeType="afterEffect">
+                                <p:cTn id="15" presetID="10" presetClass="entr" presetSubtype="0" fill="hold" grpId="0" nodeType="clickEffect">
                                   <p:stCondLst>
                                     <p:cond delay="0"/>
                                   </p:stCondLst>
                                   <p:childTnLst>
                                     <p:set>
                                       <p:cBhvr>
-                                        <p:cTn id="15" dur="1" fill="hold">
+                                        <p:cTn id="16" dur="1" fill="hold">
                                           <p:stCondLst>
                                             <p:cond delay="0"/>
                                           </p:stCondLst>
@@ -17725,7 +17576,7 @@
                                     </p:set>
                                     <p:animEffect transition="in" filter="fade">
                                       <p:cBhvr>
-                                        <p:cTn id="16" dur="500"/>
+                                        <p:cTn id="17" dur="500"/>
                                         <p:tgtEl>
                                           <p:spTgt spid="4">
                                             <p:txEl>
@@ -17741,21 +17592,30 @@
                             </p:childTnLst>
                           </p:cTn>
                         </p:par>
+                      </p:childTnLst>
+                    </p:cTn>
+                  </p:par>
+                  <p:par>
+                    <p:cTn id="18" fill="hold">
+                      <p:stCondLst>
+                        <p:cond delay="indefinite"/>
+                      </p:stCondLst>
+                      <p:childTnLst>
                         <p:par>
-                          <p:cTn id="17" fill="hold">
+                          <p:cTn id="19" fill="hold">
                             <p:stCondLst>
-                              <p:cond delay="1000"/>
+                              <p:cond delay="0"/>
                             </p:stCondLst>
                             <p:childTnLst>
                               <p:par>
-                                <p:cTn id="18" presetID="10" presetClass="entr" presetSubtype="0" fill="hold" grpId="0" nodeType="afterEffect">
+                                <p:cTn id="20" presetID="10" presetClass="entr" presetSubtype="0" fill="hold" grpId="0" nodeType="clickEffect">
                                   <p:stCondLst>
                                     <p:cond delay="0"/>
                                   </p:stCondLst>
                                   <p:childTnLst>
                                     <p:set>
                                       <p:cBhvr>
-                                        <p:cTn id="19" dur="1" fill="hold">
+                                        <p:cTn id="21" dur="1" fill="hold">
                                           <p:stCondLst>
                                             <p:cond delay="0"/>
                                           </p:stCondLst>
@@ -17777,7 +17637,7 @@
                                     </p:set>
                                     <p:animEffect transition="in" filter="fade">
                                       <p:cBhvr>
-                                        <p:cTn id="20" dur="500"/>
+                                        <p:cTn id="22" dur="500"/>
                                         <p:tgtEl>
                                           <p:spTgt spid="4">
                                             <p:txEl>
@@ -17793,21 +17653,30 @@
                             </p:childTnLst>
                           </p:cTn>
                         </p:par>
+                      </p:childTnLst>
+                    </p:cTn>
+                  </p:par>
+                  <p:par>
+                    <p:cTn id="23" fill="hold">
+                      <p:stCondLst>
+                        <p:cond delay="indefinite"/>
+                      </p:stCondLst>
+                      <p:childTnLst>
                         <p:par>
-                          <p:cTn id="21" fill="hold">
+                          <p:cTn id="24" fill="hold">
                             <p:stCondLst>
-                              <p:cond delay="1500"/>
+                              <p:cond delay="0"/>
                             </p:stCondLst>
                             <p:childTnLst>
                               <p:par>
-                                <p:cTn id="22" presetID="10" presetClass="entr" presetSubtype="0" fill="hold" grpId="0" nodeType="afterEffect">
+                                <p:cTn id="25" presetID="10" presetClass="entr" presetSubtype="0" fill="hold" grpId="0" nodeType="clickEffect">
                                   <p:stCondLst>
                                     <p:cond delay="0"/>
                                   </p:stCondLst>
                                   <p:childTnLst>
                                     <p:set>
                                       <p:cBhvr>
-                                        <p:cTn id="23" dur="1" fill="hold">
+                                        <p:cTn id="26" dur="1" fill="hold">
                                           <p:stCondLst>
                                             <p:cond delay="0"/>
                                           </p:stCondLst>
@@ -17829,63 +17698,11 @@
                                     </p:set>
                                     <p:animEffect transition="in" filter="fade">
                                       <p:cBhvr>
-                                        <p:cTn id="24" dur="500"/>
+                                        <p:cTn id="27" dur="500"/>
                                         <p:tgtEl>
                                           <p:spTgt spid="4">
                                             <p:txEl>
                                               <p:pRg st="3" end="3"/>
-                                            </p:txEl>
-                                          </p:spTgt>
-                                        </p:tgtEl>
-                                      </p:cBhvr>
-                                    </p:animEffect>
-                                  </p:childTnLst>
-                                </p:cTn>
-                              </p:par>
-                            </p:childTnLst>
-                          </p:cTn>
-                        </p:par>
-                        <p:par>
-                          <p:cTn id="25" fill="hold">
-                            <p:stCondLst>
-                              <p:cond delay="2000"/>
-                            </p:stCondLst>
-                            <p:childTnLst>
-                              <p:par>
-                                <p:cTn id="26" presetID="10" presetClass="entr" presetSubtype="0" fill="hold" grpId="0" nodeType="afterEffect">
-                                  <p:stCondLst>
-                                    <p:cond delay="0"/>
-                                  </p:stCondLst>
-                                  <p:childTnLst>
-                                    <p:set>
-                                      <p:cBhvr>
-                                        <p:cTn id="27" dur="1" fill="hold">
-                                          <p:stCondLst>
-                                            <p:cond delay="0"/>
-                                          </p:stCondLst>
-                                        </p:cTn>
-                                        <p:tgtEl>
-                                          <p:spTgt spid="4">
-                                            <p:txEl>
-                                              <p:pRg st="4" end="4"/>
-                                            </p:txEl>
-                                          </p:spTgt>
-                                        </p:tgtEl>
-                                        <p:attrNameLst>
-                                          <p:attrName>style.visibility</p:attrName>
-                                        </p:attrNameLst>
-                                      </p:cBhvr>
-                                      <p:to>
-                                        <p:strVal val="visible"/>
-                                      </p:to>
-                                    </p:set>
-                                    <p:animEffect transition="in" filter="fade">
-                                      <p:cBhvr>
-                                        <p:cTn id="28" dur="500"/>
-                                        <p:tgtEl>
-                                          <p:spTgt spid="4">
-                                            <p:txEl>
-                                              <p:pRg st="4" end="4"/>
                                             </p:txEl>
                                           </p:spTgt>
                                         </p:tgtEl>
@@ -17923,7 +17740,7 @@
     </p:tnLst>
     <p:bldLst>
       <p:bldP spid="3" grpId="0"/>
-      <p:bldP spid="4" grpId="0" uiExpand="1" build="p"/>
+      <p:bldP spid="4" grpId="0" build="p"/>
     </p:bldLst>
   </p:timing>
 </p:sld>
@@ -18332,22 +18149,7 @@
                   </a:glow>
                 </a:effectLst>
               </a:rPr>
-              <a:t>예정 </a:t>
-            </a:r>
-            <a:r>
-              <a:rPr lang="ko-KR" altLang="en-US" dirty="0" smtClean="0">
-                <a:solidFill>
-                  <a:srgbClr val="00FFFF"/>
-                </a:solidFill>
-                <a:effectLst>
-                  <a:glow rad="101600">
-                    <a:srgbClr val="00FFFF">
-                      <a:alpha val="40000"/>
-                    </a:srgbClr>
-                  </a:glow>
-                </a:effectLst>
-              </a:rPr>
-              <a:t>사항 </a:t>
+              <a:t>예정 사항 </a:t>
             </a:r>
             <a:r>
               <a:rPr lang="en-US" altLang="ko-KR" dirty="0" smtClean="0">
@@ -18377,7 +18179,7 @@
                   </a:glow>
                 </a:effectLst>
               </a:rPr>
-              <a:t>지상현</a:t>
+              <a:t>김이석</a:t>
             </a:r>
             <a:endParaRPr lang="ko-KR" altLang="en-US" dirty="0">
               <a:solidFill>
@@ -18404,7 +18206,12 @@
             <p:ph idx="1"/>
           </p:nvPr>
         </p:nvSpPr>
-        <p:spPr/>
+        <p:spPr>
+          <a:xfrm>
+            <a:off x="457200" y="1600200"/>
+            <a:ext cx="8229600" cy="4709120"/>
+          </a:xfrm>
+        </p:spPr>
         <p:txBody>
           <a:bodyPr>
             <a:normAutofit/>
@@ -18424,10 +18231,10 @@
                   </a:glow>
                 </a:effectLst>
               </a:rPr>
-              <a:t>월드 </a:t>
-            </a:r>
-            <a:r>
-              <a:rPr lang="ko-KR" altLang="en-US" dirty="0">
+              <a:t>다양한 </a:t>
+            </a:r>
+            <a:r>
+              <a:rPr lang="ko-KR" altLang="en-US" dirty="0" err="1" smtClean="0">
                 <a:solidFill>
                   <a:srgbClr val="FFFF00"/>
                 </a:solidFill>
@@ -18439,12 +18246,10 @@
                   </a:glow>
                 </a:effectLst>
               </a:rPr>
-              <a:t>실제 구현</a:t>
-            </a:r>
-          </a:p>
-          <a:p>
-            <a:r>
-              <a:rPr lang="ko-KR" altLang="en-US" dirty="0">
+              <a:t>맵</a:t>
+            </a:r>
+            <a:r>
+              <a:rPr lang="ko-KR" altLang="en-US" dirty="0" smtClean="0">
                 <a:solidFill>
                   <a:srgbClr val="FFFF00"/>
                 </a:solidFill>
@@ -18456,10 +18261,10 @@
                   </a:glow>
                 </a:effectLst>
               </a:rPr>
-              <a:t>방향 센서 보정</a:t>
-            </a:r>
-            <a:r>
-              <a:rPr lang="en-US" altLang="ko-KR" dirty="0">
+              <a:t> 디자인</a:t>
+            </a:r>
+            <a:r>
+              <a:rPr lang="en-US" altLang="ko-KR" dirty="0" smtClean="0">
                 <a:solidFill>
                   <a:srgbClr val="FFFF00"/>
                 </a:solidFill>
@@ -18471,10 +18276,10 @@
                   </a:glow>
                 </a:effectLst>
               </a:rPr>
-              <a:t>: </a:t>
-            </a:r>
-            <a:r>
-              <a:rPr lang="ko-KR" altLang="en-US" dirty="0">
+              <a:t/>
+            </a:r>
+            <a:br>
+              <a:rPr lang="en-US" altLang="ko-KR" dirty="0" smtClean="0">
                 <a:solidFill>
                   <a:srgbClr val="FFFF00"/>
                 </a:solidFill>
@@ -18486,89 +18291,9 @@
                   </a:glow>
                 </a:effectLst>
               </a:rPr>
-              <a:t>센서 값이 미세하게 떨리므로 적당히 값을 뭉개야 함</a:t>
-            </a:r>
-          </a:p>
-          <a:p>
-            <a:r>
-              <a:rPr lang="en-US" altLang="ko-KR" dirty="0">
-                <a:solidFill>
-                  <a:srgbClr val="FFFF00"/>
-                </a:solidFill>
-                <a:effectLst>
-                  <a:glow rad="101600">
-                    <a:srgbClr val="FFFF00">
-                      <a:alpha val="40000"/>
-                    </a:srgbClr>
-                  </a:glow>
-                </a:effectLst>
-              </a:rPr>
-              <a:t>world generator </a:t>
-            </a:r>
-            <a:r>
-              <a:rPr lang="ko-KR" altLang="en-US" dirty="0">
-                <a:solidFill>
-                  <a:srgbClr val="FFFF00"/>
-                </a:solidFill>
-                <a:effectLst>
-                  <a:glow rad="101600">
-                    <a:srgbClr val="FFFF00">
-                      <a:alpha val="40000"/>
-                    </a:srgbClr>
-                  </a:glow>
-                </a:effectLst>
-              </a:rPr>
-              <a:t>및 </a:t>
-            </a:r>
-            <a:r>
-              <a:rPr lang="en-US" altLang="ko-KR" dirty="0">
-                <a:solidFill>
-                  <a:srgbClr val="FFFF00"/>
-                </a:solidFill>
-                <a:effectLst>
-                  <a:glow rad="101600">
-                    <a:srgbClr val="FFFF00">
-                      <a:alpha val="40000"/>
-                    </a:srgbClr>
-                  </a:glow>
-                </a:effectLst>
-              </a:rPr>
-              <a:t>map editor</a:t>
-            </a:r>
-            <a:r>
-              <a:rPr lang="ko-KR" altLang="en-US" dirty="0">
-                <a:solidFill>
-                  <a:srgbClr val="FFFF00"/>
-                </a:solidFill>
-                <a:effectLst>
-                  <a:glow rad="101600">
-                    <a:srgbClr val="FFFF00">
-                      <a:alpha val="40000"/>
-                    </a:srgbClr>
-                  </a:glow>
-                </a:effectLst>
-              </a:rPr>
-              <a:t>와 연동</a:t>
-            </a:r>
-          </a:p>
-          <a:p>
-            <a:r>
-              <a:rPr lang="ko-KR" altLang="en-US" dirty="0">
-                <a:solidFill>
-                  <a:srgbClr val="FFFF00"/>
-                </a:solidFill>
-                <a:effectLst>
-                  <a:glow rad="101600">
-                    <a:srgbClr val="FFFF00">
-                      <a:alpha val="40000"/>
-                    </a:srgbClr>
-                  </a:glow>
-                </a:effectLst>
-              </a:rPr>
-              <a:t>충돌 처리 구현 </a:t>
-            </a:r>
-            <a:r>
-              <a:rPr lang="en-US" altLang="ko-KR" dirty="0">
+            </a:br>
+            <a:r>
+              <a:rPr lang="en-US" altLang="ko-KR" dirty="0" smtClean="0">
                 <a:solidFill>
                   <a:srgbClr val="FFFF00"/>
                 </a:solidFill>
@@ -18583,7 +18308,7 @@
               <a:t>(</a:t>
             </a:r>
             <a:r>
-              <a:rPr lang="ko-KR" altLang="en-US" dirty="0">
+              <a:rPr lang="ko-KR" altLang="en-US" dirty="0" smtClean="0">
                 <a:solidFill>
                   <a:srgbClr val="FFFF00"/>
                 </a:solidFill>
@@ -18595,10 +18320,70 @@
                   </a:glow>
                 </a:effectLst>
               </a:rPr>
-              <a:t>반사와 굴러가기</a:t>
-            </a:r>
-            <a:r>
-              <a:rPr lang="en-US" altLang="ko-KR" dirty="0">
+              <a:t>기본 </a:t>
+            </a:r>
+            <a:r>
+              <a:rPr lang="en-US" altLang="ko-KR" dirty="0" smtClean="0">
+                <a:solidFill>
+                  <a:srgbClr val="FFFF00"/>
+                </a:solidFill>
+                <a:effectLst>
+                  <a:glow rad="101600">
+                    <a:srgbClr val="FFFF00">
+                      <a:alpha val="40000"/>
+                    </a:srgbClr>
+                  </a:glow>
+                </a:effectLst>
+              </a:rPr>
+              <a:t>20</a:t>
+            </a:r>
+            <a:r>
+              <a:rPr lang="ko-KR" altLang="en-US" dirty="0" smtClean="0">
+                <a:solidFill>
+                  <a:srgbClr val="FFFF00"/>
+                </a:solidFill>
+                <a:effectLst>
+                  <a:glow rad="101600">
+                    <a:srgbClr val="FFFF00">
+                      <a:alpha val="40000"/>
+                    </a:srgbClr>
+                  </a:glow>
+                </a:effectLst>
+              </a:rPr>
+              <a:t>개 </a:t>
+            </a:r>
+            <a:r>
+              <a:rPr lang="en-US" altLang="ko-KR" dirty="0" smtClean="0">
+                <a:solidFill>
+                  <a:srgbClr val="FFFF00"/>
+                </a:solidFill>
+                <a:effectLst>
+                  <a:glow rad="101600">
+                    <a:srgbClr val="FFFF00">
+                      <a:alpha val="40000"/>
+                    </a:srgbClr>
+                  </a:glow>
+                </a:effectLst>
+              </a:rPr>
+              <a:t>+ Hidden map 10</a:t>
+            </a:r>
+            <a:r>
+              <a:rPr lang="ko-KR" altLang="en-US" dirty="0" smtClean="0">
+                <a:solidFill>
+                  <a:srgbClr val="FFFF00"/>
+                </a:solidFill>
+                <a:effectLst>
+                  <a:glow rad="101600">
+                    <a:srgbClr val="FFFF00">
+                      <a:alpha val="40000"/>
+                    </a:srgbClr>
+                  </a:glow>
+                </a:effectLst>
+              </a:rPr>
+              <a:t>개</a:t>
+            </a:r>
+            <a:r>
+              <a:rPr lang="en-US" altLang="ko-KR" dirty="0" smtClean="0">
                 <a:solidFill>
                   <a:srgbClr val="FFFF00"/>
                 </a:solidFill>
@@ -18614,6 +18399,256 @@
             </a:r>
           </a:p>
           <a:p>
+            <a:r>
+              <a:rPr lang="ko-KR" altLang="en-US" dirty="0" smtClean="0">
+                <a:solidFill>
+                  <a:srgbClr val="FFFF00"/>
+                </a:solidFill>
+                <a:effectLst>
+                  <a:glow rad="101600">
+                    <a:srgbClr val="FFFF00">
+                      <a:alpha val="40000"/>
+                    </a:srgbClr>
+                  </a:glow>
+                </a:effectLst>
+              </a:rPr>
+              <a:t>메인 화면 디자인 </a:t>
+            </a:r>
+            <a:r>
+              <a:rPr lang="ko-KR" altLang="en-US" dirty="0" smtClean="0">
+                <a:solidFill>
+                  <a:srgbClr val="FFFF00"/>
+                </a:solidFill>
+                <a:effectLst>
+                  <a:glow rad="101600">
+                    <a:srgbClr val="FFFF00">
+                      <a:alpha val="40000"/>
+                    </a:srgbClr>
+                  </a:glow>
+                </a:effectLst>
+              </a:rPr>
+              <a:t>확정</a:t>
+            </a:r>
+            <a:endParaRPr lang="en-US" altLang="ko-KR" dirty="0">
+              <a:solidFill>
+                <a:srgbClr val="FFFF00"/>
+              </a:solidFill>
+              <a:effectLst>
+                <a:glow rad="101600">
+                  <a:srgbClr val="FFFF00">
+                    <a:alpha val="40000"/>
+                  </a:srgbClr>
+                </a:glow>
+              </a:effectLst>
+            </a:endParaRPr>
+          </a:p>
+          <a:p>
+            <a:r>
+              <a:rPr lang="en-US" altLang="ko-KR" dirty="0">
+                <a:solidFill>
+                  <a:srgbClr val="FFFF00"/>
+                </a:solidFill>
+                <a:effectLst>
+                  <a:glow rad="101600">
+                    <a:srgbClr val="FFFF00">
+                      <a:alpha val="40000"/>
+                    </a:srgbClr>
+                  </a:glow>
+                </a:effectLst>
+              </a:rPr>
+              <a:t>Team Logo </a:t>
+            </a:r>
+            <a:r>
+              <a:rPr lang="ko-KR" altLang="en-US" dirty="0" smtClean="0">
+                <a:solidFill>
+                  <a:srgbClr val="FFFF00"/>
+                </a:solidFill>
+                <a:effectLst>
+                  <a:glow rad="101600">
+                    <a:srgbClr val="FFFF00">
+                      <a:alpha val="40000"/>
+                    </a:srgbClr>
+                  </a:glow>
+                </a:effectLst>
+              </a:rPr>
+              <a:t>디자인</a:t>
+            </a:r>
+            <a:endParaRPr lang="en-US" altLang="ko-KR" dirty="0" smtClean="0">
+              <a:solidFill>
+                <a:srgbClr val="FFFF00"/>
+              </a:solidFill>
+              <a:effectLst>
+                <a:glow rad="101600">
+                  <a:srgbClr val="FFFF00">
+                    <a:alpha val="40000"/>
+                  </a:srgbClr>
+                </a:glow>
+              </a:effectLst>
+            </a:endParaRPr>
+          </a:p>
+          <a:p>
+            <a:r>
+              <a:rPr lang="en-US" altLang="ko-KR" dirty="0" smtClean="0">
+                <a:solidFill>
+                  <a:srgbClr val="FFFF00"/>
+                </a:solidFill>
+                <a:effectLst>
+                  <a:glow rad="101600">
+                    <a:srgbClr val="FFFF00">
+                      <a:alpha val="40000"/>
+                    </a:srgbClr>
+                  </a:glow>
+                </a:effectLst>
+              </a:rPr>
+              <a:t>Intro Logo </a:t>
+            </a:r>
+            <a:r>
+              <a:rPr lang="ko-KR" altLang="en-US" dirty="0" smtClean="0">
+                <a:solidFill>
+                  <a:srgbClr val="FFFF00"/>
+                </a:solidFill>
+                <a:effectLst>
+                  <a:glow rad="101600">
+                    <a:srgbClr val="FFFF00">
+                      <a:alpha val="40000"/>
+                    </a:srgbClr>
+                  </a:glow>
+                </a:effectLst>
+              </a:rPr>
+              <a:t>디자인</a:t>
+            </a:r>
+            <a:endParaRPr lang="en-US" altLang="ko-KR" dirty="0" smtClean="0">
+              <a:solidFill>
+                <a:srgbClr val="FFFF00"/>
+              </a:solidFill>
+              <a:effectLst>
+                <a:glow rad="101600">
+                  <a:srgbClr val="FFFF00">
+                    <a:alpha val="40000"/>
+                  </a:srgbClr>
+                </a:glow>
+              </a:effectLst>
+            </a:endParaRPr>
+          </a:p>
+          <a:p>
+            <a:r>
+              <a:rPr lang="en-US" altLang="ko-KR" dirty="0" smtClean="0">
+                <a:solidFill>
+                  <a:srgbClr val="FFFF00"/>
+                </a:solidFill>
+                <a:effectLst>
+                  <a:glow rad="101600">
+                    <a:srgbClr val="FFFF00">
+                      <a:alpha val="40000"/>
+                    </a:srgbClr>
+                  </a:glow>
+                </a:effectLst>
+              </a:rPr>
+              <a:t>Ranking </a:t>
+            </a:r>
+            <a:r>
+              <a:rPr lang="ko-KR" altLang="en-US" dirty="0" smtClean="0">
+                <a:solidFill>
+                  <a:srgbClr val="FFFF00"/>
+                </a:solidFill>
+                <a:effectLst>
+                  <a:glow rad="101600">
+                    <a:srgbClr val="FFFF00">
+                      <a:alpha val="40000"/>
+                    </a:srgbClr>
+                  </a:glow>
+                </a:effectLst>
+              </a:rPr>
+              <a:t>화면 디자인</a:t>
+            </a:r>
+            <a:endParaRPr lang="en-US" altLang="ko-KR" dirty="0" smtClean="0">
+              <a:solidFill>
+                <a:srgbClr val="FFFF00"/>
+              </a:solidFill>
+              <a:effectLst>
+                <a:glow rad="101600">
+                  <a:srgbClr val="FFFF00">
+                    <a:alpha val="40000"/>
+                  </a:srgbClr>
+                </a:glow>
+              </a:effectLst>
+            </a:endParaRPr>
+          </a:p>
+          <a:p>
+            <a:r>
+              <a:rPr lang="en-US" altLang="ko-KR" dirty="0" smtClean="0">
+                <a:solidFill>
+                  <a:srgbClr val="FFFF00"/>
+                </a:solidFill>
+                <a:effectLst>
+                  <a:glow rad="101600">
+                    <a:srgbClr val="FFFF00">
+                      <a:alpha val="40000"/>
+                    </a:srgbClr>
+                  </a:glow>
+                </a:effectLst>
+              </a:rPr>
+              <a:t>Options </a:t>
+            </a:r>
+            <a:r>
+              <a:rPr lang="ko-KR" altLang="en-US" dirty="0" smtClean="0">
+                <a:solidFill>
+                  <a:srgbClr val="FFFF00"/>
+                </a:solidFill>
+                <a:effectLst>
+                  <a:glow rad="101600">
+                    <a:srgbClr val="FFFF00">
+                      <a:alpha val="40000"/>
+                    </a:srgbClr>
+                  </a:glow>
+                </a:effectLst>
+              </a:rPr>
+              <a:t>화면 </a:t>
+            </a:r>
+            <a:r>
+              <a:rPr lang="ko-KR" altLang="en-US" dirty="0" smtClean="0">
+                <a:solidFill>
+                  <a:srgbClr val="FFFF00"/>
+                </a:solidFill>
+                <a:effectLst>
+                  <a:glow rad="101600">
+                    <a:srgbClr val="FFFF00">
+                      <a:alpha val="40000"/>
+                    </a:srgbClr>
+                  </a:glow>
+                </a:effectLst>
+              </a:rPr>
+              <a:t>디자인</a:t>
+            </a:r>
+            <a:endParaRPr lang="en-US" altLang="ko-KR" dirty="0" smtClean="0">
+              <a:solidFill>
+                <a:srgbClr val="FFFF00"/>
+              </a:solidFill>
+              <a:effectLst>
+                <a:glow rad="101600">
+                  <a:srgbClr val="FFFF00">
+                    <a:alpha val="40000"/>
+                  </a:srgbClr>
+                </a:glow>
+              </a:effectLst>
+            </a:endParaRPr>
+          </a:p>
+          <a:p>
+            <a:r>
+              <a:rPr lang="ko-KR" altLang="en-US" dirty="0" smtClean="0">
+                <a:solidFill>
+                  <a:srgbClr val="FFFF00"/>
+                </a:solidFill>
+                <a:effectLst>
+                  <a:glow rad="101600">
+                    <a:srgbClr val="FFFF00">
+                      <a:alpha val="40000"/>
+                    </a:srgbClr>
+                  </a:glow>
+                </a:effectLst>
+              </a:rPr>
+              <a:t>로딩 화면 디자인</a:t>
+            </a:r>
             <a:endParaRPr lang="ko-KR" altLang="en-US" dirty="0">
               <a:solidFill>
                 <a:srgbClr val="FFFF00"/>
@@ -18655,7 +18690,7 @@
     </p:spTree>
     <p:extLst>
       <p:ext uri="{BB962C8B-B14F-4D97-AF65-F5344CB8AC3E}">
-        <p14:creationId xmlns:p14="http://schemas.microsoft.com/office/powerpoint/2010/main" val="1411942190"/>
+        <p14:creationId xmlns:p14="http://schemas.microsoft.com/office/powerpoint/2010/main" val="2996282390"/>
       </p:ext>
     </p:extLst>
   </p:cSld>
@@ -18926,6 +18961,171 @@
                                           <p:spTgt spid="4">
                                             <p:txEl>
                                               <p:pRg st="3" end="3"/>
+                                            </p:txEl>
+                                          </p:spTgt>
+                                        </p:tgtEl>
+                                      </p:cBhvr>
+                                    </p:animEffect>
+                                  </p:childTnLst>
+                                </p:cTn>
+                              </p:par>
+                            </p:childTnLst>
+                          </p:cTn>
+                        </p:par>
+                        <p:par>
+                          <p:cTn id="25" fill="hold">
+                            <p:stCondLst>
+                              <p:cond delay="2000"/>
+                            </p:stCondLst>
+                            <p:childTnLst>
+                              <p:par>
+                                <p:cTn id="26" presetID="10" presetClass="entr" presetSubtype="0" fill="hold" grpId="0" nodeType="afterEffect">
+                                  <p:stCondLst>
+                                    <p:cond delay="0"/>
+                                  </p:stCondLst>
+                                  <p:childTnLst>
+                                    <p:set>
+                                      <p:cBhvr>
+                                        <p:cTn id="27" dur="1" fill="hold">
+                                          <p:stCondLst>
+                                            <p:cond delay="0"/>
+                                          </p:stCondLst>
+                                        </p:cTn>
+                                        <p:tgtEl>
+                                          <p:spTgt spid="4">
+                                            <p:txEl>
+                                              <p:pRg st="4" end="4"/>
+                                            </p:txEl>
+                                          </p:spTgt>
+                                        </p:tgtEl>
+                                        <p:attrNameLst>
+                                          <p:attrName>style.visibility</p:attrName>
+                                        </p:attrNameLst>
+                                      </p:cBhvr>
+                                      <p:to>
+                                        <p:strVal val="visible"/>
+                                      </p:to>
+                                    </p:set>
+                                    <p:animEffect transition="in" filter="fade">
+                                      <p:cBhvr>
+                                        <p:cTn id="28" dur="500"/>
+                                        <p:tgtEl>
+                                          <p:spTgt spid="4">
+                                            <p:txEl>
+                                              <p:pRg st="4" end="4"/>
+                                            </p:txEl>
+                                          </p:spTgt>
+                                        </p:tgtEl>
+                                      </p:cBhvr>
+                                    </p:animEffect>
+                                  </p:childTnLst>
+                                </p:cTn>
+                              </p:par>
+                            </p:childTnLst>
+                          </p:cTn>
+                        </p:par>
+                        <p:par>
+                          <p:cTn id="29" fill="hold">
+                            <p:stCondLst>
+                              <p:cond delay="2500"/>
+                            </p:stCondLst>
+                            <p:childTnLst>
+                              <p:par>
+                                <p:cTn id="30" presetID="10" presetClass="entr" presetSubtype="0" fill="hold" grpId="0" nodeType="afterEffect">
+                                  <p:stCondLst>
+                                    <p:cond delay="0"/>
+                                  </p:stCondLst>
+                                  <p:childTnLst>
+                                    <p:set>
+                                      <p:cBhvr>
+                                        <p:cTn id="31" dur="1" fill="hold">
+                                          <p:stCondLst>
+                                            <p:cond delay="0"/>
+                                          </p:stCondLst>
+                                        </p:cTn>
+                                        <p:tgtEl>
+                                          <p:spTgt spid="4">
+                                            <p:txEl>
+                                              <p:pRg st="5" end="5"/>
+                                            </p:txEl>
+                                          </p:spTgt>
+                                        </p:tgtEl>
+                                        <p:attrNameLst>
+                                          <p:attrName>style.visibility</p:attrName>
+                                        </p:attrNameLst>
+                                      </p:cBhvr>
+                                      <p:to>
+                                        <p:strVal val="visible"/>
+                                      </p:to>
+                                    </p:set>
+                                    <p:animEffect transition="in" filter="fade">
+                                      <p:cBhvr>
+                                        <p:cTn id="32" dur="500"/>
+                                        <p:tgtEl>
+                                          <p:spTgt spid="4">
+                                            <p:txEl>
+                                              <p:pRg st="5" end="5"/>
+                                            </p:txEl>
+                                          </p:spTgt>
+                                        </p:tgtEl>
+                                      </p:cBhvr>
+                                    </p:animEffect>
+                                  </p:childTnLst>
+                                </p:cTn>
+                              </p:par>
+                            </p:childTnLst>
+                          </p:cTn>
+                        </p:par>
+                      </p:childTnLst>
+                    </p:cTn>
+                  </p:par>
+                  <p:par>
+                    <p:cTn id="33" fill="hold">
+                      <p:stCondLst>
+                        <p:cond delay="indefinite"/>
+                      </p:stCondLst>
+                      <p:childTnLst>
+                        <p:par>
+                          <p:cTn id="34" fill="hold">
+                            <p:stCondLst>
+                              <p:cond delay="0"/>
+                            </p:stCondLst>
+                            <p:childTnLst>
+                              <p:par>
+                                <p:cTn id="35" presetID="10" presetClass="entr" presetSubtype="0" fill="hold" grpId="0" nodeType="clickEffect">
+                                  <p:stCondLst>
+                                    <p:cond delay="0"/>
+                                  </p:stCondLst>
+                                  <p:childTnLst>
+                                    <p:set>
+                                      <p:cBhvr>
+                                        <p:cTn id="36" dur="1" fill="hold">
+                                          <p:stCondLst>
+                                            <p:cond delay="0"/>
+                                          </p:stCondLst>
+                                        </p:cTn>
+                                        <p:tgtEl>
+                                          <p:spTgt spid="4">
+                                            <p:txEl>
+                                              <p:pRg st="6" end="6"/>
+                                            </p:txEl>
+                                          </p:spTgt>
+                                        </p:tgtEl>
+                                        <p:attrNameLst>
+                                          <p:attrName>style.visibility</p:attrName>
+                                        </p:attrNameLst>
+                                      </p:cBhvr>
+                                      <p:to>
+                                        <p:strVal val="visible"/>
+                                      </p:to>
+                                    </p:set>
+                                    <p:animEffect transition="in" filter="fade">
+                                      <p:cBhvr>
+                                        <p:cTn id="37" dur="500"/>
+                                        <p:tgtEl>
+                                          <p:spTgt spid="4">
+                                            <p:txEl>
+                                              <p:pRg st="6" end="6"/>
                                             </p:txEl>
                                           </p:spTgt>
                                         </p:tgtEl>
@@ -18970,6 +19170,1091 @@
 </file>
 
 <file path=ppt/slides/slide21.xml><?xml version="1.0" encoding="utf-8"?>
+<p:sld xmlns:a="http://schemas.openxmlformats.org/drawingml/2006/main" xmlns:r="http://schemas.openxmlformats.org/officeDocument/2006/relationships" xmlns:p="http://schemas.openxmlformats.org/presentationml/2006/main">
+  <p:cSld>
+    <p:spTree>
+      <p:nvGrpSpPr>
+        <p:cNvPr id="1" name=""/>
+        <p:cNvGrpSpPr/>
+        <p:nvPr/>
+      </p:nvGrpSpPr>
+      <p:grpSpPr>
+        <a:xfrm>
+          <a:off x="0" y="0"/>
+          <a:ext cx="0" cy="0"/>
+          <a:chOff x="0" y="0"/>
+          <a:chExt cx="0" cy="0"/>
+        </a:xfrm>
+      </p:grpSpPr>
+      <p:sp>
+        <p:nvSpPr>
+          <p:cNvPr id="3" name="제목 2"/>
+          <p:cNvSpPr>
+            <a:spLocks noGrp="1"/>
+          </p:cNvSpPr>
+          <p:nvPr>
+            <p:ph type="title"/>
+          </p:nvPr>
+        </p:nvSpPr>
+        <p:spPr/>
+        <p:txBody>
+          <a:bodyPr/>
+          <a:lstStyle/>
+          <a:p>
+            <a:r>
+              <a:rPr lang="ko-KR" altLang="en-US" dirty="0" smtClean="0">
+                <a:solidFill>
+                  <a:srgbClr val="00FFFF"/>
+                </a:solidFill>
+                <a:effectLst>
+                  <a:glow rad="101600">
+                    <a:srgbClr val="00FFFF">
+                      <a:alpha val="40000"/>
+                    </a:srgbClr>
+                  </a:glow>
+                </a:effectLst>
+              </a:rPr>
+              <a:t>예정 사항 </a:t>
+            </a:r>
+            <a:r>
+              <a:rPr lang="en-US" altLang="ko-KR" dirty="0" smtClean="0">
+                <a:solidFill>
+                  <a:srgbClr val="00FFFF"/>
+                </a:solidFill>
+                <a:effectLst>
+                  <a:glow rad="101600">
+                    <a:srgbClr val="00FFFF">
+                      <a:alpha val="40000"/>
+                    </a:srgbClr>
+                  </a:glow>
+                </a:effectLst>
+              </a:rPr>
+              <a:t>- </a:t>
+            </a:r>
+            <a:r>
+              <a:rPr lang="ko-KR" altLang="en-US" dirty="0" err="1" smtClean="0">
+                <a:solidFill>
+                  <a:srgbClr val="00FFFF"/>
+                </a:solidFill>
+                <a:effectLst>
+                  <a:glow rad="101600">
+                    <a:srgbClr val="00FFFF">
+                      <a:alpha val="40000"/>
+                    </a:srgbClr>
+                  </a:glow>
+                </a:effectLst>
+              </a:rPr>
+              <a:t>김진협</a:t>
+            </a:r>
+            <a:endParaRPr lang="ko-KR" altLang="en-US" dirty="0">
+              <a:solidFill>
+                <a:srgbClr val="00FFFF"/>
+              </a:solidFill>
+              <a:effectLst>
+                <a:glow rad="101600">
+                  <a:srgbClr val="00FFFF">
+                    <a:alpha val="40000"/>
+                  </a:srgbClr>
+                </a:glow>
+              </a:effectLst>
+            </a:endParaRPr>
+          </a:p>
+        </p:txBody>
+      </p:sp>
+      <p:sp>
+        <p:nvSpPr>
+          <p:cNvPr id="4" name="내용 개체 틀 3"/>
+          <p:cNvSpPr>
+            <a:spLocks noGrp="1"/>
+          </p:cNvSpPr>
+          <p:nvPr>
+            <p:ph idx="1"/>
+          </p:nvPr>
+        </p:nvSpPr>
+        <p:spPr/>
+        <p:txBody>
+          <a:bodyPr>
+            <a:normAutofit/>
+          </a:bodyPr>
+          <a:lstStyle/>
+          <a:p>
+            <a:r>
+              <a:rPr lang="en-US" altLang="ko-KR" dirty="0" smtClean="0">
+                <a:solidFill>
+                  <a:srgbClr val="FFFF00"/>
+                </a:solidFill>
+                <a:effectLst>
+                  <a:glow rad="101600">
+                    <a:srgbClr val="FFFF00">
+                      <a:alpha val="40000"/>
+                    </a:srgbClr>
+                  </a:glow>
+                </a:effectLst>
+              </a:rPr>
+              <a:t>Ranking</a:t>
+            </a:r>
+            <a:r>
+              <a:rPr lang="ko-KR" altLang="en-US" dirty="0">
+                <a:solidFill>
+                  <a:srgbClr val="FFFF00"/>
+                </a:solidFill>
+                <a:effectLst>
+                  <a:glow rad="101600">
+                    <a:srgbClr val="FFFF00">
+                      <a:alpha val="40000"/>
+                    </a:srgbClr>
+                  </a:glow>
+                </a:effectLst>
+              </a:rPr>
+              <a:t>관련 클래스를 캡슐화</a:t>
+            </a:r>
+          </a:p>
+          <a:p>
+            <a:r>
+              <a:rPr lang="ko-KR" altLang="en-US" dirty="0">
+                <a:solidFill>
+                  <a:srgbClr val="FFFF00"/>
+                </a:solidFill>
+                <a:effectLst>
+                  <a:glow rad="101600">
+                    <a:srgbClr val="FFFF00">
+                      <a:alpha val="40000"/>
+                    </a:srgbClr>
+                  </a:glow>
+                </a:effectLst>
+              </a:rPr>
+              <a:t>메뉴화면을 이미지를 통해 구체화 하기</a:t>
+            </a:r>
+          </a:p>
+          <a:p>
+            <a:endParaRPr lang="ko-KR" altLang="en-US" dirty="0">
+              <a:solidFill>
+                <a:srgbClr val="FFFF00"/>
+              </a:solidFill>
+              <a:effectLst>
+                <a:glow rad="101600">
+                  <a:srgbClr val="FFFF00">
+                    <a:alpha val="40000"/>
+                  </a:srgbClr>
+                </a:glow>
+              </a:effectLst>
+            </a:endParaRPr>
+          </a:p>
+        </p:txBody>
+      </p:sp>
+      <p:sp>
+        <p:nvSpPr>
+          <p:cNvPr id="2" name="바닥글 개체 틀 1"/>
+          <p:cNvSpPr>
+            <a:spLocks noGrp="1"/>
+          </p:cNvSpPr>
+          <p:nvPr>
+            <p:ph type="ftr" sz="quarter" idx="11"/>
+          </p:nvPr>
+        </p:nvSpPr>
+        <p:spPr/>
+        <p:txBody>
+          <a:bodyPr/>
+          <a:lstStyle/>
+          <a:p>
+            <a:r>
+              <a:rPr lang="en-US" altLang="ko-KR" smtClean="0"/>
+              <a:t>r0-20120626</a:t>
+            </a:r>
+            <a:endParaRPr lang="ko-KR" altLang="en-US"/>
+          </a:p>
+        </p:txBody>
+      </p:sp>
+    </p:spTree>
+    <p:extLst>
+      <p:ext uri="{BB962C8B-B14F-4D97-AF65-F5344CB8AC3E}">
+        <p14:creationId xmlns:p14="http://schemas.microsoft.com/office/powerpoint/2010/main" val="1411942190"/>
+      </p:ext>
+    </p:extLst>
+  </p:cSld>
+  <p:clrMapOvr>
+    <a:masterClrMapping/>
+  </p:clrMapOvr>
+  <p:timing>
+    <p:tnLst>
+      <p:par>
+        <p:cTn id="1" dur="indefinite" restart="never" nodeType="tmRoot">
+          <p:childTnLst>
+            <p:seq concurrent="1" nextAc="seek">
+              <p:cTn id="2" dur="indefinite" nodeType="mainSeq">
+                <p:childTnLst>
+                  <p:par>
+                    <p:cTn id="3" fill="hold">
+                      <p:stCondLst>
+                        <p:cond delay="indefinite"/>
+                      </p:stCondLst>
+                      <p:childTnLst>
+                        <p:par>
+                          <p:cTn id="4" fill="hold">
+                            <p:stCondLst>
+                              <p:cond delay="0"/>
+                            </p:stCondLst>
+                            <p:childTnLst>
+                              <p:par>
+                                <p:cTn id="5" presetID="10" presetClass="entr" presetSubtype="0" fill="hold" grpId="0" nodeType="clickEffect">
+                                  <p:stCondLst>
+                                    <p:cond delay="0"/>
+                                  </p:stCondLst>
+                                  <p:childTnLst>
+                                    <p:set>
+                                      <p:cBhvr>
+                                        <p:cTn id="6" dur="1" fill="hold">
+                                          <p:stCondLst>
+                                            <p:cond delay="0"/>
+                                          </p:stCondLst>
+                                        </p:cTn>
+                                        <p:tgtEl>
+                                          <p:spTgt spid="3"/>
+                                        </p:tgtEl>
+                                        <p:attrNameLst>
+                                          <p:attrName>style.visibility</p:attrName>
+                                        </p:attrNameLst>
+                                      </p:cBhvr>
+                                      <p:to>
+                                        <p:strVal val="visible"/>
+                                      </p:to>
+                                    </p:set>
+                                    <p:animEffect transition="in" filter="fade">
+                                      <p:cBhvr>
+                                        <p:cTn id="7" dur="500"/>
+                                        <p:tgtEl>
+                                          <p:spTgt spid="3"/>
+                                        </p:tgtEl>
+                                      </p:cBhvr>
+                                    </p:animEffect>
+                                  </p:childTnLst>
+                                </p:cTn>
+                              </p:par>
+                            </p:childTnLst>
+                          </p:cTn>
+                        </p:par>
+                      </p:childTnLst>
+                    </p:cTn>
+                  </p:par>
+                  <p:par>
+                    <p:cTn id="8" fill="hold">
+                      <p:stCondLst>
+                        <p:cond delay="indefinite"/>
+                      </p:stCondLst>
+                      <p:childTnLst>
+                        <p:par>
+                          <p:cTn id="9" fill="hold">
+                            <p:stCondLst>
+                              <p:cond delay="0"/>
+                            </p:stCondLst>
+                            <p:childTnLst>
+                              <p:par>
+                                <p:cTn id="10" presetID="10" presetClass="entr" presetSubtype="0" fill="hold" grpId="0" nodeType="clickEffect">
+                                  <p:stCondLst>
+                                    <p:cond delay="0"/>
+                                  </p:stCondLst>
+                                  <p:childTnLst>
+                                    <p:set>
+                                      <p:cBhvr>
+                                        <p:cTn id="11" dur="1" fill="hold">
+                                          <p:stCondLst>
+                                            <p:cond delay="0"/>
+                                          </p:stCondLst>
+                                        </p:cTn>
+                                        <p:tgtEl>
+                                          <p:spTgt spid="4">
+                                            <p:txEl>
+                                              <p:pRg st="0" end="0"/>
+                                            </p:txEl>
+                                          </p:spTgt>
+                                        </p:tgtEl>
+                                        <p:attrNameLst>
+                                          <p:attrName>style.visibility</p:attrName>
+                                        </p:attrNameLst>
+                                      </p:cBhvr>
+                                      <p:to>
+                                        <p:strVal val="visible"/>
+                                      </p:to>
+                                    </p:set>
+                                    <p:animEffect transition="in" filter="fade">
+                                      <p:cBhvr>
+                                        <p:cTn id="12" dur="500"/>
+                                        <p:tgtEl>
+                                          <p:spTgt spid="4">
+                                            <p:txEl>
+                                              <p:pRg st="0" end="0"/>
+                                            </p:txEl>
+                                          </p:spTgt>
+                                        </p:tgtEl>
+                                      </p:cBhvr>
+                                    </p:animEffect>
+                                  </p:childTnLst>
+                                </p:cTn>
+                              </p:par>
+                            </p:childTnLst>
+                          </p:cTn>
+                        </p:par>
+                      </p:childTnLst>
+                    </p:cTn>
+                  </p:par>
+                  <p:par>
+                    <p:cTn id="13" fill="hold">
+                      <p:stCondLst>
+                        <p:cond delay="indefinite"/>
+                      </p:stCondLst>
+                      <p:childTnLst>
+                        <p:par>
+                          <p:cTn id="14" fill="hold">
+                            <p:stCondLst>
+                              <p:cond delay="0"/>
+                            </p:stCondLst>
+                            <p:childTnLst>
+                              <p:par>
+                                <p:cTn id="15" presetID="10" presetClass="entr" presetSubtype="0" fill="hold" grpId="0" nodeType="clickEffect">
+                                  <p:stCondLst>
+                                    <p:cond delay="0"/>
+                                  </p:stCondLst>
+                                  <p:childTnLst>
+                                    <p:set>
+                                      <p:cBhvr>
+                                        <p:cTn id="16" dur="1" fill="hold">
+                                          <p:stCondLst>
+                                            <p:cond delay="0"/>
+                                          </p:stCondLst>
+                                        </p:cTn>
+                                        <p:tgtEl>
+                                          <p:spTgt spid="4">
+                                            <p:txEl>
+                                              <p:pRg st="1" end="1"/>
+                                            </p:txEl>
+                                          </p:spTgt>
+                                        </p:tgtEl>
+                                        <p:attrNameLst>
+                                          <p:attrName>style.visibility</p:attrName>
+                                        </p:attrNameLst>
+                                      </p:cBhvr>
+                                      <p:to>
+                                        <p:strVal val="visible"/>
+                                      </p:to>
+                                    </p:set>
+                                    <p:animEffect transition="in" filter="fade">
+                                      <p:cBhvr>
+                                        <p:cTn id="17" dur="500"/>
+                                        <p:tgtEl>
+                                          <p:spTgt spid="4">
+                                            <p:txEl>
+                                              <p:pRg st="1" end="1"/>
+                                            </p:txEl>
+                                          </p:spTgt>
+                                        </p:tgtEl>
+                                      </p:cBhvr>
+                                    </p:animEffect>
+                                  </p:childTnLst>
+                                </p:cTn>
+                              </p:par>
+                            </p:childTnLst>
+                          </p:cTn>
+                        </p:par>
+                      </p:childTnLst>
+                    </p:cTn>
+                  </p:par>
+                </p:childTnLst>
+              </p:cTn>
+              <p:prevCondLst>
+                <p:cond evt="onPrev" delay="0">
+                  <p:tgtEl>
+                    <p:sldTgt/>
+                  </p:tgtEl>
+                </p:cond>
+              </p:prevCondLst>
+              <p:nextCondLst>
+                <p:cond evt="onNext" delay="0">
+                  <p:tgtEl>
+                    <p:sldTgt/>
+                  </p:tgtEl>
+                </p:cond>
+              </p:nextCondLst>
+            </p:seq>
+          </p:childTnLst>
+        </p:cTn>
+      </p:par>
+    </p:tnLst>
+    <p:bldLst>
+      <p:bldP spid="3" grpId="0"/>
+      <p:bldP spid="4" grpId="0" uiExpand="1" build="p"/>
+    </p:bldLst>
+  </p:timing>
+</p:sld>
+</file>
+
+<file path=ppt/slides/slide22.xml><?xml version="1.0" encoding="utf-8"?>
+<p:sld xmlns:a="http://schemas.openxmlformats.org/drawingml/2006/main" xmlns:r="http://schemas.openxmlformats.org/officeDocument/2006/relationships" xmlns:p="http://schemas.openxmlformats.org/presentationml/2006/main">
+  <p:cSld>
+    <p:spTree>
+      <p:nvGrpSpPr>
+        <p:cNvPr id="1" name=""/>
+        <p:cNvGrpSpPr/>
+        <p:nvPr/>
+      </p:nvGrpSpPr>
+      <p:grpSpPr>
+        <a:xfrm>
+          <a:off x="0" y="0"/>
+          <a:ext cx="0" cy="0"/>
+          <a:chOff x="0" y="0"/>
+          <a:chExt cx="0" cy="0"/>
+        </a:xfrm>
+      </p:grpSpPr>
+      <p:sp>
+        <p:nvSpPr>
+          <p:cNvPr id="3" name="제목 2"/>
+          <p:cNvSpPr>
+            <a:spLocks noGrp="1"/>
+          </p:cNvSpPr>
+          <p:nvPr>
+            <p:ph type="title"/>
+          </p:nvPr>
+        </p:nvSpPr>
+        <p:spPr/>
+        <p:txBody>
+          <a:bodyPr/>
+          <a:lstStyle/>
+          <a:p>
+            <a:r>
+              <a:rPr lang="ko-KR" altLang="en-US" dirty="0" smtClean="0">
+                <a:solidFill>
+                  <a:srgbClr val="00FFFF"/>
+                </a:solidFill>
+                <a:effectLst>
+                  <a:glow rad="101600">
+                    <a:srgbClr val="00FFFF">
+                      <a:alpha val="40000"/>
+                    </a:srgbClr>
+                  </a:glow>
+                </a:effectLst>
+              </a:rPr>
+              <a:t>예정 사항 </a:t>
+            </a:r>
+            <a:r>
+              <a:rPr lang="en-US" altLang="ko-KR" dirty="0" smtClean="0">
+                <a:solidFill>
+                  <a:srgbClr val="00FFFF"/>
+                </a:solidFill>
+                <a:effectLst>
+                  <a:glow rad="101600">
+                    <a:srgbClr val="00FFFF">
+                      <a:alpha val="40000"/>
+                    </a:srgbClr>
+                  </a:glow>
+                </a:effectLst>
+              </a:rPr>
+              <a:t>- </a:t>
+            </a:r>
+            <a:r>
+              <a:rPr lang="ko-KR" altLang="en-US" dirty="0" smtClean="0">
+                <a:solidFill>
+                  <a:srgbClr val="00FFFF"/>
+                </a:solidFill>
+                <a:effectLst>
+                  <a:glow rad="101600">
+                    <a:srgbClr val="00FFFF">
+                      <a:alpha val="40000"/>
+                    </a:srgbClr>
+                  </a:glow>
+                </a:effectLst>
+              </a:rPr>
+              <a:t>지상현</a:t>
+            </a:r>
+            <a:endParaRPr lang="ko-KR" altLang="en-US" dirty="0">
+              <a:solidFill>
+                <a:srgbClr val="00FFFF"/>
+              </a:solidFill>
+              <a:effectLst>
+                <a:glow rad="101600">
+                  <a:srgbClr val="00FFFF">
+                    <a:alpha val="40000"/>
+                  </a:srgbClr>
+                </a:glow>
+              </a:effectLst>
+            </a:endParaRPr>
+          </a:p>
+        </p:txBody>
+      </p:sp>
+      <p:sp>
+        <p:nvSpPr>
+          <p:cNvPr id="4" name="내용 개체 틀 3"/>
+          <p:cNvSpPr>
+            <a:spLocks noGrp="1"/>
+          </p:cNvSpPr>
+          <p:nvPr>
+            <p:ph idx="1"/>
+          </p:nvPr>
+        </p:nvSpPr>
+        <p:spPr/>
+        <p:txBody>
+          <a:bodyPr>
+            <a:normAutofit/>
+          </a:bodyPr>
+          <a:lstStyle/>
+          <a:p>
+            <a:r>
+              <a:rPr lang="ko-KR" altLang="en-US" dirty="0" smtClean="0">
+                <a:solidFill>
+                  <a:srgbClr val="FFFF00"/>
+                </a:solidFill>
+                <a:effectLst>
+                  <a:glow rad="101600">
+                    <a:srgbClr val="FFFF00">
+                      <a:alpha val="40000"/>
+                    </a:srgbClr>
+                  </a:glow>
+                </a:effectLst>
+              </a:rPr>
+              <a:t>월드 </a:t>
+            </a:r>
+            <a:r>
+              <a:rPr lang="ko-KR" altLang="en-US" dirty="0">
+                <a:solidFill>
+                  <a:srgbClr val="FFFF00"/>
+                </a:solidFill>
+                <a:effectLst>
+                  <a:glow rad="101600">
+                    <a:srgbClr val="FFFF00">
+                      <a:alpha val="40000"/>
+                    </a:srgbClr>
+                  </a:glow>
+                </a:effectLst>
+              </a:rPr>
+              <a:t>실제 구현</a:t>
+            </a:r>
+          </a:p>
+          <a:p>
+            <a:r>
+              <a:rPr lang="ko-KR" altLang="en-US" dirty="0">
+                <a:solidFill>
+                  <a:srgbClr val="FFFF00"/>
+                </a:solidFill>
+                <a:effectLst>
+                  <a:glow rad="101600">
+                    <a:srgbClr val="FFFF00">
+                      <a:alpha val="40000"/>
+                    </a:srgbClr>
+                  </a:glow>
+                </a:effectLst>
+              </a:rPr>
+              <a:t>방향 센서 보정</a:t>
+            </a:r>
+            <a:r>
+              <a:rPr lang="en-US" altLang="ko-KR" dirty="0">
+                <a:solidFill>
+                  <a:srgbClr val="FFFF00"/>
+                </a:solidFill>
+                <a:effectLst>
+                  <a:glow rad="101600">
+                    <a:srgbClr val="FFFF00">
+                      <a:alpha val="40000"/>
+                    </a:srgbClr>
+                  </a:glow>
+                </a:effectLst>
+              </a:rPr>
+              <a:t>: </a:t>
+            </a:r>
+            <a:r>
+              <a:rPr lang="ko-KR" altLang="en-US" dirty="0">
+                <a:solidFill>
+                  <a:srgbClr val="FFFF00"/>
+                </a:solidFill>
+                <a:effectLst>
+                  <a:glow rad="101600">
+                    <a:srgbClr val="FFFF00">
+                      <a:alpha val="40000"/>
+                    </a:srgbClr>
+                  </a:glow>
+                </a:effectLst>
+              </a:rPr>
+              <a:t>센서 값이 미세하게 떨리므로 적당히 값을 뭉개야 함</a:t>
+            </a:r>
+          </a:p>
+          <a:p>
+            <a:r>
+              <a:rPr lang="en-US" altLang="ko-KR" dirty="0">
+                <a:solidFill>
+                  <a:srgbClr val="FFFF00"/>
+                </a:solidFill>
+                <a:effectLst>
+                  <a:glow rad="101600">
+                    <a:srgbClr val="FFFF00">
+                      <a:alpha val="40000"/>
+                    </a:srgbClr>
+                  </a:glow>
+                </a:effectLst>
+              </a:rPr>
+              <a:t>world generator </a:t>
+            </a:r>
+            <a:r>
+              <a:rPr lang="ko-KR" altLang="en-US" dirty="0">
+                <a:solidFill>
+                  <a:srgbClr val="FFFF00"/>
+                </a:solidFill>
+                <a:effectLst>
+                  <a:glow rad="101600">
+                    <a:srgbClr val="FFFF00">
+                      <a:alpha val="40000"/>
+                    </a:srgbClr>
+                  </a:glow>
+                </a:effectLst>
+              </a:rPr>
+              <a:t>및 </a:t>
+            </a:r>
+            <a:r>
+              <a:rPr lang="en-US" altLang="ko-KR" dirty="0">
+                <a:solidFill>
+                  <a:srgbClr val="FFFF00"/>
+                </a:solidFill>
+                <a:effectLst>
+                  <a:glow rad="101600">
+                    <a:srgbClr val="FFFF00">
+                      <a:alpha val="40000"/>
+                    </a:srgbClr>
+                  </a:glow>
+                </a:effectLst>
+              </a:rPr>
+              <a:t>map editor</a:t>
+            </a:r>
+            <a:r>
+              <a:rPr lang="ko-KR" altLang="en-US" dirty="0">
+                <a:solidFill>
+                  <a:srgbClr val="FFFF00"/>
+                </a:solidFill>
+                <a:effectLst>
+                  <a:glow rad="101600">
+                    <a:srgbClr val="FFFF00">
+                      <a:alpha val="40000"/>
+                    </a:srgbClr>
+                  </a:glow>
+                </a:effectLst>
+              </a:rPr>
+              <a:t>와 연동</a:t>
+            </a:r>
+          </a:p>
+          <a:p>
+            <a:r>
+              <a:rPr lang="ko-KR" altLang="en-US" dirty="0">
+                <a:solidFill>
+                  <a:srgbClr val="FFFF00"/>
+                </a:solidFill>
+                <a:effectLst>
+                  <a:glow rad="101600">
+                    <a:srgbClr val="FFFF00">
+                      <a:alpha val="40000"/>
+                    </a:srgbClr>
+                  </a:glow>
+                </a:effectLst>
+              </a:rPr>
+              <a:t>충돌 처리 구현 </a:t>
+            </a:r>
+            <a:r>
+              <a:rPr lang="en-US" altLang="ko-KR" dirty="0">
+                <a:solidFill>
+                  <a:srgbClr val="FFFF00"/>
+                </a:solidFill>
+                <a:effectLst>
+                  <a:glow rad="101600">
+                    <a:srgbClr val="FFFF00">
+                      <a:alpha val="40000"/>
+                    </a:srgbClr>
+                  </a:glow>
+                </a:effectLst>
+              </a:rPr>
+              <a:t>(</a:t>
+            </a:r>
+            <a:r>
+              <a:rPr lang="ko-KR" altLang="en-US" dirty="0">
+                <a:solidFill>
+                  <a:srgbClr val="FFFF00"/>
+                </a:solidFill>
+                <a:effectLst>
+                  <a:glow rad="101600">
+                    <a:srgbClr val="FFFF00">
+                      <a:alpha val="40000"/>
+                    </a:srgbClr>
+                  </a:glow>
+                </a:effectLst>
+              </a:rPr>
+              <a:t>반사와 굴러가기</a:t>
+            </a:r>
+            <a:r>
+              <a:rPr lang="en-US" altLang="ko-KR" dirty="0">
+                <a:solidFill>
+                  <a:srgbClr val="FFFF00"/>
+                </a:solidFill>
+                <a:effectLst>
+                  <a:glow rad="101600">
+                    <a:srgbClr val="FFFF00">
+                      <a:alpha val="40000"/>
+                    </a:srgbClr>
+                  </a:glow>
+                </a:effectLst>
+              </a:rPr>
+              <a:t>)</a:t>
+            </a:r>
+          </a:p>
+          <a:p>
+            <a:endParaRPr lang="ko-KR" altLang="en-US" dirty="0">
+              <a:solidFill>
+                <a:srgbClr val="FFFF00"/>
+              </a:solidFill>
+              <a:effectLst>
+                <a:glow rad="101600">
+                  <a:srgbClr val="FFFF00">
+                    <a:alpha val="40000"/>
+                  </a:srgbClr>
+                </a:glow>
+              </a:effectLst>
+            </a:endParaRPr>
+          </a:p>
+        </p:txBody>
+      </p:sp>
+      <p:sp>
+        <p:nvSpPr>
+          <p:cNvPr id="2" name="바닥글 개체 틀 1"/>
+          <p:cNvSpPr>
+            <a:spLocks noGrp="1"/>
+          </p:cNvSpPr>
+          <p:nvPr>
+            <p:ph type="ftr" sz="quarter" idx="11"/>
+          </p:nvPr>
+        </p:nvSpPr>
+        <p:spPr/>
+        <p:txBody>
+          <a:bodyPr/>
+          <a:lstStyle/>
+          <a:p>
+            <a:r>
+              <a:rPr lang="en-US" altLang="ko-KR" smtClean="0"/>
+              <a:t>r0-20120626</a:t>
+            </a:r>
+            <a:endParaRPr lang="ko-KR" altLang="en-US"/>
+          </a:p>
+        </p:txBody>
+      </p:sp>
+    </p:spTree>
+    <p:extLst>
+      <p:ext uri="{BB962C8B-B14F-4D97-AF65-F5344CB8AC3E}">
+        <p14:creationId xmlns:p14="http://schemas.microsoft.com/office/powerpoint/2010/main" val="1084300573"/>
+      </p:ext>
+    </p:extLst>
+  </p:cSld>
+  <p:clrMapOvr>
+    <a:masterClrMapping/>
+  </p:clrMapOvr>
+  <p:timing>
+    <p:tnLst>
+      <p:par>
+        <p:cTn id="1" dur="indefinite" restart="never" nodeType="tmRoot">
+          <p:childTnLst>
+            <p:seq concurrent="1" nextAc="seek">
+              <p:cTn id="2" dur="indefinite" nodeType="mainSeq">
+                <p:childTnLst>
+                  <p:par>
+                    <p:cTn id="3" fill="hold">
+                      <p:stCondLst>
+                        <p:cond delay="indefinite"/>
+                      </p:stCondLst>
+                      <p:childTnLst>
+                        <p:par>
+                          <p:cTn id="4" fill="hold">
+                            <p:stCondLst>
+                              <p:cond delay="0"/>
+                            </p:stCondLst>
+                            <p:childTnLst>
+                              <p:par>
+                                <p:cTn id="5" presetID="10" presetClass="entr" presetSubtype="0" fill="hold" grpId="0" nodeType="clickEffect">
+                                  <p:stCondLst>
+                                    <p:cond delay="0"/>
+                                  </p:stCondLst>
+                                  <p:childTnLst>
+                                    <p:set>
+                                      <p:cBhvr>
+                                        <p:cTn id="6" dur="1" fill="hold">
+                                          <p:stCondLst>
+                                            <p:cond delay="0"/>
+                                          </p:stCondLst>
+                                        </p:cTn>
+                                        <p:tgtEl>
+                                          <p:spTgt spid="3"/>
+                                        </p:tgtEl>
+                                        <p:attrNameLst>
+                                          <p:attrName>style.visibility</p:attrName>
+                                        </p:attrNameLst>
+                                      </p:cBhvr>
+                                      <p:to>
+                                        <p:strVal val="visible"/>
+                                      </p:to>
+                                    </p:set>
+                                    <p:animEffect transition="in" filter="fade">
+                                      <p:cBhvr>
+                                        <p:cTn id="7" dur="500"/>
+                                        <p:tgtEl>
+                                          <p:spTgt spid="3"/>
+                                        </p:tgtEl>
+                                      </p:cBhvr>
+                                    </p:animEffect>
+                                  </p:childTnLst>
+                                </p:cTn>
+                              </p:par>
+                            </p:childTnLst>
+                          </p:cTn>
+                        </p:par>
+                      </p:childTnLst>
+                    </p:cTn>
+                  </p:par>
+                  <p:par>
+                    <p:cTn id="8" fill="hold">
+                      <p:stCondLst>
+                        <p:cond delay="indefinite"/>
+                      </p:stCondLst>
+                      <p:childTnLst>
+                        <p:par>
+                          <p:cTn id="9" fill="hold">
+                            <p:stCondLst>
+                              <p:cond delay="0"/>
+                            </p:stCondLst>
+                            <p:childTnLst>
+                              <p:par>
+                                <p:cTn id="10" presetID="10" presetClass="entr" presetSubtype="0" fill="hold" grpId="0" nodeType="clickEffect">
+                                  <p:stCondLst>
+                                    <p:cond delay="0"/>
+                                  </p:stCondLst>
+                                  <p:childTnLst>
+                                    <p:set>
+                                      <p:cBhvr>
+                                        <p:cTn id="11" dur="1" fill="hold">
+                                          <p:stCondLst>
+                                            <p:cond delay="0"/>
+                                          </p:stCondLst>
+                                        </p:cTn>
+                                        <p:tgtEl>
+                                          <p:spTgt spid="4">
+                                            <p:txEl>
+                                              <p:pRg st="0" end="0"/>
+                                            </p:txEl>
+                                          </p:spTgt>
+                                        </p:tgtEl>
+                                        <p:attrNameLst>
+                                          <p:attrName>style.visibility</p:attrName>
+                                        </p:attrNameLst>
+                                      </p:cBhvr>
+                                      <p:to>
+                                        <p:strVal val="visible"/>
+                                      </p:to>
+                                    </p:set>
+                                    <p:animEffect transition="in" filter="fade">
+                                      <p:cBhvr>
+                                        <p:cTn id="12" dur="500"/>
+                                        <p:tgtEl>
+                                          <p:spTgt spid="4">
+                                            <p:txEl>
+                                              <p:pRg st="0" end="0"/>
+                                            </p:txEl>
+                                          </p:spTgt>
+                                        </p:tgtEl>
+                                      </p:cBhvr>
+                                    </p:animEffect>
+                                  </p:childTnLst>
+                                </p:cTn>
+                              </p:par>
+                            </p:childTnLst>
+                          </p:cTn>
+                        </p:par>
+                        <p:par>
+                          <p:cTn id="13" fill="hold">
+                            <p:stCondLst>
+                              <p:cond delay="500"/>
+                            </p:stCondLst>
+                            <p:childTnLst>
+                              <p:par>
+                                <p:cTn id="14" presetID="10" presetClass="entr" presetSubtype="0" fill="hold" grpId="0" nodeType="afterEffect">
+                                  <p:stCondLst>
+                                    <p:cond delay="0"/>
+                                  </p:stCondLst>
+                                  <p:childTnLst>
+                                    <p:set>
+                                      <p:cBhvr>
+                                        <p:cTn id="15" dur="1" fill="hold">
+                                          <p:stCondLst>
+                                            <p:cond delay="0"/>
+                                          </p:stCondLst>
+                                        </p:cTn>
+                                        <p:tgtEl>
+                                          <p:spTgt spid="4">
+                                            <p:txEl>
+                                              <p:pRg st="1" end="1"/>
+                                            </p:txEl>
+                                          </p:spTgt>
+                                        </p:tgtEl>
+                                        <p:attrNameLst>
+                                          <p:attrName>style.visibility</p:attrName>
+                                        </p:attrNameLst>
+                                      </p:cBhvr>
+                                      <p:to>
+                                        <p:strVal val="visible"/>
+                                      </p:to>
+                                    </p:set>
+                                    <p:animEffect transition="in" filter="fade">
+                                      <p:cBhvr>
+                                        <p:cTn id="16" dur="500"/>
+                                        <p:tgtEl>
+                                          <p:spTgt spid="4">
+                                            <p:txEl>
+                                              <p:pRg st="1" end="1"/>
+                                            </p:txEl>
+                                          </p:spTgt>
+                                        </p:tgtEl>
+                                      </p:cBhvr>
+                                    </p:animEffect>
+                                  </p:childTnLst>
+                                </p:cTn>
+                              </p:par>
+                            </p:childTnLst>
+                          </p:cTn>
+                        </p:par>
+                        <p:par>
+                          <p:cTn id="17" fill="hold">
+                            <p:stCondLst>
+                              <p:cond delay="1000"/>
+                            </p:stCondLst>
+                            <p:childTnLst>
+                              <p:par>
+                                <p:cTn id="18" presetID="10" presetClass="entr" presetSubtype="0" fill="hold" grpId="0" nodeType="afterEffect">
+                                  <p:stCondLst>
+                                    <p:cond delay="0"/>
+                                  </p:stCondLst>
+                                  <p:childTnLst>
+                                    <p:set>
+                                      <p:cBhvr>
+                                        <p:cTn id="19" dur="1" fill="hold">
+                                          <p:stCondLst>
+                                            <p:cond delay="0"/>
+                                          </p:stCondLst>
+                                        </p:cTn>
+                                        <p:tgtEl>
+                                          <p:spTgt spid="4">
+                                            <p:txEl>
+                                              <p:pRg st="2" end="2"/>
+                                            </p:txEl>
+                                          </p:spTgt>
+                                        </p:tgtEl>
+                                        <p:attrNameLst>
+                                          <p:attrName>style.visibility</p:attrName>
+                                        </p:attrNameLst>
+                                      </p:cBhvr>
+                                      <p:to>
+                                        <p:strVal val="visible"/>
+                                      </p:to>
+                                    </p:set>
+                                    <p:animEffect transition="in" filter="fade">
+                                      <p:cBhvr>
+                                        <p:cTn id="20" dur="500"/>
+                                        <p:tgtEl>
+                                          <p:spTgt spid="4">
+                                            <p:txEl>
+                                              <p:pRg st="2" end="2"/>
+                                            </p:txEl>
+                                          </p:spTgt>
+                                        </p:tgtEl>
+                                      </p:cBhvr>
+                                    </p:animEffect>
+                                  </p:childTnLst>
+                                </p:cTn>
+                              </p:par>
+                            </p:childTnLst>
+                          </p:cTn>
+                        </p:par>
+                        <p:par>
+                          <p:cTn id="21" fill="hold">
+                            <p:stCondLst>
+                              <p:cond delay="1500"/>
+                            </p:stCondLst>
+                            <p:childTnLst>
+                              <p:par>
+                                <p:cTn id="22" presetID="10" presetClass="entr" presetSubtype="0" fill="hold" grpId="0" nodeType="afterEffect">
+                                  <p:stCondLst>
+                                    <p:cond delay="0"/>
+                                  </p:stCondLst>
+                                  <p:childTnLst>
+                                    <p:set>
+                                      <p:cBhvr>
+                                        <p:cTn id="23" dur="1" fill="hold">
+                                          <p:stCondLst>
+                                            <p:cond delay="0"/>
+                                          </p:stCondLst>
+                                        </p:cTn>
+                                        <p:tgtEl>
+                                          <p:spTgt spid="4">
+                                            <p:txEl>
+                                              <p:pRg st="3" end="3"/>
+                                            </p:txEl>
+                                          </p:spTgt>
+                                        </p:tgtEl>
+                                        <p:attrNameLst>
+                                          <p:attrName>style.visibility</p:attrName>
+                                        </p:attrNameLst>
+                                      </p:cBhvr>
+                                      <p:to>
+                                        <p:strVal val="visible"/>
+                                      </p:to>
+                                    </p:set>
+                                    <p:animEffect transition="in" filter="fade">
+                                      <p:cBhvr>
+                                        <p:cTn id="24" dur="500"/>
+                                        <p:tgtEl>
+                                          <p:spTgt spid="4">
+                                            <p:txEl>
+                                              <p:pRg st="3" end="3"/>
+                                            </p:txEl>
+                                          </p:spTgt>
+                                        </p:tgtEl>
+                                      </p:cBhvr>
+                                    </p:animEffect>
+                                  </p:childTnLst>
+                                </p:cTn>
+                              </p:par>
+                            </p:childTnLst>
+                          </p:cTn>
+                        </p:par>
+                      </p:childTnLst>
+                    </p:cTn>
+                  </p:par>
+                </p:childTnLst>
+              </p:cTn>
+              <p:prevCondLst>
+                <p:cond evt="onPrev" delay="0">
+                  <p:tgtEl>
+                    <p:sldTgt/>
+                  </p:tgtEl>
+                </p:cond>
+              </p:prevCondLst>
+              <p:nextCondLst>
+                <p:cond evt="onNext" delay="0">
+                  <p:tgtEl>
+                    <p:sldTgt/>
+                  </p:tgtEl>
+                </p:cond>
+              </p:nextCondLst>
+            </p:seq>
+          </p:childTnLst>
+        </p:cTn>
+      </p:par>
+    </p:tnLst>
+    <p:bldLst>
+      <p:bldP spid="3" grpId="0"/>
+      <p:bldP spid="4" grpId="0" build="p"/>
+    </p:bldLst>
+  </p:timing>
+</p:sld>
+</file>
+
+<file path=ppt/slides/slide23.xml><?xml version="1.0" encoding="utf-8"?>
 <p:sld xmlns:a="http://schemas.openxmlformats.org/drawingml/2006/main" xmlns:r="http://schemas.openxmlformats.org/officeDocument/2006/relationships" xmlns:p="http://schemas.openxmlformats.org/presentationml/2006/main">
   <p:cSld>
     <p:spTree>
@@ -20093,7 +21378,7 @@
 </p:sld>
 </file>
 
-<file path=ppt/slides/slide22.xml><?xml version="1.0" encoding="utf-8"?>
+<file path=ppt/slides/slide24.xml><?xml version="1.0" encoding="utf-8"?>
 <p:sld xmlns:a="http://schemas.openxmlformats.org/drawingml/2006/main" xmlns:r="http://schemas.openxmlformats.org/officeDocument/2006/relationships" xmlns:p="http://schemas.openxmlformats.org/presentationml/2006/main">
   <p:cSld>
     <p:spTree>
@@ -21257,7 +22542,7 @@
 </p:sld>
 </file>
 
-<file path=ppt/slides/slide23.xml><?xml version="1.0" encoding="utf-8"?>
+<file path=ppt/slides/slide25.xml><?xml version="1.0" encoding="utf-8"?>
 <p:sld xmlns:a="http://schemas.openxmlformats.org/drawingml/2006/main" xmlns:r="http://schemas.openxmlformats.org/officeDocument/2006/relationships" xmlns:p="http://schemas.openxmlformats.org/presentationml/2006/main">
   <p:cSld>
     <p:spTree>
@@ -22245,7 +23530,7 @@
 </p:sld>
 </file>
 
-<file path=ppt/slides/slide24.xml><?xml version="1.0" encoding="utf-8"?>
+<file path=ppt/slides/slide26.xml><?xml version="1.0" encoding="utf-8"?>
 <p:sld xmlns:a="http://schemas.openxmlformats.org/drawingml/2006/main" xmlns:r="http://schemas.openxmlformats.org/officeDocument/2006/relationships" xmlns:p="http://schemas.openxmlformats.org/presentationml/2006/main">
   <p:cSld>
     <p:spTree>

--- a/presentation/중간발표.pptx
+++ b/presentation/중간발표.pptx
@@ -18412,22 +18412,7 @@
                   </a:glow>
                 </a:effectLst>
               </a:rPr>
-              <a:t>메인 화면 디자인 </a:t>
-            </a:r>
-            <a:r>
-              <a:rPr lang="ko-KR" altLang="en-US" dirty="0" smtClean="0">
-                <a:solidFill>
-                  <a:srgbClr val="FFFF00"/>
-                </a:solidFill>
-                <a:effectLst>
-                  <a:glow rad="101600">
-                    <a:srgbClr val="FFFF00">
-                      <a:alpha val="40000"/>
-                    </a:srgbClr>
-                  </a:glow>
-                </a:effectLst>
-              </a:rPr>
-              <a:t>확정</a:t>
+              <a:t>메인 화면 디자인 확정</a:t>
             </a:r>
             <a:endParaRPr lang="en-US" altLang="ko-KR" dirty="0">
               <a:solidFill>
@@ -18603,22 +18588,7 @@
                   </a:glow>
                 </a:effectLst>
               </a:rPr>
-              <a:t>화면 </a:t>
-            </a:r>
-            <a:r>
-              <a:rPr lang="ko-KR" altLang="en-US" dirty="0" smtClean="0">
-                <a:solidFill>
-                  <a:srgbClr val="FFFF00"/>
-                </a:solidFill>
-                <a:effectLst>
-                  <a:glow rad="101600">
-                    <a:srgbClr val="FFFF00">
-                      <a:alpha val="40000"/>
-                    </a:srgbClr>
-                  </a:glow>
-                </a:effectLst>
-              </a:rPr>
-              <a:t>디자인</a:t>
+              <a:t>화면 디자인</a:t>
             </a:r>
             <a:endParaRPr lang="en-US" altLang="ko-KR" dirty="0" smtClean="0">
               <a:solidFill>
@@ -19323,8 +19293,64 @@
                   </a:glow>
                 </a:effectLst>
               </a:rPr>
-              <a:t>메뉴화면을 이미지를 통해 구체화 하기</a:t>
-            </a:r>
+              <a:t>메뉴화면을 이미지를 통해 구체화 </a:t>
+            </a:r>
+            <a:r>
+              <a:rPr lang="ko-KR" altLang="en-US" dirty="0" smtClean="0">
+                <a:solidFill>
+                  <a:srgbClr val="FFFF00"/>
+                </a:solidFill>
+                <a:effectLst>
+                  <a:glow rad="101600">
+                    <a:srgbClr val="FFFF00">
+                      <a:alpha val="40000"/>
+                    </a:srgbClr>
+                  </a:glow>
+                </a:effectLst>
+              </a:rPr>
+              <a:t>하기</a:t>
+            </a:r>
+            <a:endParaRPr lang="en-US" altLang="ko-KR" dirty="0" smtClean="0">
+              <a:solidFill>
+                <a:srgbClr val="FFFF00"/>
+              </a:solidFill>
+              <a:effectLst>
+                <a:glow rad="101600">
+                  <a:srgbClr val="FFFF00">
+                    <a:alpha val="40000"/>
+                  </a:srgbClr>
+                </a:glow>
+              </a:effectLst>
+            </a:endParaRPr>
+          </a:p>
+          <a:p>
+            <a:r>
+              <a:rPr lang="ko-KR" altLang="en-US" dirty="0" smtClean="0">
+                <a:solidFill>
+                  <a:srgbClr val="FFFF00"/>
+                </a:solidFill>
+                <a:effectLst>
+                  <a:glow rad="101600">
+                    <a:srgbClr val="FFFF00">
+                      <a:alpha val="40000"/>
+                    </a:srgbClr>
+                  </a:glow>
+                </a:effectLst>
+              </a:rPr>
+              <a:t>최종 통합 작업하기</a:t>
+            </a:r>
+            <a:endParaRPr lang="ko-KR" altLang="en-US" dirty="0">
+              <a:solidFill>
+                <a:srgbClr val="FFFF00"/>
+              </a:solidFill>
+              <a:effectLst>
+                <a:glow rad="101600">
+                  <a:srgbClr val="FFFF00">
+                    <a:alpha val="40000"/>
+                  </a:srgbClr>
+                </a:glow>
+              </a:effectLst>
+            </a:endParaRPr>
           </a:p>
           <a:p>
             <a:endParaRPr lang="ko-KR" altLang="en-US" dirty="0">
@@ -19544,6 +19570,67 @@
                                           <p:spTgt spid="4">
                                             <p:txEl>
                                               <p:pRg st="1" end="1"/>
+                                            </p:txEl>
+                                          </p:spTgt>
+                                        </p:tgtEl>
+                                      </p:cBhvr>
+                                    </p:animEffect>
+                                  </p:childTnLst>
+                                </p:cTn>
+                              </p:par>
+                            </p:childTnLst>
+                          </p:cTn>
+                        </p:par>
+                      </p:childTnLst>
+                    </p:cTn>
+                  </p:par>
+                  <p:par>
+                    <p:cTn id="18" fill="hold">
+                      <p:stCondLst>
+                        <p:cond delay="indefinite"/>
+                      </p:stCondLst>
+                      <p:childTnLst>
+                        <p:par>
+                          <p:cTn id="19" fill="hold">
+                            <p:stCondLst>
+                              <p:cond delay="0"/>
+                            </p:stCondLst>
+                            <p:childTnLst>
+                              <p:par>
+                                <p:cTn id="20" presetID="10" presetClass="entr" presetSubtype="0" fill="hold" grpId="0" nodeType="clickEffect">
+                                  <p:stCondLst>
+                                    <p:cond delay="0"/>
+                                  </p:stCondLst>
+                                  <p:childTnLst>
+                                    <p:set>
+                                      <p:cBhvr>
+                                        <p:cTn id="21" dur="1" fill="hold">
+                                          <p:stCondLst>
+                                            <p:cond delay="0"/>
+                                          </p:stCondLst>
+                                        </p:cTn>
+                                        <p:tgtEl>
+                                          <p:spTgt spid="4">
+                                            <p:txEl>
+                                              <p:pRg st="2" end="2"/>
+                                            </p:txEl>
+                                          </p:spTgt>
+                                        </p:tgtEl>
+                                        <p:attrNameLst>
+                                          <p:attrName>style.visibility</p:attrName>
+                                        </p:attrNameLst>
+                                      </p:cBhvr>
+                                      <p:to>
+                                        <p:strVal val="visible"/>
+                                      </p:to>
+                                    </p:set>
+                                    <p:animEffect transition="in" filter="fade">
+                                      <p:cBhvr>
+                                        <p:cTn id="22" dur="500"/>
+                                        <p:tgtEl>
+                                          <p:spTgt spid="4">
+                                            <p:txEl>
+                                              <p:pRg st="2" end="2"/>
                                             </p:txEl>
                                           </p:spTgt>
                                         </p:tgtEl>

--- a/presentation/중간발표.pptx
+++ b/presentation/중간발표.pptx
@@ -5,7 +5,7 @@
     <p:sldMasterId id="2147483744" r:id="rId1"/>
   </p:sldMasterIdLst>
   <p:notesMasterIdLst>
-    <p:notesMasterId r:id="rId29"/>
+    <p:notesMasterId r:id="rId30"/>
   </p:notesMasterIdLst>
   <p:sldIdLst>
     <p:sldId id="256" r:id="rId2"/>
@@ -21,20 +21,21 @@
     <p:sldId id="263" r:id="rId12"/>
     <p:sldId id="277" r:id="rId13"/>
     <p:sldId id="278" r:id="rId14"/>
-    <p:sldId id="286" r:id="rId15"/>
-    <p:sldId id="281" r:id="rId16"/>
-    <p:sldId id="288" r:id="rId17"/>
-    <p:sldId id="282" r:id="rId18"/>
-    <p:sldId id="283" r:id="rId19"/>
-    <p:sldId id="284" r:id="rId20"/>
-    <p:sldId id="285" r:id="rId21"/>
-    <p:sldId id="279" r:id="rId22"/>
-    <p:sldId id="280" r:id="rId23"/>
-    <p:sldId id="287" r:id="rId24"/>
-    <p:sldId id="264" r:id="rId25"/>
-    <p:sldId id="265" r:id="rId26"/>
-    <p:sldId id="268" r:id="rId27"/>
-    <p:sldId id="269" r:id="rId28"/>
+    <p:sldId id="289" r:id="rId15"/>
+    <p:sldId id="286" r:id="rId16"/>
+    <p:sldId id="281" r:id="rId17"/>
+    <p:sldId id="288" r:id="rId18"/>
+    <p:sldId id="282" r:id="rId19"/>
+    <p:sldId id="283" r:id="rId20"/>
+    <p:sldId id="284" r:id="rId21"/>
+    <p:sldId id="285" r:id="rId22"/>
+    <p:sldId id="279" r:id="rId23"/>
+    <p:sldId id="280" r:id="rId24"/>
+    <p:sldId id="287" r:id="rId25"/>
+    <p:sldId id="264" r:id="rId26"/>
+    <p:sldId id="265" r:id="rId27"/>
+    <p:sldId id="268" r:id="rId28"/>
+    <p:sldId id="269" r:id="rId29"/>
   </p:sldIdLst>
   <p:sldSz cx="9144000" cy="6858000" type="screen4x3"/>
   <p:notesSz cx="6858000" cy="9144000"/>
@@ -219,7 +220,7 @@
             <a:fld id="{B802F79C-A9C3-44B4-BF92-828851D5EA69}" type="datetimeFigureOut">
               <a:rPr lang="ko-KR" altLang="en-US" smtClean="0"/>
               <a:pPr/>
-              <a:t>2012.7.6</a:t>
+              <a:t>2012-07-06</a:t>
             </a:fld>
             <a:endParaRPr lang="ko-KR" altLang="en-US"/>
           </a:p>
@@ -390,7 +391,7 @@
     </p:spTree>
     <p:extLst>
       <p:ext uri="{BB962C8B-B14F-4D97-AF65-F5344CB8AC3E}">
-        <p14:creationId xmlns:p14="http://schemas.microsoft.com/office/powerpoint/2010/main" xmlns="" val="3259914843"/>
+        <p14:creationId xmlns:p14="http://schemas.microsoft.com/office/powerpoint/2010/main" val="3259914843"/>
       </p:ext>
     </p:extLst>
   </p:cSld>
@@ -546,11 +547,7 @@
             </a:r>
             <a:r>
               <a:rPr lang="en-US" altLang="ko-KR" dirty="0" smtClean="0"/>
-              <a:t>] </a:t>
-            </a:r>
-            <a:r>
-              <a:rPr lang="en-US" altLang="ko-KR" dirty="0" smtClean="0"/>
-              <a:t>r3-20120706</a:t>
+              <a:t>] r3-20120706</a:t>
             </a:r>
             <a:endParaRPr lang="ko-KR" altLang="en-US" dirty="0"/>
           </a:p>
@@ -652,11 +649,7 @@
             </a:r>
             <a:r>
               <a:rPr lang="en-US" altLang="ko-KR" dirty="0" smtClean="0"/>
-              <a:t>] </a:t>
-            </a:r>
-            <a:r>
-              <a:rPr lang="en-US" altLang="ko-KR" dirty="0" smtClean="0"/>
-              <a:t>r3-20120706</a:t>
+              <a:t>] r3-20120706</a:t>
             </a:r>
             <a:endParaRPr lang="ko-KR" altLang="en-US" dirty="0"/>
           </a:p>
@@ -767,13 +760,8 @@
             </a:r>
             <a:r>
               <a:rPr lang="en-US" altLang="ko-KR" dirty="0" smtClean="0"/>
-              <a:t>] </a:t>
-            </a:r>
-            <a:r>
-              <a:rPr lang="en-US" altLang="ko-KR" dirty="0" smtClean="0"/>
-              <a:t>r3-20120706</a:t>
-            </a:r>
-            <a:endParaRPr lang="en-US" altLang="ko-KR" dirty="0" smtClean="0"/>
+              <a:t>] r3-20120706</a:t>
+            </a:r>
           </a:p>
           <a:p>
             <a:r>
@@ -1110,14 +1098,18 @@
             </a:r>
             <a:r>
               <a:rPr lang="en-US" altLang="ko-KR" dirty="0" smtClean="0"/>
-              <a:t>: </a:t>
-            </a:r>
-            <a:r>
-              <a:rPr lang="ko-KR" altLang="en-US" dirty="0" smtClean="0"/>
-              <a:t>상현</a:t>
-            </a:r>
-            <a:r>
-              <a:rPr lang="en-US" altLang="ko-KR" dirty="0" smtClean="0"/>
+              <a:t>:</a:t>
+            </a:r>
+            <a:r>
+              <a:rPr lang="en-US" altLang="ko-KR" baseline="0" dirty="0" smtClean="0"/>
+              <a:t> </a:t>
+            </a:r>
+            <a:r>
+              <a:rPr lang="ko-KR" altLang="en-US" baseline="0" dirty="0" smtClean="0"/>
+              <a:t>진혁</a:t>
+            </a:r>
+            <a:r>
+              <a:rPr lang="en-US" altLang="ko-KR" baseline="0" dirty="0" smtClean="0"/>
               <a:t>] </a:t>
             </a:r>
             <a:r>
@@ -1213,36 +1205,38 @@
           </a:bodyPr>
           <a:lstStyle/>
           <a:p>
-            <a:pPr marL="0" marR="0" indent="0" algn="l" defTabSz="914400" rtl="0" eaLnBrk="1" fontAlgn="auto" latinLnBrk="1" hangingPunct="1">
-              <a:lnSpc>
-                <a:spcPct val="100000"/>
-              </a:lnSpc>
-              <a:spcBef>
-                <a:spcPts val="0"/>
-              </a:spcBef>
-              <a:spcAft>
-                <a:spcPts val="0"/>
-              </a:spcAft>
-              <a:buClrTx/>
-              <a:buSzTx/>
-              <a:buFontTx/>
-              <a:buNone/>
-              <a:tabLst/>
-              <a:defRPr/>
-            </a:pPr>
             <a:r>
               <a:rPr lang="en-US" altLang="ko-KR" dirty="0" smtClean="0"/>
               <a:t>[</a:t>
             </a:r>
             <a:r>
               <a:rPr lang="ko-KR" altLang="en-US" dirty="0" smtClean="0"/>
-              <a:t>진행 세부</a:t>
+              <a:t>진행</a:t>
             </a:r>
             <a:r>
               <a:rPr lang="en-US" altLang="ko-KR" dirty="0" smtClean="0"/>
-              <a:t>] r3-20120706</a:t>
-            </a:r>
-            <a:endParaRPr lang="ko-KR" altLang="en-US" dirty="0" smtClean="0"/>
+              <a:t>: </a:t>
+            </a:r>
+            <a:r>
+              <a:rPr lang="ko-KR" altLang="en-US" dirty="0" smtClean="0"/>
+              <a:t>상현</a:t>
+            </a:r>
+            <a:r>
+              <a:rPr lang="en-US" altLang="ko-KR" dirty="0" smtClean="0"/>
+              <a:t>] </a:t>
+            </a:r>
+            <a:r>
+              <a:rPr lang="en-US" altLang="ko-KR" sz="1200" kern="1200" dirty="0" smtClean="0">
+                <a:solidFill>
+                  <a:schemeClr val="tx1"/>
+                </a:solidFill>
+                <a:latin typeface="+mn-lt"/>
+                <a:ea typeface="+mn-ea"/>
+                <a:cs typeface="+mn-cs"/>
+              </a:rPr>
+              <a:t>r3-20120706</a:t>
+            </a:r>
+            <a:endParaRPr lang="ko-KR" altLang="en-US" dirty="0"/>
           </a:p>
         </p:txBody>
       </p:sp>
@@ -1465,9 +1459,6 @@
               <a:t>] r3-20120706</a:t>
             </a:r>
             <a:endParaRPr lang="ko-KR" altLang="en-US" dirty="0" smtClean="0"/>
-          </a:p>
-          <a:p>
-            <a:endParaRPr lang="ko-KR" altLang="en-US" dirty="0"/>
           </a:p>
         </p:txBody>
       </p:sp>
@@ -2005,30 +1996,38 @@
           </a:bodyPr>
           <a:lstStyle/>
           <a:p>
+            <a:pPr marL="0" marR="0" indent="0" algn="l" defTabSz="914400" rtl="0" eaLnBrk="1" fontAlgn="auto" latinLnBrk="1" hangingPunct="1">
+              <a:lnSpc>
+                <a:spcPct val="100000"/>
+              </a:lnSpc>
+              <a:spcBef>
+                <a:spcPts val="0"/>
+              </a:spcBef>
+              <a:spcAft>
+                <a:spcPts val="0"/>
+              </a:spcAft>
+              <a:buClrTx/>
+              <a:buSzTx/>
+              <a:buFontTx/>
+              <a:buNone/>
+              <a:tabLst/>
+              <a:defRPr/>
+            </a:pPr>
             <a:r>
               <a:rPr lang="en-US" altLang="ko-KR" dirty="0" smtClean="0"/>
               <a:t>[</a:t>
             </a:r>
             <a:r>
               <a:rPr lang="ko-KR" altLang="en-US" dirty="0" smtClean="0"/>
-              <a:t>예정</a:t>
+              <a:t>진행 세부</a:t>
             </a:r>
             <a:r>
               <a:rPr lang="en-US" altLang="ko-KR" dirty="0" smtClean="0"/>
-              <a:t>: </a:t>
-            </a:r>
-            <a:r>
-              <a:rPr lang="ko-KR" altLang="en-US" dirty="0" smtClean="0"/>
-              <a:t>이석</a:t>
-            </a:r>
-            <a:r>
-              <a:rPr lang="en-US" altLang="ko-KR" dirty="0" smtClean="0"/>
-              <a:t>] </a:t>
-            </a:r>
-            <a:r>
-              <a:rPr lang="en-US" altLang="ko-KR" dirty="0" smtClean="0"/>
-              <a:t>r3-20120706</a:t>
-            </a:r>
+              <a:t>] r3-20120706</a:t>
+            </a:r>
+            <a:endParaRPr lang="ko-KR" altLang="en-US" dirty="0" smtClean="0"/>
+          </a:p>
+          <a:p>
             <a:endParaRPr lang="ko-KR" altLang="en-US" dirty="0"/>
           </a:p>
         </p:txBody>
@@ -2124,16 +2123,12 @@
               <a:t>: </a:t>
             </a:r>
             <a:r>
-              <a:rPr lang="ko-KR" altLang="en-US" dirty="0" err="1" smtClean="0"/>
-              <a:t>진협</a:t>
+              <a:rPr lang="ko-KR" altLang="en-US" dirty="0" smtClean="0"/>
+              <a:t>이석</a:t>
             </a:r>
             <a:r>
               <a:rPr lang="en-US" altLang="ko-KR" dirty="0" smtClean="0"/>
-              <a:t>] </a:t>
-            </a:r>
-            <a:r>
-              <a:rPr lang="en-US" altLang="ko-KR" dirty="0" smtClean="0"/>
-              <a:t>r3-20120706</a:t>
+              <a:t>] r3-20120706</a:t>
             </a:r>
             <a:endParaRPr lang="ko-KR" altLang="en-US" dirty="0"/>
           </a:p>
@@ -2230,16 +2225,12 @@
               <a:t>: </a:t>
             </a:r>
             <a:r>
-              <a:rPr lang="ko-KR" altLang="en-US" dirty="0" smtClean="0"/>
-              <a:t>상현</a:t>
+              <a:rPr lang="ko-KR" altLang="en-US" dirty="0" err="1" smtClean="0"/>
+              <a:t>진협</a:t>
             </a:r>
             <a:r>
               <a:rPr lang="en-US" altLang="ko-KR" dirty="0" smtClean="0"/>
-              <a:t>]</a:t>
-            </a:r>
-            <a:r>
-              <a:rPr lang="en-US" altLang="ko-KR" dirty="0" smtClean="0"/>
-              <a:t> r3-20120706</a:t>
+              <a:t>] r3-20120706</a:t>
             </a:r>
             <a:endParaRPr lang="ko-KR" altLang="en-US" dirty="0"/>
           </a:p>
@@ -2323,40 +2314,27 @@
           </a:bodyPr>
           <a:lstStyle/>
           <a:p>
-            <a:pPr marL="0" marR="0" indent="0" algn="l" defTabSz="914400" rtl="0" eaLnBrk="1" fontAlgn="auto" latinLnBrk="1" hangingPunct="1">
-              <a:lnSpc>
-                <a:spcPct val="100000"/>
-              </a:lnSpc>
-              <a:spcBef>
-                <a:spcPts val="0"/>
-              </a:spcBef>
-              <a:spcAft>
-                <a:spcPts val="0"/>
-              </a:spcAft>
-              <a:buClrTx/>
-              <a:buSzTx/>
-              <a:buFontTx/>
-              <a:buNone/>
-              <a:tabLst/>
-              <a:defRPr/>
-            </a:pPr>
             <a:r>
               <a:rPr lang="en-US" altLang="ko-KR" dirty="0" smtClean="0"/>
               <a:t>[</a:t>
             </a:r>
             <a:r>
               <a:rPr lang="ko-KR" altLang="en-US" dirty="0" smtClean="0"/>
-              <a:t>상세 개발 방법</a:t>
+              <a:t>예정</a:t>
             </a:r>
             <a:r>
               <a:rPr lang="en-US" altLang="ko-KR" dirty="0" smtClean="0"/>
-              <a:t>] </a:t>
+              <a:t>: </a:t>
+            </a:r>
+            <a:r>
+              <a:rPr lang="ko-KR" altLang="en-US" dirty="0" smtClean="0"/>
+              <a:t>상현</a:t>
             </a:r>
             <a:r>
               <a:rPr lang="en-US" altLang="ko-KR" dirty="0" smtClean="0"/>
-              <a:t>r3-20120706</a:t>
-            </a:r>
-            <a:endParaRPr lang="ko-KR" altLang="en-US" dirty="0" smtClean="0"/>
+              <a:t>] r3-20120706</a:t>
+            </a:r>
+            <a:endParaRPr lang="ko-KR" altLang="en-US" dirty="0"/>
           </a:p>
         </p:txBody>
       </p:sp>
@@ -2461,17 +2439,13 @@
             </a:r>
             <a:r>
               <a:rPr lang="ko-KR" altLang="en-US" dirty="0" smtClean="0"/>
-              <a:t>문제점</a:t>
-            </a:r>
-            <a:r>
-              <a:rPr lang="en-US" altLang="ko-KR" dirty="0" smtClean="0"/>
-              <a:t>-1</a:t>
+              <a:t>상세 개발 방법</a:t>
             </a:r>
             <a:r>
               <a:rPr lang="en-US" altLang="ko-KR" dirty="0" smtClean="0"/>
               <a:t>] r3-20120706</a:t>
             </a:r>
-            <a:endParaRPr lang="en-US" altLang="ko-KR" dirty="0" smtClean="0"/>
+            <a:endParaRPr lang="ko-KR" altLang="en-US" dirty="0" smtClean="0"/>
           </a:p>
         </p:txBody>
       </p:sp>
@@ -2576,17 +2550,12 @@
             </a:r>
             <a:r>
               <a:rPr lang="ko-KR" altLang="en-US" dirty="0" smtClean="0"/>
-              <a:t>해결책</a:t>
+              <a:t>문제점</a:t>
             </a:r>
             <a:r>
               <a:rPr lang="en-US" altLang="ko-KR" dirty="0" smtClean="0"/>
-              <a:t>-1] </a:t>
-            </a:r>
-            <a:r>
-              <a:rPr lang="en-US" altLang="ko-KR" dirty="0" smtClean="0"/>
-              <a:t>r3-20120706</a:t>
-            </a:r>
-            <a:endParaRPr lang="en-US" altLang="ko-KR" dirty="0" smtClean="0"/>
+              <a:t>-1] r3-20120706</a:t>
+            </a:r>
           </a:p>
         </p:txBody>
       </p:sp>
@@ -2668,6 +2637,116 @@
           </a:bodyPr>
           <a:lstStyle/>
           <a:p>
+            <a:pPr marL="0" marR="0" indent="0" algn="l" defTabSz="914400" rtl="0" eaLnBrk="1" fontAlgn="auto" latinLnBrk="1" hangingPunct="1">
+              <a:lnSpc>
+                <a:spcPct val="100000"/>
+              </a:lnSpc>
+              <a:spcBef>
+                <a:spcPts val="0"/>
+              </a:spcBef>
+              <a:spcAft>
+                <a:spcPts val="0"/>
+              </a:spcAft>
+              <a:buClrTx/>
+              <a:buSzTx/>
+              <a:buFontTx/>
+              <a:buNone/>
+              <a:tabLst/>
+              <a:defRPr/>
+            </a:pPr>
+            <a:r>
+              <a:rPr lang="en-US" altLang="ko-KR" dirty="0" smtClean="0"/>
+              <a:t>[</a:t>
+            </a:r>
+            <a:r>
+              <a:rPr lang="ko-KR" altLang="en-US" dirty="0" smtClean="0"/>
+              <a:t>해결책</a:t>
+            </a:r>
+            <a:r>
+              <a:rPr lang="en-US" altLang="ko-KR" dirty="0" smtClean="0"/>
+              <a:t>-1] r3-20120706</a:t>
+            </a:r>
+          </a:p>
+        </p:txBody>
+      </p:sp>
+      <p:sp>
+        <p:nvSpPr>
+          <p:cNvPr id="4" name="슬라이드 번호 개체 틀 3"/>
+          <p:cNvSpPr>
+            <a:spLocks noGrp="1"/>
+          </p:cNvSpPr>
+          <p:nvPr>
+            <p:ph type="sldNum" sz="quarter" idx="10"/>
+          </p:nvPr>
+        </p:nvSpPr>
+        <p:spPr/>
+        <p:txBody>
+          <a:bodyPr/>
+          <a:lstStyle/>
+          <a:p>
+            <a:fld id="{4595183F-AAF6-45BC-BF79-1156086BB643}" type="slidenum">
+              <a:rPr lang="ko-KR" altLang="en-US" smtClean="0"/>
+              <a:pPr/>
+              <a:t>27</a:t>
+            </a:fld>
+            <a:endParaRPr lang="ko-KR" altLang="en-US"/>
+          </a:p>
+        </p:txBody>
+      </p:sp>
+    </p:spTree>
+  </p:cSld>
+  <p:clrMapOvr>
+    <a:masterClrMapping/>
+  </p:clrMapOvr>
+</p:notes>
+</file>
+
+<file path=ppt/notesSlides/notesSlide28.xml><?xml version="1.0" encoding="utf-8"?>
+<p:notes xmlns:a="http://schemas.openxmlformats.org/drawingml/2006/main" xmlns:r="http://schemas.openxmlformats.org/officeDocument/2006/relationships" xmlns:p="http://schemas.openxmlformats.org/presentationml/2006/main">
+  <p:cSld>
+    <p:spTree>
+      <p:nvGrpSpPr>
+        <p:cNvPr id="1" name=""/>
+        <p:cNvGrpSpPr/>
+        <p:nvPr/>
+      </p:nvGrpSpPr>
+      <p:grpSpPr>
+        <a:xfrm>
+          <a:off x="0" y="0"/>
+          <a:ext cx="0" cy="0"/>
+          <a:chOff x="0" y="0"/>
+          <a:chExt cx="0" cy="0"/>
+        </a:xfrm>
+      </p:grpSpPr>
+      <p:sp>
+        <p:nvSpPr>
+          <p:cNvPr id="2" name="슬라이드 이미지 개체 틀 1"/>
+          <p:cNvSpPr>
+            <a:spLocks noGrp="1" noRot="1" noChangeAspect="1"/>
+          </p:cNvSpPr>
+          <p:nvPr>
+            <p:ph type="sldImg"/>
+          </p:nvPr>
+        </p:nvSpPr>
+        <p:spPr/>
+      </p:sp>
+      <p:sp>
+        <p:nvSpPr>
+          <p:cNvPr id="3" name="슬라이드 노트 개체 틀 2"/>
+          <p:cNvSpPr>
+            <a:spLocks noGrp="1"/>
+          </p:cNvSpPr>
+          <p:nvPr>
+            <p:ph type="body" idx="1"/>
+          </p:nvPr>
+        </p:nvSpPr>
+        <p:spPr/>
+        <p:txBody>
+          <a:bodyPr>
+            <a:normAutofit/>
+          </a:bodyPr>
+          <a:lstStyle/>
+          <a:p>
             <a:r>
               <a:rPr lang="ko-KR" altLang="en-US" dirty="0" smtClean="0"/>
               <a:t>마지막 페이지</a:t>
@@ -2698,7 +2777,7 @@
             <a:fld id="{4595183F-AAF6-45BC-BF79-1156086BB643}" type="slidenum">
               <a:rPr lang="ko-KR" altLang="en-US" smtClean="0"/>
               <a:pPr/>
-              <a:t>27</a:t>
+              <a:t>28</a:t>
             </a:fld>
             <a:endParaRPr lang="ko-KR" altLang="en-US"/>
           </a:p>
@@ -2768,11 +2847,7 @@
             </a:r>
             <a:r>
               <a:rPr lang="en-US" altLang="ko-KR" dirty="0" smtClean="0"/>
-              <a:t>] </a:t>
-            </a:r>
-            <a:r>
-              <a:rPr lang="en-US" altLang="ko-KR" dirty="0" smtClean="0"/>
-              <a:t>r3-20120706</a:t>
+              <a:t>] r3-20120706</a:t>
             </a:r>
           </a:p>
           <a:p>
@@ -2911,11 +2986,7 @@
             </a:r>
             <a:r>
               <a:rPr lang="en-US" altLang="ko-KR" dirty="0" smtClean="0"/>
-              <a:t>] </a:t>
-            </a:r>
-            <a:r>
-              <a:rPr lang="en-US" altLang="ko-KR" dirty="0" smtClean="0"/>
-              <a:t>r3-20120706</a:t>
+              <a:t>] r3-20120706</a:t>
             </a:r>
             <a:endParaRPr lang="en-US" altLang="ko-KR" baseline="0" dirty="0" smtClean="0"/>
           </a:p>
@@ -3009,11 +3080,7 @@
             </a:r>
             <a:r>
               <a:rPr lang="en-US" altLang="ko-KR" dirty="0" smtClean="0"/>
-              <a:t>] </a:t>
-            </a:r>
-            <a:r>
-              <a:rPr lang="en-US" altLang="ko-KR" dirty="0" smtClean="0"/>
-              <a:t>r3-20120706</a:t>
+              <a:t>] r3-20120706</a:t>
             </a:r>
             <a:endParaRPr lang="en-US" altLang="ko-KR" baseline="0" dirty="0" smtClean="0"/>
           </a:p>
@@ -3107,11 +3174,7 @@
             </a:r>
             <a:r>
               <a:rPr lang="en-US" altLang="ko-KR" dirty="0" smtClean="0"/>
-              <a:t>] </a:t>
-            </a:r>
-            <a:r>
-              <a:rPr lang="en-US" altLang="ko-KR" dirty="0" smtClean="0"/>
-              <a:t>r3-20120706</a:t>
+              <a:t>] r3-20120706</a:t>
             </a:r>
             <a:endParaRPr lang="en-US" altLang="ko-KR" baseline="0" dirty="0" smtClean="0"/>
           </a:p>
@@ -3205,11 +3268,7 @@
             </a:r>
             <a:r>
               <a:rPr lang="en-US" altLang="ko-KR" dirty="0" smtClean="0"/>
-              <a:t>] </a:t>
-            </a:r>
-            <a:r>
-              <a:rPr lang="en-US" altLang="ko-KR" dirty="0" smtClean="0"/>
-              <a:t>r3-20120706</a:t>
+              <a:t>] r3-20120706</a:t>
             </a:r>
             <a:endParaRPr lang="en-US" altLang="ko-KR" baseline="0" dirty="0" smtClean="0"/>
           </a:p>
@@ -3303,13 +3362,8 @@
             </a:r>
             <a:r>
               <a:rPr lang="en-US" altLang="ko-KR" dirty="0" smtClean="0"/>
-              <a:t>] </a:t>
-            </a:r>
-            <a:r>
-              <a:rPr lang="en-US" altLang="ko-KR" dirty="0" smtClean="0"/>
-              <a:t>r3-20120706</a:t>
-            </a:r>
-            <a:endParaRPr lang="en-US" altLang="ko-KR" dirty="0" smtClean="0"/>
+              <a:t>] r3-20120706</a:t>
+            </a:r>
           </a:p>
         </p:txBody>
       </p:sp>
@@ -3401,13 +3455,8 @@
             </a:r>
             <a:r>
               <a:rPr lang="en-US" altLang="ko-KR" dirty="0" smtClean="0"/>
-              <a:t>] </a:t>
-            </a:r>
-            <a:r>
-              <a:rPr lang="en-US" altLang="ko-KR" dirty="0" smtClean="0"/>
-              <a:t>r3-20120706</a:t>
-            </a:r>
-            <a:endParaRPr lang="en-US" altLang="ko-KR" dirty="0" smtClean="0"/>
+              <a:t>] r3-20120706</a:t>
+            </a:r>
           </a:p>
         </p:txBody>
       </p:sp>
@@ -3633,7 +3682,7 @@
             <a:fld id="{C25FD145-815C-469C-BB2C-7DF834133B7E}" type="datetime1">
               <a:rPr lang="ko-KR" altLang="en-US" smtClean="0"/>
               <a:pPr/>
-              <a:t>2012.7.6</a:t>
+              <a:t>2012-07-06</a:t>
             </a:fld>
             <a:endParaRPr lang="ko-KR" altLang="en-US" dirty="0"/>
           </a:p>
@@ -3697,7 +3746,7 @@
     </p:spTree>
     <p:extLst>
       <p:ext uri="{BB962C8B-B14F-4D97-AF65-F5344CB8AC3E}">
-        <p14:creationId xmlns:p14="http://schemas.microsoft.com/office/powerpoint/2010/main" xmlns="" val="1696777860"/>
+        <p14:creationId xmlns:p14="http://schemas.microsoft.com/office/powerpoint/2010/main" val="1696777860"/>
       </p:ext>
     </p:extLst>
   </p:cSld>
@@ -3824,7 +3873,7 @@
             <a:fld id="{5A506ADB-0AC8-47BB-8242-DB80A5C47E68}" type="datetime1">
               <a:rPr lang="ko-KR" altLang="en-US" smtClean="0"/>
               <a:pPr/>
-              <a:t>2012.7.6</a:t>
+              <a:t>2012-07-06</a:t>
             </a:fld>
             <a:endParaRPr lang="ko-KR" altLang="en-US"/>
           </a:p>
@@ -3880,7 +3929,7 @@
     </p:spTree>
     <p:extLst>
       <p:ext uri="{BB962C8B-B14F-4D97-AF65-F5344CB8AC3E}">
-        <p14:creationId xmlns:p14="http://schemas.microsoft.com/office/powerpoint/2010/main" xmlns="" val="451840201"/>
+        <p14:creationId xmlns:p14="http://schemas.microsoft.com/office/powerpoint/2010/main" val="451840201"/>
       </p:ext>
     </p:extLst>
   </p:cSld>
@@ -4010,7 +4059,7 @@
             <a:fld id="{EA8560EF-40CB-40E2-8CB5-4C76C345DCAA}" type="datetime1">
               <a:rPr lang="ko-KR" altLang="en-US" smtClean="0"/>
               <a:pPr/>
-              <a:t>2012.7.6</a:t>
+              <a:t>2012-07-06</a:t>
             </a:fld>
             <a:endParaRPr lang="ko-KR" altLang="en-US"/>
           </a:p>
@@ -4066,7 +4115,7 @@
     </p:spTree>
     <p:extLst>
       <p:ext uri="{BB962C8B-B14F-4D97-AF65-F5344CB8AC3E}">
-        <p14:creationId xmlns:p14="http://schemas.microsoft.com/office/powerpoint/2010/main" xmlns="" val="200687229"/>
+        <p14:creationId xmlns:p14="http://schemas.microsoft.com/office/powerpoint/2010/main" val="200687229"/>
       </p:ext>
     </p:extLst>
   </p:cSld>
@@ -4186,7 +4235,7 @@
             <a:fld id="{2E302F09-2C3F-4160-864B-9CB644A454EF}" type="datetime1">
               <a:rPr lang="ko-KR" altLang="en-US" smtClean="0"/>
               <a:pPr/>
-              <a:t>2012.7.6</a:t>
+              <a:t>2012-07-06</a:t>
             </a:fld>
             <a:endParaRPr lang="ko-KR" altLang="en-US"/>
           </a:p>
@@ -4242,7 +4291,7 @@
     </p:spTree>
     <p:extLst>
       <p:ext uri="{BB962C8B-B14F-4D97-AF65-F5344CB8AC3E}">
-        <p14:creationId xmlns:p14="http://schemas.microsoft.com/office/powerpoint/2010/main" xmlns="" val="3967801874"/>
+        <p14:creationId xmlns:p14="http://schemas.microsoft.com/office/powerpoint/2010/main" val="3967801874"/>
       </p:ext>
     </p:extLst>
   </p:cSld>
@@ -4445,7 +4494,7 @@
             <a:fld id="{D6A86924-75CA-4CFA-BE4D-CF521C33B725}" type="datetime1">
               <a:rPr lang="ko-KR" altLang="en-US" smtClean="0"/>
               <a:pPr/>
-              <a:t>2012.7.6</a:t>
+              <a:t>2012-07-06</a:t>
             </a:fld>
             <a:endParaRPr lang="ko-KR" altLang="en-US"/>
           </a:p>
@@ -4501,7 +4550,7 @@
     </p:spTree>
     <p:extLst>
       <p:ext uri="{BB962C8B-B14F-4D97-AF65-F5344CB8AC3E}">
-        <p14:creationId xmlns:p14="http://schemas.microsoft.com/office/powerpoint/2010/main" xmlns="" val="3274920757"/>
+        <p14:creationId xmlns:p14="http://schemas.microsoft.com/office/powerpoint/2010/main" val="3274920757"/>
       </p:ext>
     </p:extLst>
   </p:cSld>
@@ -4746,7 +4795,7 @@
             <a:fld id="{704873C0-989A-4786-AEC6-E65F79EB01C2}" type="datetime1">
               <a:rPr lang="ko-KR" altLang="en-US" smtClean="0"/>
               <a:pPr/>
-              <a:t>2012.7.6</a:t>
+              <a:t>2012-07-06</a:t>
             </a:fld>
             <a:endParaRPr lang="ko-KR" altLang="en-US"/>
           </a:p>
@@ -4802,7 +4851,7 @@
     </p:spTree>
     <p:extLst>
       <p:ext uri="{BB962C8B-B14F-4D97-AF65-F5344CB8AC3E}">
-        <p14:creationId xmlns:p14="http://schemas.microsoft.com/office/powerpoint/2010/main" xmlns="" val="1732369350"/>
+        <p14:creationId xmlns:p14="http://schemas.microsoft.com/office/powerpoint/2010/main" val="1732369350"/>
       </p:ext>
     </p:extLst>
   </p:cSld>
@@ -5174,7 +5223,7 @@
             <a:fld id="{FB2BE0B0-66B1-4671-A863-DD992E6397E7}" type="datetime1">
               <a:rPr lang="ko-KR" altLang="en-US" smtClean="0"/>
               <a:pPr/>
-              <a:t>2012.7.6</a:t>
+              <a:t>2012-07-06</a:t>
             </a:fld>
             <a:endParaRPr lang="ko-KR" altLang="en-US"/>
           </a:p>
@@ -5230,7 +5279,7 @@
     </p:spTree>
     <p:extLst>
       <p:ext uri="{BB962C8B-B14F-4D97-AF65-F5344CB8AC3E}">
-        <p14:creationId xmlns:p14="http://schemas.microsoft.com/office/powerpoint/2010/main" xmlns="" val="3091961011"/>
+        <p14:creationId xmlns:p14="http://schemas.microsoft.com/office/powerpoint/2010/main" val="3091961011"/>
       </p:ext>
     </p:extLst>
   </p:cSld>
@@ -5298,7 +5347,7 @@
             <a:fld id="{5045E008-BDA8-4030-9A1F-6CFD31399C9B}" type="datetime1">
               <a:rPr lang="ko-KR" altLang="en-US" smtClean="0"/>
               <a:pPr/>
-              <a:t>2012.7.6</a:t>
+              <a:t>2012-07-06</a:t>
             </a:fld>
             <a:endParaRPr lang="ko-KR" altLang="en-US"/>
           </a:p>
@@ -5354,7 +5403,7 @@
     </p:spTree>
     <p:extLst>
       <p:ext uri="{BB962C8B-B14F-4D97-AF65-F5344CB8AC3E}">
-        <p14:creationId xmlns:p14="http://schemas.microsoft.com/office/powerpoint/2010/main" xmlns="" val="932506546"/>
+        <p14:creationId xmlns:p14="http://schemas.microsoft.com/office/powerpoint/2010/main" val="932506546"/>
       </p:ext>
     </p:extLst>
   </p:cSld>
@@ -5399,7 +5448,7 @@
             <a:fld id="{B54B97F6-C7F0-4BC3-B8C0-2732BAD4ADB9}" type="datetime1">
               <a:rPr lang="ko-KR" altLang="en-US" smtClean="0"/>
               <a:pPr/>
-              <a:t>2012.7.6</a:t>
+              <a:t>2012-07-06</a:t>
             </a:fld>
             <a:endParaRPr lang="ko-KR" altLang="en-US"/>
           </a:p>
@@ -5455,7 +5504,7 @@
     </p:spTree>
     <p:extLst>
       <p:ext uri="{BB962C8B-B14F-4D97-AF65-F5344CB8AC3E}">
-        <p14:creationId xmlns:p14="http://schemas.microsoft.com/office/powerpoint/2010/main" xmlns="" val="59636207"/>
+        <p14:creationId xmlns:p14="http://schemas.microsoft.com/office/powerpoint/2010/main" val="59636207"/>
       </p:ext>
     </p:extLst>
   </p:cSld>
@@ -5682,7 +5731,7 @@
             <a:fld id="{886AE589-E84B-4E36-A39E-A1565318EA57}" type="datetime1">
               <a:rPr lang="ko-KR" altLang="en-US" smtClean="0"/>
               <a:pPr/>
-              <a:t>2012.7.6</a:t>
+              <a:t>2012-07-06</a:t>
             </a:fld>
             <a:endParaRPr lang="ko-KR" altLang="en-US"/>
           </a:p>
@@ -5738,7 +5787,7 @@
     </p:spTree>
     <p:extLst>
       <p:ext uri="{BB962C8B-B14F-4D97-AF65-F5344CB8AC3E}">
-        <p14:creationId xmlns:p14="http://schemas.microsoft.com/office/powerpoint/2010/main" xmlns="" val="459176866"/>
+        <p14:creationId xmlns:p14="http://schemas.microsoft.com/office/powerpoint/2010/main" val="459176866"/>
       </p:ext>
     </p:extLst>
   </p:cSld>
@@ -5941,7 +5990,7 @@
             <a:fld id="{7A0F8F27-9A2D-432C-A936-52F3A8B5EA46}" type="datetime1">
               <a:rPr lang="ko-KR" altLang="en-US" smtClean="0"/>
               <a:pPr/>
-              <a:t>2012.7.6</a:t>
+              <a:t>2012-07-06</a:t>
             </a:fld>
             <a:endParaRPr lang="ko-KR" altLang="en-US"/>
           </a:p>
@@ -5997,7 +6046,7 @@
     </p:spTree>
     <p:extLst>
       <p:ext uri="{BB962C8B-B14F-4D97-AF65-F5344CB8AC3E}">
-        <p14:creationId xmlns:p14="http://schemas.microsoft.com/office/powerpoint/2010/main" xmlns="" val="899782584"/>
+        <p14:creationId xmlns:p14="http://schemas.microsoft.com/office/powerpoint/2010/main" val="899782584"/>
       </p:ext>
     </p:extLst>
   </p:cSld>
@@ -6169,7 +6218,7 @@
             <a:fld id="{6492C346-CD56-4234-83A7-209988119853}" type="datetime1">
               <a:rPr lang="ko-KR" altLang="en-US" smtClean="0"/>
               <a:pPr/>
-              <a:t>2012.7.6</a:t>
+              <a:t>2012-07-06</a:t>
             </a:fld>
             <a:endParaRPr lang="ko-KR" altLang="en-US"/>
           </a:p>
@@ -6259,7 +6308,7 @@
     </p:spTree>
     <p:extLst>
       <p:ext uri="{BB962C8B-B14F-4D97-AF65-F5344CB8AC3E}">
-        <p14:creationId xmlns:p14="http://schemas.microsoft.com/office/powerpoint/2010/main" xmlns="" val="97047790"/>
+        <p14:creationId xmlns:p14="http://schemas.microsoft.com/office/powerpoint/2010/main" val="97047790"/>
       </p:ext>
     </p:extLst>
   </p:cSld>
@@ -6584,15 +6633,7 @@
                   <a:srgbClr val="FFFF00"/>
                 </a:solidFill>
               </a:rPr>
-              <a:t>진행보</a:t>
-            </a:r>
-            <a:r>
-              <a:rPr lang="ko-KR" altLang="en-US" dirty="0" smtClean="0">
-                <a:solidFill>
-                  <a:srgbClr val="FFFF00"/>
-                </a:solidFill>
-              </a:rPr>
-              <a:t>고</a:t>
+              <a:t>진행보고</a:t>
             </a:r>
             <a:r>
               <a:rPr lang="ko-KR" altLang="en-US" cap="none" dirty="0" smtClean="0">
@@ -8796,39 +8837,8 @@
                 <a:ea typeface="+mn-ea"/>
                 <a:cs typeface="+mn-cs"/>
               </a:rPr>
-              <a:t> </a:t>
-            </a:r>
-            <a:r>
-              <a:rPr kumimoji="0" lang="en-US" altLang="ko-KR" sz="2000" b="0" i="0" u="none" strike="noStrike" kern="1200" cap="none" spc="0" normalizeH="0" noProof="0" dirty="0" smtClean="0">
-                <a:ln>
-                  <a:noFill/>
-                </a:ln>
-                <a:solidFill>
-                  <a:srgbClr val="FFFF00"/>
-                </a:solidFill>
-                <a:effectLst/>
-                <a:uLnTx/>
-                <a:uFillTx/>
-                <a:latin typeface="+mn-lt"/>
-                <a:ea typeface="+mn-ea"/>
-                <a:cs typeface="+mn-cs"/>
-              </a:rPr>
-              <a:t>Designer / Design</a:t>
-            </a:r>
-            <a:endParaRPr kumimoji="0" lang="en-US" altLang="ko-KR" sz="2000" b="0" i="0" u="none" strike="noStrike" kern="1200" cap="none" spc="0" normalizeH="0" noProof="0" dirty="0" smtClean="0">
-              <a:ln>
-                <a:noFill/>
-              </a:ln>
-              <a:solidFill>
-                <a:srgbClr val="FFFF00"/>
-              </a:solidFill>
-              <a:effectLst/>
-              <a:uLnTx/>
-              <a:uFillTx/>
-              <a:latin typeface="+mn-lt"/>
-              <a:ea typeface="+mn-ea"/>
-              <a:cs typeface="+mn-cs"/>
-            </a:endParaRPr>
+              <a:t> Designer / Design</a:t>
+            </a:r>
           </a:p>
           <a:p>
             <a:pPr marL="342900" marR="0" lvl="0" indent="-342900" algn="l" defTabSz="914400" rtl="0" eaLnBrk="1" fontAlgn="auto" latinLnBrk="1" hangingPunct="1">
@@ -8944,11 +8954,6 @@
               </a:rPr>
               <a:t>)</a:t>
             </a:r>
-            <a:endParaRPr lang="en-US" altLang="ko-KR" sz="2000" dirty="0" smtClean="0">
-              <a:solidFill>
-                <a:srgbClr val="FFFF00"/>
-              </a:solidFill>
-            </a:endParaRPr>
           </a:p>
           <a:p>
             <a:pPr marL="342900" lvl="0" indent="-342900">
@@ -8971,11 +8976,6 @@
               </a:rPr>
               <a:t>Activity Organization</a:t>
             </a:r>
-            <a:endParaRPr lang="en-US" altLang="ko-KR" sz="2000" dirty="0" smtClean="0">
-              <a:solidFill>
-                <a:srgbClr val="FFFF00"/>
-              </a:solidFill>
-            </a:endParaRPr>
           </a:p>
           <a:p>
             <a:pPr marL="342900" lvl="0" indent="-342900">
@@ -8998,11 +8998,6 @@
               </a:rPr>
               <a:t>Sound Engine</a:t>
             </a:r>
-            <a:endParaRPr lang="en-US" altLang="ko-KR" sz="2000" dirty="0" smtClean="0">
-              <a:solidFill>
-                <a:srgbClr val="FFFF00"/>
-              </a:solidFill>
-            </a:endParaRPr>
           </a:p>
           <a:p>
             <a:pPr marL="342900" marR="0" lvl="0" indent="-342900" algn="l" defTabSz="914400" rtl="0" eaLnBrk="1" fontAlgn="auto" latinLnBrk="1" hangingPunct="1">
@@ -9098,20 +9093,6 @@
               </a:rPr>
               <a:t>World Management</a:t>
             </a:r>
-            <a:endParaRPr kumimoji="0" lang="en-US" altLang="ko-KR" sz="2000" b="0" i="0" u="none" strike="noStrike" kern="1200" cap="none" spc="0" normalizeH="0" noProof="0" dirty="0" smtClean="0">
-              <a:ln>
-                <a:noFill/>
-              </a:ln>
-              <a:solidFill>
-                <a:srgbClr val="FFFF00"/>
-              </a:solidFill>
-              <a:effectLst/>
-              <a:uLnTx/>
-              <a:uFillTx/>
-              <a:latin typeface="+mn-lt"/>
-              <a:ea typeface="+mn-ea"/>
-              <a:cs typeface="+mn-cs"/>
-            </a:endParaRPr>
           </a:p>
           <a:p>
             <a:pPr marL="342900" marR="0" lvl="0" indent="-342900" algn="l" defTabSz="914400" rtl="0" eaLnBrk="1" fontAlgn="auto" latinLnBrk="1" hangingPunct="1">
@@ -9141,11 +9122,6 @@
               </a:rPr>
               <a:t>Collision Processing</a:t>
             </a:r>
-            <a:endParaRPr lang="en-US" altLang="ko-KR" sz="2000" dirty="0" smtClean="0">
-              <a:solidFill>
-                <a:srgbClr val="FFFF00"/>
-              </a:solidFill>
-            </a:endParaRPr>
           </a:p>
           <a:p>
             <a:pPr marL="342900" marR="0" lvl="0" indent="-342900" algn="l" defTabSz="914400" rtl="0" eaLnBrk="1" fontAlgn="auto" latinLnBrk="1" hangingPunct="1">
@@ -9184,20 +9160,6 @@
               </a:rPr>
               <a:t>Controller</a:t>
             </a:r>
-            <a:endParaRPr kumimoji="0" lang="en-US" altLang="ko-KR" sz="2000" b="0" i="0" u="none" strike="noStrike" kern="1200" cap="none" spc="0" normalizeH="0" baseline="0" noProof="0" dirty="0" smtClean="0">
-              <a:ln>
-                <a:noFill/>
-              </a:ln>
-              <a:solidFill>
-                <a:srgbClr val="FFFF00"/>
-              </a:solidFill>
-              <a:effectLst/>
-              <a:uLnTx/>
-              <a:uFillTx/>
-              <a:latin typeface="+mn-lt"/>
-              <a:ea typeface="+mn-ea"/>
-              <a:cs typeface="+mn-cs"/>
-            </a:endParaRPr>
           </a:p>
         </p:txBody>
       </p:sp>
@@ -11874,7 +11836,7 @@
           <a:blip r:embed="rId3" cstate="print">
             <a:extLst>
               <a:ext uri="{28A0092B-C50C-407E-A947-70E740481C1C}">
-                <a14:useLocalDpi xmlns:a14="http://schemas.microsoft.com/office/drawing/2010/main" xmlns="" val="0"/>
+                <a14:useLocalDpi xmlns:a14="http://schemas.microsoft.com/office/drawing/2010/main" val="0"/>
               </a:ext>
             </a:extLst>
           </a:blip>
@@ -11894,7 +11856,7 @@
           <a:noFill/>
           <a:extLst>
             <a:ext uri="{909E8E84-426E-40DD-AFC4-6F175D3DCCD1}">
-              <a14:hiddenFill xmlns:a14="http://schemas.microsoft.com/office/drawing/2010/main" xmlns="">
+              <a14:hiddenFill xmlns:a14="http://schemas.microsoft.com/office/drawing/2010/main">
                 <a:solidFill>
                   <a:srgbClr val="FFFFFF"/>
                 </a:solidFill>
@@ -11915,7 +11877,7 @@
           <a:blip r:embed="rId4" cstate="print">
             <a:extLst>
               <a:ext uri="{28A0092B-C50C-407E-A947-70E740481C1C}">
-                <a14:useLocalDpi xmlns:a14="http://schemas.microsoft.com/office/drawing/2010/main" xmlns="" val="0"/>
+                <a14:useLocalDpi xmlns:a14="http://schemas.microsoft.com/office/drawing/2010/main" val="0"/>
               </a:ext>
             </a:extLst>
           </a:blip>
@@ -11935,7 +11897,7 @@
           <a:noFill/>
           <a:extLst>
             <a:ext uri="{909E8E84-426E-40DD-AFC4-6F175D3DCCD1}">
-              <a14:hiddenFill xmlns:a14="http://schemas.microsoft.com/office/drawing/2010/main" xmlns="">
+              <a14:hiddenFill xmlns:a14="http://schemas.microsoft.com/office/drawing/2010/main">
                 <a:solidFill>
                   <a:srgbClr val="FFFFFF"/>
                 </a:solidFill>
@@ -11972,37 +11934,7 @@
                   </a:glow>
                 </a:effectLst>
               </a:rPr>
-              <a:t>개</a:t>
-            </a:r>
-            <a:r>
-              <a:rPr lang="ko-KR" altLang="en-US" dirty="0" smtClean="0">
-                <a:solidFill>
-                  <a:srgbClr val="00FFFF"/>
-                </a:solidFill>
-                <a:effectLst>
-                  <a:glow rad="101600">
-                    <a:srgbClr val="00FFFF">
-                      <a:alpha val="40000"/>
-                    </a:srgbClr>
-                  </a:glow>
-                </a:effectLst>
-              </a:rPr>
-              <a:t>발 </a:t>
-            </a:r>
-            <a:r>
-              <a:rPr lang="ko-KR" altLang="en-US" dirty="0" smtClean="0">
-                <a:solidFill>
-                  <a:srgbClr val="00FFFF"/>
-                </a:solidFill>
-                <a:effectLst>
-                  <a:glow rad="101600">
-                    <a:srgbClr val="00FFFF">
-                      <a:alpha val="40000"/>
-                    </a:srgbClr>
-                  </a:glow>
-                </a:effectLst>
-              </a:rPr>
-              <a:t>진행</a:t>
+              <a:t>개발 진행</a:t>
             </a:r>
             <a:endParaRPr lang="ko-KR" altLang="en-US" dirty="0">
               <a:solidFill>
@@ -12047,22 +11979,7 @@
                   </a:glow>
                 </a:effectLst>
               </a:rPr>
-              <a:t>게</a:t>
-            </a:r>
-            <a:r>
-              <a:rPr lang="ko-KR" altLang="en-US" dirty="0" smtClean="0">
-                <a:solidFill>
-                  <a:srgbClr val="FFFF00"/>
-                </a:solidFill>
-                <a:effectLst>
-                  <a:glow rad="101600">
-                    <a:srgbClr val="FFFF00">
-                      <a:alpha val="40000"/>
-                    </a:srgbClr>
-                  </a:glow>
-                </a:effectLst>
-              </a:rPr>
-              <a:t>임 </a:t>
+              <a:t>게임 </a:t>
             </a:r>
             <a:r>
               <a:rPr lang="ko-KR" altLang="en-US" dirty="0" err="1" smtClean="0">
@@ -12261,7 +12178,7 @@
           <a:blip r:embed="rId5" cstate="print">
             <a:extLst>
               <a:ext uri="{28A0092B-C50C-407E-A947-70E740481C1C}">
-                <a14:useLocalDpi xmlns:a14="http://schemas.microsoft.com/office/drawing/2010/main" xmlns="" val="0"/>
+                <a14:useLocalDpi xmlns:a14="http://schemas.microsoft.com/office/drawing/2010/main" val="0"/>
               </a:ext>
             </a:extLst>
           </a:blip>
@@ -12281,7 +12198,7 @@
           <a:noFill/>
           <a:extLst>
             <a:ext uri="{909E8E84-426E-40DD-AFC4-6F175D3DCCD1}">
-              <a14:hiddenFill xmlns:a14="http://schemas.microsoft.com/office/drawing/2010/main" xmlns="">
+              <a14:hiddenFill xmlns:a14="http://schemas.microsoft.com/office/drawing/2010/main">
                 <a:solidFill>
                   <a:srgbClr val="FFFFFF"/>
                 </a:solidFill>
@@ -12736,7 +12653,7 @@
     </p:spTree>
     <p:extLst>
       <p:ext uri="{BB962C8B-B14F-4D97-AF65-F5344CB8AC3E}">
-        <p14:creationId xmlns:p14="http://schemas.microsoft.com/office/powerpoint/2010/main" xmlns="" val="1305244935"/>
+        <p14:creationId xmlns:p14="http://schemas.microsoft.com/office/powerpoint/2010/main" val="1305244935"/>
       </p:ext>
     </p:extLst>
   </p:cSld>
@@ -13692,7 +13609,22 @@
                   </a:glow>
                 </a:effectLst>
               </a:rPr>
-              <a:t>개발 진행</a:t>
+              <a:t>기본 </a:t>
+            </a:r>
+            <a:r>
+              <a:rPr lang="ko-KR" altLang="en-US" dirty="0" err="1" smtClean="0">
+                <a:solidFill>
+                  <a:srgbClr val="00FFFF"/>
+                </a:solidFill>
+                <a:effectLst>
+                  <a:glow rad="101600">
+                    <a:srgbClr val="00FFFF">
+                      <a:alpha val="40000"/>
+                    </a:srgbClr>
+                  </a:glow>
+                </a:effectLst>
+              </a:rPr>
+              <a:t>컨셉</a:t>
             </a:r>
             <a:endParaRPr lang="ko-KR" altLang="en-US" dirty="0">
               <a:solidFill>
@@ -13727,6 +13659,983 @@
           <a:lstStyle/>
           <a:p>
             <a:r>
+              <a:rPr lang="ko-KR" altLang="en-US" dirty="0" smtClean="0">
+                <a:solidFill>
+                  <a:srgbClr val="FFFF00"/>
+                </a:solidFill>
+                <a:effectLst>
+                  <a:glow rad="101600">
+                    <a:srgbClr val="FFFF00">
+                      <a:alpha val="40000"/>
+                    </a:srgbClr>
+                  </a:glow>
+                </a:effectLst>
+              </a:rPr>
+              <a:t>바탕 </a:t>
+            </a:r>
+            <a:r>
+              <a:rPr lang="ko-KR" altLang="en-US" dirty="0" err="1" smtClean="0">
+                <a:solidFill>
+                  <a:srgbClr val="FFFF00"/>
+                </a:solidFill>
+                <a:effectLst>
+                  <a:glow rad="101600">
+                    <a:srgbClr val="FFFF00">
+                      <a:alpha val="40000"/>
+                    </a:srgbClr>
+                  </a:glow>
+                </a:effectLst>
+              </a:rPr>
+              <a:t>컨셉</a:t>
+            </a:r>
+            <a:r>
+              <a:rPr lang="ko-KR" altLang="en-US" dirty="0" smtClean="0">
+                <a:solidFill>
+                  <a:srgbClr val="FFFF00"/>
+                </a:solidFill>
+                <a:effectLst>
+                  <a:glow rad="101600">
+                    <a:srgbClr val="FFFF00">
+                      <a:alpha val="40000"/>
+                    </a:srgbClr>
+                  </a:glow>
+                </a:effectLst>
+              </a:rPr>
+              <a:t> </a:t>
+            </a:r>
+            <a:r>
+              <a:rPr lang="en-US" altLang="ko-KR" dirty="0" smtClean="0">
+                <a:solidFill>
+                  <a:srgbClr val="FFFF00"/>
+                </a:solidFill>
+                <a:effectLst>
+                  <a:glow rad="101600">
+                    <a:srgbClr val="FFFF00">
+                      <a:alpha val="40000"/>
+                    </a:srgbClr>
+                  </a:glow>
+                </a:effectLst>
+              </a:rPr>
+              <a:t>: </a:t>
+            </a:r>
+            <a:r>
+              <a:rPr lang="ko-KR" altLang="en-US" dirty="0" smtClean="0">
+                <a:solidFill>
+                  <a:srgbClr val="FFFF00"/>
+                </a:solidFill>
+                <a:effectLst>
+                  <a:glow rad="101600">
+                    <a:srgbClr val="FFFF00">
+                      <a:alpha val="40000"/>
+                    </a:srgbClr>
+                  </a:glow>
+                </a:effectLst>
+              </a:rPr>
+              <a:t>매트릭스</a:t>
+            </a:r>
+            <a:r>
+              <a:rPr lang="en-US" altLang="ko-KR" dirty="0" smtClean="0">
+                <a:solidFill>
+                  <a:srgbClr val="FFFF00"/>
+                </a:solidFill>
+                <a:effectLst>
+                  <a:glow rad="101600">
+                    <a:srgbClr val="FFFF00">
+                      <a:alpha val="40000"/>
+                    </a:srgbClr>
+                  </a:glow>
+                </a:effectLst>
+              </a:rPr>
+              <a:t>, </a:t>
+            </a:r>
+            <a:r>
+              <a:rPr lang="ko-KR" altLang="en-US" dirty="0" smtClean="0">
+                <a:solidFill>
+                  <a:srgbClr val="FFFF00"/>
+                </a:solidFill>
+                <a:effectLst>
+                  <a:glow rad="101600">
+                    <a:srgbClr val="FFFF00">
+                      <a:alpha val="40000"/>
+                    </a:srgbClr>
+                  </a:glow>
+                </a:effectLst>
+              </a:rPr>
+              <a:t>구약성서</a:t>
+            </a:r>
+            <a:endParaRPr lang="en-US" altLang="ko-KR" dirty="0" smtClean="0">
+              <a:solidFill>
+                <a:srgbClr val="FFFF00"/>
+              </a:solidFill>
+              <a:effectLst>
+                <a:glow rad="101600">
+                  <a:srgbClr val="FFFF00">
+                    <a:alpha val="40000"/>
+                  </a:srgbClr>
+                </a:glow>
+              </a:effectLst>
+            </a:endParaRPr>
+          </a:p>
+          <a:p>
+            <a:r>
+              <a:rPr lang="ko-KR" altLang="en-US" dirty="0" smtClean="0">
+                <a:solidFill>
+                  <a:srgbClr val="FFFF00"/>
+                </a:solidFill>
+                <a:effectLst>
+                  <a:glow rad="101600">
+                    <a:srgbClr val="FFFF00">
+                      <a:alpha val="40000"/>
+                    </a:srgbClr>
+                  </a:glow>
+                </a:effectLst>
+              </a:rPr>
+              <a:t>매트릭스 </a:t>
+            </a:r>
+            <a:r>
+              <a:rPr lang="en-US" altLang="ko-KR" dirty="0" smtClean="0">
+                <a:solidFill>
+                  <a:srgbClr val="FFFF00"/>
+                </a:solidFill>
+                <a:effectLst>
+                  <a:glow rad="101600">
+                    <a:srgbClr val="FFFF00">
+                      <a:alpha val="40000"/>
+                    </a:srgbClr>
+                  </a:glow>
+                </a:effectLst>
+              </a:rPr>
+              <a:t>- </a:t>
+            </a:r>
+            <a:r>
+              <a:rPr lang="ko-KR" altLang="en-US" dirty="0" smtClean="0">
+                <a:solidFill>
+                  <a:srgbClr val="FFFF00"/>
+                </a:solidFill>
+                <a:effectLst>
+                  <a:glow rad="101600">
+                    <a:srgbClr val="FFFF00">
+                      <a:alpha val="40000"/>
+                    </a:srgbClr>
+                  </a:glow>
+                </a:effectLst>
+              </a:rPr>
+              <a:t>가상 네트워크 세계</a:t>
+            </a:r>
+            <a:endParaRPr lang="en-US" altLang="ko-KR" dirty="0" smtClean="0">
+              <a:solidFill>
+                <a:srgbClr val="FFFF00"/>
+              </a:solidFill>
+              <a:effectLst>
+                <a:glow rad="101600">
+                  <a:srgbClr val="FFFF00">
+                    <a:alpha val="40000"/>
+                  </a:srgbClr>
+                </a:glow>
+              </a:effectLst>
+            </a:endParaRPr>
+          </a:p>
+          <a:p>
+            <a:r>
+              <a:rPr lang="ko-KR" altLang="en-US" dirty="0" smtClean="0">
+                <a:solidFill>
+                  <a:srgbClr val="FFFF00"/>
+                </a:solidFill>
+                <a:effectLst>
+                  <a:glow rad="101600">
+                    <a:srgbClr val="FFFF00">
+                      <a:alpha val="40000"/>
+                    </a:srgbClr>
+                  </a:glow>
+                </a:effectLst>
+              </a:rPr>
+              <a:t>구약성서 </a:t>
+            </a:r>
+            <a:r>
+              <a:rPr lang="en-US" altLang="ko-KR" dirty="0" smtClean="0">
+                <a:solidFill>
+                  <a:srgbClr val="FFFF00"/>
+                </a:solidFill>
+                <a:effectLst>
+                  <a:glow rad="101600">
+                    <a:srgbClr val="FFFF00">
+                      <a:alpha val="40000"/>
+                    </a:srgbClr>
+                  </a:glow>
+                </a:effectLst>
+              </a:rPr>
+              <a:t>- </a:t>
+            </a:r>
+            <a:r>
+              <a:rPr lang="ko-KR" altLang="en-US" dirty="0" smtClean="0">
+                <a:solidFill>
+                  <a:srgbClr val="FFFF00"/>
+                </a:solidFill>
+                <a:effectLst>
+                  <a:glow rad="101600">
+                    <a:srgbClr val="FFFF00">
+                      <a:alpha val="40000"/>
+                    </a:srgbClr>
+                  </a:glow>
+                </a:effectLst>
+              </a:rPr>
+              <a:t>세계의 시작</a:t>
+            </a:r>
+            <a:endParaRPr lang="en-US" altLang="ko-KR" dirty="0" smtClean="0">
+              <a:solidFill>
+                <a:srgbClr val="FFFF00"/>
+              </a:solidFill>
+              <a:effectLst>
+                <a:glow rad="101600">
+                  <a:srgbClr val="FFFF00">
+                    <a:alpha val="40000"/>
+                  </a:srgbClr>
+                </a:glow>
+              </a:effectLst>
+            </a:endParaRPr>
+          </a:p>
+          <a:p>
+            <a:r>
+              <a:rPr lang="ko-KR" altLang="en-US" dirty="0" smtClean="0">
+                <a:solidFill>
+                  <a:srgbClr val="FFFF00"/>
+                </a:solidFill>
+                <a:effectLst>
+                  <a:glow rad="101600">
+                    <a:srgbClr val="FFFF00">
+                      <a:alpha val="40000"/>
+                    </a:srgbClr>
+                  </a:glow>
+                </a:effectLst>
+              </a:rPr>
+              <a:t>게임 </a:t>
+            </a:r>
+            <a:r>
+              <a:rPr lang="ko-KR" altLang="en-US" dirty="0" err="1" smtClean="0">
+                <a:solidFill>
+                  <a:srgbClr val="FFFF00"/>
+                </a:solidFill>
+                <a:effectLst>
+                  <a:glow rad="101600">
+                    <a:srgbClr val="FFFF00">
+                      <a:alpha val="40000"/>
+                    </a:srgbClr>
+                  </a:glow>
+                </a:effectLst>
+              </a:rPr>
+              <a:t>맵의</a:t>
+            </a:r>
+            <a:r>
+              <a:rPr lang="ko-KR" altLang="en-US" dirty="0" smtClean="0">
+                <a:solidFill>
+                  <a:srgbClr val="FFFF00"/>
+                </a:solidFill>
+                <a:effectLst>
+                  <a:glow rad="101600">
+                    <a:srgbClr val="FFFF00">
+                      <a:alpha val="40000"/>
+                    </a:srgbClr>
+                  </a:glow>
+                </a:effectLst>
+              </a:rPr>
+              <a:t> 의미 </a:t>
+            </a:r>
+            <a:r>
+              <a:rPr lang="en-US" altLang="ko-KR" dirty="0" smtClean="0">
+                <a:solidFill>
+                  <a:srgbClr val="FFFF00"/>
+                </a:solidFill>
+                <a:effectLst>
+                  <a:glow rad="101600">
+                    <a:srgbClr val="FFFF00">
+                      <a:alpha val="40000"/>
+                    </a:srgbClr>
+                  </a:glow>
+                </a:effectLst>
+              </a:rPr>
+              <a:t>: </a:t>
+            </a:r>
+            <a:r>
+              <a:rPr lang="ko-KR" altLang="en-US" dirty="0" smtClean="0">
+                <a:solidFill>
+                  <a:srgbClr val="FFFF00"/>
+                </a:solidFill>
+                <a:effectLst>
+                  <a:glow rad="101600">
+                    <a:srgbClr val="FFFF00">
+                      <a:alpha val="40000"/>
+                    </a:srgbClr>
+                  </a:glow>
+                </a:effectLst>
+              </a:rPr>
+              <a:t>네트워크</a:t>
+            </a:r>
+            <a:endParaRPr lang="en-US" altLang="ko-KR" dirty="0" smtClean="0">
+              <a:solidFill>
+                <a:srgbClr val="FFFF00"/>
+              </a:solidFill>
+              <a:effectLst>
+                <a:glow rad="101600">
+                  <a:srgbClr val="FFFF00">
+                    <a:alpha val="40000"/>
+                  </a:srgbClr>
+                </a:glow>
+              </a:effectLst>
+            </a:endParaRPr>
+          </a:p>
+          <a:p>
+            <a:r>
+              <a:rPr lang="ko-KR" altLang="en-US" dirty="0" smtClean="0">
+                <a:solidFill>
+                  <a:srgbClr val="FFFF00"/>
+                </a:solidFill>
+                <a:effectLst>
+                  <a:glow rad="101600">
+                    <a:srgbClr val="FFFF00">
+                      <a:alpha val="40000"/>
+                    </a:srgbClr>
+                  </a:glow>
+                </a:effectLst>
+              </a:rPr>
+              <a:t>움직임의 의미 </a:t>
+            </a:r>
+            <a:r>
+              <a:rPr lang="en-US" altLang="ko-KR" dirty="0" smtClean="0">
+                <a:solidFill>
+                  <a:srgbClr val="FFFF00"/>
+                </a:solidFill>
+                <a:effectLst>
+                  <a:glow rad="101600">
+                    <a:srgbClr val="FFFF00">
+                      <a:alpha val="40000"/>
+                    </a:srgbClr>
+                  </a:glow>
+                </a:effectLst>
+              </a:rPr>
+              <a:t>: </a:t>
+            </a:r>
+            <a:r>
+              <a:rPr lang="ko-KR" altLang="en-US" dirty="0" smtClean="0">
+                <a:solidFill>
+                  <a:srgbClr val="FFFF00"/>
+                </a:solidFill>
+                <a:effectLst>
+                  <a:glow rad="101600">
+                    <a:srgbClr val="FFFF00">
+                      <a:alpha val="40000"/>
+                    </a:srgbClr>
+                  </a:glow>
+                </a:effectLst>
+              </a:rPr>
+              <a:t>정체성 찾기</a:t>
+            </a:r>
+            <a:endParaRPr lang="en-US" altLang="ko-KR" dirty="0">
+              <a:solidFill>
+                <a:srgbClr val="FFFF00"/>
+              </a:solidFill>
+              <a:effectLst>
+                <a:glow rad="101600">
+                  <a:srgbClr val="FFFF00">
+                    <a:alpha val="40000"/>
+                  </a:srgbClr>
+                </a:glow>
+              </a:effectLst>
+            </a:endParaRPr>
+          </a:p>
+        </p:txBody>
+      </p:sp>
+      <p:sp>
+        <p:nvSpPr>
+          <p:cNvPr id="2" name="바닥글 개체 틀 1"/>
+          <p:cNvSpPr>
+            <a:spLocks noGrp="1"/>
+          </p:cNvSpPr>
+          <p:nvPr>
+            <p:ph type="ftr" sz="quarter" idx="11"/>
+          </p:nvPr>
+        </p:nvSpPr>
+        <p:spPr/>
+        <p:txBody>
+          <a:bodyPr/>
+          <a:lstStyle/>
+          <a:p>
+            <a:r>
+              <a:rPr lang="en-US" altLang="ko-KR" dirty="0" smtClean="0"/>
+              <a:t>r3-20120706</a:t>
+            </a:r>
+            <a:endParaRPr lang="ko-KR" altLang="en-US" dirty="0"/>
+          </a:p>
+        </p:txBody>
+      </p:sp>
+      <p:sp>
+        <p:nvSpPr>
+          <p:cNvPr id="5" name="모서리가 둥근 직사각형 4"/>
+          <p:cNvSpPr/>
+          <p:nvPr/>
+        </p:nvSpPr>
+        <p:spPr>
+          <a:xfrm>
+            <a:off x="8100392" y="49615"/>
+            <a:ext cx="955199" cy="578882"/>
+          </a:xfrm>
+          <a:prstGeom prst="roundRect">
+            <a:avLst/>
+          </a:prstGeom>
+          <a:solidFill>
+            <a:schemeClr val="accent1">
+              <a:alpha val="70000"/>
+            </a:schemeClr>
+          </a:solidFill>
+          <a:ln w="38100">
+            <a:solidFill>
+              <a:srgbClr val="00FFFF"/>
+            </a:solidFill>
+          </a:ln>
+        </p:spPr>
+        <p:txBody>
+          <a:bodyPr wrap="none">
+            <a:spAutoFit/>
+          </a:bodyPr>
+          <a:lstStyle/>
+          <a:p>
+            <a:r>
+              <a:rPr lang="ko-KR" altLang="en-US" sz="2800" dirty="0" smtClean="0"/>
+              <a:t>이석</a:t>
+            </a:r>
+            <a:endParaRPr lang="ko-KR" altLang="en-US" sz="2800" dirty="0"/>
+          </a:p>
+        </p:txBody>
+      </p:sp>
+    </p:spTree>
+    <p:extLst>
+      <p:ext uri="{BB962C8B-B14F-4D97-AF65-F5344CB8AC3E}">
+        <p14:creationId xmlns:p14="http://schemas.microsoft.com/office/powerpoint/2010/main" val="2929035190"/>
+      </p:ext>
+    </p:extLst>
+  </p:cSld>
+  <p:clrMapOvr>
+    <a:masterClrMapping/>
+  </p:clrMapOvr>
+  <p:timing>
+    <p:tnLst>
+      <p:par>
+        <p:cTn id="1" dur="indefinite" restart="never" nodeType="tmRoot">
+          <p:childTnLst>
+            <p:seq concurrent="1" nextAc="seek">
+              <p:cTn id="2" dur="indefinite" nodeType="mainSeq">
+                <p:childTnLst>
+                  <p:par>
+                    <p:cTn id="3" fill="hold">
+                      <p:stCondLst>
+                        <p:cond delay="indefinite"/>
+                      </p:stCondLst>
+                      <p:childTnLst>
+                        <p:par>
+                          <p:cTn id="4" fill="hold">
+                            <p:stCondLst>
+                              <p:cond delay="0"/>
+                            </p:stCondLst>
+                            <p:childTnLst>
+                              <p:par>
+                                <p:cTn id="5" presetID="10" presetClass="entr" presetSubtype="0" fill="hold" grpId="0" nodeType="clickEffect">
+                                  <p:stCondLst>
+                                    <p:cond delay="0"/>
+                                  </p:stCondLst>
+                                  <p:childTnLst>
+                                    <p:set>
+                                      <p:cBhvr>
+                                        <p:cTn id="6" dur="1" fill="hold">
+                                          <p:stCondLst>
+                                            <p:cond delay="0"/>
+                                          </p:stCondLst>
+                                        </p:cTn>
+                                        <p:tgtEl>
+                                          <p:spTgt spid="3"/>
+                                        </p:tgtEl>
+                                        <p:attrNameLst>
+                                          <p:attrName>style.visibility</p:attrName>
+                                        </p:attrNameLst>
+                                      </p:cBhvr>
+                                      <p:to>
+                                        <p:strVal val="visible"/>
+                                      </p:to>
+                                    </p:set>
+                                    <p:animEffect transition="in" filter="fade">
+                                      <p:cBhvr>
+                                        <p:cTn id="7" dur="500"/>
+                                        <p:tgtEl>
+                                          <p:spTgt spid="3"/>
+                                        </p:tgtEl>
+                                      </p:cBhvr>
+                                    </p:animEffect>
+                                  </p:childTnLst>
+                                </p:cTn>
+                              </p:par>
+                            </p:childTnLst>
+                          </p:cTn>
+                        </p:par>
+                        <p:par>
+                          <p:cTn id="8" fill="hold">
+                            <p:stCondLst>
+                              <p:cond delay="500"/>
+                            </p:stCondLst>
+                            <p:childTnLst>
+                              <p:par>
+                                <p:cTn id="9" presetID="12" presetClass="entr" presetSubtype="2" fill="hold" grpId="0" nodeType="afterEffect">
+                                  <p:stCondLst>
+                                    <p:cond delay="0"/>
+                                  </p:stCondLst>
+                                  <p:childTnLst>
+                                    <p:set>
+                                      <p:cBhvr>
+                                        <p:cTn id="10" dur="1" fill="hold">
+                                          <p:stCondLst>
+                                            <p:cond delay="0"/>
+                                          </p:stCondLst>
+                                        </p:cTn>
+                                        <p:tgtEl>
+                                          <p:spTgt spid="5"/>
+                                        </p:tgtEl>
+                                        <p:attrNameLst>
+                                          <p:attrName>style.visibility</p:attrName>
+                                        </p:attrNameLst>
+                                      </p:cBhvr>
+                                      <p:to>
+                                        <p:strVal val="visible"/>
+                                      </p:to>
+                                    </p:set>
+                                    <p:animEffect transition="in" filter="slide(fromRight)">
+                                      <p:cBhvr>
+                                        <p:cTn id="11" dur="500"/>
+                                        <p:tgtEl>
+                                          <p:spTgt spid="5"/>
+                                        </p:tgtEl>
+                                      </p:cBhvr>
+                                    </p:animEffect>
+                                  </p:childTnLst>
+                                </p:cTn>
+                              </p:par>
+                            </p:childTnLst>
+                          </p:cTn>
+                        </p:par>
+                      </p:childTnLst>
+                    </p:cTn>
+                  </p:par>
+                  <p:par>
+                    <p:cTn id="12" fill="hold">
+                      <p:stCondLst>
+                        <p:cond delay="indefinite"/>
+                      </p:stCondLst>
+                      <p:childTnLst>
+                        <p:par>
+                          <p:cTn id="13" fill="hold">
+                            <p:stCondLst>
+                              <p:cond delay="0"/>
+                            </p:stCondLst>
+                            <p:childTnLst>
+                              <p:par>
+                                <p:cTn id="14" presetID="10" presetClass="entr" presetSubtype="0" fill="hold" grpId="0" nodeType="clickEffect">
+                                  <p:stCondLst>
+                                    <p:cond delay="0"/>
+                                  </p:stCondLst>
+                                  <p:childTnLst>
+                                    <p:set>
+                                      <p:cBhvr>
+                                        <p:cTn id="15" dur="1" fill="hold">
+                                          <p:stCondLst>
+                                            <p:cond delay="0"/>
+                                          </p:stCondLst>
+                                        </p:cTn>
+                                        <p:tgtEl>
+                                          <p:spTgt spid="4">
+                                            <p:txEl>
+                                              <p:pRg st="0" end="0"/>
+                                            </p:txEl>
+                                          </p:spTgt>
+                                        </p:tgtEl>
+                                        <p:attrNameLst>
+                                          <p:attrName>style.visibility</p:attrName>
+                                        </p:attrNameLst>
+                                      </p:cBhvr>
+                                      <p:to>
+                                        <p:strVal val="visible"/>
+                                      </p:to>
+                                    </p:set>
+                                    <p:animEffect transition="in" filter="fade">
+                                      <p:cBhvr>
+                                        <p:cTn id="16" dur="500"/>
+                                        <p:tgtEl>
+                                          <p:spTgt spid="4">
+                                            <p:txEl>
+                                              <p:pRg st="0" end="0"/>
+                                            </p:txEl>
+                                          </p:spTgt>
+                                        </p:tgtEl>
+                                      </p:cBhvr>
+                                    </p:animEffect>
+                                  </p:childTnLst>
+                                </p:cTn>
+                              </p:par>
+                            </p:childTnLst>
+                          </p:cTn>
+                        </p:par>
+                      </p:childTnLst>
+                    </p:cTn>
+                  </p:par>
+                  <p:par>
+                    <p:cTn id="17" fill="hold">
+                      <p:stCondLst>
+                        <p:cond delay="indefinite"/>
+                      </p:stCondLst>
+                      <p:childTnLst>
+                        <p:par>
+                          <p:cTn id="18" fill="hold">
+                            <p:stCondLst>
+                              <p:cond delay="0"/>
+                            </p:stCondLst>
+                            <p:childTnLst>
+                              <p:par>
+                                <p:cTn id="19" presetID="10" presetClass="entr" presetSubtype="0" fill="hold" grpId="0" nodeType="clickEffect">
+                                  <p:stCondLst>
+                                    <p:cond delay="0"/>
+                                  </p:stCondLst>
+                                  <p:childTnLst>
+                                    <p:set>
+                                      <p:cBhvr>
+                                        <p:cTn id="20" dur="1" fill="hold">
+                                          <p:stCondLst>
+                                            <p:cond delay="0"/>
+                                          </p:stCondLst>
+                                        </p:cTn>
+                                        <p:tgtEl>
+                                          <p:spTgt spid="4">
+                                            <p:txEl>
+                                              <p:pRg st="1" end="1"/>
+                                            </p:txEl>
+                                          </p:spTgt>
+                                        </p:tgtEl>
+                                        <p:attrNameLst>
+                                          <p:attrName>style.visibility</p:attrName>
+                                        </p:attrNameLst>
+                                      </p:cBhvr>
+                                      <p:to>
+                                        <p:strVal val="visible"/>
+                                      </p:to>
+                                    </p:set>
+                                    <p:animEffect transition="in" filter="fade">
+                                      <p:cBhvr>
+                                        <p:cTn id="21" dur="500"/>
+                                        <p:tgtEl>
+                                          <p:spTgt spid="4">
+                                            <p:txEl>
+                                              <p:pRg st="1" end="1"/>
+                                            </p:txEl>
+                                          </p:spTgt>
+                                        </p:tgtEl>
+                                      </p:cBhvr>
+                                    </p:animEffect>
+                                  </p:childTnLst>
+                                </p:cTn>
+                              </p:par>
+                            </p:childTnLst>
+                          </p:cTn>
+                        </p:par>
+                      </p:childTnLst>
+                    </p:cTn>
+                  </p:par>
+                  <p:par>
+                    <p:cTn id="22" fill="hold">
+                      <p:stCondLst>
+                        <p:cond delay="indefinite"/>
+                      </p:stCondLst>
+                      <p:childTnLst>
+                        <p:par>
+                          <p:cTn id="23" fill="hold">
+                            <p:stCondLst>
+                              <p:cond delay="0"/>
+                            </p:stCondLst>
+                            <p:childTnLst>
+                              <p:par>
+                                <p:cTn id="24" presetID="10" presetClass="entr" presetSubtype="0" fill="hold" grpId="0" nodeType="clickEffect">
+                                  <p:stCondLst>
+                                    <p:cond delay="0"/>
+                                  </p:stCondLst>
+                                  <p:childTnLst>
+                                    <p:set>
+                                      <p:cBhvr>
+                                        <p:cTn id="25" dur="1" fill="hold">
+                                          <p:stCondLst>
+                                            <p:cond delay="0"/>
+                                          </p:stCondLst>
+                                        </p:cTn>
+                                        <p:tgtEl>
+                                          <p:spTgt spid="4">
+                                            <p:txEl>
+                                              <p:pRg st="2" end="2"/>
+                                            </p:txEl>
+                                          </p:spTgt>
+                                        </p:tgtEl>
+                                        <p:attrNameLst>
+                                          <p:attrName>style.visibility</p:attrName>
+                                        </p:attrNameLst>
+                                      </p:cBhvr>
+                                      <p:to>
+                                        <p:strVal val="visible"/>
+                                      </p:to>
+                                    </p:set>
+                                    <p:animEffect transition="in" filter="fade">
+                                      <p:cBhvr>
+                                        <p:cTn id="26" dur="500"/>
+                                        <p:tgtEl>
+                                          <p:spTgt spid="4">
+                                            <p:txEl>
+                                              <p:pRg st="2" end="2"/>
+                                            </p:txEl>
+                                          </p:spTgt>
+                                        </p:tgtEl>
+                                      </p:cBhvr>
+                                    </p:animEffect>
+                                  </p:childTnLst>
+                                </p:cTn>
+                              </p:par>
+                            </p:childTnLst>
+                          </p:cTn>
+                        </p:par>
+                      </p:childTnLst>
+                    </p:cTn>
+                  </p:par>
+                  <p:par>
+                    <p:cTn id="27" fill="hold">
+                      <p:stCondLst>
+                        <p:cond delay="indefinite"/>
+                      </p:stCondLst>
+                      <p:childTnLst>
+                        <p:par>
+                          <p:cTn id="28" fill="hold">
+                            <p:stCondLst>
+                              <p:cond delay="0"/>
+                            </p:stCondLst>
+                            <p:childTnLst>
+                              <p:par>
+                                <p:cTn id="29" presetID="10" presetClass="entr" presetSubtype="0" fill="hold" grpId="0" nodeType="clickEffect">
+                                  <p:stCondLst>
+                                    <p:cond delay="0"/>
+                                  </p:stCondLst>
+                                  <p:childTnLst>
+                                    <p:set>
+                                      <p:cBhvr>
+                                        <p:cTn id="30" dur="1" fill="hold">
+                                          <p:stCondLst>
+                                            <p:cond delay="0"/>
+                                          </p:stCondLst>
+                                        </p:cTn>
+                                        <p:tgtEl>
+                                          <p:spTgt spid="4">
+                                            <p:txEl>
+                                              <p:pRg st="3" end="3"/>
+                                            </p:txEl>
+                                          </p:spTgt>
+                                        </p:tgtEl>
+                                        <p:attrNameLst>
+                                          <p:attrName>style.visibility</p:attrName>
+                                        </p:attrNameLst>
+                                      </p:cBhvr>
+                                      <p:to>
+                                        <p:strVal val="visible"/>
+                                      </p:to>
+                                    </p:set>
+                                    <p:animEffect transition="in" filter="fade">
+                                      <p:cBhvr>
+                                        <p:cTn id="31" dur="500"/>
+                                        <p:tgtEl>
+                                          <p:spTgt spid="4">
+                                            <p:txEl>
+                                              <p:pRg st="3" end="3"/>
+                                            </p:txEl>
+                                          </p:spTgt>
+                                        </p:tgtEl>
+                                      </p:cBhvr>
+                                    </p:animEffect>
+                                  </p:childTnLst>
+                                </p:cTn>
+                              </p:par>
+                            </p:childTnLst>
+                          </p:cTn>
+                        </p:par>
+                      </p:childTnLst>
+                    </p:cTn>
+                  </p:par>
+                  <p:par>
+                    <p:cTn id="32" fill="hold">
+                      <p:stCondLst>
+                        <p:cond delay="indefinite"/>
+                      </p:stCondLst>
+                      <p:childTnLst>
+                        <p:par>
+                          <p:cTn id="33" fill="hold">
+                            <p:stCondLst>
+                              <p:cond delay="0"/>
+                            </p:stCondLst>
+                            <p:childTnLst>
+                              <p:par>
+                                <p:cTn id="34" presetID="10" presetClass="entr" presetSubtype="0" fill="hold" grpId="0" nodeType="clickEffect">
+                                  <p:stCondLst>
+                                    <p:cond delay="0"/>
+                                  </p:stCondLst>
+                                  <p:childTnLst>
+                                    <p:set>
+                                      <p:cBhvr>
+                                        <p:cTn id="35" dur="1" fill="hold">
+                                          <p:stCondLst>
+                                            <p:cond delay="0"/>
+                                          </p:stCondLst>
+                                        </p:cTn>
+                                        <p:tgtEl>
+                                          <p:spTgt spid="4">
+                                            <p:txEl>
+                                              <p:pRg st="4" end="4"/>
+                                            </p:txEl>
+                                          </p:spTgt>
+                                        </p:tgtEl>
+                                        <p:attrNameLst>
+                                          <p:attrName>style.visibility</p:attrName>
+                                        </p:attrNameLst>
+                                      </p:cBhvr>
+                                      <p:to>
+                                        <p:strVal val="visible"/>
+                                      </p:to>
+                                    </p:set>
+                                    <p:animEffect transition="in" filter="fade">
+                                      <p:cBhvr>
+                                        <p:cTn id="36" dur="500"/>
+                                        <p:tgtEl>
+                                          <p:spTgt spid="4">
+                                            <p:txEl>
+                                              <p:pRg st="4" end="4"/>
+                                            </p:txEl>
+                                          </p:spTgt>
+                                        </p:tgtEl>
+                                      </p:cBhvr>
+                                    </p:animEffect>
+                                  </p:childTnLst>
+                                </p:cTn>
+                              </p:par>
+                            </p:childTnLst>
+                          </p:cTn>
+                        </p:par>
+                      </p:childTnLst>
+                    </p:cTn>
+                  </p:par>
+                </p:childTnLst>
+              </p:cTn>
+              <p:prevCondLst>
+                <p:cond evt="onPrev" delay="0">
+                  <p:tgtEl>
+                    <p:sldTgt/>
+                  </p:tgtEl>
+                </p:cond>
+              </p:prevCondLst>
+              <p:nextCondLst>
+                <p:cond evt="onNext" delay="0">
+                  <p:tgtEl>
+                    <p:sldTgt/>
+                  </p:tgtEl>
+                </p:cond>
+              </p:nextCondLst>
+            </p:seq>
+          </p:childTnLst>
+        </p:cTn>
+      </p:par>
+    </p:tnLst>
+    <p:bldLst>
+      <p:bldP spid="3" grpId="0"/>
+      <p:bldP spid="4" grpId="0" build="p"/>
+      <p:bldP spid="5" grpId="0" animBg="1"/>
+    </p:bldLst>
+  </p:timing>
+</p:sld>
+</file>
+
+<file path=ppt/slides/slide14.xml><?xml version="1.0" encoding="utf-8"?>
+<p:sld xmlns:a="http://schemas.openxmlformats.org/drawingml/2006/main" xmlns:r="http://schemas.openxmlformats.org/officeDocument/2006/relationships" xmlns:p="http://schemas.openxmlformats.org/presentationml/2006/main">
+  <p:cSld>
+    <p:spTree>
+      <p:nvGrpSpPr>
+        <p:cNvPr id="1" name=""/>
+        <p:cNvGrpSpPr/>
+        <p:nvPr/>
+      </p:nvGrpSpPr>
+      <p:grpSpPr>
+        <a:xfrm>
+          <a:off x="0" y="0"/>
+          <a:ext cx="0" cy="0"/>
+          <a:chOff x="0" y="0"/>
+          <a:chExt cx="0" cy="0"/>
+        </a:xfrm>
+      </p:grpSpPr>
+      <p:sp>
+        <p:nvSpPr>
+          <p:cNvPr id="3" name="제목 2"/>
+          <p:cNvSpPr>
+            <a:spLocks noGrp="1"/>
+          </p:cNvSpPr>
+          <p:nvPr>
+            <p:ph type="title"/>
+          </p:nvPr>
+        </p:nvSpPr>
+        <p:spPr/>
+        <p:txBody>
+          <a:bodyPr/>
+          <a:lstStyle/>
+          <a:p>
+            <a:r>
+              <a:rPr lang="ko-KR" altLang="en-US" dirty="0" smtClean="0">
+                <a:solidFill>
+                  <a:srgbClr val="00FFFF"/>
+                </a:solidFill>
+                <a:effectLst>
+                  <a:glow rad="101600">
+                    <a:srgbClr val="00FFFF">
+                      <a:alpha val="40000"/>
+                    </a:srgbClr>
+                  </a:glow>
+                </a:effectLst>
+              </a:rPr>
+              <a:t>개발 진행</a:t>
+            </a:r>
+            <a:endParaRPr lang="ko-KR" altLang="en-US" dirty="0">
+              <a:solidFill>
+                <a:srgbClr val="00FFFF"/>
+              </a:solidFill>
+              <a:effectLst>
+                <a:glow rad="101600">
+                  <a:srgbClr val="00FFFF">
+                    <a:alpha val="40000"/>
+                  </a:srgbClr>
+                </a:glow>
+              </a:effectLst>
+            </a:endParaRPr>
+          </a:p>
+        </p:txBody>
+      </p:sp>
+      <p:sp>
+        <p:nvSpPr>
+          <p:cNvPr id="4" name="내용 개체 틀 3"/>
+          <p:cNvSpPr>
+            <a:spLocks noGrp="1"/>
+          </p:cNvSpPr>
+          <p:nvPr>
+            <p:ph idx="1"/>
+          </p:nvPr>
+        </p:nvSpPr>
+        <p:spPr/>
+        <p:txBody>
+          <a:bodyPr>
+            <a:normAutofit/>
+          </a:bodyPr>
+          <a:lstStyle/>
+          <a:p>
+            <a:r>
               <a:rPr lang="en-US" altLang="ko-KR" dirty="0" err="1" smtClean="0">
                 <a:solidFill>
                   <a:srgbClr val="FFFF00"/>
@@ -13844,37 +14753,7 @@
                   </a:glow>
                 </a:effectLst>
               </a:rPr>
-              <a:t>로 </a:t>
-            </a:r>
-            <a:r>
-              <a:rPr lang="ko-KR" altLang="en-US" dirty="0" smtClean="0">
-                <a:solidFill>
-                  <a:srgbClr val="FFFF00"/>
-                </a:solidFill>
-                <a:effectLst>
-                  <a:glow rad="101600">
-                    <a:srgbClr val="FFFF00">
-                      <a:alpha val="40000"/>
-                    </a:srgbClr>
-                  </a:glow>
-                </a:effectLst>
-              </a:rPr>
-              <a:t>점수를 기록</a:t>
-            </a:r>
-            <a:r>
-              <a:rPr lang="ko-KR" altLang="en-US" dirty="0" smtClean="0">
-                <a:solidFill>
-                  <a:srgbClr val="FFFF00"/>
-                </a:solidFill>
-                <a:effectLst>
-                  <a:glow rad="101600">
-                    <a:srgbClr val="FFFF00">
-                      <a:alpha val="40000"/>
-                    </a:srgbClr>
-                  </a:glow>
-                </a:effectLst>
-              </a:rPr>
-              <a:t> </a:t>
+              <a:t>로 점수를 기록 </a:t>
             </a:r>
             <a:r>
               <a:rPr lang="en-US" altLang="ko-KR" dirty="0" smtClean="0">
@@ -13963,10 +14842,10 @@
                   </a:glow>
                 </a:effectLst>
               </a:rPr>
-              <a:t>스플래</a:t>
-            </a:r>
-            <a:r>
-              <a:rPr lang="ko-KR" altLang="en-US" dirty="0" err="1" smtClean="0">
+              <a:t>스플래시</a:t>
+            </a:r>
+            <a:r>
+              <a:rPr lang="ko-KR" altLang="en-US" dirty="0" smtClean="0">
                 <a:solidFill>
                   <a:srgbClr val="FFFF00"/>
                 </a:solidFill>
@@ -13978,52 +14857,7 @@
                   </a:glow>
                 </a:effectLst>
               </a:rPr>
-              <a:t>시</a:t>
-            </a:r>
-            <a:r>
-              <a:rPr lang="ko-KR" altLang="en-US" dirty="0" smtClean="0">
-                <a:solidFill>
-                  <a:srgbClr val="FFFF00"/>
-                </a:solidFill>
-                <a:effectLst>
-                  <a:glow rad="101600">
-                    <a:srgbClr val="FFFF00">
-                      <a:alpha val="40000"/>
-                    </a:srgbClr>
-                  </a:glow>
-                </a:effectLst>
-              </a:rPr>
-              <a:t> </a:t>
-            </a:r>
-            <a:r>
-              <a:rPr lang="ko-KR" altLang="en-US" dirty="0" smtClean="0">
-                <a:solidFill>
-                  <a:srgbClr val="FFFF00"/>
-                </a:solidFill>
-                <a:effectLst>
-                  <a:glow rad="101600">
-                    <a:srgbClr val="FFFF00">
-                      <a:alpha val="40000"/>
-                    </a:srgbClr>
-                  </a:glow>
-                </a:effectLst>
-              </a:rPr>
-              <a:t>화면</a:t>
-            </a:r>
-            <a:r>
-              <a:rPr lang="ko-KR" altLang="en-US" dirty="0" smtClean="0">
-                <a:solidFill>
-                  <a:srgbClr val="FFFF00"/>
-                </a:solidFill>
-                <a:effectLst>
-                  <a:glow rad="101600">
-                    <a:srgbClr val="FFFF00">
-                      <a:alpha val="40000"/>
-                    </a:srgbClr>
-                  </a:glow>
-                </a:effectLst>
-              </a:rPr>
-              <a:t> </a:t>
+              <a:t> 화면 </a:t>
             </a:r>
             <a:r>
               <a:rPr lang="en-US" altLang="ko-KR" dirty="0" smtClean="0">
@@ -14700,7 +15534,7 @@
     </p:spTree>
     <p:extLst>
       <p:ext uri="{BB962C8B-B14F-4D97-AF65-F5344CB8AC3E}">
-        <p14:creationId xmlns:p14="http://schemas.microsoft.com/office/powerpoint/2010/main" xmlns="" val="2929035190"/>
+        <p14:creationId xmlns:p14="http://schemas.microsoft.com/office/powerpoint/2010/main" val="2027513456"/>
       </p:ext>
     </p:extLst>
   </p:cSld>
@@ -15228,7 +16062,7 @@
 </p:sld>
 </file>
 
-<file path=ppt/slides/slide14.xml><?xml version="1.0" encoding="utf-8"?>
+<file path=ppt/slides/slide15.xml><?xml version="1.0" encoding="utf-8"?>
 <p:sld xmlns:a="http://schemas.openxmlformats.org/drawingml/2006/main" xmlns:r="http://schemas.openxmlformats.org/officeDocument/2006/relationships" xmlns:p="http://schemas.openxmlformats.org/presentationml/2006/main">
   <p:cSld>
     <p:spTree>
@@ -15273,37 +16107,7 @@
                   </a:glow>
                 </a:effectLst>
               </a:rPr>
-              <a:t>개</a:t>
-            </a:r>
-            <a:r>
-              <a:rPr lang="ko-KR" altLang="en-US" dirty="0" smtClean="0">
-                <a:solidFill>
-                  <a:srgbClr val="00FFFF"/>
-                </a:solidFill>
-                <a:effectLst>
-                  <a:glow rad="101600">
-                    <a:srgbClr val="00FFFF">
-                      <a:alpha val="40000"/>
-                    </a:srgbClr>
-                  </a:glow>
-                </a:effectLst>
-              </a:rPr>
-              <a:t>발 </a:t>
-            </a:r>
-            <a:r>
-              <a:rPr lang="ko-KR" altLang="en-US" dirty="0" smtClean="0">
-                <a:solidFill>
-                  <a:srgbClr val="00FFFF"/>
-                </a:solidFill>
-                <a:effectLst>
-                  <a:glow rad="101600">
-                    <a:srgbClr val="00FFFF">
-                      <a:alpha val="40000"/>
-                    </a:srgbClr>
-                  </a:glow>
-                </a:effectLst>
-              </a:rPr>
-              <a:t>진행</a:t>
+              <a:t>개발 진행</a:t>
             </a:r>
             <a:endParaRPr lang="ko-KR" altLang="en-US" dirty="0">
               <a:solidFill>
@@ -15350,37 +16154,7 @@
                   </a:glow>
                 </a:effectLst>
               </a:rPr>
-              <a:t>창 </a:t>
-            </a:r>
-            <a:r>
-              <a:rPr lang="ko-KR" altLang="en-US" dirty="0" smtClean="0">
-                <a:solidFill>
-                  <a:srgbClr val="FFFF00"/>
-                </a:solidFill>
-                <a:effectLst>
-                  <a:glow rad="101600">
-                    <a:srgbClr val="FFFF00">
-                      <a:alpha val="40000"/>
-                    </a:srgbClr>
-                  </a:glow>
-                </a:effectLst>
-              </a:rPr>
-              <a:t>관련 </a:t>
-            </a:r>
-            <a:r>
-              <a:rPr lang="ko-KR" altLang="en-US" dirty="0" smtClean="0">
-                <a:solidFill>
-                  <a:srgbClr val="FFFF00"/>
-                </a:solidFill>
-                <a:effectLst>
-                  <a:glow rad="101600">
-                    <a:srgbClr val="FFFF00">
-                      <a:alpha val="40000"/>
-                    </a:srgbClr>
-                  </a:glow>
-                </a:effectLst>
-              </a:rPr>
-              <a:t>기본 처리</a:t>
+              <a:t>창 관련 기본 처리</a:t>
             </a:r>
             <a:endParaRPr lang="en-US" altLang="ko-KR" dirty="0">
               <a:solidFill>
@@ -16233,7 +17007,7 @@
     </p:spTree>
     <p:extLst>
       <p:ext uri="{BB962C8B-B14F-4D97-AF65-F5344CB8AC3E}">
-        <p14:creationId xmlns:p14="http://schemas.microsoft.com/office/powerpoint/2010/main" xmlns="" val="658081931"/>
+        <p14:creationId xmlns:p14="http://schemas.microsoft.com/office/powerpoint/2010/main" val="658081931"/>
       </p:ext>
     </p:extLst>
   </p:cSld>
@@ -16908,7 +17682,7 @@
 </p:sld>
 </file>
 
-<file path=ppt/slides/slide15.xml><?xml version="1.0" encoding="utf-8"?>
+<file path=ppt/slides/slide16.xml><?xml version="1.0" encoding="utf-8"?>
 <p:sld xmlns:a="http://schemas.openxmlformats.org/drawingml/2006/main" xmlns:r="http://schemas.openxmlformats.org/officeDocument/2006/relationships" xmlns:p="http://schemas.openxmlformats.org/presentationml/2006/main">
   <p:cSld>
     <p:spTree>
@@ -17115,7 +17889,7 @@
     </p:spTree>
     <p:extLst>
       <p:ext uri="{BB962C8B-B14F-4D97-AF65-F5344CB8AC3E}">
-        <p14:creationId xmlns:p14="http://schemas.microsoft.com/office/powerpoint/2010/main" xmlns="" val="4143101253"/>
+        <p14:creationId xmlns:p14="http://schemas.microsoft.com/office/powerpoint/2010/main" val="4143101253"/>
       </p:ext>
     </p:extLst>
   </p:cSld>
@@ -17348,773 +18122,6 @@
                                     <p:animEffect transition="in" filter="fade">
                                       <p:cBhvr>
                                         <p:cTn id="22" dur="500"/>
-                                        <p:tgtEl>
-                                          <p:spTgt spid="4">
-                                            <p:txEl>
-                                              <p:pRg st="3" end="3"/>
-                                            </p:txEl>
-                                          </p:spTgt>
-                                        </p:tgtEl>
-                                      </p:cBhvr>
-                                    </p:animEffect>
-                                  </p:childTnLst>
-                                </p:cTn>
-                              </p:par>
-                            </p:childTnLst>
-                          </p:cTn>
-                        </p:par>
-                      </p:childTnLst>
-                    </p:cTn>
-                  </p:par>
-                </p:childTnLst>
-              </p:cTn>
-              <p:prevCondLst>
-                <p:cond evt="onPrev" delay="0">
-                  <p:tgtEl>
-                    <p:sldTgt/>
-                  </p:tgtEl>
-                </p:cond>
-              </p:prevCondLst>
-              <p:nextCondLst>
-                <p:cond evt="onNext" delay="0">
-                  <p:tgtEl>
-                    <p:sldTgt/>
-                  </p:tgtEl>
-                </p:cond>
-              </p:nextCondLst>
-            </p:seq>
-          </p:childTnLst>
-        </p:cTn>
-      </p:par>
-    </p:tnLst>
-    <p:bldLst>
-      <p:bldP spid="3" grpId="0"/>
-      <p:bldP spid="4" grpId="0" build="p"/>
-    </p:bldLst>
-  </p:timing>
-</p:sld>
-</file>
-
-<file path=ppt/slides/slide16.xml><?xml version="1.0" encoding="utf-8"?>
-<p:sld xmlns:a="http://schemas.openxmlformats.org/drawingml/2006/main" xmlns:r="http://schemas.openxmlformats.org/officeDocument/2006/relationships" xmlns:p="http://schemas.openxmlformats.org/presentationml/2006/main">
-  <p:cSld>
-    <p:spTree>
-      <p:nvGrpSpPr>
-        <p:cNvPr id="1" name=""/>
-        <p:cNvGrpSpPr/>
-        <p:nvPr/>
-      </p:nvGrpSpPr>
-      <p:grpSpPr>
-        <a:xfrm>
-          <a:off x="0" y="0"/>
-          <a:ext cx="0" cy="0"/>
-          <a:chOff x="0" y="0"/>
-          <a:chExt cx="0" cy="0"/>
-        </a:xfrm>
-      </p:grpSpPr>
-      <p:sp>
-        <p:nvSpPr>
-          <p:cNvPr id="3" name="제목 2"/>
-          <p:cNvSpPr>
-            <a:spLocks noGrp="1"/>
-          </p:cNvSpPr>
-          <p:nvPr>
-            <p:ph type="title"/>
-          </p:nvPr>
-        </p:nvSpPr>
-        <p:spPr/>
-        <p:txBody>
-          <a:bodyPr/>
-          <a:lstStyle/>
-          <a:p>
-            <a:r>
-              <a:rPr lang="ko-KR" altLang="en-US" dirty="0">
-                <a:solidFill>
-                  <a:srgbClr val="00FFFF"/>
-                </a:solidFill>
-                <a:effectLst>
-                  <a:glow rad="101600">
-                    <a:srgbClr val="00FFFF">
-                      <a:alpha val="40000"/>
-                    </a:srgbClr>
-                  </a:glow>
-                </a:effectLst>
-              </a:rPr>
-              <a:t>센서 </a:t>
-            </a:r>
-            <a:r>
-              <a:rPr lang="ko-KR" altLang="en-US" dirty="0" smtClean="0">
-                <a:solidFill>
-                  <a:srgbClr val="00FFFF"/>
-                </a:solidFill>
-                <a:effectLst>
-                  <a:glow rad="101600">
-                    <a:srgbClr val="00FFFF">
-                      <a:alpha val="40000"/>
-                    </a:srgbClr>
-                  </a:glow>
-                </a:effectLst>
-              </a:rPr>
-              <a:t>입력</a:t>
-            </a:r>
-            <a:endParaRPr lang="ko-KR" altLang="en-US" dirty="0">
-              <a:solidFill>
-                <a:srgbClr val="00FFFF"/>
-              </a:solidFill>
-              <a:effectLst>
-                <a:glow rad="101600">
-                  <a:srgbClr val="00FFFF">
-                    <a:alpha val="40000"/>
-                  </a:srgbClr>
-                </a:glow>
-              </a:effectLst>
-            </a:endParaRPr>
-          </a:p>
-        </p:txBody>
-      </p:sp>
-      <p:sp>
-        <p:nvSpPr>
-          <p:cNvPr id="4" name="내용 개체 틀 3"/>
-          <p:cNvSpPr>
-            <a:spLocks noGrp="1"/>
-          </p:cNvSpPr>
-          <p:nvPr>
-            <p:ph idx="1"/>
-          </p:nvPr>
-        </p:nvSpPr>
-        <p:spPr/>
-        <p:txBody>
-          <a:bodyPr>
-            <a:normAutofit lnSpcReduction="10000"/>
-          </a:bodyPr>
-          <a:lstStyle/>
-          <a:p>
-            <a:r>
-              <a:rPr lang="ko-KR" altLang="en-US" dirty="0" smtClean="0">
-                <a:solidFill>
-                  <a:srgbClr val="FFFF00"/>
-                </a:solidFill>
-                <a:effectLst>
-                  <a:glow rad="101600">
-                    <a:srgbClr val="FFFF00">
-                      <a:alpha val="40000"/>
-                    </a:srgbClr>
-                  </a:glow>
-                </a:effectLst>
-              </a:rPr>
-              <a:t>센서는 플레이어가 컨트롤 할 수 있는 유일한 수단</a:t>
-            </a:r>
-            <a:endParaRPr lang="en-US" altLang="ko-KR" dirty="0">
-              <a:solidFill>
-                <a:srgbClr val="FFFF00"/>
-              </a:solidFill>
-              <a:effectLst>
-                <a:glow rad="101600">
-                  <a:srgbClr val="FFFF00">
-                    <a:alpha val="40000"/>
-                  </a:srgbClr>
-                </a:glow>
-              </a:effectLst>
-            </a:endParaRPr>
-          </a:p>
-          <a:p>
-            <a:r>
-              <a:rPr lang="ko-KR" altLang="en-US" dirty="0" smtClean="0">
-                <a:solidFill>
-                  <a:srgbClr val="FFFF00"/>
-                </a:solidFill>
-                <a:effectLst>
-                  <a:glow rad="101600">
-                    <a:srgbClr val="FFFF00">
-                      <a:alpha val="40000"/>
-                    </a:srgbClr>
-                  </a:glow>
-                </a:effectLst>
-              </a:rPr>
-              <a:t>기기의 </a:t>
-            </a:r>
-            <a:r>
-              <a:rPr lang="ko-KR" altLang="en-US" dirty="0">
-                <a:solidFill>
-                  <a:srgbClr val="FFFF00"/>
-                </a:solidFill>
-                <a:effectLst>
-                  <a:glow rad="101600">
-                    <a:srgbClr val="FFFF00">
-                      <a:alpha val="40000"/>
-                    </a:srgbClr>
-                  </a:glow>
-                </a:effectLst>
-              </a:rPr>
-              <a:t>자세</a:t>
-            </a:r>
-            <a:r>
-              <a:rPr lang="en-US" altLang="ko-KR" dirty="0">
-                <a:solidFill>
-                  <a:srgbClr val="FFFF00"/>
-                </a:solidFill>
-                <a:effectLst>
-                  <a:glow rad="101600">
-                    <a:srgbClr val="FFFF00">
-                      <a:alpha val="40000"/>
-                    </a:srgbClr>
-                  </a:glow>
-                </a:effectLst>
-              </a:rPr>
-              <a:t>(poses)</a:t>
-            </a:r>
-            <a:r>
-              <a:rPr lang="ko-KR" altLang="en-US" dirty="0">
-                <a:solidFill>
-                  <a:srgbClr val="FFFF00"/>
-                </a:solidFill>
-                <a:effectLst>
-                  <a:glow rad="101600">
-                    <a:srgbClr val="FFFF00">
-                      <a:alpha val="40000"/>
-                    </a:srgbClr>
-                  </a:glow>
-                </a:effectLst>
-              </a:rPr>
-              <a:t>를 알기 위해 방향 센서</a:t>
-            </a:r>
-            <a:r>
-              <a:rPr lang="en-US" altLang="ko-KR" dirty="0">
-                <a:solidFill>
-                  <a:srgbClr val="FFFF00"/>
-                </a:solidFill>
-                <a:effectLst>
-                  <a:glow rad="101600">
-                    <a:srgbClr val="FFFF00">
-                      <a:alpha val="40000"/>
-                    </a:srgbClr>
-                  </a:glow>
-                </a:effectLst>
-              </a:rPr>
-              <a:t>(orientation sensor)</a:t>
-            </a:r>
-            <a:r>
-              <a:rPr lang="ko-KR" altLang="en-US" dirty="0">
-                <a:solidFill>
-                  <a:srgbClr val="FFFF00"/>
-                </a:solidFill>
-                <a:effectLst>
-                  <a:glow rad="101600">
-                    <a:srgbClr val="FFFF00">
-                      <a:alpha val="40000"/>
-                    </a:srgbClr>
-                  </a:glow>
-                </a:effectLst>
-              </a:rPr>
-              <a:t>를 사용함</a:t>
-            </a:r>
-          </a:p>
-          <a:p>
-            <a:r>
-              <a:rPr lang="ko-KR" altLang="en-US" dirty="0">
-                <a:solidFill>
-                  <a:srgbClr val="FFFF00"/>
-                </a:solidFill>
-                <a:effectLst>
-                  <a:glow rad="101600">
-                    <a:srgbClr val="FFFF00">
-                      <a:alpha val="40000"/>
-                    </a:srgbClr>
-                  </a:glow>
-                </a:effectLst>
-              </a:rPr>
-              <a:t>센서 </a:t>
-            </a:r>
-            <a:r>
-              <a:rPr lang="ko-KR" altLang="en-US" dirty="0" err="1">
-                <a:solidFill>
-                  <a:srgbClr val="FFFF00"/>
-                </a:solidFill>
-                <a:effectLst>
-                  <a:glow rad="101600">
-                    <a:srgbClr val="FFFF00">
-                      <a:alpha val="40000"/>
-                    </a:srgbClr>
-                  </a:glow>
-                </a:effectLst>
-              </a:rPr>
-              <a:t>출력값</a:t>
-            </a:r>
-            <a:r>
-              <a:rPr lang="en-US" altLang="ko-KR" dirty="0">
-                <a:solidFill>
-                  <a:srgbClr val="FFFF00"/>
-                </a:solidFill>
-                <a:effectLst>
-                  <a:glow rad="101600">
-                    <a:srgbClr val="FFFF00">
-                      <a:alpha val="40000"/>
-                    </a:srgbClr>
-                  </a:glow>
-                </a:effectLst>
-              </a:rPr>
-              <a:t>: azimuth(</a:t>
-            </a:r>
-            <a:r>
-              <a:rPr lang="ko-KR" altLang="en-US" dirty="0">
-                <a:solidFill>
-                  <a:srgbClr val="FFFF00"/>
-                </a:solidFill>
-                <a:effectLst>
-                  <a:glow rad="101600">
-                    <a:srgbClr val="FFFF00">
-                      <a:alpha val="40000"/>
-                    </a:srgbClr>
-                  </a:glow>
-                </a:effectLst>
-              </a:rPr>
-              <a:t>방위</a:t>
-            </a:r>
-            <a:r>
-              <a:rPr lang="en-US" altLang="ko-KR" dirty="0">
-                <a:solidFill>
-                  <a:srgbClr val="FFFF00"/>
-                </a:solidFill>
-                <a:effectLst>
-                  <a:glow rad="101600">
-                    <a:srgbClr val="FFFF00">
-                      <a:alpha val="40000"/>
-                    </a:srgbClr>
-                  </a:glow>
-                </a:effectLst>
-              </a:rPr>
-              <a:t>), pitch(</a:t>
-            </a:r>
-            <a:r>
-              <a:rPr lang="ko-KR" altLang="en-US" dirty="0" err="1">
-                <a:solidFill>
-                  <a:srgbClr val="FFFF00"/>
-                </a:solidFill>
-                <a:effectLst>
-                  <a:glow rad="101600">
-                    <a:srgbClr val="FFFF00">
-                      <a:alpha val="40000"/>
-                    </a:srgbClr>
-                  </a:glow>
-                </a:effectLst>
-              </a:rPr>
-              <a:t>세움각</a:t>
-            </a:r>
-            <a:r>
-              <a:rPr lang="en-US" altLang="ko-KR" dirty="0">
-                <a:solidFill>
-                  <a:srgbClr val="FFFF00"/>
-                </a:solidFill>
-                <a:effectLst>
-                  <a:glow rad="101600">
-                    <a:srgbClr val="FFFF00">
-                      <a:alpha val="40000"/>
-                    </a:srgbClr>
-                  </a:glow>
-                </a:effectLst>
-              </a:rPr>
-              <a:t>), roll(</a:t>
-            </a:r>
-            <a:r>
-              <a:rPr lang="ko-KR" altLang="en-US" dirty="0" err="1">
-                <a:solidFill>
-                  <a:srgbClr val="FFFF00"/>
-                </a:solidFill>
-                <a:effectLst>
-                  <a:glow rad="101600">
-                    <a:srgbClr val="FFFF00">
-                      <a:alpha val="40000"/>
-                    </a:srgbClr>
-                  </a:glow>
-                </a:effectLst>
-              </a:rPr>
-              <a:t>구름각</a:t>
-            </a:r>
-            <a:r>
-              <a:rPr lang="en-US" altLang="ko-KR" dirty="0">
-                <a:solidFill>
-                  <a:srgbClr val="FFFF00"/>
-                </a:solidFill>
-                <a:effectLst>
-                  <a:glow rad="101600">
-                    <a:srgbClr val="FFFF00">
-                      <a:alpha val="40000"/>
-                    </a:srgbClr>
-                  </a:glow>
-                </a:effectLst>
-              </a:rPr>
-              <a:t>)</a:t>
-            </a:r>
-          </a:p>
-          <a:p>
-            <a:r>
-              <a:rPr lang="ko-KR" altLang="en-US" dirty="0">
-                <a:solidFill>
-                  <a:srgbClr val="FFFF00"/>
-                </a:solidFill>
-                <a:effectLst>
-                  <a:glow rad="101600">
-                    <a:srgbClr val="FFFF00">
-                      <a:alpha val="40000"/>
-                    </a:srgbClr>
-                  </a:glow>
-                </a:effectLst>
-              </a:rPr>
-              <a:t>기울기에 따라 </a:t>
-            </a:r>
-            <a:r>
-              <a:rPr lang="ko-KR" altLang="en-US" dirty="0" smtClean="0">
-                <a:solidFill>
-                  <a:srgbClr val="FFFF00"/>
-                </a:solidFill>
-                <a:effectLst>
-                  <a:glow rad="101600">
-                    <a:srgbClr val="FFFF00">
-                      <a:alpha val="40000"/>
-                    </a:srgbClr>
-                  </a:glow>
-                </a:effectLst>
-              </a:rPr>
-              <a:t>방향축도 </a:t>
-            </a:r>
-            <a:r>
-              <a:rPr lang="ko-KR" altLang="en-US" dirty="0">
-                <a:solidFill>
-                  <a:srgbClr val="FFFF00"/>
-                </a:solidFill>
-                <a:effectLst>
-                  <a:glow rad="101600">
-                    <a:srgbClr val="FFFF00">
-                      <a:alpha val="40000"/>
-                    </a:srgbClr>
-                  </a:glow>
-                </a:effectLst>
-              </a:rPr>
-              <a:t>기울어지므로 절대적인 아래 방향을 찾으려면 추가 </a:t>
-            </a:r>
-            <a:r>
-              <a:rPr lang="ko-KR" altLang="en-US" dirty="0" smtClean="0">
-                <a:solidFill>
-                  <a:srgbClr val="FFFF00"/>
-                </a:solidFill>
-                <a:effectLst>
-                  <a:glow rad="101600">
-                    <a:srgbClr val="FFFF00">
-                      <a:alpha val="40000"/>
-                    </a:srgbClr>
-                  </a:glow>
-                </a:effectLst>
-              </a:rPr>
-              <a:t>계산이 필요함</a:t>
-            </a:r>
-            <a:endParaRPr lang="ko-KR" altLang="en-US" dirty="0">
-              <a:solidFill>
-                <a:srgbClr val="FFFF00"/>
-              </a:solidFill>
-              <a:effectLst>
-                <a:glow rad="101600">
-                  <a:srgbClr val="FFFF00">
-                    <a:alpha val="40000"/>
-                  </a:srgbClr>
-                </a:glow>
-              </a:effectLst>
-            </a:endParaRPr>
-          </a:p>
-        </p:txBody>
-      </p:sp>
-      <p:sp>
-        <p:nvSpPr>
-          <p:cNvPr id="2" name="바닥글 개체 틀 1"/>
-          <p:cNvSpPr>
-            <a:spLocks noGrp="1"/>
-          </p:cNvSpPr>
-          <p:nvPr>
-            <p:ph type="ftr" sz="quarter" idx="11"/>
-          </p:nvPr>
-        </p:nvSpPr>
-        <p:spPr/>
-        <p:txBody>
-          <a:bodyPr/>
-          <a:lstStyle/>
-          <a:p>
-            <a:r>
-              <a:rPr lang="en-US" altLang="ko-KR" dirty="0" smtClean="0"/>
-              <a:t>r3-20120706</a:t>
-            </a:r>
-            <a:endParaRPr lang="ko-KR" altLang="en-US" dirty="0"/>
-          </a:p>
-        </p:txBody>
-      </p:sp>
-    </p:spTree>
-    <p:extLst>
-      <p:ext uri="{BB962C8B-B14F-4D97-AF65-F5344CB8AC3E}">
-        <p14:creationId xmlns:p14="http://schemas.microsoft.com/office/powerpoint/2010/main" xmlns="" val="4143101253"/>
-      </p:ext>
-    </p:extLst>
-  </p:cSld>
-  <p:clrMapOvr>
-    <a:masterClrMapping/>
-  </p:clrMapOvr>
-  <p:timing>
-    <p:tnLst>
-      <p:par>
-        <p:cTn id="1" dur="indefinite" restart="never" nodeType="tmRoot">
-          <p:childTnLst>
-            <p:seq concurrent="1" nextAc="seek">
-              <p:cTn id="2" dur="indefinite" nodeType="mainSeq">
-                <p:childTnLst>
-                  <p:par>
-                    <p:cTn id="3" fill="hold">
-                      <p:stCondLst>
-                        <p:cond delay="indefinite"/>
-                      </p:stCondLst>
-                      <p:childTnLst>
-                        <p:par>
-                          <p:cTn id="4" fill="hold">
-                            <p:stCondLst>
-                              <p:cond delay="0"/>
-                            </p:stCondLst>
-                            <p:childTnLst>
-                              <p:par>
-                                <p:cTn id="5" presetID="10" presetClass="entr" presetSubtype="0" fill="hold" grpId="0" nodeType="clickEffect">
-                                  <p:stCondLst>
-                                    <p:cond delay="0"/>
-                                  </p:stCondLst>
-                                  <p:childTnLst>
-                                    <p:set>
-                                      <p:cBhvr>
-                                        <p:cTn id="6" dur="1" fill="hold">
-                                          <p:stCondLst>
-                                            <p:cond delay="0"/>
-                                          </p:stCondLst>
-                                        </p:cTn>
-                                        <p:tgtEl>
-                                          <p:spTgt spid="3"/>
-                                        </p:tgtEl>
-                                        <p:attrNameLst>
-                                          <p:attrName>style.visibility</p:attrName>
-                                        </p:attrNameLst>
-                                      </p:cBhvr>
-                                      <p:to>
-                                        <p:strVal val="visible"/>
-                                      </p:to>
-                                    </p:set>
-                                    <p:animEffect transition="in" filter="fade">
-                                      <p:cBhvr>
-                                        <p:cTn id="7" dur="500"/>
-                                        <p:tgtEl>
-                                          <p:spTgt spid="3"/>
-                                        </p:tgtEl>
-                                      </p:cBhvr>
-                                    </p:animEffect>
-                                  </p:childTnLst>
-                                </p:cTn>
-                              </p:par>
-                            </p:childTnLst>
-                          </p:cTn>
-                        </p:par>
-                      </p:childTnLst>
-                    </p:cTn>
-                  </p:par>
-                  <p:par>
-                    <p:cTn id="8" fill="hold">
-                      <p:stCondLst>
-                        <p:cond delay="indefinite"/>
-                      </p:stCondLst>
-                      <p:childTnLst>
-                        <p:par>
-                          <p:cTn id="9" fill="hold">
-                            <p:stCondLst>
-                              <p:cond delay="0"/>
-                            </p:stCondLst>
-                            <p:childTnLst>
-                              <p:par>
-                                <p:cTn id="10" presetID="10" presetClass="entr" presetSubtype="0" fill="hold" grpId="0" nodeType="clickEffect">
-                                  <p:stCondLst>
-                                    <p:cond delay="0"/>
-                                  </p:stCondLst>
-                                  <p:childTnLst>
-                                    <p:set>
-                                      <p:cBhvr>
-                                        <p:cTn id="11" dur="1" fill="hold">
-                                          <p:stCondLst>
-                                            <p:cond delay="0"/>
-                                          </p:stCondLst>
-                                        </p:cTn>
-                                        <p:tgtEl>
-                                          <p:spTgt spid="4">
-                                            <p:txEl>
-                                              <p:pRg st="0" end="0"/>
-                                            </p:txEl>
-                                          </p:spTgt>
-                                        </p:tgtEl>
-                                        <p:attrNameLst>
-                                          <p:attrName>style.visibility</p:attrName>
-                                        </p:attrNameLst>
-                                      </p:cBhvr>
-                                      <p:to>
-                                        <p:strVal val="visible"/>
-                                      </p:to>
-                                    </p:set>
-                                    <p:animEffect transition="in" filter="fade">
-                                      <p:cBhvr>
-                                        <p:cTn id="12" dur="500"/>
-                                        <p:tgtEl>
-                                          <p:spTgt spid="4">
-                                            <p:txEl>
-                                              <p:pRg st="0" end="0"/>
-                                            </p:txEl>
-                                          </p:spTgt>
-                                        </p:tgtEl>
-                                      </p:cBhvr>
-                                    </p:animEffect>
-                                  </p:childTnLst>
-                                </p:cTn>
-                              </p:par>
-                            </p:childTnLst>
-                          </p:cTn>
-                        </p:par>
-                        <p:par>
-                          <p:cTn id="13" fill="hold">
-                            <p:stCondLst>
-                              <p:cond delay="500"/>
-                            </p:stCondLst>
-                            <p:childTnLst>
-                              <p:par>
-                                <p:cTn id="14" presetID="10" presetClass="entr" presetSubtype="0" fill="hold" grpId="0" nodeType="afterEffect">
-                                  <p:stCondLst>
-                                    <p:cond delay="0"/>
-                                  </p:stCondLst>
-                                  <p:childTnLst>
-                                    <p:set>
-                                      <p:cBhvr>
-                                        <p:cTn id="15" dur="1" fill="hold">
-                                          <p:stCondLst>
-                                            <p:cond delay="0"/>
-                                          </p:stCondLst>
-                                        </p:cTn>
-                                        <p:tgtEl>
-                                          <p:spTgt spid="4">
-                                            <p:txEl>
-                                              <p:pRg st="1" end="1"/>
-                                            </p:txEl>
-                                          </p:spTgt>
-                                        </p:tgtEl>
-                                        <p:attrNameLst>
-                                          <p:attrName>style.visibility</p:attrName>
-                                        </p:attrNameLst>
-                                      </p:cBhvr>
-                                      <p:to>
-                                        <p:strVal val="visible"/>
-                                      </p:to>
-                                    </p:set>
-                                    <p:animEffect transition="in" filter="fade">
-                                      <p:cBhvr>
-                                        <p:cTn id="16" dur="500"/>
-                                        <p:tgtEl>
-                                          <p:spTgt spid="4">
-                                            <p:txEl>
-                                              <p:pRg st="1" end="1"/>
-                                            </p:txEl>
-                                          </p:spTgt>
-                                        </p:tgtEl>
-                                      </p:cBhvr>
-                                    </p:animEffect>
-                                  </p:childTnLst>
-                                </p:cTn>
-                              </p:par>
-                            </p:childTnLst>
-                          </p:cTn>
-                        </p:par>
-                        <p:par>
-                          <p:cTn id="17" fill="hold">
-                            <p:stCondLst>
-                              <p:cond delay="1000"/>
-                            </p:stCondLst>
-                            <p:childTnLst>
-                              <p:par>
-                                <p:cTn id="18" presetID="10" presetClass="entr" presetSubtype="0" fill="hold" grpId="0" nodeType="afterEffect">
-                                  <p:stCondLst>
-                                    <p:cond delay="0"/>
-                                  </p:stCondLst>
-                                  <p:childTnLst>
-                                    <p:set>
-                                      <p:cBhvr>
-                                        <p:cTn id="19" dur="1" fill="hold">
-                                          <p:stCondLst>
-                                            <p:cond delay="0"/>
-                                          </p:stCondLst>
-                                        </p:cTn>
-                                        <p:tgtEl>
-                                          <p:spTgt spid="4">
-                                            <p:txEl>
-                                              <p:pRg st="2" end="2"/>
-                                            </p:txEl>
-                                          </p:spTgt>
-                                        </p:tgtEl>
-                                        <p:attrNameLst>
-                                          <p:attrName>style.visibility</p:attrName>
-                                        </p:attrNameLst>
-                                      </p:cBhvr>
-                                      <p:to>
-                                        <p:strVal val="visible"/>
-                                      </p:to>
-                                    </p:set>
-                                    <p:animEffect transition="in" filter="fade">
-                                      <p:cBhvr>
-                                        <p:cTn id="20" dur="500"/>
-                                        <p:tgtEl>
-                                          <p:spTgt spid="4">
-                                            <p:txEl>
-                                              <p:pRg st="2" end="2"/>
-                                            </p:txEl>
-                                          </p:spTgt>
-                                        </p:tgtEl>
-                                      </p:cBhvr>
-                                    </p:animEffect>
-                                  </p:childTnLst>
-                                </p:cTn>
-                              </p:par>
-                            </p:childTnLst>
-                          </p:cTn>
-                        </p:par>
-                        <p:par>
-                          <p:cTn id="21" fill="hold">
-                            <p:stCondLst>
-                              <p:cond delay="1500"/>
-                            </p:stCondLst>
-                            <p:childTnLst>
-                              <p:par>
-                                <p:cTn id="22" presetID="10" presetClass="entr" presetSubtype="0" fill="hold" grpId="0" nodeType="afterEffect">
-                                  <p:stCondLst>
-                                    <p:cond delay="0"/>
-                                  </p:stCondLst>
-                                  <p:childTnLst>
-                                    <p:set>
-                                      <p:cBhvr>
-                                        <p:cTn id="23" dur="1" fill="hold">
-                                          <p:stCondLst>
-                                            <p:cond delay="0"/>
-                                          </p:stCondLst>
-                                        </p:cTn>
-                                        <p:tgtEl>
-                                          <p:spTgt spid="4">
-                                            <p:txEl>
-                                              <p:pRg st="3" end="3"/>
-                                            </p:txEl>
-                                          </p:spTgt>
-                                        </p:tgtEl>
-                                        <p:attrNameLst>
-                                          <p:attrName>style.visibility</p:attrName>
-                                        </p:attrNameLst>
-                                      </p:cBhvr>
-                                      <p:to>
-                                        <p:strVal val="visible"/>
-                                      </p:to>
-                                    </p:set>
-                                    <p:animEffect transition="in" filter="fade">
-                                      <p:cBhvr>
-                                        <p:cTn id="24" dur="500"/>
                                         <p:tgtEl>
                                           <p:spTgt spid="4">
                                             <p:txEl>
@@ -18195,7 +18202,7 @@
           <a:lstStyle/>
           <a:p>
             <a:r>
-              <a:rPr lang="ko-KR" altLang="en-US" dirty="0" err="1">
+              <a:rPr lang="ko-KR" altLang="en-US" dirty="0">
                 <a:solidFill>
                   <a:srgbClr val="00FFFF"/>
                 </a:solidFill>
@@ -18207,10 +18214,10 @@
                   </a:glow>
                 </a:effectLst>
               </a:rPr>
-              <a:t>렌더링</a:t>
-            </a:r>
-            <a:r>
-              <a:rPr lang="ko-KR" altLang="en-US" dirty="0">
+              <a:t>센서 </a:t>
+            </a:r>
+            <a:r>
+              <a:rPr lang="ko-KR" altLang="en-US" dirty="0" smtClean="0">
                 <a:solidFill>
                   <a:srgbClr val="00FFFF"/>
                 </a:solidFill>
@@ -18222,22 +18229,7 @@
                   </a:glow>
                 </a:effectLst>
               </a:rPr>
-              <a:t> </a:t>
-            </a:r>
-            <a:r>
-              <a:rPr lang="ko-KR" altLang="en-US" dirty="0" err="1">
-                <a:solidFill>
-                  <a:srgbClr val="00FFFF"/>
-                </a:solidFill>
-                <a:effectLst>
-                  <a:glow rad="101600">
-                    <a:srgbClr val="00FFFF">
-                      <a:alpha val="40000"/>
-                    </a:srgbClr>
-                  </a:glow>
-                </a:effectLst>
-              </a:rPr>
-              <a:t>스레드</a:t>
+              <a:t>입력</a:t>
             </a:r>
             <a:endParaRPr lang="ko-KR" altLang="en-US" dirty="0">
               <a:solidFill>
@@ -18267,12 +18259,12 @@
         <p:spPr/>
         <p:txBody>
           <a:bodyPr>
-            <a:normAutofit/>
+            <a:normAutofit lnSpcReduction="10000"/>
           </a:bodyPr>
           <a:lstStyle/>
           <a:p>
             <a:r>
-              <a:rPr lang="ko-KR" altLang="en-US" dirty="0">
+              <a:rPr lang="ko-KR" altLang="en-US" dirty="0" smtClean="0">
                 <a:solidFill>
                   <a:srgbClr val="FFFF00"/>
                 </a:solidFill>
@@ -18284,161 +18276,9 @@
                   </a:glow>
                 </a:effectLst>
               </a:rPr>
-              <a:t>안드로이드는 </a:t>
-            </a:r>
-            <a:r>
-              <a:rPr lang="en-US" altLang="ko-KR" dirty="0">
-                <a:solidFill>
-                  <a:srgbClr val="FFFF00"/>
-                </a:solidFill>
-                <a:effectLst>
-                  <a:glow rad="101600">
-                    <a:srgbClr val="FFFF00">
-                      <a:alpha val="40000"/>
-                    </a:srgbClr>
-                  </a:glow>
-                </a:effectLst>
-              </a:rPr>
-              <a:t>UI </a:t>
-            </a:r>
-            <a:r>
-              <a:rPr lang="ko-KR" altLang="en-US" dirty="0" err="1">
-                <a:solidFill>
-                  <a:srgbClr val="FFFF00"/>
-                </a:solidFill>
-                <a:effectLst>
-                  <a:glow rad="101600">
-                    <a:srgbClr val="FFFF00">
-                      <a:alpha val="40000"/>
-                    </a:srgbClr>
-                  </a:glow>
-                </a:effectLst>
-              </a:rPr>
-              <a:t>스레드가</a:t>
-            </a:r>
-            <a:r>
-              <a:rPr lang="ko-KR" altLang="en-US" dirty="0">
-                <a:solidFill>
-                  <a:srgbClr val="FFFF00"/>
-                </a:solidFill>
-                <a:effectLst>
-                  <a:glow rad="101600">
-                    <a:srgbClr val="FFFF00">
-                      <a:alpha val="40000"/>
-                    </a:srgbClr>
-                  </a:glow>
-                </a:effectLst>
-              </a:rPr>
-              <a:t> 하나만 존재</a:t>
-            </a:r>
-          </a:p>
-          <a:p>
-            <a:r>
-              <a:rPr lang="ko-KR" altLang="en-US" dirty="0" smtClean="0">
-                <a:solidFill>
-                  <a:srgbClr val="FFFF00"/>
-                </a:solidFill>
-                <a:effectLst>
-                  <a:glow rad="101600">
-                    <a:srgbClr val="FFFF00">
-                      <a:alpha val="40000"/>
-                    </a:srgbClr>
-                  </a:glow>
-                </a:effectLst>
-              </a:rPr>
-              <a:t>게임이므로 </a:t>
-            </a:r>
-            <a:r>
-              <a:rPr lang="ko-KR" altLang="en-US" dirty="0">
-                <a:solidFill>
-                  <a:srgbClr val="FFFF00"/>
-                </a:solidFill>
-                <a:effectLst>
-                  <a:glow rad="101600">
-                    <a:srgbClr val="FFFF00">
-                      <a:alpha val="40000"/>
-                    </a:srgbClr>
-                  </a:glow>
-                </a:effectLst>
-              </a:rPr>
-              <a:t>화면이 지속적으로 업데이트 되어야 함</a:t>
-            </a:r>
-            <a:r>
-              <a:rPr lang="en-US" altLang="ko-KR" dirty="0">
-                <a:solidFill>
-                  <a:srgbClr val="FFFF00"/>
-                </a:solidFill>
-                <a:effectLst>
-                  <a:glow rad="101600">
-                    <a:srgbClr val="FFFF00">
-                      <a:alpha val="40000"/>
-                    </a:srgbClr>
-                  </a:glow>
-                </a:effectLst>
-              </a:rPr>
-              <a:t>; </a:t>
-            </a:r>
-            <a:r>
-              <a:rPr lang="ko-KR" altLang="en-US" dirty="0">
-                <a:solidFill>
-                  <a:srgbClr val="FFFF00"/>
-                </a:solidFill>
-                <a:effectLst>
-                  <a:glow rad="101600">
-                    <a:srgbClr val="FFFF00">
-                      <a:alpha val="40000"/>
-                    </a:srgbClr>
-                  </a:glow>
-                </a:effectLst>
-              </a:rPr>
-              <a:t>화면 그리기를 별도 </a:t>
-            </a:r>
-            <a:r>
-              <a:rPr lang="ko-KR" altLang="en-US" dirty="0" err="1">
-                <a:solidFill>
-                  <a:srgbClr val="FFFF00"/>
-                </a:solidFill>
-                <a:effectLst>
-                  <a:glow rad="101600">
-                    <a:srgbClr val="FFFF00">
-                      <a:alpha val="40000"/>
-                    </a:srgbClr>
-                  </a:glow>
-                </a:effectLst>
-              </a:rPr>
-              <a:t>스레드에서</a:t>
-            </a:r>
-            <a:r>
-              <a:rPr lang="ko-KR" altLang="en-US" dirty="0">
-                <a:solidFill>
-                  <a:srgbClr val="FFFF00"/>
-                </a:solidFill>
-                <a:effectLst>
-                  <a:glow rad="101600">
-                    <a:srgbClr val="FFFF00">
-                      <a:alpha val="40000"/>
-                    </a:srgbClr>
-                  </a:glow>
-                </a:effectLst>
-              </a:rPr>
-              <a:t> 맡아 </a:t>
-            </a:r>
-            <a:r>
-              <a:rPr lang="ko-KR" altLang="en-US" dirty="0" smtClean="0">
-                <a:solidFill>
-                  <a:srgbClr val="FFFF00"/>
-                </a:solidFill>
-                <a:effectLst>
-                  <a:glow rad="101600">
-                    <a:srgbClr val="FFFF00">
-                      <a:alpha val="40000"/>
-                    </a:srgbClr>
-                  </a:glow>
-                </a:effectLst>
-              </a:rPr>
-              <a:t>관리</a:t>
-            </a:r>
-            <a:endParaRPr lang="en-US" altLang="ko-KR" dirty="0" smtClean="0">
+              <a:t>센서는 플레이어가 컨트롤 할 수 있는 유일한 수단</a:t>
+            </a:r>
+            <a:endParaRPr lang="en-US" altLang="ko-KR" dirty="0">
               <a:solidFill>
                 <a:srgbClr val="FFFF00"/>
               </a:solidFill>
@@ -18465,10 +18305,10 @@
                   </a:glow>
                 </a:effectLst>
               </a:rPr>
-              <a:t>잠</a:t>
-            </a:r>
-            <a:r>
-              <a:rPr lang="ko-KR" altLang="en-US" dirty="0" smtClean="0">
+              <a:t>기기의 </a:t>
+            </a:r>
+            <a:r>
+              <a:rPr lang="ko-KR" altLang="en-US" dirty="0">
                 <a:solidFill>
                   <a:srgbClr val="FFFF00"/>
                 </a:solidFill>
@@ -18480,10 +18320,10 @@
                   </a:glow>
                 </a:effectLst>
               </a:rPr>
-              <a:t>금 </a:t>
-            </a:r>
-            <a:r>
-              <a:rPr lang="ko-KR" altLang="en-US" dirty="0" smtClean="0">
+              <a:t>자세</a:t>
+            </a:r>
+            <a:r>
+              <a:rPr lang="en-US" altLang="ko-KR" dirty="0">
                 <a:solidFill>
                   <a:srgbClr val="FFFF00"/>
                 </a:solidFill>
@@ -18495,10 +18335,10 @@
                   </a:glow>
                 </a:effectLst>
               </a:rPr>
-              <a:t>메커니즘이 있어 </a:t>
-            </a:r>
-            <a:r>
-              <a:rPr lang="en-US" altLang="ko-KR" dirty="0" smtClean="0">
+              <a:t>(poses)</a:t>
+            </a:r>
+            <a:r>
+              <a:rPr lang="ko-KR" altLang="en-US" dirty="0">
                 <a:solidFill>
                   <a:srgbClr val="FFFF00"/>
                 </a:solidFill>
@@ -18510,10 +18350,10 @@
                   </a:glow>
                 </a:effectLst>
               </a:rPr>
-              <a:t>Thread-safe</a:t>
-            </a:r>
-            <a:r>
-              <a:rPr lang="ko-KR" altLang="en-US" dirty="0" smtClean="0">
+              <a:t>를 알기 위해 방향 센서</a:t>
+            </a:r>
+            <a:r>
+              <a:rPr lang="en-US" altLang="ko-KR" dirty="0">
                 <a:solidFill>
                   <a:srgbClr val="FFFF00"/>
                 </a:solidFill>
@@ -18525,10 +18365,10 @@
                   </a:glow>
                 </a:effectLst>
               </a:rPr>
-              <a:t>한 </a:t>
-            </a:r>
-            <a:r>
-              <a:rPr lang="en-US" altLang="ko-KR" dirty="0" err="1" smtClean="0">
+              <a:t>(orientation sensor)</a:t>
+            </a:r>
+            <a:r>
+              <a:rPr lang="ko-KR" altLang="en-US" dirty="0">
                 <a:solidFill>
                   <a:srgbClr val="FFFF00"/>
                 </a:solidFill>
@@ -18540,10 +18380,12 @@
                   </a:glow>
                 </a:effectLst>
               </a:rPr>
-              <a:t>SurfaceView</a:t>
-            </a:r>
-            <a:r>
-              <a:rPr lang="en-US" altLang="ko-KR" dirty="0" smtClean="0">
+              <a:t>를 사용함</a:t>
+            </a:r>
+          </a:p>
+          <a:p>
+            <a:r>
+              <a:rPr lang="ko-KR" altLang="en-US" dirty="0">
                 <a:solidFill>
                   <a:srgbClr val="FFFF00"/>
                 </a:solidFill>
@@ -18555,10 +18397,10 @@
                   </a:glow>
                 </a:effectLst>
               </a:rPr>
-              <a:t> </a:t>
-            </a:r>
-            <a:r>
-              <a:rPr lang="ko-KR" altLang="en-US" dirty="0" smtClean="0">
+              <a:t>센서 </a:t>
+            </a:r>
+            <a:r>
+              <a:rPr lang="ko-KR" altLang="en-US" dirty="0" err="1">
                 <a:solidFill>
                   <a:srgbClr val="FFFF00"/>
                 </a:solidFill>
@@ -18570,24 +18412,10 @@
                   </a:glow>
                 </a:effectLst>
               </a:rPr>
-              <a:t>사용</a:t>
-            </a:r>
-            <a:endParaRPr lang="en-US" altLang="ko-KR" dirty="0" smtClean="0">
-              <a:solidFill>
-                <a:srgbClr val="FFFF00"/>
-              </a:solidFill>
-              <a:effectLst>
-                <a:glow rad="101600">
-                  <a:srgbClr val="FFFF00">
-                    <a:alpha val="40000"/>
-                  </a:srgbClr>
-                </a:glow>
-              </a:effectLst>
-            </a:endParaRPr>
-          </a:p>
-          <a:p>
-            <a:r>
-              <a:rPr lang="ko-KR" altLang="en-US" dirty="0" err="1" smtClean="0">
+              <a:t>출력값</a:t>
+            </a:r>
+            <a:r>
+              <a:rPr lang="en-US" altLang="ko-KR" dirty="0">
                 <a:solidFill>
                   <a:srgbClr val="FFFF00"/>
                 </a:solidFill>
@@ -18599,10 +18427,10 @@
                   </a:glow>
                 </a:effectLst>
               </a:rPr>
-              <a:t>기기별로</a:t>
-            </a:r>
-            <a:r>
-              <a:rPr lang="ko-KR" altLang="en-US" dirty="0" smtClean="0">
+              <a:t>: azimuth(</a:t>
+            </a:r>
+            <a:r>
+              <a:rPr lang="ko-KR" altLang="en-US" dirty="0">
                 <a:solidFill>
                   <a:srgbClr val="FFFF00"/>
                 </a:solidFill>
@@ -18614,10 +18442,10 @@
                   </a:glow>
                 </a:effectLst>
               </a:rPr>
-              <a:t> 처리 속도가 다르므로 시스템 시간으로 </a:t>
-            </a:r>
-            <a:r>
-              <a:rPr lang="en-US" altLang="ko-KR" dirty="0" smtClean="0">
+              <a:t>방위</a:t>
+            </a:r>
+            <a:r>
+              <a:rPr lang="en-US" altLang="ko-KR" dirty="0">
                 <a:solidFill>
                   <a:srgbClr val="FFFF00"/>
                 </a:solidFill>
@@ -18629,10 +18457,10 @@
                   </a:glow>
                 </a:effectLst>
               </a:rPr>
-              <a:t>FPS</a:t>
-            </a:r>
-            <a:r>
-              <a:rPr lang="ko-KR" altLang="en-US" dirty="0" smtClean="0">
+              <a:t>), pitch(</a:t>
+            </a:r>
+            <a:r>
+              <a:rPr lang="ko-KR" altLang="en-US" dirty="0" err="1">
                 <a:solidFill>
                   <a:srgbClr val="FFFF00"/>
                 </a:solidFill>
@@ -18644,7 +18472,114 @@
                   </a:glow>
                 </a:effectLst>
               </a:rPr>
-              <a:t>를 맞춤</a:t>
+              <a:t>세움각</a:t>
+            </a:r>
+            <a:r>
+              <a:rPr lang="en-US" altLang="ko-KR" dirty="0">
+                <a:solidFill>
+                  <a:srgbClr val="FFFF00"/>
+                </a:solidFill>
+                <a:effectLst>
+                  <a:glow rad="101600">
+                    <a:srgbClr val="FFFF00">
+                      <a:alpha val="40000"/>
+                    </a:srgbClr>
+                  </a:glow>
+                </a:effectLst>
+              </a:rPr>
+              <a:t>), roll(</a:t>
+            </a:r>
+            <a:r>
+              <a:rPr lang="ko-KR" altLang="en-US" dirty="0" err="1">
+                <a:solidFill>
+                  <a:srgbClr val="FFFF00"/>
+                </a:solidFill>
+                <a:effectLst>
+                  <a:glow rad="101600">
+                    <a:srgbClr val="FFFF00">
+                      <a:alpha val="40000"/>
+                    </a:srgbClr>
+                  </a:glow>
+                </a:effectLst>
+              </a:rPr>
+              <a:t>구름각</a:t>
+            </a:r>
+            <a:r>
+              <a:rPr lang="en-US" altLang="ko-KR" dirty="0">
+                <a:solidFill>
+                  <a:srgbClr val="FFFF00"/>
+                </a:solidFill>
+                <a:effectLst>
+                  <a:glow rad="101600">
+                    <a:srgbClr val="FFFF00">
+                      <a:alpha val="40000"/>
+                    </a:srgbClr>
+                  </a:glow>
+                </a:effectLst>
+              </a:rPr>
+              <a:t>)</a:t>
+            </a:r>
+          </a:p>
+          <a:p>
+            <a:r>
+              <a:rPr lang="ko-KR" altLang="en-US" dirty="0">
+                <a:solidFill>
+                  <a:srgbClr val="FFFF00"/>
+                </a:solidFill>
+                <a:effectLst>
+                  <a:glow rad="101600">
+                    <a:srgbClr val="FFFF00">
+                      <a:alpha val="40000"/>
+                    </a:srgbClr>
+                  </a:glow>
+                </a:effectLst>
+              </a:rPr>
+              <a:t>기울기에 따라 </a:t>
+            </a:r>
+            <a:r>
+              <a:rPr lang="ko-KR" altLang="en-US" dirty="0" smtClean="0">
+                <a:solidFill>
+                  <a:srgbClr val="FFFF00"/>
+                </a:solidFill>
+                <a:effectLst>
+                  <a:glow rad="101600">
+                    <a:srgbClr val="FFFF00">
+                      <a:alpha val="40000"/>
+                    </a:srgbClr>
+                  </a:glow>
+                </a:effectLst>
+              </a:rPr>
+              <a:t>방향축도 </a:t>
+            </a:r>
+            <a:r>
+              <a:rPr lang="ko-KR" altLang="en-US" dirty="0">
+                <a:solidFill>
+                  <a:srgbClr val="FFFF00"/>
+                </a:solidFill>
+                <a:effectLst>
+                  <a:glow rad="101600">
+                    <a:srgbClr val="FFFF00">
+                      <a:alpha val="40000"/>
+                    </a:srgbClr>
+                  </a:glow>
+                </a:effectLst>
+              </a:rPr>
+              <a:t>기울어지므로 절대적인 아래 방향을 찾으려면 추가 </a:t>
+            </a:r>
+            <a:r>
+              <a:rPr lang="ko-KR" altLang="en-US" dirty="0" smtClean="0">
+                <a:solidFill>
+                  <a:srgbClr val="FFFF00"/>
+                </a:solidFill>
+                <a:effectLst>
+                  <a:glow rad="101600">
+                    <a:srgbClr val="FFFF00">
+                      <a:alpha val="40000"/>
+                    </a:srgbClr>
+                  </a:glow>
+                </a:effectLst>
+              </a:rPr>
+              <a:t>계산이 필요함</a:t>
             </a:r>
             <a:endParaRPr lang="ko-KR" altLang="en-US" dirty="0">
               <a:solidFill>
@@ -18687,7 +18622,7 @@
     </p:spTree>
     <p:extLst>
       <p:ext uri="{BB962C8B-B14F-4D97-AF65-F5344CB8AC3E}">
-        <p14:creationId xmlns:p14="http://schemas.microsoft.com/office/powerpoint/2010/main" xmlns="" val="2577794504"/>
+        <p14:creationId xmlns:p14="http://schemas.microsoft.com/office/powerpoint/2010/main" val="4143101253"/>
       </p:ext>
     </p:extLst>
   </p:cSld>
@@ -18813,30 +18748,21 @@
                             </p:childTnLst>
                           </p:cTn>
                         </p:par>
-                      </p:childTnLst>
-                    </p:cTn>
-                  </p:par>
-                  <p:par>
-                    <p:cTn id="13" fill="hold">
-                      <p:stCondLst>
-                        <p:cond delay="indefinite"/>
-                      </p:stCondLst>
-                      <p:childTnLst>
                         <p:par>
-                          <p:cTn id="14" fill="hold">
+                          <p:cTn id="13" fill="hold">
                             <p:stCondLst>
-                              <p:cond delay="0"/>
+                              <p:cond delay="500"/>
                             </p:stCondLst>
                             <p:childTnLst>
                               <p:par>
-                                <p:cTn id="15" presetID="10" presetClass="entr" presetSubtype="0" fill="hold" grpId="0" nodeType="clickEffect">
+                                <p:cTn id="14" presetID="10" presetClass="entr" presetSubtype="0" fill="hold" grpId="0" nodeType="afterEffect">
                                   <p:stCondLst>
                                     <p:cond delay="0"/>
                                   </p:stCondLst>
                                   <p:childTnLst>
                                     <p:set>
                                       <p:cBhvr>
-                                        <p:cTn id="16" dur="1" fill="hold">
+                                        <p:cTn id="15" dur="1" fill="hold">
                                           <p:stCondLst>
                                             <p:cond delay="0"/>
                                           </p:stCondLst>
@@ -18858,7 +18784,7 @@
                                     </p:set>
                                     <p:animEffect transition="in" filter="fade">
                                       <p:cBhvr>
-                                        <p:cTn id="17" dur="500"/>
+                                        <p:cTn id="16" dur="500"/>
                                         <p:tgtEl>
                                           <p:spTgt spid="4">
                                             <p:txEl>
@@ -18874,30 +18800,21 @@
                             </p:childTnLst>
                           </p:cTn>
                         </p:par>
-                      </p:childTnLst>
-                    </p:cTn>
-                  </p:par>
-                  <p:par>
-                    <p:cTn id="18" fill="hold">
-                      <p:stCondLst>
-                        <p:cond delay="indefinite"/>
-                      </p:stCondLst>
-                      <p:childTnLst>
                         <p:par>
-                          <p:cTn id="19" fill="hold">
+                          <p:cTn id="17" fill="hold">
                             <p:stCondLst>
-                              <p:cond delay="0"/>
+                              <p:cond delay="1000"/>
                             </p:stCondLst>
                             <p:childTnLst>
                               <p:par>
-                                <p:cTn id="20" presetID="10" presetClass="entr" presetSubtype="0" fill="hold" grpId="0" nodeType="clickEffect">
+                                <p:cTn id="18" presetID="10" presetClass="entr" presetSubtype="0" fill="hold" grpId="0" nodeType="afterEffect">
                                   <p:stCondLst>
                                     <p:cond delay="0"/>
                                   </p:stCondLst>
                                   <p:childTnLst>
                                     <p:set>
                                       <p:cBhvr>
-                                        <p:cTn id="21" dur="1" fill="hold">
+                                        <p:cTn id="19" dur="1" fill="hold">
                                           <p:stCondLst>
                                             <p:cond delay="0"/>
                                           </p:stCondLst>
@@ -18919,7 +18836,7 @@
                                     </p:set>
                                     <p:animEffect transition="in" filter="fade">
                                       <p:cBhvr>
-                                        <p:cTn id="22" dur="500"/>
+                                        <p:cTn id="20" dur="500"/>
                                         <p:tgtEl>
                                           <p:spTgt spid="4">
                                             <p:txEl>
@@ -18935,30 +18852,21 @@
                             </p:childTnLst>
                           </p:cTn>
                         </p:par>
-                      </p:childTnLst>
-                    </p:cTn>
-                  </p:par>
-                  <p:par>
-                    <p:cTn id="23" fill="hold">
-                      <p:stCondLst>
-                        <p:cond delay="indefinite"/>
-                      </p:stCondLst>
-                      <p:childTnLst>
                         <p:par>
-                          <p:cTn id="24" fill="hold">
+                          <p:cTn id="21" fill="hold">
                             <p:stCondLst>
-                              <p:cond delay="0"/>
+                              <p:cond delay="1500"/>
                             </p:stCondLst>
                             <p:childTnLst>
                               <p:par>
-                                <p:cTn id="25" presetID="10" presetClass="entr" presetSubtype="0" fill="hold" grpId="0" nodeType="clickEffect">
+                                <p:cTn id="22" presetID="10" presetClass="entr" presetSubtype="0" fill="hold" grpId="0" nodeType="afterEffect">
                                   <p:stCondLst>
                                     <p:cond delay="0"/>
                                   </p:stCondLst>
                                   <p:childTnLst>
                                     <p:set>
                                       <p:cBhvr>
-                                        <p:cTn id="26" dur="1" fill="hold">
+                                        <p:cTn id="23" dur="1" fill="hold">
                                           <p:stCondLst>
                                             <p:cond delay="0"/>
                                           </p:stCondLst>
@@ -18980,7 +18888,7 @@
                                     </p:set>
                                     <p:animEffect transition="in" filter="fade">
                                       <p:cBhvr>
-                                        <p:cTn id="27" dur="500"/>
+                                        <p:cTn id="24" dur="500"/>
                                         <p:tgtEl>
                                           <p:spTgt spid="4">
                                             <p:txEl>
@@ -19061,7 +18969,7 @@
           <a:lstStyle/>
           <a:p>
             <a:r>
-              <a:rPr lang="en-US" altLang="ko-KR" dirty="0">
+              <a:rPr lang="ko-KR" altLang="en-US" dirty="0" err="1">
                 <a:solidFill>
                   <a:srgbClr val="00FFFF"/>
                 </a:solidFill>
@@ -19073,7 +18981,37 @@
                   </a:glow>
                 </a:effectLst>
               </a:rPr>
-              <a:t>independent unit</a:t>
+              <a:t>렌더링</a:t>
+            </a:r>
+            <a:r>
+              <a:rPr lang="ko-KR" altLang="en-US" dirty="0">
+                <a:solidFill>
+                  <a:srgbClr val="00FFFF"/>
+                </a:solidFill>
+                <a:effectLst>
+                  <a:glow rad="101600">
+                    <a:srgbClr val="00FFFF">
+                      <a:alpha val="40000"/>
+                    </a:srgbClr>
+                  </a:glow>
+                </a:effectLst>
+              </a:rPr>
+              <a:t> </a:t>
+            </a:r>
+            <a:r>
+              <a:rPr lang="ko-KR" altLang="en-US" dirty="0" err="1">
+                <a:solidFill>
+                  <a:srgbClr val="00FFFF"/>
+                </a:solidFill>
+                <a:effectLst>
+                  <a:glow rad="101600">
+                    <a:srgbClr val="00FFFF">
+                      <a:alpha val="40000"/>
+                    </a:srgbClr>
+                  </a:glow>
+                </a:effectLst>
+              </a:rPr>
+              <a:t>스레드</a:t>
             </a:r>
             <a:endParaRPr lang="ko-KR" altLang="en-US" dirty="0">
               <a:solidFill>
@@ -19103,7 +19041,7 @@
         <p:spPr/>
         <p:txBody>
           <a:bodyPr>
-            <a:normAutofit lnSpcReduction="10000"/>
+            <a:normAutofit/>
           </a:bodyPr>
           <a:lstStyle/>
           <a:p>
@@ -19120,10 +19058,10 @@
                   </a:glow>
                 </a:effectLst>
               </a:rPr>
-              <a:t>기기마다 해상도 및 </a:t>
-            </a:r>
-            <a:r>
-              <a:rPr lang="ko-KR" altLang="en-US" dirty="0" err="1">
+              <a:t>안드로이드는 </a:t>
+            </a:r>
+            <a:r>
+              <a:rPr lang="en-US" altLang="ko-KR" dirty="0">
                 <a:solidFill>
                   <a:srgbClr val="FFFF00"/>
                 </a:solidFill>
@@ -19135,10 +19073,10 @@
                   </a:glow>
                 </a:effectLst>
               </a:rPr>
-              <a:t>종횡비</a:t>
-            </a:r>
-            <a:r>
-              <a:rPr lang="en-US" altLang="ko-KR" dirty="0">
+              <a:t>UI </a:t>
+            </a:r>
+            <a:r>
+              <a:rPr lang="ko-KR" altLang="en-US" dirty="0" err="1">
                 <a:solidFill>
                   <a:srgbClr val="FFFF00"/>
                 </a:solidFill>
@@ -19150,7 +19088,7 @@
                   </a:glow>
                 </a:effectLst>
               </a:rPr>
-              <a:t>(aspect ratio)</a:t>
+              <a:t>스레드가</a:t>
             </a:r>
             <a:r>
               <a:rPr lang="ko-KR" altLang="en-US" dirty="0">
@@ -19165,12 +19103,12 @@
                   </a:glow>
                 </a:effectLst>
               </a:rPr>
-              <a:t>가 다름</a:t>
+              <a:t> 하나만 존재</a:t>
             </a:r>
           </a:p>
           <a:p>
             <a:r>
-              <a:rPr lang="ko-KR" altLang="en-US" dirty="0">
+              <a:rPr lang="ko-KR" altLang="en-US" dirty="0" smtClean="0">
                 <a:solidFill>
                   <a:srgbClr val="FFFF00"/>
                 </a:solidFill>
@@ -19182,10 +19120,10 @@
                   </a:glow>
                 </a:effectLst>
               </a:rPr>
-              <a:t>안드로이드에선 </a:t>
-            </a:r>
-            <a:r>
-              <a:rPr lang="en-US" altLang="ko-KR" dirty="0" err="1">
+              <a:t>게임이므로 </a:t>
+            </a:r>
+            <a:r>
+              <a:rPr lang="ko-KR" altLang="en-US" dirty="0">
                 <a:solidFill>
                   <a:srgbClr val="FFFF00"/>
                 </a:solidFill>
@@ -19197,7 +19135,7 @@
                   </a:glow>
                 </a:effectLst>
               </a:rPr>
-              <a:t>dp</a:t>
+              <a:t>화면이 지속적으로 업데이트 되어야 함</a:t>
             </a:r>
             <a:r>
               <a:rPr lang="en-US" altLang="ko-KR" dirty="0">
@@ -19212,7 +19150,7 @@
                   </a:glow>
                 </a:effectLst>
               </a:rPr>
-              <a:t> </a:t>
+              <a:t>; </a:t>
             </a:r>
             <a:r>
               <a:rPr lang="ko-KR" altLang="en-US" dirty="0">
@@ -19227,10 +19165,10 @@
                   </a:glow>
                 </a:effectLst>
               </a:rPr>
-              <a:t>단위를 제공하나 </a:t>
-            </a:r>
-            <a:r>
-              <a:rPr lang="en-US" altLang="ko-KR" dirty="0">
+              <a:t>화면 그리기를 별도 </a:t>
+            </a:r>
+            <a:r>
+              <a:rPr lang="ko-KR" altLang="en-US" dirty="0" err="1">
                 <a:solidFill>
                   <a:srgbClr val="FFFF00"/>
                 </a:solidFill>
@@ -19242,7 +19180,7 @@
                   </a:glow>
                 </a:effectLst>
               </a:rPr>
-              <a:t>Canvas</a:t>
+              <a:t>스레드에서</a:t>
             </a:r>
             <a:r>
               <a:rPr lang="ko-KR" altLang="en-US" dirty="0">
@@ -19257,10 +19195,10 @@
                   </a:glow>
                 </a:effectLst>
               </a:rPr>
-              <a:t>의 </a:t>
-            </a:r>
-            <a:r>
-              <a:rPr lang="en-US" altLang="ko-KR" dirty="0" err="1">
+              <a:t> 맡아 </a:t>
+            </a:r>
+            <a:r>
+              <a:rPr lang="ko-KR" altLang="en-US" dirty="0" smtClean="0">
                 <a:solidFill>
                   <a:srgbClr val="FFFF00"/>
                 </a:solidFill>
@@ -19272,54 +19210,9 @@
                   </a:glow>
                 </a:effectLst>
               </a:rPr>
-              <a:t>Api</a:t>
-            </a:r>
-            <a:r>
-              <a:rPr lang="ko-KR" altLang="en-US" dirty="0">
-                <a:solidFill>
-                  <a:srgbClr val="FFFF00"/>
-                </a:solidFill>
-                <a:effectLst>
-                  <a:glow rad="101600">
-                    <a:srgbClr val="FFFF00">
-                      <a:alpha val="40000"/>
-                    </a:srgbClr>
-                  </a:glow>
-                </a:effectLst>
-              </a:rPr>
-              <a:t>들은 단위가 </a:t>
-            </a:r>
-            <a:r>
-              <a:rPr lang="en-US" altLang="ko-KR" dirty="0" err="1" smtClean="0">
-                <a:solidFill>
-                  <a:srgbClr val="FFFF00"/>
-                </a:solidFill>
-                <a:effectLst>
-                  <a:glow rad="101600">
-                    <a:srgbClr val="FFFF00">
-                      <a:alpha val="40000"/>
-                    </a:srgbClr>
-                  </a:glow>
-                </a:effectLst>
-              </a:rPr>
-              <a:t>px</a:t>
-            </a:r>
-            <a:r>
-              <a:rPr lang="ko-KR" altLang="en-US" dirty="0" smtClean="0">
-                <a:solidFill>
-                  <a:srgbClr val="FFFF00"/>
-                </a:solidFill>
-                <a:effectLst>
-                  <a:glow rad="101600">
-                    <a:srgbClr val="FFFF00">
-                      <a:alpha val="40000"/>
-                    </a:srgbClr>
-                  </a:glow>
-                </a:effectLst>
-              </a:rPr>
-              <a:t>임</a:t>
-            </a:r>
-            <a:endParaRPr lang="ko-KR" altLang="en-US" dirty="0">
+              <a:t>관리</a:t>
+            </a:r>
+            <a:endParaRPr lang="en-US" altLang="ko-KR" dirty="0" smtClean="0">
               <a:solidFill>
                 <a:srgbClr val="FFFF00"/>
               </a:solidFill>
@@ -19346,7 +19239,7 @@
                   </a:glow>
                 </a:effectLst>
               </a:rPr>
-              <a:t>따라서</a:t>
+              <a:t>잠금 메커니즘이 있어 </a:t>
             </a:r>
             <a:r>
               <a:rPr lang="en-US" altLang="ko-KR" dirty="0" smtClean="0">
@@ -19361,7 +19254,7 @@
                   </a:glow>
                 </a:effectLst>
               </a:rPr>
-              <a:t>, </a:t>
+              <a:t>Thread-safe</a:t>
             </a:r>
             <a:r>
               <a:rPr lang="ko-KR" altLang="en-US" dirty="0" smtClean="0">
@@ -19376,10 +19269,10 @@
                   </a:glow>
                 </a:effectLst>
               </a:rPr>
-              <a:t>게임의 </a:t>
-            </a:r>
-            <a:r>
-              <a:rPr lang="ko-KR" altLang="en-US" dirty="0">
+              <a:t>한 </a:t>
+            </a:r>
+            <a:r>
+              <a:rPr lang="en-US" altLang="ko-KR" dirty="0" err="1" smtClean="0">
                 <a:solidFill>
                   <a:srgbClr val="FFFF00"/>
                 </a:solidFill>
@@ -19391,128 +19284,7 @@
                   </a:glow>
                 </a:effectLst>
               </a:rPr>
-              <a:t>모든 좌표는 기기의 짧은 축을 </a:t>
-            </a:r>
-            <a:r>
-              <a:rPr lang="en-US" altLang="ko-KR" dirty="0">
-                <a:solidFill>
-                  <a:srgbClr val="FFFF00"/>
-                </a:solidFill>
-                <a:effectLst>
-                  <a:glow rad="101600">
-                    <a:srgbClr val="FFFF00">
-                      <a:alpha val="40000"/>
-                    </a:srgbClr>
-                  </a:glow>
-                </a:effectLst>
-              </a:rPr>
-              <a:t>160 </a:t>
-            </a:r>
-            <a:r>
-              <a:rPr lang="ko-KR" altLang="en-US" dirty="0">
-                <a:solidFill>
-                  <a:srgbClr val="FFFF00"/>
-                </a:solidFill>
-                <a:effectLst>
-                  <a:glow rad="101600">
-                    <a:srgbClr val="FFFF00">
-                      <a:alpha val="40000"/>
-                    </a:srgbClr>
-                  </a:glow>
-                </a:effectLst>
-              </a:rPr>
-              <a:t>단위로 하는 내부적인 단위 사용</a:t>
-            </a:r>
-          </a:p>
-          <a:p>
-            <a:r>
-              <a:rPr lang="ko-KR" altLang="en-US" dirty="0">
-                <a:solidFill>
-                  <a:srgbClr val="FFFF00"/>
-                </a:solidFill>
-                <a:effectLst>
-                  <a:glow rad="101600">
-                    <a:srgbClr val="FFFF00">
-                      <a:alpha val="40000"/>
-                    </a:srgbClr>
-                  </a:glow>
-                </a:effectLst>
-              </a:rPr>
-              <a:t>예</a:t>
-            </a:r>
-            <a:r>
-              <a:rPr lang="en-US" altLang="ko-KR" dirty="0" smtClean="0">
-                <a:solidFill>
-                  <a:srgbClr val="FFFF00"/>
-                </a:solidFill>
-                <a:effectLst>
-                  <a:glow rad="101600">
-                    <a:srgbClr val="FFFF00">
-                      <a:alpha val="40000"/>
-                    </a:srgbClr>
-                  </a:glow>
-                </a:effectLst>
-              </a:rPr>
-              <a:t>)</a:t>
-            </a:r>
-            <a:br>
-              <a:rPr lang="en-US" altLang="ko-KR" dirty="0" smtClean="0">
-                <a:solidFill>
-                  <a:srgbClr val="FFFF00"/>
-                </a:solidFill>
-                <a:effectLst>
-                  <a:glow rad="101600">
-                    <a:srgbClr val="FFFF00">
-                      <a:alpha val="40000"/>
-                    </a:srgbClr>
-                  </a:glow>
-                </a:effectLst>
-              </a:rPr>
-            </a:br>
-            <a:r>
-              <a:rPr lang="en-US" altLang="ko-KR" dirty="0" smtClean="0">
-                <a:solidFill>
-                  <a:srgbClr val="FFFF00"/>
-                </a:solidFill>
-                <a:effectLst>
-                  <a:glow rad="101600">
-                    <a:srgbClr val="FFFF00">
-                      <a:alpha val="40000"/>
-                    </a:srgbClr>
-                  </a:glow>
-                </a:effectLst>
-              </a:rPr>
-              <a:t>WVGA </a:t>
-            </a:r>
-            <a:r>
-              <a:rPr lang="en-US" altLang="ko-KR" dirty="0">
-                <a:solidFill>
-                  <a:srgbClr val="FFFF00"/>
-                </a:solidFill>
-                <a:effectLst>
-                  <a:glow rad="101600">
-                    <a:srgbClr val="FFFF00">
-                      <a:alpha val="40000"/>
-                    </a:srgbClr>
-                  </a:glow>
-                </a:effectLst>
-              </a:rPr>
-              <a:t>480x800 </a:t>
-            </a:r>
-            <a:r>
-              <a:rPr lang="ko-KR" altLang="en-US" dirty="0" smtClean="0">
-                <a:solidFill>
-                  <a:srgbClr val="FFFF00"/>
-                </a:solidFill>
-                <a:effectLst>
-                  <a:glow rad="101600">
-                    <a:srgbClr val="FFFF00">
-                      <a:alpha val="40000"/>
-                    </a:srgbClr>
-                  </a:glow>
-                </a:effectLst>
-              </a:rPr>
-              <a:t>→</a:t>
+              <a:t>SurfaceView</a:t>
             </a:r>
             <a:r>
               <a:rPr lang="en-US" altLang="ko-KR" dirty="0" smtClean="0">
@@ -19530,7 +19302,7 @@
               <a:t> </a:t>
             </a:r>
             <a:r>
-              <a:rPr lang="en-US" altLang="ko-KR" dirty="0">
+              <a:rPr lang="ko-KR" altLang="en-US" dirty="0" smtClean="0">
                 <a:solidFill>
                   <a:srgbClr val="FFFF00"/>
                 </a:solidFill>
@@ -19542,10 +19314,24 @@
                   </a:glow>
                 </a:effectLst>
               </a:rPr>
-              <a:t>160unit x </a:t>
-            </a:r>
-            <a:r>
-              <a:rPr lang="en-US" altLang="ko-KR" dirty="0" smtClean="0">
+              <a:t>사용</a:t>
+            </a:r>
+            <a:endParaRPr lang="en-US" altLang="ko-KR" dirty="0" smtClean="0">
+              <a:solidFill>
+                <a:srgbClr val="FFFF00"/>
+              </a:solidFill>
+              <a:effectLst>
+                <a:glow rad="101600">
+                  <a:srgbClr val="FFFF00">
+                    <a:alpha val="40000"/>
+                  </a:srgbClr>
+                </a:glow>
+              </a:effectLst>
+            </a:endParaRPr>
+          </a:p>
+          <a:p>
+            <a:r>
+              <a:rPr lang="ko-KR" altLang="en-US" dirty="0" err="1" smtClean="0">
                 <a:solidFill>
                   <a:srgbClr val="FFFF00"/>
                 </a:solidFill>
@@ -19557,10 +19343,10 @@
                   </a:glow>
                 </a:effectLst>
               </a:rPr>
-              <a:t>266.7unit</a:t>
-            </a:r>
-            <a:r>
-              <a:rPr lang="en-US" altLang="ko-KR" dirty="0">
+              <a:t>기기별로</a:t>
+            </a:r>
+            <a:r>
+              <a:rPr lang="ko-KR" altLang="en-US" dirty="0" smtClean="0">
                 <a:solidFill>
                   <a:srgbClr val="FFFF00"/>
                 </a:solidFill>
@@ -19572,10 +19358,10 @@
                   </a:glow>
                 </a:effectLst>
               </a:rPr>
-              <a:t/>
-            </a:r>
-            <a:br>
-              <a:rPr lang="en-US" altLang="ko-KR" dirty="0">
+              <a:t> 처리 속도가 다르므로 시스템 시간으로 </a:t>
+            </a:r>
+            <a:r>
+              <a:rPr lang="en-US" altLang="ko-KR" dirty="0" smtClean="0">
                 <a:solidFill>
                   <a:srgbClr val="FFFF00"/>
                 </a:solidFill>
@@ -19587,9 +19373,10 @@
                   </a:glow>
                 </a:effectLst>
               </a:rPr>
-            </a:br>
-            <a:r>
-              <a:rPr lang="en-US" altLang="ko-KR" dirty="0" smtClean="0">
+              <a:t>FPS</a:t>
+            </a:r>
+            <a:r>
+              <a:rPr lang="ko-KR" altLang="en-US" dirty="0" smtClean="0">
                 <a:solidFill>
                   <a:srgbClr val="FFFF00"/>
                 </a:solidFill>
@@ -19601,39 +19388,9 @@
                   </a:glow>
                 </a:effectLst>
               </a:rPr>
-              <a:t>HVGA 320x480 </a:t>
-            </a:r>
-            <a:r>
-              <a:rPr lang="ko-KR" altLang="en-US" dirty="0" smtClean="0">
-                <a:solidFill>
-                  <a:srgbClr val="FFFF00"/>
-                </a:solidFill>
-                <a:effectLst>
-                  <a:glow rad="101600">
-                    <a:srgbClr val="FFFF00">
-                      <a:alpha val="40000"/>
-                    </a:srgbClr>
-                  </a:glow>
-                </a:effectLst>
-              </a:rPr>
-              <a:t>→ </a:t>
-            </a:r>
-            <a:r>
-              <a:rPr lang="en-US" altLang="ko-KR" dirty="0" smtClean="0">
-                <a:solidFill>
-                  <a:srgbClr val="FFFF00"/>
-                </a:solidFill>
-                <a:effectLst>
-                  <a:glow rad="101600">
-                    <a:srgbClr val="FFFF00">
-                      <a:alpha val="40000"/>
-                    </a:srgbClr>
-                  </a:glow>
-                </a:effectLst>
-              </a:rPr>
-              <a:t>160unit x 240unit</a:t>
-            </a:r>
-            <a:endParaRPr lang="en-US" altLang="ko-KR" dirty="0" smtClean="0">
+              <a:t>를 맞춤</a:t>
+            </a:r>
+            <a:endParaRPr lang="ko-KR" altLang="en-US" dirty="0">
               <a:solidFill>
                 <a:srgbClr val="FFFF00"/>
               </a:solidFill>
@@ -19674,7 +19431,7 @@
     </p:spTree>
     <p:extLst>
       <p:ext uri="{BB962C8B-B14F-4D97-AF65-F5344CB8AC3E}">
-        <p14:creationId xmlns:p14="http://schemas.microsoft.com/office/powerpoint/2010/main" xmlns="" val="2034086382"/>
+        <p14:creationId xmlns:p14="http://schemas.microsoft.com/office/powerpoint/2010/main" val="2577794504"/>
       </p:ext>
     </p:extLst>
   </p:cSld>
@@ -20048,7 +19805,7 @@
           <a:lstStyle/>
           <a:p>
             <a:r>
-              <a:rPr lang="ko-KR" altLang="en-US" dirty="0" smtClean="0">
+              <a:rPr lang="en-US" altLang="ko-KR" dirty="0">
                 <a:solidFill>
                   <a:srgbClr val="00FFFF"/>
                 </a:solidFill>
@@ -20060,7 +19817,7 @@
                   </a:glow>
                 </a:effectLst>
               </a:rPr>
-              <a:t>월드 관리자</a:t>
+              <a:t>independent unit</a:t>
             </a:r>
             <a:endParaRPr lang="ko-KR" altLang="en-US" dirty="0">
               <a:solidFill>
@@ -20090,7 +19847,7 @@
         <p:spPr/>
         <p:txBody>
           <a:bodyPr>
-            <a:normAutofit/>
+            <a:normAutofit lnSpcReduction="10000"/>
           </a:bodyPr>
           <a:lstStyle/>
           <a:p>
@@ -20107,7 +19864,7 @@
                   </a:glow>
                 </a:effectLst>
               </a:rPr>
-              <a:t>화면에 다 들어오지 않는 광활한 </a:t>
+              <a:t>기기마다 해상도 및 </a:t>
             </a:r>
             <a:r>
               <a:rPr lang="ko-KR" altLang="en-US" dirty="0" err="1">
@@ -20122,7 +19879,189 @@
                   </a:glow>
                 </a:effectLst>
               </a:rPr>
-              <a:t>맵</a:t>
+              <a:t>종횡비</a:t>
+            </a:r>
+            <a:r>
+              <a:rPr lang="en-US" altLang="ko-KR" dirty="0">
+                <a:solidFill>
+                  <a:srgbClr val="FFFF00"/>
+                </a:solidFill>
+                <a:effectLst>
+                  <a:glow rad="101600">
+                    <a:srgbClr val="FFFF00">
+                      <a:alpha val="40000"/>
+                    </a:srgbClr>
+                  </a:glow>
+                </a:effectLst>
+              </a:rPr>
+              <a:t>(aspect ratio)</a:t>
+            </a:r>
+            <a:r>
+              <a:rPr lang="ko-KR" altLang="en-US" dirty="0">
+                <a:solidFill>
+                  <a:srgbClr val="FFFF00"/>
+                </a:solidFill>
+                <a:effectLst>
+                  <a:glow rad="101600">
+                    <a:srgbClr val="FFFF00">
+                      <a:alpha val="40000"/>
+                    </a:srgbClr>
+                  </a:glow>
+                </a:effectLst>
+              </a:rPr>
+              <a:t>가 다름</a:t>
+            </a:r>
+          </a:p>
+          <a:p>
+            <a:r>
+              <a:rPr lang="ko-KR" altLang="en-US" dirty="0">
+                <a:solidFill>
+                  <a:srgbClr val="FFFF00"/>
+                </a:solidFill>
+                <a:effectLst>
+                  <a:glow rad="101600">
+                    <a:srgbClr val="FFFF00">
+                      <a:alpha val="40000"/>
+                    </a:srgbClr>
+                  </a:glow>
+                </a:effectLst>
+              </a:rPr>
+              <a:t>안드로이드에선 </a:t>
+            </a:r>
+            <a:r>
+              <a:rPr lang="en-US" altLang="ko-KR" dirty="0" err="1">
+                <a:solidFill>
+                  <a:srgbClr val="FFFF00"/>
+                </a:solidFill>
+                <a:effectLst>
+                  <a:glow rad="101600">
+                    <a:srgbClr val="FFFF00">
+                      <a:alpha val="40000"/>
+                    </a:srgbClr>
+                  </a:glow>
+                </a:effectLst>
+              </a:rPr>
+              <a:t>dp</a:t>
+            </a:r>
+            <a:r>
+              <a:rPr lang="en-US" altLang="ko-KR" dirty="0">
+                <a:solidFill>
+                  <a:srgbClr val="FFFF00"/>
+                </a:solidFill>
+                <a:effectLst>
+                  <a:glow rad="101600">
+                    <a:srgbClr val="FFFF00">
+                      <a:alpha val="40000"/>
+                    </a:srgbClr>
+                  </a:glow>
+                </a:effectLst>
+              </a:rPr>
+              <a:t> </a:t>
+            </a:r>
+            <a:r>
+              <a:rPr lang="ko-KR" altLang="en-US" dirty="0">
+                <a:solidFill>
+                  <a:srgbClr val="FFFF00"/>
+                </a:solidFill>
+                <a:effectLst>
+                  <a:glow rad="101600">
+                    <a:srgbClr val="FFFF00">
+                      <a:alpha val="40000"/>
+                    </a:srgbClr>
+                  </a:glow>
+                </a:effectLst>
+              </a:rPr>
+              <a:t>단위를 제공하나 </a:t>
+            </a:r>
+            <a:r>
+              <a:rPr lang="en-US" altLang="ko-KR" dirty="0">
+                <a:solidFill>
+                  <a:srgbClr val="FFFF00"/>
+                </a:solidFill>
+                <a:effectLst>
+                  <a:glow rad="101600">
+                    <a:srgbClr val="FFFF00">
+                      <a:alpha val="40000"/>
+                    </a:srgbClr>
+                  </a:glow>
+                </a:effectLst>
+              </a:rPr>
+              <a:t>Canvas</a:t>
+            </a:r>
+            <a:r>
+              <a:rPr lang="ko-KR" altLang="en-US" dirty="0">
+                <a:solidFill>
+                  <a:srgbClr val="FFFF00"/>
+                </a:solidFill>
+                <a:effectLst>
+                  <a:glow rad="101600">
+                    <a:srgbClr val="FFFF00">
+                      <a:alpha val="40000"/>
+                    </a:srgbClr>
+                  </a:glow>
+                </a:effectLst>
+              </a:rPr>
+              <a:t>의 </a:t>
+            </a:r>
+            <a:r>
+              <a:rPr lang="en-US" altLang="ko-KR" dirty="0" err="1">
+                <a:solidFill>
+                  <a:srgbClr val="FFFF00"/>
+                </a:solidFill>
+                <a:effectLst>
+                  <a:glow rad="101600">
+                    <a:srgbClr val="FFFF00">
+                      <a:alpha val="40000"/>
+                    </a:srgbClr>
+                  </a:glow>
+                </a:effectLst>
+              </a:rPr>
+              <a:t>Api</a:t>
+            </a:r>
+            <a:r>
+              <a:rPr lang="ko-KR" altLang="en-US" dirty="0">
+                <a:solidFill>
+                  <a:srgbClr val="FFFF00"/>
+                </a:solidFill>
+                <a:effectLst>
+                  <a:glow rad="101600">
+                    <a:srgbClr val="FFFF00">
+                      <a:alpha val="40000"/>
+                    </a:srgbClr>
+                  </a:glow>
+                </a:effectLst>
+              </a:rPr>
+              <a:t>들은 단위가 </a:t>
+            </a:r>
+            <a:r>
+              <a:rPr lang="en-US" altLang="ko-KR" dirty="0" err="1" smtClean="0">
+                <a:solidFill>
+                  <a:srgbClr val="FFFF00"/>
+                </a:solidFill>
+                <a:effectLst>
+                  <a:glow rad="101600">
+                    <a:srgbClr val="FFFF00">
+                      <a:alpha val="40000"/>
+                    </a:srgbClr>
+                  </a:glow>
+                </a:effectLst>
+              </a:rPr>
+              <a:t>px</a:t>
+            </a:r>
+            <a:r>
+              <a:rPr lang="ko-KR" altLang="en-US" dirty="0" smtClean="0">
+                <a:solidFill>
+                  <a:srgbClr val="FFFF00"/>
+                </a:solidFill>
+                <a:effectLst>
+                  <a:glow rad="101600">
+                    <a:srgbClr val="FFFF00">
+                      <a:alpha val="40000"/>
+                    </a:srgbClr>
+                  </a:glow>
+                </a:effectLst>
+              </a:rPr>
+              <a:t>임</a:t>
             </a:r>
             <a:endParaRPr lang="ko-KR" altLang="en-US" dirty="0">
               <a:solidFill>
@@ -20139,7 +20078,7 @@
           </a:p>
           <a:p>
             <a:r>
-              <a:rPr lang="ko-KR" altLang="en-US" dirty="0" err="1">
+              <a:rPr lang="ko-KR" altLang="en-US" dirty="0" smtClean="0">
                 <a:solidFill>
                   <a:srgbClr val="FFFF00"/>
                 </a:solidFill>
@@ -20151,10 +20090,10 @@
                   </a:glow>
                 </a:effectLst>
               </a:rPr>
-              <a:t>맵</a:t>
-            </a:r>
-            <a:r>
-              <a:rPr lang="ko-KR" altLang="en-US" dirty="0">
+              <a:t>따라서</a:t>
+            </a:r>
+            <a:r>
+              <a:rPr lang="en-US" altLang="ko-KR" dirty="0" smtClean="0">
                 <a:solidFill>
                   <a:srgbClr val="FFFF00"/>
                 </a:solidFill>
@@ -20166,10 +20105,10 @@
                   </a:glow>
                 </a:effectLst>
               </a:rPr>
-              <a:t> 위의 물체들</a:t>
-            </a:r>
-            <a:r>
-              <a:rPr lang="en-US" altLang="ko-KR" dirty="0">
+              <a:t>, </a:t>
+            </a:r>
+            <a:r>
+              <a:rPr lang="ko-KR" altLang="en-US" dirty="0" smtClean="0">
                 <a:solidFill>
                   <a:srgbClr val="FFFF00"/>
                 </a:solidFill>
@@ -20181,7 +20120,7 @@
                   </a:glow>
                 </a:effectLst>
               </a:rPr>
-              <a:t>(objects) </a:t>
+              <a:t>게임의 </a:t>
             </a:r>
             <a:r>
               <a:rPr lang="ko-KR" altLang="en-US" dirty="0">
@@ -20196,10 +20135,10 @@
                   </a:glow>
                 </a:effectLst>
               </a:rPr>
-              <a:t>중 </a:t>
-            </a:r>
-            <a:r>
-              <a:rPr lang="ko-KR" altLang="en-US" dirty="0" smtClean="0">
+              <a:t>모든 좌표는 기기의 짧은 축을 </a:t>
+            </a:r>
+            <a:r>
+              <a:rPr lang="en-US" altLang="ko-KR" dirty="0">
                 <a:solidFill>
                   <a:srgbClr val="FFFF00"/>
                 </a:solidFill>
@@ -20211,7 +20150,7 @@
                   </a:glow>
                 </a:effectLst>
               </a:rPr>
-              <a:t>그려주거나 충돌 처리해야 할 것을 </a:t>
+              <a:t>160 </a:t>
             </a:r>
             <a:r>
               <a:rPr lang="ko-KR" altLang="en-US" dirty="0">
@@ -20226,12 +20165,12 @@
                   </a:glow>
                 </a:effectLst>
               </a:rPr>
-              <a:t>빠르게 판별해야 함</a:t>
+              <a:t>단위로 하는 내부적인 단위 사용</a:t>
             </a:r>
           </a:p>
           <a:p>
             <a:r>
-              <a:rPr lang="ko-KR" altLang="en-US" dirty="0" err="1">
+              <a:rPr lang="ko-KR" altLang="en-US" dirty="0">
                 <a:solidFill>
                   <a:srgbClr val="FFFF00"/>
                 </a:solidFill>
@@ -20243,10 +20182,10 @@
                   </a:glow>
                 </a:effectLst>
               </a:rPr>
-              <a:t>맵을</a:t>
-            </a:r>
-            <a:r>
-              <a:rPr lang="ko-KR" altLang="en-US" dirty="0">
+              <a:t>예</a:t>
+            </a:r>
+            <a:r>
+              <a:rPr lang="en-US" altLang="ko-KR" dirty="0" smtClean="0">
                 <a:solidFill>
                   <a:srgbClr val="FFFF00"/>
                 </a:solidFill>
@@ -20258,10 +20197,10 @@
                   </a:glow>
                 </a:effectLst>
               </a:rPr>
-              <a:t> 재귀적으로 </a:t>
-            </a:r>
-            <a:r>
-              <a:rPr lang="en-US" altLang="ko-KR" dirty="0">
+              <a:t>)</a:t>
+            </a:r>
+            <a:br>
+              <a:rPr lang="en-US" altLang="ko-KR" dirty="0" smtClean="0">
                 <a:solidFill>
                   <a:srgbClr val="FFFF00"/>
                 </a:solidFill>
@@ -20273,10 +20212,9 @@
                   </a:glow>
                 </a:effectLst>
               </a:rPr>
-              <a:t>4</a:t>
-            </a:r>
-            <a:r>
-              <a:rPr lang="ko-KR" altLang="en-US" dirty="0">
+            </a:br>
+            <a:r>
+              <a:rPr lang="en-US" altLang="ko-KR" dirty="0" smtClean="0">
                 <a:solidFill>
                   <a:srgbClr val="FFFF00"/>
                 </a:solidFill>
@@ -20288,10 +20226,10 @@
                   </a:glow>
                 </a:effectLst>
               </a:rPr>
-              <a:t>분할하여 </a:t>
-            </a:r>
-            <a:r>
-              <a:rPr lang="en-US" altLang="ko-KR" dirty="0" err="1">
+              <a:t>WVGA </a:t>
+            </a:r>
+            <a:r>
+              <a:rPr lang="en-US" altLang="ko-KR" dirty="0">
                 <a:solidFill>
                   <a:srgbClr val="FFFF00"/>
                 </a:solidFill>
@@ -20303,10 +20241,10 @@
                   </a:glow>
                 </a:effectLst>
               </a:rPr>
-              <a:t>QuadTree</a:t>
-            </a:r>
-            <a:r>
-              <a:rPr lang="ko-KR" altLang="en-US" dirty="0">
+              <a:t>480x800 </a:t>
+            </a:r>
+            <a:r>
+              <a:rPr lang="ko-KR" altLang="en-US" dirty="0" smtClean="0">
                 <a:solidFill>
                   <a:srgbClr val="FFFF00"/>
                 </a:solidFill>
@@ -20318,12 +20256,10 @@
                   </a:glow>
                 </a:effectLst>
               </a:rPr>
-              <a:t>를 구성하여 관리</a:t>
-            </a:r>
-          </a:p>
-          <a:p>
-            <a:r>
-              <a:rPr lang="ko-KR" altLang="en-US" dirty="0">
+              <a:t>→</a:t>
+            </a:r>
+            <a:r>
+              <a:rPr lang="en-US" altLang="ko-KR" dirty="0" smtClean="0">
                 <a:solidFill>
                   <a:srgbClr val="FFFF00"/>
                 </a:solidFill>
@@ -20335,7 +20271,111 @@
                   </a:glow>
                 </a:effectLst>
               </a:rPr>
-              <a:t>처리하지 않아도 되는 부분을 빠르게 제외할 수 있음</a:t>
+              <a:t> </a:t>
+            </a:r>
+            <a:r>
+              <a:rPr lang="en-US" altLang="ko-KR" dirty="0">
+                <a:solidFill>
+                  <a:srgbClr val="FFFF00"/>
+                </a:solidFill>
+                <a:effectLst>
+                  <a:glow rad="101600">
+                    <a:srgbClr val="FFFF00">
+                      <a:alpha val="40000"/>
+                    </a:srgbClr>
+                  </a:glow>
+                </a:effectLst>
+              </a:rPr>
+              <a:t>160unit x </a:t>
+            </a:r>
+            <a:r>
+              <a:rPr lang="en-US" altLang="ko-KR" dirty="0" smtClean="0">
+                <a:solidFill>
+                  <a:srgbClr val="FFFF00"/>
+                </a:solidFill>
+                <a:effectLst>
+                  <a:glow rad="101600">
+                    <a:srgbClr val="FFFF00">
+                      <a:alpha val="40000"/>
+                    </a:srgbClr>
+                  </a:glow>
+                </a:effectLst>
+              </a:rPr>
+              <a:t>266.7unit</a:t>
+            </a:r>
+            <a:r>
+              <a:rPr lang="en-US" altLang="ko-KR" dirty="0">
+                <a:solidFill>
+                  <a:srgbClr val="FFFF00"/>
+                </a:solidFill>
+                <a:effectLst>
+                  <a:glow rad="101600">
+                    <a:srgbClr val="FFFF00">
+                      <a:alpha val="40000"/>
+                    </a:srgbClr>
+                  </a:glow>
+                </a:effectLst>
+              </a:rPr>
+              <a:t/>
+            </a:r>
+            <a:br>
+              <a:rPr lang="en-US" altLang="ko-KR" dirty="0">
+                <a:solidFill>
+                  <a:srgbClr val="FFFF00"/>
+                </a:solidFill>
+                <a:effectLst>
+                  <a:glow rad="101600">
+                    <a:srgbClr val="FFFF00">
+                      <a:alpha val="40000"/>
+                    </a:srgbClr>
+                  </a:glow>
+                </a:effectLst>
+              </a:rPr>
+            </a:br>
+            <a:r>
+              <a:rPr lang="en-US" altLang="ko-KR" dirty="0" smtClean="0">
+                <a:solidFill>
+                  <a:srgbClr val="FFFF00"/>
+                </a:solidFill>
+                <a:effectLst>
+                  <a:glow rad="101600">
+                    <a:srgbClr val="FFFF00">
+                      <a:alpha val="40000"/>
+                    </a:srgbClr>
+                  </a:glow>
+                </a:effectLst>
+              </a:rPr>
+              <a:t>HVGA 320x480 </a:t>
+            </a:r>
+            <a:r>
+              <a:rPr lang="ko-KR" altLang="en-US" dirty="0" smtClean="0">
+                <a:solidFill>
+                  <a:srgbClr val="FFFF00"/>
+                </a:solidFill>
+                <a:effectLst>
+                  <a:glow rad="101600">
+                    <a:srgbClr val="FFFF00">
+                      <a:alpha val="40000"/>
+                    </a:srgbClr>
+                  </a:glow>
+                </a:effectLst>
+              </a:rPr>
+              <a:t>→ </a:t>
+            </a:r>
+            <a:r>
+              <a:rPr lang="en-US" altLang="ko-KR" dirty="0" smtClean="0">
+                <a:solidFill>
+                  <a:srgbClr val="FFFF00"/>
+                </a:solidFill>
+                <a:effectLst>
+                  <a:glow rad="101600">
+                    <a:srgbClr val="FFFF00">
+                      <a:alpha val="40000"/>
+                    </a:srgbClr>
+                  </a:glow>
+                </a:effectLst>
+              </a:rPr>
+              <a:t>160unit x 240unit</a:t>
             </a:r>
           </a:p>
         </p:txBody>
@@ -20366,7 +20406,7 @@
     </p:spTree>
     <p:extLst>
       <p:ext uri="{BB962C8B-B14F-4D97-AF65-F5344CB8AC3E}">
-        <p14:creationId xmlns:p14="http://schemas.microsoft.com/office/powerpoint/2010/main" xmlns="" val="1952032967"/>
+        <p14:creationId xmlns:p14="http://schemas.microsoft.com/office/powerpoint/2010/main" val="2034086382"/>
       </p:ext>
     </p:extLst>
   </p:cSld>
@@ -20981,37 +21021,7 @@
                   </a:glow>
                 </a:effectLst>
               </a:rPr>
-              <a:t>개발 </a:t>
-            </a:r>
-            <a:r>
-              <a:rPr lang="ko-KR" altLang="en-US" sz="4000" dirty="0" smtClean="0">
-                <a:solidFill>
-                  <a:srgbClr val="00FFFF"/>
-                </a:solidFill>
-                <a:effectLst>
-                  <a:glow rad="101600">
-                    <a:srgbClr val="00FFFF">
-                      <a:alpha val="40000"/>
-                    </a:srgbClr>
-                  </a:glow>
-                </a:effectLst>
-              </a:rPr>
-              <a:t>진</a:t>
-            </a:r>
-            <a:r>
-              <a:rPr lang="ko-KR" altLang="en-US" sz="4000" dirty="0" smtClean="0">
-                <a:solidFill>
-                  <a:srgbClr val="00FFFF"/>
-                </a:solidFill>
-                <a:effectLst>
-                  <a:glow rad="101600">
-                    <a:srgbClr val="00FFFF">
-                      <a:alpha val="40000"/>
-                    </a:srgbClr>
-                  </a:glow>
-                </a:effectLst>
-              </a:rPr>
-              <a:t>행</a:t>
+              <a:t>개발 진행</a:t>
             </a:r>
             <a:endParaRPr lang="en-US" altLang="ko-KR" sz="4000" dirty="0" smtClean="0">
               <a:solidFill>
@@ -21040,22 +21050,7 @@
                   </a:glow>
                 </a:effectLst>
               </a:rPr>
-              <a:t>문제와 </a:t>
-            </a:r>
-            <a:r>
-              <a:rPr lang="ko-KR" altLang="en-US" sz="4000" dirty="0" smtClean="0">
-                <a:solidFill>
-                  <a:srgbClr val="00FFFF"/>
-                </a:solidFill>
-                <a:effectLst>
-                  <a:glow rad="101600">
-                    <a:srgbClr val="00FFFF">
-                      <a:alpha val="40000"/>
-                    </a:srgbClr>
-                  </a:glow>
-                </a:effectLst>
-              </a:rPr>
-              <a:t>대안</a:t>
+              <a:t>문제와 대안</a:t>
             </a:r>
             <a:endParaRPr lang="ko-KR" altLang="en-US" sz="4000" dirty="0">
               <a:solidFill>
@@ -21202,7 +21197,7 @@
                   </a:glow>
                 </a:effectLst>
               </a:rPr>
-              <a:t>공이 움직이긴 하지만 화면상 실제로는 </a:t>
+              <a:t>화면에 다 들어오지 않는 광활한 </a:t>
             </a:r>
             <a:r>
               <a:rPr lang="ko-KR" altLang="en-US" dirty="0" err="1">
@@ -21217,10 +21212,24 @@
                   </a:glow>
                 </a:effectLst>
               </a:rPr>
-              <a:t>맵이</a:t>
-            </a:r>
-            <a:r>
-              <a:rPr lang="ko-KR" altLang="en-US" dirty="0">
+              <a:t>맵</a:t>
+            </a:r>
+            <a:endParaRPr lang="ko-KR" altLang="en-US" dirty="0">
+              <a:solidFill>
+                <a:srgbClr val="FFFF00"/>
+              </a:solidFill>
+              <a:effectLst>
+                <a:glow rad="101600">
+                  <a:srgbClr val="FFFF00">
+                    <a:alpha val="40000"/>
+                  </a:srgbClr>
+                </a:glow>
+              </a:effectLst>
+            </a:endParaRPr>
+          </a:p>
+          <a:p>
+            <a:r>
+              <a:rPr lang="ko-KR" altLang="en-US" dirty="0" err="1">
                 <a:solidFill>
                   <a:srgbClr val="FFFF00"/>
                 </a:solidFill>
@@ -21232,10 +21241,8 @@
                   </a:glow>
                 </a:effectLst>
               </a:rPr>
-              <a:t> 움직임</a:t>
-            </a:r>
-          </a:p>
-          <a:p>
+              <a:t>맵</a:t>
+            </a:r>
             <a:r>
               <a:rPr lang="ko-KR" altLang="en-US" dirty="0">
                 <a:solidFill>
@@ -21249,10 +21256,10 @@
                   </a:glow>
                 </a:effectLst>
               </a:rPr>
-              <a:t>월드 관리자에 카메라 </a:t>
-            </a:r>
-            <a:r>
-              <a:rPr lang="ko-KR" altLang="en-US" dirty="0" err="1">
+              <a:t> 위의 물체들</a:t>
+            </a:r>
+            <a:r>
+              <a:rPr lang="en-US" altLang="ko-KR" dirty="0">
                 <a:solidFill>
                   <a:srgbClr val="FFFF00"/>
                 </a:solidFill>
@@ -21264,10 +21271,10 @@
                   </a:glow>
                 </a:effectLst>
               </a:rPr>
-              <a:t>뷰</a:t>
-            </a:r>
-            <a:r>
-              <a:rPr lang="en-US" altLang="ko-KR" dirty="0">
+              <a:t>(objects) </a:t>
+            </a:r>
+            <a:r>
+              <a:rPr lang="ko-KR" altLang="en-US" dirty="0">
                 <a:solidFill>
                   <a:srgbClr val="FFFF00"/>
                 </a:solidFill>
@@ -21279,10 +21286,10 @@
                   </a:glow>
                 </a:effectLst>
               </a:rPr>
-              <a:t>(</a:t>
-            </a:r>
-            <a:r>
-              <a:rPr lang="ko-KR" altLang="en-US" dirty="0">
+              <a:t>중 </a:t>
+            </a:r>
+            <a:r>
+              <a:rPr lang="ko-KR" altLang="en-US" dirty="0" smtClean="0">
                 <a:solidFill>
                   <a:srgbClr val="FFFF00"/>
                 </a:solidFill>
@@ -21294,10 +21301,10 @@
                   </a:glow>
                 </a:effectLst>
               </a:rPr>
-              <a:t>시점</a:t>
-            </a:r>
-            <a:r>
-              <a:rPr lang="en-US" altLang="ko-KR" dirty="0">
+              <a:t>그려주거나 충돌 처리해야 할 것을 </a:t>
+            </a:r>
+            <a:r>
+              <a:rPr lang="ko-KR" altLang="en-US" dirty="0">
                 <a:solidFill>
                   <a:srgbClr val="FFFF00"/>
                 </a:solidFill>
@@ -21309,10 +21316,12 @@
                   </a:glow>
                 </a:effectLst>
               </a:rPr>
-              <a:t>) </a:t>
-            </a:r>
-            <a:r>
-              <a:rPr lang="ko-KR" altLang="en-US" dirty="0">
+              <a:t>빠르게 판별해야 함</a:t>
+            </a:r>
+          </a:p>
+          <a:p>
+            <a:r>
+              <a:rPr lang="ko-KR" altLang="en-US" dirty="0" err="1">
                 <a:solidFill>
                   <a:srgbClr val="FFFF00"/>
                 </a:solidFill>
@@ -21324,12 +21333,10 @@
                   </a:glow>
                 </a:effectLst>
               </a:rPr>
-              <a:t>개념 도입</a:t>
-            </a:r>
-          </a:p>
-          <a:p>
-            <a:r>
-              <a:rPr lang="ko-KR" altLang="en-US" dirty="0" smtClean="0">
+              <a:t>맵을</a:t>
+            </a:r>
+            <a:r>
+              <a:rPr lang="ko-KR" altLang="en-US" dirty="0">
                 <a:solidFill>
                   <a:srgbClr val="FFFF00"/>
                 </a:solidFill>
@@ -21341,10 +21348,10 @@
                   </a:glow>
                 </a:effectLst>
               </a:rPr>
-              <a:t>자동으로 공 </a:t>
-            </a:r>
-            <a:r>
-              <a:rPr lang="ko-KR" altLang="en-US" dirty="0">
+              <a:t> 재귀적으로 </a:t>
+            </a:r>
+            <a:r>
+              <a:rPr lang="en-US" altLang="ko-KR" dirty="0">
                 <a:solidFill>
                   <a:srgbClr val="FFFF00"/>
                 </a:solidFill>
@@ -21356,10 +21363,8 @@
                   </a:glow>
                 </a:effectLst>
               </a:rPr>
-              <a:t>이외 다른 모든 물체들을 반대로 움직이고 회전함</a:t>
-            </a:r>
-          </a:p>
-          <a:p>
+              <a:t>4</a:t>
+            </a:r>
             <a:r>
               <a:rPr lang="ko-KR" altLang="en-US" dirty="0">
                 <a:solidFill>
@@ -21373,10 +21378,10 @@
                   </a:glow>
                 </a:effectLst>
               </a:rPr>
-              <a:t>게임 </a:t>
-            </a:r>
-            <a:r>
-              <a:rPr lang="ko-KR" altLang="en-US" dirty="0" err="1" smtClean="0">
+              <a:t>분할하여 </a:t>
+            </a:r>
+            <a:r>
+              <a:rPr lang="en-US" altLang="ko-KR" dirty="0" err="1">
                 <a:solidFill>
                   <a:srgbClr val="FFFF00"/>
                 </a:solidFill>
@@ -21388,10 +21393,10 @@
                   </a:glow>
                 </a:effectLst>
               </a:rPr>
-              <a:t>로직상으론</a:t>
-            </a:r>
-            <a:r>
-              <a:rPr lang="ko-KR" altLang="en-US" dirty="0" smtClean="0">
+              <a:t>QuadTree</a:t>
+            </a:r>
+            <a:r>
+              <a:rPr lang="ko-KR" altLang="en-US" dirty="0">
                 <a:solidFill>
                   <a:srgbClr val="FFFF00"/>
                 </a:solidFill>
@@ -21403,8 +21408,10 @@
                   </a:glow>
                 </a:effectLst>
               </a:rPr>
-              <a:t> </a:t>
-            </a:r>
+              <a:t>를 구성하여 관리</a:t>
+            </a:r>
+          </a:p>
+          <a:p>
             <a:r>
               <a:rPr lang="ko-KR" altLang="en-US" dirty="0">
                 <a:solidFill>
@@ -21418,7 +21425,7 @@
                   </a:glow>
                 </a:effectLst>
               </a:rPr>
-              <a:t>간단히 공의 움직임만 생각하면 됨</a:t>
+              <a:t>처리하지 않아도 되는 부분을 빠르게 제외할 수 있음</a:t>
             </a:r>
           </a:p>
         </p:txBody>
@@ -21449,7 +21456,7 @@
     </p:spTree>
     <p:extLst>
       <p:ext uri="{BB962C8B-B14F-4D97-AF65-F5344CB8AC3E}">
-        <p14:creationId xmlns:p14="http://schemas.microsoft.com/office/powerpoint/2010/main" xmlns="" val="3756504526"/>
+        <p14:creationId xmlns:p14="http://schemas.microsoft.com/office/powerpoint/2010/main" val="1952032967"/>
       </p:ext>
     </p:extLst>
   </p:cSld>
@@ -21835,6 +21842,686 @@
                   </a:glow>
                 </a:effectLst>
               </a:rPr>
+              <a:t>월드 관리자</a:t>
+            </a:r>
+            <a:endParaRPr lang="ko-KR" altLang="en-US" dirty="0">
+              <a:solidFill>
+                <a:srgbClr val="00FFFF"/>
+              </a:solidFill>
+              <a:effectLst>
+                <a:glow rad="101600">
+                  <a:srgbClr val="00FFFF">
+                    <a:alpha val="40000"/>
+                  </a:srgbClr>
+                </a:glow>
+              </a:effectLst>
+            </a:endParaRPr>
+          </a:p>
+        </p:txBody>
+      </p:sp>
+      <p:sp>
+        <p:nvSpPr>
+          <p:cNvPr id="4" name="내용 개체 틀 3"/>
+          <p:cNvSpPr>
+            <a:spLocks noGrp="1"/>
+          </p:cNvSpPr>
+          <p:nvPr>
+            <p:ph idx="1"/>
+          </p:nvPr>
+        </p:nvSpPr>
+        <p:spPr/>
+        <p:txBody>
+          <a:bodyPr>
+            <a:normAutofit/>
+          </a:bodyPr>
+          <a:lstStyle/>
+          <a:p>
+            <a:r>
+              <a:rPr lang="ko-KR" altLang="en-US" dirty="0">
+                <a:solidFill>
+                  <a:srgbClr val="FFFF00"/>
+                </a:solidFill>
+                <a:effectLst>
+                  <a:glow rad="101600">
+                    <a:srgbClr val="FFFF00">
+                      <a:alpha val="40000"/>
+                    </a:srgbClr>
+                  </a:glow>
+                </a:effectLst>
+              </a:rPr>
+              <a:t>공이 움직이긴 하지만 화면상 실제로는 </a:t>
+            </a:r>
+            <a:r>
+              <a:rPr lang="ko-KR" altLang="en-US" dirty="0" err="1">
+                <a:solidFill>
+                  <a:srgbClr val="FFFF00"/>
+                </a:solidFill>
+                <a:effectLst>
+                  <a:glow rad="101600">
+                    <a:srgbClr val="FFFF00">
+                      <a:alpha val="40000"/>
+                    </a:srgbClr>
+                  </a:glow>
+                </a:effectLst>
+              </a:rPr>
+              <a:t>맵이</a:t>
+            </a:r>
+            <a:r>
+              <a:rPr lang="ko-KR" altLang="en-US" dirty="0">
+                <a:solidFill>
+                  <a:srgbClr val="FFFF00"/>
+                </a:solidFill>
+                <a:effectLst>
+                  <a:glow rad="101600">
+                    <a:srgbClr val="FFFF00">
+                      <a:alpha val="40000"/>
+                    </a:srgbClr>
+                  </a:glow>
+                </a:effectLst>
+              </a:rPr>
+              <a:t> 움직임</a:t>
+            </a:r>
+          </a:p>
+          <a:p>
+            <a:r>
+              <a:rPr lang="ko-KR" altLang="en-US" dirty="0">
+                <a:solidFill>
+                  <a:srgbClr val="FFFF00"/>
+                </a:solidFill>
+                <a:effectLst>
+                  <a:glow rad="101600">
+                    <a:srgbClr val="FFFF00">
+                      <a:alpha val="40000"/>
+                    </a:srgbClr>
+                  </a:glow>
+                </a:effectLst>
+              </a:rPr>
+              <a:t>월드 관리자에 카메라 </a:t>
+            </a:r>
+            <a:r>
+              <a:rPr lang="ko-KR" altLang="en-US" dirty="0" err="1">
+                <a:solidFill>
+                  <a:srgbClr val="FFFF00"/>
+                </a:solidFill>
+                <a:effectLst>
+                  <a:glow rad="101600">
+                    <a:srgbClr val="FFFF00">
+                      <a:alpha val="40000"/>
+                    </a:srgbClr>
+                  </a:glow>
+                </a:effectLst>
+              </a:rPr>
+              <a:t>뷰</a:t>
+            </a:r>
+            <a:r>
+              <a:rPr lang="en-US" altLang="ko-KR" dirty="0">
+                <a:solidFill>
+                  <a:srgbClr val="FFFF00"/>
+                </a:solidFill>
+                <a:effectLst>
+                  <a:glow rad="101600">
+                    <a:srgbClr val="FFFF00">
+                      <a:alpha val="40000"/>
+                    </a:srgbClr>
+                  </a:glow>
+                </a:effectLst>
+              </a:rPr>
+              <a:t>(</a:t>
+            </a:r>
+            <a:r>
+              <a:rPr lang="ko-KR" altLang="en-US" dirty="0">
+                <a:solidFill>
+                  <a:srgbClr val="FFFF00"/>
+                </a:solidFill>
+                <a:effectLst>
+                  <a:glow rad="101600">
+                    <a:srgbClr val="FFFF00">
+                      <a:alpha val="40000"/>
+                    </a:srgbClr>
+                  </a:glow>
+                </a:effectLst>
+              </a:rPr>
+              <a:t>시점</a:t>
+            </a:r>
+            <a:r>
+              <a:rPr lang="en-US" altLang="ko-KR" dirty="0">
+                <a:solidFill>
+                  <a:srgbClr val="FFFF00"/>
+                </a:solidFill>
+                <a:effectLst>
+                  <a:glow rad="101600">
+                    <a:srgbClr val="FFFF00">
+                      <a:alpha val="40000"/>
+                    </a:srgbClr>
+                  </a:glow>
+                </a:effectLst>
+              </a:rPr>
+              <a:t>) </a:t>
+            </a:r>
+            <a:r>
+              <a:rPr lang="ko-KR" altLang="en-US" dirty="0">
+                <a:solidFill>
+                  <a:srgbClr val="FFFF00"/>
+                </a:solidFill>
+                <a:effectLst>
+                  <a:glow rad="101600">
+                    <a:srgbClr val="FFFF00">
+                      <a:alpha val="40000"/>
+                    </a:srgbClr>
+                  </a:glow>
+                </a:effectLst>
+              </a:rPr>
+              <a:t>개념 도입</a:t>
+            </a:r>
+          </a:p>
+          <a:p>
+            <a:r>
+              <a:rPr lang="ko-KR" altLang="en-US" dirty="0" smtClean="0">
+                <a:solidFill>
+                  <a:srgbClr val="FFFF00"/>
+                </a:solidFill>
+                <a:effectLst>
+                  <a:glow rad="101600">
+                    <a:srgbClr val="FFFF00">
+                      <a:alpha val="40000"/>
+                    </a:srgbClr>
+                  </a:glow>
+                </a:effectLst>
+              </a:rPr>
+              <a:t>자동으로 공 </a:t>
+            </a:r>
+            <a:r>
+              <a:rPr lang="ko-KR" altLang="en-US" dirty="0">
+                <a:solidFill>
+                  <a:srgbClr val="FFFF00"/>
+                </a:solidFill>
+                <a:effectLst>
+                  <a:glow rad="101600">
+                    <a:srgbClr val="FFFF00">
+                      <a:alpha val="40000"/>
+                    </a:srgbClr>
+                  </a:glow>
+                </a:effectLst>
+              </a:rPr>
+              <a:t>이외 다른 모든 물체들을 반대로 움직이고 회전함</a:t>
+            </a:r>
+          </a:p>
+          <a:p>
+            <a:r>
+              <a:rPr lang="ko-KR" altLang="en-US" dirty="0">
+                <a:solidFill>
+                  <a:srgbClr val="FFFF00"/>
+                </a:solidFill>
+                <a:effectLst>
+                  <a:glow rad="101600">
+                    <a:srgbClr val="FFFF00">
+                      <a:alpha val="40000"/>
+                    </a:srgbClr>
+                  </a:glow>
+                </a:effectLst>
+              </a:rPr>
+              <a:t>게임 </a:t>
+            </a:r>
+            <a:r>
+              <a:rPr lang="ko-KR" altLang="en-US" dirty="0" err="1" smtClean="0">
+                <a:solidFill>
+                  <a:srgbClr val="FFFF00"/>
+                </a:solidFill>
+                <a:effectLst>
+                  <a:glow rad="101600">
+                    <a:srgbClr val="FFFF00">
+                      <a:alpha val="40000"/>
+                    </a:srgbClr>
+                  </a:glow>
+                </a:effectLst>
+              </a:rPr>
+              <a:t>로직상으론</a:t>
+            </a:r>
+            <a:r>
+              <a:rPr lang="ko-KR" altLang="en-US" dirty="0" smtClean="0">
+                <a:solidFill>
+                  <a:srgbClr val="FFFF00"/>
+                </a:solidFill>
+                <a:effectLst>
+                  <a:glow rad="101600">
+                    <a:srgbClr val="FFFF00">
+                      <a:alpha val="40000"/>
+                    </a:srgbClr>
+                  </a:glow>
+                </a:effectLst>
+              </a:rPr>
+              <a:t> </a:t>
+            </a:r>
+            <a:r>
+              <a:rPr lang="ko-KR" altLang="en-US" dirty="0">
+                <a:solidFill>
+                  <a:srgbClr val="FFFF00"/>
+                </a:solidFill>
+                <a:effectLst>
+                  <a:glow rad="101600">
+                    <a:srgbClr val="FFFF00">
+                      <a:alpha val="40000"/>
+                    </a:srgbClr>
+                  </a:glow>
+                </a:effectLst>
+              </a:rPr>
+              <a:t>간단히 공의 움직임만 생각하면 됨</a:t>
+            </a:r>
+          </a:p>
+        </p:txBody>
+      </p:sp>
+      <p:sp>
+        <p:nvSpPr>
+          <p:cNvPr id="2" name="바닥글 개체 틀 1"/>
+          <p:cNvSpPr>
+            <a:spLocks noGrp="1"/>
+          </p:cNvSpPr>
+          <p:nvPr>
+            <p:ph type="ftr" sz="quarter" idx="11"/>
+          </p:nvPr>
+        </p:nvSpPr>
+        <p:spPr/>
+        <p:txBody>
+          <a:bodyPr/>
+          <a:lstStyle/>
+          <a:p>
+            <a:r>
+              <a:rPr lang="en-US" altLang="ko-KR" dirty="0" smtClean="0"/>
+              <a:t>r3-20120706</a:t>
+            </a:r>
+            <a:endParaRPr lang="ko-KR" altLang="en-US" dirty="0"/>
+          </a:p>
+        </p:txBody>
+      </p:sp>
+    </p:spTree>
+    <p:extLst>
+      <p:ext uri="{BB962C8B-B14F-4D97-AF65-F5344CB8AC3E}">
+        <p14:creationId xmlns:p14="http://schemas.microsoft.com/office/powerpoint/2010/main" val="3756504526"/>
+      </p:ext>
+    </p:extLst>
+  </p:cSld>
+  <p:clrMapOvr>
+    <a:masterClrMapping/>
+  </p:clrMapOvr>
+  <p:timing>
+    <p:tnLst>
+      <p:par>
+        <p:cTn id="1" dur="indefinite" restart="never" nodeType="tmRoot">
+          <p:childTnLst>
+            <p:seq concurrent="1" nextAc="seek">
+              <p:cTn id="2" dur="indefinite" nodeType="mainSeq">
+                <p:childTnLst>
+                  <p:par>
+                    <p:cTn id="3" fill="hold">
+                      <p:stCondLst>
+                        <p:cond delay="indefinite"/>
+                      </p:stCondLst>
+                      <p:childTnLst>
+                        <p:par>
+                          <p:cTn id="4" fill="hold">
+                            <p:stCondLst>
+                              <p:cond delay="0"/>
+                            </p:stCondLst>
+                            <p:childTnLst>
+                              <p:par>
+                                <p:cTn id="5" presetID="10" presetClass="entr" presetSubtype="0" fill="hold" grpId="0" nodeType="clickEffect">
+                                  <p:stCondLst>
+                                    <p:cond delay="0"/>
+                                  </p:stCondLst>
+                                  <p:childTnLst>
+                                    <p:set>
+                                      <p:cBhvr>
+                                        <p:cTn id="6" dur="1" fill="hold">
+                                          <p:stCondLst>
+                                            <p:cond delay="0"/>
+                                          </p:stCondLst>
+                                        </p:cTn>
+                                        <p:tgtEl>
+                                          <p:spTgt spid="3"/>
+                                        </p:tgtEl>
+                                        <p:attrNameLst>
+                                          <p:attrName>style.visibility</p:attrName>
+                                        </p:attrNameLst>
+                                      </p:cBhvr>
+                                      <p:to>
+                                        <p:strVal val="visible"/>
+                                      </p:to>
+                                    </p:set>
+                                    <p:animEffect transition="in" filter="fade">
+                                      <p:cBhvr>
+                                        <p:cTn id="7" dur="500"/>
+                                        <p:tgtEl>
+                                          <p:spTgt spid="3"/>
+                                        </p:tgtEl>
+                                      </p:cBhvr>
+                                    </p:animEffect>
+                                  </p:childTnLst>
+                                </p:cTn>
+                              </p:par>
+                            </p:childTnLst>
+                          </p:cTn>
+                        </p:par>
+                      </p:childTnLst>
+                    </p:cTn>
+                  </p:par>
+                  <p:par>
+                    <p:cTn id="8" fill="hold">
+                      <p:stCondLst>
+                        <p:cond delay="indefinite"/>
+                      </p:stCondLst>
+                      <p:childTnLst>
+                        <p:par>
+                          <p:cTn id="9" fill="hold">
+                            <p:stCondLst>
+                              <p:cond delay="0"/>
+                            </p:stCondLst>
+                            <p:childTnLst>
+                              <p:par>
+                                <p:cTn id="10" presetID="10" presetClass="entr" presetSubtype="0" fill="hold" grpId="0" nodeType="clickEffect">
+                                  <p:stCondLst>
+                                    <p:cond delay="0"/>
+                                  </p:stCondLst>
+                                  <p:childTnLst>
+                                    <p:set>
+                                      <p:cBhvr>
+                                        <p:cTn id="11" dur="1" fill="hold">
+                                          <p:stCondLst>
+                                            <p:cond delay="0"/>
+                                          </p:stCondLst>
+                                        </p:cTn>
+                                        <p:tgtEl>
+                                          <p:spTgt spid="4">
+                                            <p:txEl>
+                                              <p:pRg st="0" end="0"/>
+                                            </p:txEl>
+                                          </p:spTgt>
+                                        </p:tgtEl>
+                                        <p:attrNameLst>
+                                          <p:attrName>style.visibility</p:attrName>
+                                        </p:attrNameLst>
+                                      </p:cBhvr>
+                                      <p:to>
+                                        <p:strVal val="visible"/>
+                                      </p:to>
+                                    </p:set>
+                                    <p:animEffect transition="in" filter="fade">
+                                      <p:cBhvr>
+                                        <p:cTn id="12" dur="500"/>
+                                        <p:tgtEl>
+                                          <p:spTgt spid="4">
+                                            <p:txEl>
+                                              <p:pRg st="0" end="0"/>
+                                            </p:txEl>
+                                          </p:spTgt>
+                                        </p:tgtEl>
+                                      </p:cBhvr>
+                                    </p:animEffect>
+                                  </p:childTnLst>
+                                </p:cTn>
+                              </p:par>
+                            </p:childTnLst>
+                          </p:cTn>
+                        </p:par>
+                      </p:childTnLst>
+                    </p:cTn>
+                  </p:par>
+                  <p:par>
+                    <p:cTn id="13" fill="hold">
+                      <p:stCondLst>
+                        <p:cond delay="indefinite"/>
+                      </p:stCondLst>
+                      <p:childTnLst>
+                        <p:par>
+                          <p:cTn id="14" fill="hold">
+                            <p:stCondLst>
+                              <p:cond delay="0"/>
+                            </p:stCondLst>
+                            <p:childTnLst>
+                              <p:par>
+                                <p:cTn id="15" presetID="10" presetClass="entr" presetSubtype="0" fill="hold" grpId="0" nodeType="clickEffect">
+                                  <p:stCondLst>
+                                    <p:cond delay="0"/>
+                                  </p:stCondLst>
+                                  <p:childTnLst>
+                                    <p:set>
+                                      <p:cBhvr>
+                                        <p:cTn id="16" dur="1" fill="hold">
+                                          <p:stCondLst>
+                                            <p:cond delay="0"/>
+                                          </p:stCondLst>
+                                        </p:cTn>
+                                        <p:tgtEl>
+                                          <p:spTgt spid="4">
+                                            <p:txEl>
+                                              <p:pRg st="1" end="1"/>
+                                            </p:txEl>
+                                          </p:spTgt>
+                                        </p:tgtEl>
+                                        <p:attrNameLst>
+                                          <p:attrName>style.visibility</p:attrName>
+                                        </p:attrNameLst>
+                                      </p:cBhvr>
+                                      <p:to>
+                                        <p:strVal val="visible"/>
+                                      </p:to>
+                                    </p:set>
+                                    <p:animEffect transition="in" filter="fade">
+                                      <p:cBhvr>
+                                        <p:cTn id="17" dur="500"/>
+                                        <p:tgtEl>
+                                          <p:spTgt spid="4">
+                                            <p:txEl>
+                                              <p:pRg st="1" end="1"/>
+                                            </p:txEl>
+                                          </p:spTgt>
+                                        </p:tgtEl>
+                                      </p:cBhvr>
+                                    </p:animEffect>
+                                  </p:childTnLst>
+                                </p:cTn>
+                              </p:par>
+                            </p:childTnLst>
+                          </p:cTn>
+                        </p:par>
+                      </p:childTnLst>
+                    </p:cTn>
+                  </p:par>
+                  <p:par>
+                    <p:cTn id="18" fill="hold">
+                      <p:stCondLst>
+                        <p:cond delay="indefinite"/>
+                      </p:stCondLst>
+                      <p:childTnLst>
+                        <p:par>
+                          <p:cTn id="19" fill="hold">
+                            <p:stCondLst>
+                              <p:cond delay="0"/>
+                            </p:stCondLst>
+                            <p:childTnLst>
+                              <p:par>
+                                <p:cTn id="20" presetID="10" presetClass="entr" presetSubtype="0" fill="hold" grpId="0" nodeType="clickEffect">
+                                  <p:stCondLst>
+                                    <p:cond delay="0"/>
+                                  </p:stCondLst>
+                                  <p:childTnLst>
+                                    <p:set>
+                                      <p:cBhvr>
+                                        <p:cTn id="21" dur="1" fill="hold">
+                                          <p:stCondLst>
+                                            <p:cond delay="0"/>
+                                          </p:stCondLst>
+                                        </p:cTn>
+                                        <p:tgtEl>
+                                          <p:spTgt spid="4">
+                                            <p:txEl>
+                                              <p:pRg st="2" end="2"/>
+                                            </p:txEl>
+                                          </p:spTgt>
+                                        </p:tgtEl>
+                                        <p:attrNameLst>
+                                          <p:attrName>style.visibility</p:attrName>
+                                        </p:attrNameLst>
+                                      </p:cBhvr>
+                                      <p:to>
+                                        <p:strVal val="visible"/>
+                                      </p:to>
+                                    </p:set>
+                                    <p:animEffect transition="in" filter="fade">
+                                      <p:cBhvr>
+                                        <p:cTn id="22" dur="500"/>
+                                        <p:tgtEl>
+                                          <p:spTgt spid="4">
+                                            <p:txEl>
+                                              <p:pRg st="2" end="2"/>
+                                            </p:txEl>
+                                          </p:spTgt>
+                                        </p:tgtEl>
+                                      </p:cBhvr>
+                                    </p:animEffect>
+                                  </p:childTnLst>
+                                </p:cTn>
+                              </p:par>
+                            </p:childTnLst>
+                          </p:cTn>
+                        </p:par>
+                      </p:childTnLst>
+                    </p:cTn>
+                  </p:par>
+                  <p:par>
+                    <p:cTn id="23" fill="hold">
+                      <p:stCondLst>
+                        <p:cond delay="indefinite"/>
+                      </p:stCondLst>
+                      <p:childTnLst>
+                        <p:par>
+                          <p:cTn id="24" fill="hold">
+                            <p:stCondLst>
+                              <p:cond delay="0"/>
+                            </p:stCondLst>
+                            <p:childTnLst>
+                              <p:par>
+                                <p:cTn id="25" presetID="10" presetClass="entr" presetSubtype="0" fill="hold" grpId="0" nodeType="clickEffect">
+                                  <p:stCondLst>
+                                    <p:cond delay="0"/>
+                                  </p:stCondLst>
+                                  <p:childTnLst>
+                                    <p:set>
+                                      <p:cBhvr>
+                                        <p:cTn id="26" dur="1" fill="hold">
+                                          <p:stCondLst>
+                                            <p:cond delay="0"/>
+                                          </p:stCondLst>
+                                        </p:cTn>
+                                        <p:tgtEl>
+                                          <p:spTgt spid="4">
+                                            <p:txEl>
+                                              <p:pRg st="3" end="3"/>
+                                            </p:txEl>
+                                          </p:spTgt>
+                                        </p:tgtEl>
+                                        <p:attrNameLst>
+                                          <p:attrName>style.visibility</p:attrName>
+                                        </p:attrNameLst>
+                                      </p:cBhvr>
+                                      <p:to>
+                                        <p:strVal val="visible"/>
+                                      </p:to>
+                                    </p:set>
+                                    <p:animEffect transition="in" filter="fade">
+                                      <p:cBhvr>
+                                        <p:cTn id="27" dur="500"/>
+                                        <p:tgtEl>
+                                          <p:spTgt spid="4">
+                                            <p:txEl>
+                                              <p:pRg st="3" end="3"/>
+                                            </p:txEl>
+                                          </p:spTgt>
+                                        </p:tgtEl>
+                                      </p:cBhvr>
+                                    </p:animEffect>
+                                  </p:childTnLst>
+                                </p:cTn>
+                              </p:par>
+                            </p:childTnLst>
+                          </p:cTn>
+                        </p:par>
+                      </p:childTnLst>
+                    </p:cTn>
+                  </p:par>
+                </p:childTnLst>
+              </p:cTn>
+              <p:prevCondLst>
+                <p:cond evt="onPrev" delay="0">
+                  <p:tgtEl>
+                    <p:sldTgt/>
+                  </p:tgtEl>
+                </p:cond>
+              </p:prevCondLst>
+              <p:nextCondLst>
+                <p:cond evt="onNext" delay="0">
+                  <p:tgtEl>
+                    <p:sldTgt/>
+                  </p:tgtEl>
+                </p:cond>
+              </p:nextCondLst>
+            </p:seq>
+          </p:childTnLst>
+        </p:cTn>
+      </p:par>
+    </p:tnLst>
+    <p:bldLst>
+      <p:bldP spid="3" grpId="0"/>
+      <p:bldP spid="4" grpId="0" build="p"/>
+    </p:bldLst>
+  </p:timing>
+</p:sld>
+</file>
+
+<file path=ppt/slides/slide22.xml><?xml version="1.0" encoding="utf-8"?>
+<p:sld xmlns:a="http://schemas.openxmlformats.org/drawingml/2006/main" xmlns:r="http://schemas.openxmlformats.org/officeDocument/2006/relationships" xmlns:p="http://schemas.openxmlformats.org/presentationml/2006/main">
+  <p:cSld>
+    <p:spTree>
+      <p:nvGrpSpPr>
+        <p:cNvPr id="1" name=""/>
+        <p:cNvGrpSpPr/>
+        <p:nvPr/>
+      </p:nvGrpSpPr>
+      <p:grpSpPr>
+        <a:xfrm>
+          <a:off x="0" y="0"/>
+          <a:ext cx="0" cy="0"/>
+          <a:chOff x="0" y="0"/>
+          <a:chExt cx="0" cy="0"/>
+        </a:xfrm>
+      </p:grpSpPr>
+      <p:sp>
+        <p:nvSpPr>
+          <p:cNvPr id="3" name="제목 2"/>
+          <p:cNvSpPr>
+            <a:spLocks noGrp="1"/>
+          </p:cNvSpPr>
+          <p:nvPr>
+            <p:ph type="title"/>
+          </p:nvPr>
+        </p:nvSpPr>
+        <p:spPr/>
+        <p:txBody>
+          <a:bodyPr/>
+          <a:lstStyle/>
+          <a:p>
+            <a:r>
+              <a:rPr lang="ko-KR" altLang="en-US" dirty="0" smtClean="0">
+                <a:solidFill>
+                  <a:srgbClr val="00FFFF"/>
+                </a:solidFill>
+                <a:effectLst>
+                  <a:glow rad="101600">
+                    <a:srgbClr val="00FFFF">
+                      <a:alpha val="40000"/>
+                    </a:srgbClr>
+                  </a:glow>
+                </a:effectLst>
+              </a:rPr>
               <a:t>작업 예정</a:t>
             </a:r>
             <a:endParaRPr lang="ko-KR" altLang="en-US" dirty="0">
@@ -22303,22 +22990,7 @@
                   </a:glow>
                 </a:effectLst>
               </a:rPr>
-              <a:t> </a:t>
-            </a:r>
-            <a:r>
-              <a:rPr lang="ko-KR" altLang="en-US" dirty="0" smtClean="0">
-                <a:solidFill>
-                  <a:srgbClr val="FFFF00"/>
-                </a:solidFill>
-                <a:effectLst>
-                  <a:glow rad="101600">
-                    <a:srgbClr val="FFFF00">
-                      <a:alpha val="40000"/>
-                    </a:srgbClr>
-                  </a:glow>
-                </a:effectLst>
-              </a:rPr>
-              <a:t>화면 디자인</a:t>
+              <a:t> 화면 디자인</a:t>
             </a:r>
             <a:endParaRPr lang="ko-KR" altLang="en-US" dirty="0">
               <a:solidFill>
@@ -22411,7 +23083,7 @@
     </p:spTree>
     <p:extLst>
       <p:ext uri="{BB962C8B-B14F-4D97-AF65-F5344CB8AC3E}">
-        <p14:creationId xmlns:p14="http://schemas.microsoft.com/office/powerpoint/2010/main" xmlns="" val="2996282390"/>
+        <p14:creationId xmlns:p14="http://schemas.microsoft.com/office/powerpoint/2010/main" val="2996282390"/>
       </p:ext>
     </p:extLst>
   </p:cSld>
@@ -22891,907 +23563,6 @@
                                           <p:spTgt spid="4">
                                             <p:txEl>
                                               <p:pRg st="6" end="6"/>
-                                            </p:txEl>
-                                          </p:spTgt>
-                                        </p:tgtEl>
-                                      </p:cBhvr>
-                                    </p:animEffect>
-                                  </p:childTnLst>
-                                </p:cTn>
-                              </p:par>
-                            </p:childTnLst>
-                          </p:cTn>
-                        </p:par>
-                      </p:childTnLst>
-                    </p:cTn>
-                  </p:par>
-                </p:childTnLst>
-              </p:cTn>
-              <p:prevCondLst>
-                <p:cond evt="onPrev" delay="0">
-                  <p:tgtEl>
-                    <p:sldTgt/>
-                  </p:tgtEl>
-                </p:cond>
-              </p:prevCondLst>
-              <p:nextCondLst>
-                <p:cond evt="onNext" delay="0">
-                  <p:tgtEl>
-                    <p:sldTgt/>
-                  </p:tgtEl>
-                </p:cond>
-              </p:nextCondLst>
-            </p:seq>
-          </p:childTnLst>
-        </p:cTn>
-      </p:par>
-    </p:tnLst>
-    <p:bldLst>
-      <p:bldP spid="3" grpId="0"/>
-      <p:bldP spid="4" grpId="0" uiExpand="1" build="p"/>
-      <p:bldP spid="5" grpId="0" animBg="1"/>
-    </p:bldLst>
-  </p:timing>
-</p:sld>
-</file>
-
-<file path=ppt/slides/slide22.xml><?xml version="1.0" encoding="utf-8"?>
-<p:sld xmlns:a="http://schemas.openxmlformats.org/drawingml/2006/main" xmlns:r="http://schemas.openxmlformats.org/officeDocument/2006/relationships" xmlns:p="http://schemas.openxmlformats.org/presentationml/2006/main">
-  <p:cSld>
-    <p:spTree>
-      <p:nvGrpSpPr>
-        <p:cNvPr id="1" name=""/>
-        <p:cNvGrpSpPr/>
-        <p:nvPr/>
-      </p:nvGrpSpPr>
-      <p:grpSpPr>
-        <a:xfrm>
-          <a:off x="0" y="0"/>
-          <a:ext cx="0" cy="0"/>
-          <a:chOff x="0" y="0"/>
-          <a:chExt cx="0" cy="0"/>
-        </a:xfrm>
-      </p:grpSpPr>
-      <p:sp>
-        <p:nvSpPr>
-          <p:cNvPr id="3" name="제목 2"/>
-          <p:cNvSpPr>
-            <a:spLocks noGrp="1"/>
-          </p:cNvSpPr>
-          <p:nvPr>
-            <p:ph type="title"/>
-          </p:nvPr>
-        </p:nvSpPr>
-        <p:spPr/>
-        <p:txBody>
-          <a:bodyPr/>
-          <a:lstStyle/>
-          <a:p>
-            <a:r>
-              <a:rPr lang="ko-KR" altLang="en-US" dirty="0" smtClean="0">
-                <a:solidFill>
-                  <a:srgbClr val="00FFFF"/>
-                </a:solidFill>
-                <a:effectLst>
-                  <a:glow rad="101600">
-                    <a:srgbClr val="00FFFF">
-                      <a:alpha val="40000"/>
-                    </a:srgbClr>
-                  </a:glow>
-                </a:effectLst>
-              </a:rPr>
-              <a:t>작</a:t>
-            </a:r>
-            <a:r>
-              <a:rPr lang="ko-KR" altLang="en-US" dirty="0" smtClean="0">
-                <a:solidFill>
-                  <a:srgbClr val="00FFFF"/>
-                </a:solidFill>
-                <a:effectLst>
-                  <a:glow rad="101600">
-                    <a:srgbClr val="00FFFF">
-                      <a:alpha val="40000"/>
-                    </a:srgbClr>
-                  </a:glow>
-                </a:effectLst>
-              </a:rPr>
-              <a:t>업 </a:t>
-            </a:r>
-            <a:r>
-              <a:rPr lang="ko-KR" altLang="en-US" dirty="0" smtClean="0">
-                <a:solidFill>
-                  <a:srgbClr val="00FFFF"/>
-                </a:solidFill>
-                <a:effectLst>
-                  <a:glow rad="101600">
-                    <a:srgbClr val="00FFFF">
-                      <a:alpha val="40000"/>
-                    </a:srgbClr>
-                  </a:glow>
-                </a:effectLst>
-              </a:rPr>
-              <a:t>예정</a:t>
-            </a:r>
-            <a:endParaRPr lang="ko-KR" altLang="en-US" dirty="0">
-              <a:solidFill>
-                <a:srgbClr val="00FFFF"/>
-              </a:solidFill>
-              <a:effectLst>
-                <a:glow rad="101600">
-                  <a:srgbClr val="00FFFF">
-                    <a:alpha val="40000"/>
-                  </a:srgbClr>
-                </a:glow>
-              </a:effectLst>
-            </a:endParaRPr>
-          </a:p>
-        </p:txBody>
-      </p:sp>
-      <p:sp>
-        <p:nvSpPr>
-          <p:cNvPr id="4" name="내용 개체 틀 3"/>
-          <p:cNvSpPr>
-            <a:spLocks noGrp="1"/>
-          </p:cNvSpPr>
-          <p:nvPr>
-            <p:ph idx="1"/>
-          </p:nvPr>
-        </p:nvSpPr>
-        <p:spPr/>
-        <p:txBody>
-          <a:bodyPr>
-            <a:normAutofit/>
-          </a:bodyPr>
-          <a:lstStyle/>
-          <a:p>
-            <a:r>
-              <a:rPr lang="en-US" altLang="ko-KR" dirty="0" err="1" smtClean="0">
-                <a:solidFill>
-                  <a:srgbClr val="FFFF00"/>
-                </a:solidFill>
-                <a:effectLst>
-                  <a:glow rad="101600">
-                    <a:srgbClr val="FFFF00">
-                      <a:alpha val="40000"/>
-                    </a:srgbClr>
-                  </a:glow>
-                </a:effectLst>
-              </a:rPr>
-              <a:t>SQLite</a:t>
-            </a:r>
-            <a:r>
-              <a:rPr lang="en-US" altLang="ko-KR" dirty="0" smtClean="0">
-                <a:solidFill>
-                  <a:srgbClr val="FFFF00"/>
-                </a:solidFill>
-                <a:effectLst>
-                  <a:glow rad="101600">
-                    <a:srgbClr val="FFFF00">
-                      <a:alpha val="40000"/>
-                    </a:srgbClr>
-                  </a:glow>
-                </a:effectLst>
-              </a:rPr>
-              <a:t> </a:t>
-            </a:r>
-            <a:r>
-              <a:rPr lang="ko-KR" altLang="en-US" dirty="0" smtClean="0">
-                <a:solidFill>
-                  <a:srgbClr val="FFFF00"/>
-                </a:solidFill>
-                <a:effectLst>
-                  <a:glow rad="101600">
-                    <a:srgbClr val="FFFF00">
-                      <a:alpha val="40000"/>
-                    </a:srgbClr>
-                  </a:glow>
-                </a:effectLst>
-              </a:rPr>
-              <a:t>관련 </a:t>
-            </a:r>
-            <a:r>
-              <a:rPr lang="en-US" altLang="ko-KR" dirty="0" smtClean="0">
-                <a:solidFill>
-                  <a:srgbClr val="FFFF00"/>
-                </a:solidFill>
-                <a:effectLst>
-                  <a:glow rad="101600">
-                    <a:srgbClr val="FFFF00">
-                      <a:alpha val="40000"/>
-                    </a:srgbClr>
-                  </a:glow>
-                </a:effectLst>
-              </a:rPr>
-              <a:t>Generic Wrapper </a:t>
-            </a:r>
-            <a:r>
-              <a:rPr lang="ko-KR" altLang="en-US" dirty="0" smtClean="0">
-                <a:solidFill>
-                  <a:srgbClr val="FFFF00"/>
-                </a:solidFill>
-                <a:effectLst>
-                  <a:glow rad="101600">
-                    <a:srgbClr val="FFFF00">
-                      <a:alpha val="40000"/>
-                    </a:srgbClr>
-                  </a:glow>
-                </a:effectLst>
-              </a:rPr>
-              <a:t>클래스</a:t>
-            </a:r>
-            <a:endParaRPr lang="en-US" altLang="ko-KR" dirty="0" smtClean="0">
-              <a:solidFill>
-                <a:srgbClr val="FFFF00"/>
-              </a:solidFill>
-              <a:effectLst>
-                <a:glow rad="101600">
-                  <a:srgbClr val="FFFF00">
-                    <a:alpha val="40000"/>
-                  </a:srgbClr>
-                </a:glow>
-              </a:effectLst>
-            </a:endParaRPr>
-          </a:p>
-          <a:p>
-            <a:r>
-              <a:rPr lang="en-US" altLang="ko-KR" dirty="0" err="1" smtClean="0">
-                <a:solidFill>
-                  <a:srgbClr val="FFFF00"/>
-                </a:solidFill>
-                <a:effectLst>
-                  <a:glow rad="101600">
-                    <a:srgbClr val="FFFF00">
-                      <a:alpha val="40000"/>
-                    </a:srgbClr>
-                  </a:glow>
-                </a:effectLst>
-              </a:rPr>
-              <a:t>Highscore</a:t>
-            </a:r>
-            <a:r>
-              <a:rPr lang="en-US" altLang="ko-KR" dirty="0" smtClean="0">
-                <a:solidFill>
-                  <a:srgbClr val="FFFF00"/>
-                </a:solidFill>
-                <a:effectLst>
-                  <a:glow rad="101600">
-                    <a:srgbClr val="FFFF00">
-                      <a:alpha val="40000"/>
-                    </a:srgbClr>
-                  </a:glow>
-                </a:effectLst>
-              </a:rPr>
-              <a:t> </a:t>
-            </a:r>
-            <a:r>
-              <a:rPr lang="ko-KR" altLang="en-US" dirty="0" smtClean="0">
-                <a:solidFill>
-                  <a:srgbClr val="FFFF00"/>
-                </a:solidFill>
-                <a:effectLst>
-                  <a:glow rad="101600">
-                    <a:srgbClr val="FFFF00">
-                      <a:alpha val="40000"/>
-                    </a:srgbClr>
-                  </a:glow>
-                </a:effectLst>
-              </a:rPr>
-              <a:t>기능을</a:t>
-            </a:r>
-            <a:r>
-              <a:rPr lang="en-US" altLang="ko-KR" dirty="0" smtClean="0">
-                <a:solidFill>
-                  <a:srgbClr val="FFFF00"/>
-                </a:solidFill>
-                <a:effectLst>
-                  <a:glow rad="101600">
-                    <a:srgbClr val="FFFF00">
-                      <a:alpha val="40000"/>
-                    </a:srgbClr>
-                  </a:glow>
-                </a:effectLst>
-              </a:rPr>
-              <a:t> </a:t>
-            </a:r>
-            <a:r>
-              <a:rPr lang="ko-KR" altLang="en-US" dirty="0" smtClean="0">
-                <a:solidFill>
-                  <a:srgbClr val="FFFF00"/>
-                </a:solidFill>
-                <a:effectLst>
-                  <a:glow rad="101600">
-                    <a:srgbClr val="FFFF00">
-                      <a:alpha val="40000"/>
-                    </a:srgbClr>
-                  </a:glow>
-                </a:effectLst>
-              </a:rPr>
-              <a:t>클래스</a:t>
-            </a:r>
-            <a:r>
-              <a:rPr lang="ko-KR" altLang="en-US" dirty="0" smtClean="0">
-                <a:solidFill>
-                  <a:srgbClr val="FFFF00"/>
-                </a:solidFill>
-                <a:effectLst>
-                  <a:glow rad="101600">
-                    <a:srgbClr val="FFFF00">
-                      <a:alpha val="40000"/>
-                    </a:srgbClr>
-                  </a:glow>
-                </a:effectLst>
-              </a:rPr>
-              <a:t>로</a:t>
-            </a:r>
-            <a:r>
-              <a:rPr lang="ko-KR" altLang="en-US" dirty="0" smtClean="0">
-                <a:solidFill>
-                  <a:srgbClr val="FFFF00"/>
-                </a:solidFill>
-                <a:effectLst>
-                  <a:glow rad="101600">
-                    <a:srgbClr val="FFFF00">
-                      <a:alpha val="40000"/>
-                    </a:srgbClr>
-                  </a:glow>
-                </a:effectLst>
-              </a:rPr>
-              <a:t> 캡슐화</a:t>
-            </a:r>
-          </a:p>
-          <a:p>
-            <a:r>
-              <a:rPr lang="ko-KR" altLang="en-US" dirty="0" smtClean="0">
-                <a:solidFill>
-                  <a:srgbClr val="FFFF00"/>
-                </a:solidFill>
-                <a:effectLst>
-                  <a:glow rad="101600">
-                    <a:srgbClr val="FFFF00">
-                      <a:alpha val="40000"/>
-                    </a:srgbClr>
-                  </a:glow>
-                </a:effectLst>
-              </a:rPr>
-              <a:t>텍스트</a:t>
-            </a:r>
-            <a:r>
-              <a:rPr lang="ko-KR" altLang="en-US" dirty="0" smtClean="0">
-                <a:solidFill>
-                  <a:srgbClr val="FFFF00"/>
-                </a:solidFill>
-                <a:effectLst>
-                  <a:glow rad="101600">
-                    <a:srgbClr val="FFFF00">
-                      <a:alpha val="40000"/>
-                    </a:srgbClr>
-                  </a:glow>
-                </a:effectLst>
-              </a:rPr>
-              <a:t>로 </a:t>
-            </a:r>
-            <a:r>
-              <a:rPr lang="ko-KR" altLang="en-US" dirty="0" smtClean="0">
-                <a:solidFill>
-                  <a:srgbClr val="FFFF00"/>
-                </a:solidFill>
-                <a:effectLst>
-                  <a:glow rad="101600">
-                    <a:srgbClr val="FFFF00">
-                      <a:alpha val="40000"/>
-                    </a:srgbClr>
-                  </a:glow>
-                </a:effectLst>
-              </a:rPr>
-              <a:t>된 메뉴를</a:t>
-            </a:r>
-            <a:r>
-              <a:rPr lang="ko-KR" altLang="en-US" dirty="0" smtClean="0">
-                <a:solidFill>
-                  <a:srgbClr val="FFFF00"/>
-                </a:solidFill>
-                <a:effectLst>
-                  <a:glow rad="101600">
-                    <a:srgbClr val="FFFF00">
-                      <a:alpha val="40000"/>
-                    </a:srgbClr>
-                  </a:glow>
-                </a:effectLst>
-              </a:rPr>
-              <a:t> 이미지로 구체화</a:t>
-            </a:r>
-            <a:endParaRPr lang="en-US" altLang="ko-KR" dirty="0" smtClean="0">
-              <a:solidFill>
-                <a:srgbClr val="FFFF00"/>
-              </a:solidFill>
-              <a:effectLst>
-                <a:glow rad="101600">
-                  <a:srgbClr val="FFFF00">
-                    <a:alpha val="40000"/>
-                  </a:srgbClr>
-                </a:glow>
-              </a:effectLst>
-            </a:endParaRPr>
-          </a:p>
-          <a:p>
-            <a:r>
-              <a:rPr lang="ko-KR" altLang="en-US" dirty="0" smtClean="0">
-                <a:solidFill>
-                  <a:srgbClr val="FFFF00"/>
-                </a:solidFill>
-                <a:effectLst>
-                  <a:glow rad="101600">
-                    <a:srgbClr val="FFFF00">
-                      <a:alpha val="40000"/>
-                    </a:srgbClr>
-                  </a:glow>
-                </a:effectLst>
-              </a:rPr>
-              <a:t>소스 코드 통합</a:t>
-            </a:r>
-            <a:r>
-              <a:rPr lang="en-US" altLang="ko-KR" dirty="0" smtClean="0">
-                <a:solidFill>
-                  <a:srgbClr val="FFFF00"/>
-                </a:solidFill>
-                <a:effectLst>
-                  <a:glow rad="101600">
-                    <a:srgbClr val="FFFF00">
-                      <a:alpha val="40000"/>
-                    </a:srgbClr>
-                  </a:glow>
-                </a:effectLst>
-              </a:rPr>
-              <a:t>(merge)</a:t>
-            </a:r>
-            <a:r>
-              <a:rPr lang="ko-KR" altLang="en-US" dirty="0" smtClean="0">
-                <a:solidFill>
-                  <a:srgbClr val="FFFF00"/>
-                </a:solidFill>
-                <a:effectLst>
-                  <a:glow rad="101600">
-                    <a:srgbClr val="FFFF00">
-                      <a:alpha val="40000"/>
-                    </a:srgbClr>
-                  </a:glow>
-                </a:effectLst>
-              </a:rPr>
-              <a:t> 작업</a:t>
-            </a:r>
-            <a:endParaRPr lang="ko-KR" altLang="en-US" dirty="0">
-              <a:solidFill>
-                <a:srgbClr val="FFFF00"/>
-              </a:solidFill>
-              <a:effectLst>
-                <a:glow rad="101600">
-                  <a:srgbClr val="FFFF00">
-                    <a:alpha val="40000"/>
-                  </a:srgbClr>
-                </a:glow>
-              </a:effectLst>
-            </a:endParaRPr>
-          </a:p>
-        </p:txBody>
-      </p:sp>
-      <p:sp>
-        <p:nvSpPr>
-          <p:cNvPr id="2" name="바닥글 개체 틀 1"/>
-          <p:cNvSpPr>
-            <a:spLocks noGrp="1"/>
-          </p:cNvSpPr>
-          <p:nvPr>
-            <p:ph type="ftr" sz="quarter" idx="11"/>
-          </p:nvPr>
-        </p:nvSpPr>
-        <p:spPr/>
-        <p:txBody>
-          <a:bodyPr/>
-          <a:lstStyle/>
-          <a:p>
-            <a:r>
-              <a:rPr lang="en-US" altLang="ko-KR" dirty="0" smtClean="0"/>
-              <a:t>r3-20120706</a:t>
-            </a:r>
-            <a:endParaRPr lang="ko-KR" altLang="en-US" dirty="0"/>
-          </a:p>
-        </p:txBody>
-      </p:sp>
-      <p:sp>
-        <p:nvSpPr>
-          <p:cNvPr id="5" name="모서리가 둥근 직사각형 4"/>
-          <p:cNvSpPr/>
-          <p:nvPr/>
-        </p:nvSpPr>
-        <p:spPr>
-          <a:xfrm>
-            <a:off x="8100392" y="49615"/>
-            <a:ext cx="955199" cy="578882"/>
-          </a:xfrm>
-          <a:prstGeom prst="roundRect">
-            <a:avLst/>
-          </a:prstGeom>
-          <a:solidFill>
-            <a:schemeClr val="accent1">
-              <a:alpha val="70000"/>
-            </a:schemeClr>
-          </a:solidFill>
-          <a:ln w="38100">
-            <a:solidFill>
-              <a:srgbClr val="00FFFF"/>
-            </a:solidFill>
-          </a:ln>
-        </p:spPr>
-        <p:txBody>
-          <a:bodyPr wrap="none">
-            <a:spAutoFit/>
-          </a:bodyPr>
-          <a:lstStyle/>
-          <a:p>
-            <a:r>
-              <a:rPr lang="ko-KR" altLang="en-US" sz="2800" dirty="0" err="1" smtClean="0">
-                <a:solidFill>
-                  <a:srgbClr val="00FFFF"/>
-                </a:solidFill>
-                <a:effectLst>
-                  <a:glow rad="101600">
-                    <a:srgbClr val="00FFFF">
-                      <a:alpha val="40000"/>
-                    </a:srgbClr>
-                  </a:glow>
-                </a:effectLst>
-              </a:rPr>
-              <a:t>진협</a:t>
-            </a:r>
-            <a:endParaRPr lang="ko-KR" altLang="en-US" sz="2800" dirty="0"/>
-          </a:p>
-        </p:txBody>
-      </p:sp>
-    </p:spTree>
-    <p:extLst>
-      <p:ext uri="{BB962C8B-B14F-4D97-AF65-F5344CB8AC3E}">
-        <p14:creationId xmlns:p14="http://schemas.microsoft.com/office/powerpoint/2010/main" xmlns="" val="1411942190"/>
-      </p:ext>
-    </p:extLst>
-  </p:cSld>
-  <p:clrMapOvr>
-    <a:masterClrMapping/>
-  </p:clrMapOvr>
-  <p:timing>
-    <p:tnLst>
-      <p:par>
-        <p:cTn id="1" dur="indefinite" restart="never" nodeType="tmRoot">
-          <p:childTnLst>
-            <p:seq concurrent="1" nextAc="seek">
-              <p:cTn id="2" dur="indefinite" nodeType="mainSeq">
-                <p:childTnLst>
-                  <p:par>
-                    <p:cTn id="3" fill="hold">
-                      <p:stCondLst>
-                        <p:cond delay="indefinite"/>
-                      </p:stCondLst>
-                      <p:childTnLst>
-                        <p:par>
-                          <p:cTn id="4" fill="hold">
-                            <p:stCondLst>
-                              <p:cond delay="0"/>
-                            </p:stCondLst>
-                            <p:childTnLst>
-                              <p:par>
-                                <p:cTn id="5" presetID="10" presetClass="entr" presetSubtype="0" fill="hold" grpId="0" nodeType="clickEffect">
-                                  <p:stCondLst>
-                                    <p:cond delay="0"/>
-                                  </p:stCondLst>
-                                  <p:childTnLst>
-                                    <p:set>
-                                      <p:cBhvr>
-                                        <p:cTn id="6" dur="1" fill="hold">
-                                          <p:stCondLst>
-                                            <p:cond delay="0"/>
-                                          </p:stCondLst>
-                                        </p:cTn>
-                                        <p:tgtEl>
-                                          <p:spTgt spid="3"/>
-                                        </p:tgtEl>
-                                        <p:attrNameLst>
-                                          <p:attrName>style.visibility</p:attrName>
-                                        </p:attrNameLst>
-                                      </p:cBhvr>
-                                      <p:to>
-                                        <p:strVal val="visible"/>
-                                      </p:to>
-                                    </p:set>
-                                    <p:animEffect transition="in" filter="fade">
-                                      <p:cBhvr>
-                                        <p:cTn id="7" dur="500"/>
-                                        <p:tgtEl>
-                                          <p:spTgt spid="3"/>
-                                        </p:tgtEl>
-                                      </p:cBhvr>
-                                    </p:animEffect>
-                                  </p:childTnLst>
-                                </p:cTn>
-                              </p:par>
-                            </p:childTnLst>
-                          </p:cTn>
-                        </p:par>
-                        <p:par>
-                          <p:cTn id="8" fill="hold">
-                            <p:stCondLst>
-                              <p:cond delay="500"/>
-                            </p:stCondLst>
-                            <p:childTnLst>
-                              <p:par>
-                                <p:cTn id="9" presetID="12" presetClass="entr" presetSubtype="2" fill="hold" grpId="0" nodeType="afterEffect">
-                                  <p:stCondLst>
-                                    <p:cond delay="0"/>
-                                  </p:stCondLst>
-                                  <p:childTnLst>
-                                    <p:set>
-                                      <p:cBhvr>
-                                        <p:cTn id="10" dur="1" fill="hold">
-                                          <p:stCondLst>
-                                            <p:cond delay="0"/>
-                                          </p:stCondLst>
-                                        </p:cTn>
-                                        <p:tgtEl>
-                                          <p:spTgt spid="5"/>
-                                        </p:tgtEl>
-                                        <p:attrNameLst>
-                                          <p:attrName>style.visibility</p:attrName>
-                                        </p:attrNameLst>
-                                      </p:cBhvr>
-                                      <p:to>
-                                        <p:strVal val="visible"/>
-                                      </p:to>
-                                    </p:set>
-                                    <p:animEffect transition="in" filter="slide(fromRight)">
-                                      <p:cBhvr>
-                                        <p:cTn id="11" dur="500"/>
-                                        <p:tgtEl>
-                                          <p:spTgt spid="5"/>
-                                        </p:tgtEl>
-                                      </p:cBhvr>
-                                    </p:animEffect>
-                                  </p:childTnLst>
-                                </p:cTn>
-                              </p:par>
-                            </p:childTnLst>
-                          </p:cTn>
-                        </p:par>
-                      </p:childTnLst>
-                    </p:cTn>
-                  </p:par>
-                  <p:par>
-                    <p:cTn id="12" fill="hold">
-                      <p:stCondLst>
-                        <p:cond delay="indefinite"/>
-                      </p:stCondLst>
-                      <p:childTnLst>
-                        <p:par>
-                          <p:cTn id="13" fill="hold">
-                            <p:stCondLst>
-                              <p:cond delay="0"/>
-                            </p:stCondLst>
-                            <p:childTnLst>
-                              <p:par>
-                                <p:cTn id="14" presetID="10" presetClass="entr" presetSubtype="0" fill="hold" grpId="0" nodeType="clickEffect">
-                                  <p:stCondLst>
-                                    <p:cond delay="0"/>
-                                  </p:stCondLst>
-                                  <p:childTnLst>
-                                    <p:set>
-                                      <p:cBhvr>
-                                        <p:cTn id="15" dur="1" fill="hold">
-                                          <p:stCondLst>
-                                            <p:cond delay="0"/>
-                                          </p:stCondLst>
-                                        </p:cTn>
-                                        <p:tgtEl>
-                                          <p:spTgt spid="4">
-                                            <p:txEl>
-                                              <p:pRg st="0" end="0"/>
-                                            </p:txEl>
-                                          </p:spTgt>
-                                        </p:tgtEl>
-                                        <p:attrNameLst>
-                                          <p:attrName>style.visibility</p:attrName>
-                                        </p:attrNameLst>
-                                      </p:cBhvr>
-                                      <p:to>
-                                        <p:strVal val="visible"/>
-                                      </p:to>
-                                    </p:set>
-                                    <p:animEffect transition="in" filter="fade">
-                                      <p:cBhvr>
-                                        <p:cTn id="16" dur="500"/>
-                                        <p:tgtEl>
-                                          <p:spTgt spid="4">
-                                            <p:txEl>
-                                              <p:pRg st="0" end="0"/>
-                                            </p:txEl>
-                                          </p:spTgt>
-                                        </p:tgtEl>
-                                      </p:cBhvr>
-                                    </p:animEffect>
-                                  </p:childTnLst>
-                                </p:cTn>
-                              </p:par>
-                            </p:childTnLst>
-                          </p:cTn>
-                        </p:par>
-                      </p:childTnLst>
-                    </p:cTn>
-                  </p:par>
-                  <p:par>
-                    <p:cTn id="17" fill="hold">
-                      <p:stCondLst>
-                        <p:cond delay="indefinite"/>
-                      </p:stCondLst>
-                      <p:childTnLst>
-                        <p:par>
-                          <p:cTn id="18" fill="hold">
-                            <p:stCondLst>
-                              <p:cond delay="0"/>
-                            </p:stCondLst>
-                            <p:childTnLst>
-                              <p:par>
-                                <p:cTn id="19" presetID="10" presetClass="entr" presetSubtype="0" fill="hold" grpId="0" nodeType="clickEffect">
-                                  <p:stCondLst>
-                                    <p:cond delay="0"/>
-                                  </p:stCondLst>
-                                  <p:childTnLst>
-                                    <p:set>
-                                      <p:cBhvr>
-                                        <p:cTn id="20" dur="1" fill="hold">
-                                          <p:stCondLst>
-                                            <p:cond delay="0"/>
-                                          </p:stCondLst>
-                                        </p:cTn>
-                                        <p:tgtEl>
-                                          <p:spTgt spid="4">
-                                            <p:txEl>
-                                              <p:pRg st="1" end="1"/>
-                                            </p:txEl>
-                                          </p:spTgt>
-                                        </p:tgtEl>
-                                        <p:attrNameLst>
-                                          <p:attrName>style.visibility</p:attrName>
-                                        </p:attrNameLst>
-                                      </p:cBhvr>
-                                      <p:to>
-                                        <p:strVal val="visible"/>
-                                      </p:to>
-                                    </p:set>
-                                    <p:animEffect transition="in" filter="fade">
-                                      <p:cBhvr>
-                                        <p:cTn id="21" dur="500"/>
-                                        <p:tgtEl>
-                                          <p:spTgt spid="4">
-                                            <p:txEl>
-                                              <p:pRg st="1" end="1"/>
-                                            </p:txEl>
-                                          </p:spTgt>
-                                        </p:tgtEl>
-                                      </p:cBhvr>
-                                    </p:animEffect>
-                                  </p:childTnLst>
-                                </p:cTn>
-                              </p:par>
-                            </p:childTnLst>
-                          </p:cTn>
-                        </p:par>
-                      </p:childTnLst>
-                    </p:cTn>
-                  </p:par>
-                  <p:par>
-                    <p:cTn id="22" fill="hold">
-                      <p:stCondLst>
-                        <p:cond delay="indefinite"/>
-                      </p:stCondLst>
-                      <p:childTnLst>
-                        <p:par>
-                          <p:cTn id="23" fill="hold">
-                            <p:stCondLst>
-                              <p:cond delay="0"/>
-                            </p:stCondLst>
-                            <p:childTnLst>
-                              <p:par>
-                                <p:cTn id="24" presetID="10" presetClass="entr" presetSubtype="0" fill="hold" grpId="0" nodeType="clickEffect">
-                                  <p:stCondLst>
-                                    <p:cond delay="0"/>
-                                  </p:stCondLst>
-                                  <p:childTnLst>
-                                    <p:set>
-                                      <p:cBhvr>
-                                        <p:cTn id="25" dur="1" fill="hold">
-                                          <p:stCondLst>
-                                            <p:cond delay="0"/>
-                                          </p:stCondLst>
-                                        </p:cTn>
-                                        <p:tgtEl>
-                                          <p:spTgt spid="4">
-                                            <p:txEl>
-                                              <p:pRg st="2" end="2"/>
-                                            </p:txEl>
-                                          </p:spTgt>
-                                        </p:tgtEl>
-                                        <p:attrNameLst>
-                                          <p:attrName>style.visibility</p:attrName>
-                                        </p:attrNameLst>
-                                      </p:cBhvr>
-                                      <p:to>
-                                        <p:strVal val="visible"/>
-                                      </p:to>
-                                    </p:set>
-                                    <p:animEffect transition="in" filter="fade">
-                                      <p:cBhvr>
-                                        <p:cTn id="26" dur="500"/>
-                                        <p:tgtEl>
-                                          <p:spTgt spid="4">
-                                            <p:txEl>
-                                              <p:pRg st="2" end="2"/>
-                                            </p:txEl>
-                                          </p:spTgt>
-                                        </p:tgtEl>
-                                      </p:cBhvr>
-                                    </p:animEffect>
-                                  </p:childTnLst>
-                                </p:cTn>
-                              </p:par>
-                            </p:childTnLst>
-                          </p:cTn>
-                        </p:par>
-                      </p:childTnLst>
-                    </p:cTn>
-                  </p:par>
-                  <p:par>
-                    <p:cTn id="27" fill="hold">
-                      <p:stCondLst>
-                        <p:cond delay="indefinite"/>
-                      </p:stCondLst>
-                      <p:childTnLst>
-                        <p:par>
-                          <p:cTn id="28" fill="hold">
-                            <p:stCondLst>
-                              <p:cond delay="0"/>
-                            </p:stCondLst>
-                            <p:childTnLst>
-                              <p:par>
-                                <p:cTn id="29" presetID="10" presetClass="entr" presetSubtype="0" fill="hold" grpId="0" nodeType="clickEffect">
-                                  <p:stCondLst>
-                                    <p:cond delay="0"/>
-                                  </p:stCondLst>
-                                  <p:childTnLst>
-                                    <p:set>
-                                      <p:cBhvr>
-                                        <p:cTn id="30" dur="1" fill="hold">
-                                          <p:stCondLst>
-                                            <p:cond delay="0"/>
-                                          </p:stCondLst>
-                                        </p:cTn>
-                                        <p:tgtEl>
-                                          <p:spTgt spid="4">
-                                            <p:txEl>
-                                              <p:pRg st="3" end="3"/>
-                                            </p:txEl>
-                                          </p:spTgt>
-                                        </p:tgtEl>
-                                        <p:attrNameLst>
-                                          <p:attrName>style.visibility</p:attrName>
-                                        </p:attrNameLst>
-                                      </p:cBhvr>
-                                      <p:to>
-                                        <p:strVal val="visible"/>
-                                      </p:to>
-                                    </p:set>
-                                    <p:animEffect transition="in" filter="fade">
-                                      <p:cBhvr>
-                                        <p:cTn id="31" dur="500"/>
-                                        <p:tgtEl>
-                                          <p:spTgt spid="4">
-                                            <p:txEl>
-                                              <p:pRg st="3" end="3"/>
                                             </p:txEl>
                                           </p:spTgt>
                                         </p:tgtEl>
@@ -23881,37 +23652,7 @@
                   </a:glow>
                 </a:effectLst>
               </a:rPr>
-              <a:t>작</a:t>
-            </a:r>
-            <a:r>
-              <a:rPr lang="ko-KR" altLang="en-US" dirty="0" smtClean="0">
-                <a:solidFill>
-                  <a:srgbClr val="00FFFF"/>
-                </a:solidFill>
-                <a:effectLst>
-                  <a:glow rad="101600">
-                    <a:srgbClr val="00FFFF">
-                      <a:alpha val="40000"/>
-                    </a:srgbClr>
-                  </a:glow>
-                </a:effectLst>
-              </a:rPr>
-              <a:t>업</a:t>
-            </a:r>
-            <a:r>
-              <a:rPr lang="ko-KR" altLang="en-US" dirty="0" smtClean="0">
-                <a:solidFill>
-                  <a:srgbClr val="00FFFF"/>
-                </a:solidFill>
-                <a:effectLst>
-                  <a:glow rad="101600">
-                    <a:srgbClr val="00FFFF">
-                      <a:alpha val="40000"/>
-                    </a:srgbClr>
-                  </a:glow>
-                </a:effectLst>
-              </a:rPr>
-              <a:t> 예정</a:t>
+              <a:t>작업 예정</a:t>
             </a:r>
             <a:endParaRPr lang="ko-KR" altLang="en-US" dirty="0">
               <a:solidFill>
@@ -23946,6 +23687,802 @@
           <a:lstStyle/>
           <a:p>
             <a:r>
+              <a:rPr lang="en-US" altLang="ko-KR" dirty="0" err="1" smtClean="0">
+                <a:solidFill>
+                  <a:srgbClr val="FFFF00"/>
+                </a:solidFill>
+                <a:effectLst>
+                  <a:glow rad="101600">
+                    <a:srgbClr val="FFFF00">
+                      <a:alpha val="40000"/>
+                    </a:srgbClr>
+                  </a:glow>
+                </a:effectLst>
+              </a:rPr>
+              <a:t>SQLite</a:t>
+            </a:r>
+            <a:r>
+              <a:rPr lang="en-US" altLang="ko-KR" dirty="0" smtClean="0">
+                <a:solidFill>
+                  <a:srgbClr val="FFFF00"/>
+                </a:solidFill>
+                <a:effectLst>
+                  <a:glow rad="101600">
+                    <a:srgbClr val="FFFF00">
+                      <a:alpha val="40000"/>
+                    </a:srgbClr>
+                  </a:glow>
+                </a:effectLst>
+              </a:rPr>
+              <a:t> </a:t>
+            </a:r>
+            <a:r>
+              <a:rPr lang="ko-KR" altLang="en-US" dirty="0" smtClean="0">
+                <a:solidFill>
+                  <a:srgbClr val="FFFF00"/>
+                </a:solidFill>
+                <a:effectLst>
+                  <a:glow rad="101600">
+                    <a:srgbClr val="FFFF00">
+                      <a:alpha val="40000"/>
+                    </a:srgbClr>
+                  </a:glow>
+                </a:effectLst>
+              </a:rPr>
+              <a:t>관련 </a:t>
+            </a:r>
+            <a:r>
+              <a:rPr lang="en-US" altLang="ko-KR" dirty="0" smtClean="0">
+                <a:solidFill>
+                  <a:srgbClr val="FFFF00"/>
+                </a:solidFill>
+                <a:effectLst>
+                  <a:glow rad="101600">
+                    <a:srgbClr val="FFFF00">
+                      <a:alpha val="40000"/>
+                    </a:srgbClr>
+                  </a:glow>
+                </a:effectLst>
+              </a:rPr>
+              <a:t>Generic Wrapper </a:t>
+            </a:r>
+            <a:r>
+              <a:rPr lang="ko-KR" altLang="en-US" dirty="0" smtClean="0">
+                <a:solidFill>
+                  <a:srgbClr val="FFFF00"/>
+                </a:solidFill>
+                <a:effectLst>
+                  <a:glow rad="101600">
+                    <a:srgbClr val="FFFF00">
+                      <a:alpha val="40000"/>
+                    </a:srgbClr>
+                  </a:glow>
+                </a:effectLst>
+              </a:rPr>
+              <a:t>클래스</a:t>
+            </a:r>
+            <a:endParaRPr lang="en-US" altLang="ko-KR" dirty="0" smtClean="0">
+              <a:solidFill>
+                <a:srgbClr val="FFFF00"/>
+              </a:solidFill>
+              <a:effectLst>
+                <a:glow rad="101600">
+                  <a:srgbClr val="FFFF00">
+                    <a:alpha val="40000"/>
+                  </a:srgbClr>
+                </a:glow>
+              </a:effectLst>
+            </a:endParaRPr>
+          </a:p>
+          <a:p>
+            <a:r>
+              <a:rPr lang="en-US" altLang="ko-KR" dirty="0" err="1" smtClean="0">
+                <a:solidFill>
+                  <a:srgbClr val="FFFF00"/>
+                </a:solidFill>
+                <a:effectLst>
+                  <a:glow rad="101600">
+                    <a:srgbClr val="FFFF00">
+                      <a:alpha val="40000"/>
+                    </a:srgbClr>
+                  </a:glow>
+                </a:effectLst>
+              </a:rPr>
+              <a:t>Highscore</a:t>
+            </a:r>
+            <a:r>
+              <a:rPr lang="en-US" altLang="ko-KR" dirty="0" smtClean="0">
+                <a:solidFill>
+                  <a:srgbClr val="FFFF00"/>
+                </a:solidFill>
+                <a:effectLst>
+                  <a:glow rad="101600">
+                    <a:srgbClr val="FFFF00">
+                      <a:alpha val="40000"/>
+                    </a:srgbClr>
+                  </a:glow>
+                </a:effectLst>
+              </a:rPr>
+              <a:t> </a:t>
+            </a:r>
+            <a:r>
+              <a:rPr lang="ko-KR" altLang="en-US" dirty="0" smtClean="0">
+                <a:solidFill>
+                  <a:srgbClr val="FFFF00"/>
+                </a:solidFill>
+                <a:effectLst>
+                  <a:glow rad="101600">
+                    <a:srgbClr val="FFFF00">
+                      <a:alpha val="40000"/>
+                    </a:srgbClr>
+                  </a:glow>
+                </a:effectLst>
+              </a:rPr>
+              <a:t>기능을</a:t>
+            </a:r>
+            <a:r>
+              <a:rPr lang="en-US" altLang="ko-KR" dirty="0" smtClean="0">
+                <a:solidFill>
+                  <a:srgbClr val="FFFF00"/>
+                </a:solidFill>
+                <a:effectLst>
+                  <a:glow rad="101600">
+                    <a:srgbClr val="FFFF00">
+                      <a:alpha val="40000"/>
+                    </a:srgbClr>
+                  </a:glow>
+                </a:effectLst>
+              </a:rPr>
+              <a:t> </a:t>
+            </a:r>
+            <a:r>
+              <a:rPr lang="ko-KR" altLang="en-US" dirty="0" smtClean="0">
+                <a:solidFill>
+                  <a:srgbClr val="FFFF00"/>
+                </a:solidFill>
+                <a:effectLst>
+                  <a:glow rad="101600">
+                    <a:srgbClr val="FFFF00">
+                      <a:alpha val="40000"/>
+                    </a:srgbClr>
+                  </a:glow>
+                </a:effectLst>
+              </a:rPr>
+              <a:t>클래스로 캡슐화</a:t>
+            </a:r>
+          </a:p>
+          <a:p>
+            <a:r>
+              <a:rPr lang="ko-KR" altLang="en-US" dirty="0" smtClean="0">
+                <a:solidFill>
+                  <a:srgbClr val="FFFF00"/>
+                </a:solidFill>
+                <a:effectLst>
+                  <a:glow rad="101600">
+                    <a:srgbClr val="FFFF00">
+                      <a:alpha val="40000"/>
+                    </a:srgbClr>
+                  </a:glow>
+                </a:effectLst>
+              </a:rPr>
+              <a:t>텍스트로 된 메뉴를 이미지로 구체화</a:t>
+            </a:r>
+            <a:endParaRPr lang="en-US" altLang="ko-KR" dirty="0" smtClean="0">
+              <a:solidFill>
+                <a:srgbClr val="FFFF00"/>
+              </a:solidFill>
+              <a:effectLst>
+                <a:glow rad="101600">
+                  <a:srgbClr val="FFFF00">
+                    <a:alpha val="40000"/>
+                  </a:srgbClr>
+                </a:glow>
+              </a:effectLst>
+            </a:endParaRPr>
+          </a:p>
+          <a:p>
+            <a:r>
+              <a:rPr lang="ko-KR" altLang="en-US" dirty="0" smtClean="0">
+                <a:solidFill>
+                  <a:srgbClr val="FFFF00"/>
+                </a:solidFill>
+                <a:effectLst>
+                  <a:glow rad="101600">
+                    <a:srgbClr val="FFFF00">
+                      <a:alpha val="40000"/>
+                    </a:srgbClr>
+                  </a:glow>
+                </a:effectLst>
+              </a:rPr>
+              <a:t>소스 코드 통합</a:t>
+            </a:r>
+            <a:r>
+              <a:rPr lang="en-US" altLang="ko-KR" dirty="0" smtClean="0">
+                <a:solidFill>
+                  <a:srgbClr val="FFFF00"/>
+                </a:solidFill>
+                <a:effectLst>
+                  <a:glow rad="101600">
+                    <a:srgbClr val="FFFF00">
+                      <a:alpha val="40000"/>
+                    </a:srgbClr>
+                  </a:glow>
+                </a:effectLst>
+              </a:rPr>
+              <a:t>(merge)</a:t>
+            </a:r>
+            <a:r>
+              <a:rPr lang="ko-KR" altLang="en-US" dirty="0" smtClean="0">
+                <a:solidFill>
+                  <a:srgbClr val="FFFF00"/>
+                </a:solidFill>
+                <a:effectLst>
+                  <a:glow rad="101600">
+                    <a:srgbClr val="FFFF00">
+                      <a:alpha val="40000"/>
+                    </a:srgbClr>
+                  </a:glow>
+                </a:effectLst>
+              </a:rPr>
+              <a:t> 작업</a:t>
+            </a:r>
+            <a:endParaRPr lang="ko-KR" altLang="en-US" dirty="0">
+              <a:solidFill>
+                <a:srgbClr val="FFFF00"/>
+              </a:solidFill>
+              <a:effectLst>
+                <a:glow rad="101600">
+                  <a:srgbClr val="FFFF00">
+                    <a:alpha val="40000"/>
+                  </a:srgbClr>
+                </a:glow>
+              </a:effectLst>
+            </a:endParaRPr>
+          </a:p>
+        </p:txBody>
+      </p:sp>
+      <p:sp>
+        <p:nvSpPr>
+          <p:cNvPr id="2" name="바닥글 개체 틀 1"/>
+          <p:cNvSpPr>
+            <a:spLocks noGrp="1"/>
+          </p:cNvSpPr>
+          <p:nvPr>
+            <p:ph type="ftr" sz="quarter" idx="11"/>
+          </p:nvPr>
+        </p:nvSpPr>
+        <p:spPr/>
+        <p:txBody>
+          <a:bodyPr/>
+          <a:lstStyle/>
+          <a:p>
+            <a:r>
+              <a:rPr lang="en-US" altLang="ko-KR" dirty="0" smtClean="0"/>
+              <a:t>r3-20120706</a:t>
+            </a:r>
+            <a:endParaRPr lang="ko-KR" altLang="en-US" dirty="0"/>
+          </a:p>
+        </p:txBody>
+      </p:sp>
+      <p:sp>
+        <p:nvSpPr>
+          <p:cNvPr id="5" name="모서리가 둥근 직사각형 4"/>
+          <p:cNvSpPr/>
+          <p:nvPr/>
+        </p:nvSpPr>
+        <p:spPr>
+          <a:xfrm>
+            <a:off x="8100392" y="49615"/>
+            <a:ext cx="955199" cy="578882"/>
+          </a:xfrm>
+          <a:prstGeom prst="roundRect">
+            <a:avLst/>
+          </a:prstGeom>
+          <a:solidFill>
+            <a:schemeClr val="accent1">
+              <a:alpha val="70000"/>
+            </a:schemeClr>
+          </a:solidFill>
+          <a:ln w="38100">
+            <a:solidFill>
+              <a:srgbClr val="00FFFF"/>
+            </a:solidFill>
+          </a:ln>
+        </p:spPr>
+        <p:txBody>
+          <a:bodyPr wrap="none">
+            <a:spAutoFit/>
+          </a:bodyPr>
+          <a:lstStyle/>
+          <a:p>
+            <a:r>
+              <a:rPr lang="ko-KR" altLang="en-US" sz="2800" dirty="0" err="1" smtClean="0">
+                <a:solidFill>
+                  <a:srgbClr val="00FFFF"/>
+                </a:solidFill>
+                <a:effectLst>
+                  <a:glow rad="101600">
+                    <a:srgbClr val="00FFFF">
+                      <a:alpha val="40000"/>
+                    </a:srgbClr>
+                  </a:glow>
+                </a:effectLst>
+              </a:rPr>
+              <a:t>진협</a:t>
+            </a:r>
+            <a:endParaRPr lang="ko-KR" altLang="en-US" sz="2800" dirty="0"/>
+          </a:p>
+        </p:txBody>
+      </p:sp>
+    </p:spTree>
+    <p:extLst>
+      <p:ext uri="{BB962C8B-B14F-4D97-AF65-F5344CB8AC3E}">
+        <p14:creationId xmlns:p14="http://schemas.microsoft.com/office/powerpoint/2010/main" val="1411942190"/>
+      </p:ext>
+    </p:extLst>
+  </p:cSld>
+  <p:clrMapOvr>
+    <a:masterClrMapping/>
+  </p:clrMapOvr>
+  <p:timing>
+    <p:tnLst>
+      <p:par>
+        <p:cTn id="1" dur="indefinite" restart="never" nodeType="tmRoot">
+          <p:childTnLst>
+            <p:seq concurrent="1" nextAc="seek">
+              <p:cTn id="2" dur="indefinite" nodeType="mainSeq">
+                <p:childTnLst>
+                  <p:par>
+                    <p:cTn id="3" fill="hold">
+                      <p:stCondLst>
+                        <p:cond delay="indefinite"/>
+                      </p:stCondLst>
+                      <p:childTnLst>
+                        <p:par>
+                          <p:cTn id="4" fill="hold">
+                            <p:stCondLst>
+                              <p:cond delay="0"/>
+                            </p:stCondLst>
+                            <p:childTnLst>
+                              <p:par>
+                                <p:cTn id="5" presetID="10" presetClass="entr" presetSubtype="0" fill="hold" grpId="0" nodeType="clickEffect">
+                                  <p:stCondLst>
+                                    <p:cond delay="0"/>
+                                  </p:stCondLst>
+                                  <p:childTnLst>
+                                    <p:set>
+                                      <p:cBhvr>
+                                        <p:cTn id="6" dur="1" fill="hold">
+                                          <p:stCondLst>
+                                            <p:cond delay="0"/>
+                                          </p:stCondLst>
+                                        </p:cTn>
+                                        <p:tgtEl>
+                                          <p:spTgt spid="3"/>
+                                        </p:tgtEl>
+                                        <p:attrNameLst>
+                                          <p:attrName>style.visibility</p:attrName>
+                                        </p:attrNameLst>
+                                      </p:cBhvr>
+                                      <p:to>
+                                        <p:strVal val="visible"/>
+                                      </p:to>
+                                    </p:set>
+                                    <p:animEffect transition="in" filter="fade">
+                                      <p:cBhvr>
+                                        <p:cTn id="7" dur="500"/>
+                                        <p:tgtEl>
+                                          <p:spTgt spid="3"/>
+                                        </p:tgtEl>
+                                      </p:cBhvr>
+                                    </p:animEffect>
+                                  </p:childTnLst>
+                                </p:cTn>
+                              </p:par>
+                            </p:childTnLst>
+                          </p:cTn>
+                        </p:par>
+                        <p:par>
+                          <p:cTn id="8" fill="hold">
+                            <p:stCondLst>
+                              <p:cond delay="500"/>
+                            </p:stCondLst>
+                            <p:childTnLst>
+                              <p:par>
+                                <p:cTn id="9" presetID="12" presetClass="entr" presetSubtype="2" fill="hold" grpId="0" nodeType="afterEffect">
+                                  <p:stCondLst>
+                                    <p:cond delay="0"/>
+                                  </p:stCondLst>
+                                  <p:childTnLst>
+                                    <p:set>
+                                      <p:cBhvr>
+                                        <p:cTn id="10" dur="1" fill="hold">
+                                          <p:stCondLst>
+                                            <p:cond delay="0"/>
+                                          </p:stCondLst>
+                                        </p:cTn>
+                                        <p:tgtEl>
+                                          <p:spTgt spid="5"/>
+                                        </p:tgtEl>
+                                        <p:attrNameLst>
+                                          <p:attrName>style.visibility</p:attrName>
+                                        </p:attrNameLst>
+                                      </p:cBhvr>
+                                      <p:to>
+                                        <p:strVal val="visible"/>
+                                      </p:to>
+                                    </p:set>
+                                    <p:animEffect transition="in" filter="slide(fromRight)">
+                                      <p:cBhvr>
+                                        <p:cTn id="11" dur="500"/>
+                                        <p:tgtEl>
+                                          <p:spTgt spid="5"/>
+                                        </p:tgtEl>
+                                      </p:cBhvr>
+                                    </p:animEffect>
+                                  </p:childTnLst>
+                                </p:cTn>
+                              </p:par>
+                            </p:childTnLst>
+                          </p:cTn>
+                        </p:par>
+                      </p:childTnLst>
+                    </p:cTn>
+                  </p:par>
+                  <p:par>
+                    <p:cTn id="12" fill="hold">
+                      <p:stCondLst>
+                        <p:cond delay="indefinite"/>
+                      </p:stCondLst>
+                      <p:childTnLst>
+                        <p:par>
+                          <p:cTn id="13" fill="hold">
+                            <p:stCondLst>
+                              <p:cond delay="0"/>
+                            </p:stCondLst>
+                            <p:childTnLst>
+                              <p:par>
+                                <p:cTn id="14" presetID="10" presetClass="entr" presetSubtype="0" fill="hold" grpId="0" nodeType="clickEffect">
+                                  <p:stCondLst>
+                                    <p:cond delay="0"/>
+                                  </p:stCondLst>
+                                  <p:childTnLst>
+                                    <p:set>
+                                      <p:cBhvr>
+                                        <p:cTn id="15" dur="1" fill="hold">
+                                          <p:stCondLst>
+                                            <p:cond delay="0"/>
+                                          </p:stCondLst>
+                                        </p:cTn>
+                                        <p:tgtEl>
+                                          <p:spTgt spid="4">
+                                            <p:txEl>
+                                              <p:pRg st="0" end="0"/>
+                                            </p:txEl>
+                                          </p:spTgt>
+                                        </p:tgtEl>
+                                        <p:attrNameLst>
+                                          <p:attrName>style.visibility</p:attrName>
+                                        </p:attrNameLst>
+                                      </p:cBhvr>
+                                      <p:to>
+                                        <p:strVal val="visible"/>
+                                      </p:to>
+                                    </p:set>
+                                    <p:animEffect transition="in" filter="fade">
+                                      <p:cBhvr>
+                                        <p:cTn id="16" dur="500"/>
+                                        <p:tgtEl>
+                                          <p:spTgt spid="4">
+                                            <p:txEl>
+                                              <p:pRg st="0" end="0"/>
+                                            </p:txEl>
+                                          </p:spTgt>
+                                        </p:tgtEl>
+                                      </p:cBhvr>
+                                    </p:animEffect>
+                                  </p:childTnLst>
+                                </p:cTn>
+                              </p:par>
+                            </p:childTnLst>
+                          </p:cTn>
+                        </p:par>
+                      </p:childTnLst>
+                    </p:cTn>
+                  </p:par>
+                  <p:par>
+                    <p:cTn id="17" fill="hold">
+                      <p:stCondLst>
+                        <p:cond delay="indefinite"/>
+                      </p:stCondLst>
+                      <p:childTnLst>
+                        <p:par>
+                          <p:cTn id="18" fill="hold">
+                            <p:stCondLst>
+                              <p:cond delay="0"/>
+                            </p:stCondLst>
+                            <p:childTnLst>
+                              <p:par>
+                                <p:cTn id="19" presetID="10" presetClass="entr" presetSubtype="0" fill="hold" grpId="0" nodeType="clickEffect">
+                                  <p:stCondLst>
+                                    <p:cond delay="0"/>
+                                  </p:stCondLst>
+                                  <p:childTnLst>
+                                    <p:set>
+                                      <p:cBhvr>
+                                        <p:cTn id="20" dur="1" fill="hold">
+                                          <p:stCondLst>
+                                            <p:cond delay="0"/>
+                                          </p:stCondLst>
+                                        </p:cTn>
+                                        <p:tgtEl>
+                                          <p:spTgt spid="4">
+                                            <p:txEl>
+                                              <p:pRg st="1" end="1"/>
+                                            </p:txEl>
+                                          </p:spTgt>
+                                        </p:tgtEl>
+                                        <p:attrNameLst>
+                                          <p:attrName>style.visibility</p:attrName>
+                                        </p:attrNameLst>
+                                      </p:cBhvr>
+                                      <p:to>
+                                        <p:strVal val="visible"/>
+                                      </p:to>
+                                    </p:set>
+                                    <p:animEffect transition="in" filter="fade">
+                                      <p:cBhvr>
+                                        <p:cTn id="21" dur="500"/>
+                                        <p:tgtEl>
+                                          <p:spTgt spid="4">
+                                            <p:txEl>
+                                              <p:pRg st="1" end="1"/>
+                                            </p:txEl>
+                                          </p:spTgt>
+                                        </p:tgtEl>
+                                      </p:cBhvr>
+                                    </p:animEffect>
+                                  </p:childTnLst>
+                                </p:cTn>
+                              </p:par>
+                            </p:childTnLst>
+                          </p:cTn>
+                        </p:par>
+                      </p:childTnLst>
+                    </p:cTn>
+                  </p:par>
+                  <p:par>
+                    <p:cTn id="22" fill="hold">
+                      <p:stCondLst>
+                        <p:cond delay="indefinite"/>
+                      </p:stCondLst>
+                      <p:childTnLst>
+                        <p:par>
+                          <p:cTn id="23" fill="hold">
+                            <p:stCondLst>
+                              <p:cond delay="0"/>
+                            </p:stCondLst>
+                            <p:childTnLst>
+                              <p:par>
+                                <p:cTn id="24" presetID="10" presetClass="entr" presetSubtype="0" fill="hold" grpId="0" nodeType="clickEffect">
+                                  <p:stCondLst>
+                                    <p:cond delay="0"/>
+                                  </p:stCondLst>
+                                  <p:childTnLst>
+                                    <p:set>
+                                      <p:cBhvr>
+                                        <p:cTn id="25" dur="1" fill="hold">
+                                          <p:stCondLst>
+                                            <p:cond delay="0"/>
+                                          </p:stCondLst>
+                                        </p:cTn>
+                                        <p:tgtEl>
+                                          <p:spTgt spid="4">
+                                            <p:txEl>
+                                              <p:pRg st="2" end="2"/>
+                                            </p:txEl>
+                                          </p:spTgt>
+                                        </p:tgtEl>
+                                        <p:attrNameLst>
+                                          <p:attrName>style.visibility</p:attrName>
+                                        </p:attrNameLst>
+                                      </p:cBhvr>
+                                      <p:to>
+                                        <p:strVal val="visible"/>
+                                      </p:to>
+                                    </p:set>
+                                    <p:animEffect transition="in" filter="fade">
+                                      <p:cBhvr>
+                                        <p:cTn id="26" dur="500"/>
+                                        <p:tgtEl>
+                                          <p:spTgt spid="4">
+                                            <p:txEl>
+                                              <p:pRg st="2" end="2"/>
+                                            </p:txEl>
+                                          </p:spTgt>
+                                        </p:tgtEl>
+                                      </p:cBhvr>
+                                    </p:animEffect>
+                                  </p:childTnLst>
+                                </p:cTn>
+                              </p:par>
+                            </p:childTnLst>
+                          </p:cTn>
+                        </p:par>
+                      </p:childTnLst>
+                    </p:cTn>
+                  </p:par>
+                  <p:par>
+                    <p:cTn id="27" fill="hold">
+                      <p:stCondLst>
+                        <p:cond delay="indefinite"/>
+                      </p:stCondLst>
+                      <p:childTnLst>
+                        <p:par>
+                          <p:cTn id="28" fill="hold">
+                            <p:stCondLst>
+                              <p:cond delay="0"/>
+                            </p:stCondLst>
+                            <p:childTnLst>
+                              <p:par>
+                                <p:cTn id="29" presetID="10" presetClass="entr" presetSubtype="0" fill="hold" grpId="0" nodeType="clickEffect">
+                                  <p:stCondLst>
+                                    <p:cond delay="0"/>
+                                  </p:stCondLst>
+                                  <p:childTnLst>
+                                    <p:set>
+                                      <p:cBhvr>
+                                        <p:cTn id="30" dur="1" fill="hold">
+                                          <p:stCondLst>
+                                            <p:cond delay="0"/>
+                                          </p:stCondLst>
+                                        </p:cTn>
+                                        <p:tgtEl>
+                                          <p:spTgt spid="4">
+                                            <p:txEl>
+                                              <p:pRg st="3" end="3"/>
+                                            </p:txEl>
+                                          </p:spTgt>
+                                        </p:tgtEl>
+                                        <p:attrNameLst>
+                                          <p:attrName>style.visibility</p:attrName>
+                                        </p:attrNameLst>
+                                      </p:cBhvr>
+                                      <p:to>
+                                        <p:strVal val="visible"/>
+                                      </p:to>
+                                    </p:set>
+                                    <p:animEffect transition="in" filter="fade">
+                                      <p:cBhvr>
+                                        <p:cTn id="31" dur="500"/>
+                                        <p:tgtEl>
+                                          <p:spTgt spid="4">
+                                            <p:txEl>
+                                              <p:pRg st="3" end="3"/>
+                                            </p:txEl>
+                                          </p:spTgt>
+                                        </p:tgtEl>
+                                      </p:cBhvr>
+                                    </p:animEffect>
+                                  </p:childTnLst>
+                                </p:cTn>
+                              </p:par>
+                            </p:childTnLst>
+                          </p:cTn>
+                        </p:par>
+                      </p:childTnLst>
+                    </p:cTn>
+                  </p:par>
+                </p:childTnLst>
+              </p:cTn>
+              <p:prevCondLst>
+                <p:cond evt="onPrev" delay="0">
+                  <p:tgtEl>
+                    <p:sldTgt/>
+                  </p:tgtEl>
+                </p:cond>
+              </p:prevCondLst>
+              <p:nextCondLst>
+                <p:cond evt="onNext" delay="0">
+                  <p:tgtEl>
+                    <p:sldTgt/>
+                  </p:tgtEl>
+                </p:cond>
+              </p:nextCondLst>
+            </p:seq>
+          </p:childTnLst>
+        </p:cTn>
+      </p:par>
+    </p:tnLst>
+    <p:bldLst>
+      <p:bldP spid="3" grpId="0"/>
+      <p:bldP spid="4" grpId="0" uiExpand="1" build="p"/>
+      <p:bldP spid="5" grpId="0" animBg="1"/>
+    </p:bldLst>
+  </p:timing>
+</p:sld>
+</file>
+
+<file path=ppt/slides/slide24.xml><?xml version="1.0" encoding="utf-8"?>
+<p:sld xmlns:a="http://schemas.openxmlformats.org/drawingml/2006/main" xmlns:r="http://schemas.openxmlformats.org/officeDocument/2006/relationships" xmlns:p="http://schemas.openxmlformats.org/presentationml/2006/main">
+  <p:cSld>
+    <p:spTree>
+      <p:nvGrpSpPr>
+        <p:cNvPr id="1" name=""/>
+        <p:cNvGrpSpPr/>
+        <p:nvPr/>
+      </p:nvGrpSpPr>
+      <p:grpSpPr>
+        <a:xfrm>
+          <a:off x="0" y="0"/>
+          <a:ext cx="0" cy="0"/>
+          <a:chOff x="0" y="0"/>
+          <a:chExt cx="0" cy="0"/>
+        </a:xfrm>
+      </p:grpSpPr>
+      <p:sp>
+        <p:nvSpPr>
+          <p:cNvPr id="3" name="제목 2"/>
+          <p:cNvSpPr>
+            <a:spLocks noGrp="1"/>
+          </p:cNvSpPr>
+          <p:nvPr>
+            <p:ph type="title"/>
+          </p:nvPr>
+        </p:nvSpPr>
+        <p:spPr/>
+        <p:txBody>
+          <a:bodyPr/>
+          <a:lstStyle/>
+          <a:p>
+            <a:r>
+              <a:rPr lang="ko-KR" altLang="en-US" dirty="0" smtClean="0">
+                <a:solidFill>
+                  <a:srgbClr val="00FFFF"/>
+                </a:solidFill>
+                <a:effectLst>
+                  <a:glow rad="101600">
+                    <a:srgbClr val="00FFFF">
+                      <a:alpha val="40000"/>
+                    </a:srgbClr>
+                  </a:glow>
+                </a:effectLst>
+              </a:rPr>
+              <a:t>작업 예정</a:t>
+            </a:r>
+            <a:endParaRPr lang="ko-KR" altLang="en-US" dirty="0">
+              <a:solidFill>
+                <a:srgbClr val="00FFFF"/>
+              </a:solidFill>
+              <a:effectLst>
+                <a:glow rad="101600">
+                  <a:srgbClr val="00FFFF">
+                    <a:alpha val="40000"/>
+                  </a:srgbClr>
+                </a:glow>
+              </a:effectLst>
+            </a:endParaRPr>
+          </a:p>
+        </p:txBody>
+      </p:sp>
+      <p:sp>
+        <p:nvSpPr>
+          <p:cNvPr id="4" name="내용 개체 틀 3"/>
+          <p:cNvSpPr>
+            <a:spLocks noGrp="1"/>
+          </p:cNvSpPr>
+          <p:nvPr>
+            <p:ph idx="1"/>
+          </p:nvPr>
+        </p:nvSpPr>
+        <p:spPr/>
+        <p:txBody>
+          <a:bodyPr>
+            <a:normAutofit/>
+          </a:bodyPr>
+          <a:lstStyle/>
+          <a:p>
+            <a:r>
               <a:rPr lang="ko-KR" altLang="en-US" dirty="0" smtClean="0">
                 <a:solidFill>
                   <a:srgbClr val="FFFF00"/>
@@ -24156,22 +24693,7 @@
                   </a:glow>
                 </a:effectLst>
               </a:rPr>
-              <a:t>튕기기</a:t>
-            </a:r>
-            <a:r>
-              <a:rPr lang="ko-KR" altLang="en-US" dirty="0" smtClean="0">
-                <a:solidFill>
-                  <a:srgbClr val="FFFF00"/>
-                </a:solidFill>
-                <a:effectLst>
-                  <a:glow rad="101600">
-                    <a:srgbClr val="FFFF00">
-                      <a:alpha val="40000"/>
-                    </a:srgbClr>
-                  </a:glow>
-                </a:effectLst>
-              </a:rPr>
-              <a:t> </a:t>
+              <a:t>튕기기 </a:t>
             </a:r>
             <a:r>
               <a:rPr lang="en-US" altLang="ko-KR" dirty="0" smtClean="0">
@@ -24323,7 +24845,7 @@
     </p:spTree>
     <p:extLst>
       <p:ext uri="{BB962C8B-B14F-4D97-AF65-F5344CB8AC3E}">
-        <p14:creationId xmlns:p14="http://schemas.microsoft.com/office/powerpoint/2010/main" xmlns="" val="1084300573"/>
+        <p14:creationId xmlns:p14="http://schemas.microsoft.com/office/powerpoint/2010/main" val="1084300573"/>
       </p:ext>
     </p:extLst>
   </p:cSld>
@@ -24691,7 +25213,7 @@
 </p:sld>
 </file>
 
-<file path=ppt/slides/slide24.xml><?xml version="1.0" encoding="utf-8"?>
+<file path=ppt/slides/slide25.xml><?xml version="1.0" encoding="utf-8"?>
 <p:sld xmlns:a="http://schemas.openxmlformats.org/drawingml/2006/main" xmlns:r="http://schemas.openxmlformats.org/officeDocument/2006/relationships" xmlns:p="http://schemas.openxmlformats.org/presentationml/2006/main">
   <p:cSld>
     <p:spTree>
@@ -24800,22 +25322,7 @@
                   </a:glow>
                 </a:effectLst>
               </a:rPr>
-              <a:t>개발 </a:t>
-            </a:r>
-            <a:r>
-              <a:rPr lang="ko-KR" altLang="en-US" dirty="0" smtClean="0">
-                <a:solidFill>
-                  <a:srgbClr val="00FFFF"/>
-                </a:solidFill>
-                <a:effectLst>
-                  <a:glow rad="101600">
-                    <a:srgbClr val="00FFFF">
-                      <a:alpha val="40000"/>
-                    </a:srgbClr>
-                  </a:glow>
-                </a:effectLst>
-              </a:rPr>
-              <a:t>진행</a:t>
+              <a:t>개발 진행</a:t>
             </a:r>
             <a:endParaRPr lang="ko-KR" altLang="en-US" dirty="0">
               <a:solidFill>
@@ -25474,7 +25981,7 @@
 </p:sld>
 </file>
 
-<file path=ppt/slides/slide25.xml><?xml version="1.0" encoding="utf-8"?>
+<file path=ppt/slides/slide26.xml><?xml version="1.0" encoding="utf-8"?>
 <p:sld xmlns:a="http://schemas.openxmlformats.org/drawingml/2006/main" xmlns:r="http://schemas.openxmlformats.org/officeDocument/2006/relationships" xmlns:p="http://schemas.openxmlformats.org/presentationml/2006/main">
   <p:cSld>
     <p:spTree>
@@ -25613,15 +26120,7 @@
               <a:pPr lvl="1"/>
               <a:r>
                 <a:rPr lang="ko-KR" altLang="en-US" sz="2400" dirty="0" smtClean="0"/>
-                <a:t>충</a:t>
-              </a:r>
-              <a:r>
-                <a:rPr lang="ko-KR" altLang="en-US" sz="2400" dirty="0" smtClean="0"/>
-                <a:t>돌 </a:t>
-              </a:r>
-              <a:r>
-                <a:rPr lang="ko-KR" altLang="en-US" sz="2400" dirty="0" smtClean="0"/>
-                <a:t>처리 어디까지 가능할까</a:t>
+                <a:t>충돌 처리 어디까지 가능할까</a:t>
               </a:r>
               <a:endParaRPr lang="ko-KR" altLang="en-US" sz="2400" dirty="0"/>
             </a:p>
@@ -25784,41 +26283,7 @@
                   </a:outerShdw>
                 </a:effectLst>
               </a:rPr>
-              <a:t>이것</a:t>
-            </a:r>
-            <a:r>
-              <a:rPr lang="ko-KR" altLang="en-US" dirty="0" smtClean="0">
-                <a:solidFill>
-                  <a:srgbClr val="FFFF00"/>
-                </a:solidFill>
-                <a:effectLst>
-                  <a:outerShdw blurRad="50800" dist="38100" dir="5400000" algn="t" rotWithShape="0">
-                    <a:schemeClr val="tx1">
-                      <a:lumMod val="50000"/>
-                      <a:lumOff val="50000"/>
-                      <a:alpha val="40000"/>
-                    </a:schemeClr>
-                  </a:outerShdw>
-                </a:effectLst>
-              </a:rPr>
-              <a:t>을 </a:t>
-            </a:r>
-            <a:r>
-              <a:rPr lang="ko-KR" altLang="en-US" dirty="0" smtClean="0">
-                <a:solidFill>
-                  <a:srgbClr val="FFFF00"/>
-                </a:solidFill>
-                <a:effectLst>
-                  <a:outerShdw blurRad="50800" dist="38100" dir="5400000" algn="t" rotWithShape="0">
-                    <a:schemeClr val="tx1">
-                      <a:lumMod val="50000"/>
-                      <a:lumOff val="50000"/>
-                      <a:alpha val="40000"/>
-                    </a:schemeClr>
-                  </a:outerShdw>
-                </a:effectLst>
-              </a:rPr>
-              <a:t>어디까지 만들 수 있을까</a:t>
+              <a:t>이것을 어디까지 만들 수 있을까</a:t>
             </a:r>
             <a:endParaRPr lang="ko-KR" altLang="en-US" dirty="0">
               <a:solidFill>
@@ -25891,15 +26356,7 @@
               <a:pPr lvl="1"/>
               <a:r>
                 <a:rPr lang="ko-KR" altLang="en-US" sz="2400" dirty="0" smtClean="0"/>
-                <a:t>기</a:t>
-              </a:r>
-              <a:r>
-                <a:rPr lang="ko-KR" altLang="en-US" sz="2400" dirty="0" smtClean="0"/>
-                <a:t>존 </a:t>
-              </a:r>
-              <a:r>
-                <a:rPr lang="ko-KR" altLang="en-US" sz="2400" dirty="0" smtClean="0"/>
-                <a:t>게임과 차별화 할 수 있는가</a:t>
+                <a:t>기존 게임과 차별화 할 수 있는가</a:t>
               </a:r>
               <a:endParaRPr lang="ko-KR" altLang="en-US" sz="2400" dirty="0"/>
             </a:p>
@@ -26063,58 +26520,7 @@
                   </a:outerShdw>
                 </a:effectLst>
               </a:rPr>
-              <a:t> </a:t>
-            </a:r>
-            <a:r>
-              <a:rPr lang="ko-KR" altLang="en-US" dirty="0" smtClean="0">
-                <a:solidFill>
-                  <a:srgbClr val="FFFF00"/>
-                </a:solidFill>
-                <a:effectLst>
-                  <a:outerShdw blurRad="50800" dist="38100" dir="5400000" algn="t" rotWithShape="0">
-                    <a:schemeClr val="tx1">
-                      <a:lumMod val="50000"/>
-                      <a:lumOff val="50000"/>
-                      <a:alpha val="40000"/>
-                    </a:schemeClr>
-                  </a:outerShdw>
-                </a:effectLst>
-              </a:rPr>
-              <a:t>공을 </a:t>
-            </a:r>
-            <a:r>
-              <a:rPr lang="ko-KR" altLang="en-US" dirty="0" smtClean="0">
-                <a:solidFill>
-                  <a:srgbClr val="FFFF00"/>
-                </a:solidFill>
-                <a:effectLst>
-                  <a:outerShdw blurRad="50800" dist="38100" dir="5400000" algn="t" rotWithShape="0">
-                    <a:schemeClr val="tx1">
-                      <a:lumMod val="50000"/>
-                      <a:lumOff val="50000"/>
-                      <a:alpha val="40000"/>
-                    </a:schemeClr>
-                  </a:outerShdw>
-                </a:effectLst>
-              </a:rPr>
-              <a:t>굴리는 </a:t>
-            </a:r>
-            <a:r>
-              <a:rPr lang="ko-KR" altLang="en-US" dirty="0" smtClean="0">
-                <a:solidFill>
-                  <a:srgbClr val="FFFF00"/>
-                </a:solidFill>
-                <a:effectLst>
-                  <a:outerShdw blurRad="50800" dist="38100" dir="5400000" algn="t" rotWithShape="0">
-                    <a:schemeClr val="tx1">
-                      <a:lumMod val="50000"/>
-                      <a:lumOff val="50000"/>
-                      <a:alpha val="40000"/>
-                    </a:schemeClr>
-                  </a:outerShdw>
-                </a:effectLst>
-              </a:rPr>
-              <a:t>다른 게임이</a:t>
+              <a:t> 공을 굴리는 다른 게임이</a:t>
             </a:r>
             <a:endParaRPr lang="en-US" altLang="ko-KR" dirty="0" smtClean="0">
               <a:solidFill>
@@ -26350,41 +26756,7 @@
                   </a:outerShdw>
                 </a:effectLst>
               </a:rPr>
-              <a:t>해상도</a:t>
-            </a:r>
-            <a:r>
-              <a:rPr lang="ko-KR" altLang="en-US" dirty="0" smtClean="0">
-                <a:solidFill>
-                  <a:srgbClr val="FFFF00"/>
-                </a:solidFill>
-                <a:effectLst>
-                  <a:outerShdw blurRad="50800" dist="38100" dir="5400000" algn="t" rotWithShape="0">
-                    <a:schemeClr val="tx1">
-                      <a:lumMod val="50000"/>
-                      <a:lumOff val="50000"/>
-                      <a:alpha val="40000"/>
-                    </a:schemeClr>
-                  </a:outerShdw>
-                </a:effectLst>
-              </a:rPr>
-              <a:t>와 </a:t>
-            </a:r>
-            <a:r>
-              <a:rPr lang="ko-KR" altLang="en-US" dirty="0" smtClean="0">
-                <a:solidFill>
-                  <a:srgbClr val="FFFF00"/>
-                </a:solidFill>
-                <a:effectLst>
-                  <a:outerShdw blurRad="50800" dist="38100" dir="5400000" algn="t" rotWithShape="0">
-                    <a:schemeClr val="tx1">
-                      <a:lumMod val="50000"/>
-                      <a:lumOff val="50000"/>
-                      <a:alpha val="40000"/>
-                    </a:schemeClr>
-                  </a:outerShdw>
-                </a:effectLst>
-              </a:rPr>
-              <a:t>종횡비가 다르기 때문에 화면이</a:t>
+              <a:t>해상도와 종횡비가 다르기 때문에 화면이</a:t>
             </a:r>
             <a:endParaRPr lang="en-US" altLang="ko-KR" dirty="0" smtClean="0">
               <a:solidFill>
@@ -26770,7 +27142,7 @@
 </p:sld>
 </file>
 
-<file path=ppt/slides/slide26.xml><?xml version="1.0" encoding="utf-8"?>
+<file path=ppt/slides/slide27.xml><?xml version="1.0" encoding="utf-8"?>
 <p:sld xmlns:a="http://schemas.openxmlformats.org/drawingml/2006/main" xmlns:r="http://schemas.openxmlformats.org/officeDocument/2006/relationships" xmlns:p="http://schemas.openxmlformats.org/presentationml/2006/main">
   <p:cSld>
     <p:spTree>
@@ -26909,15 +27281,7 @@
               <a:pPr lvl="1"/>
               <a:r>
                 <a:rPr lang="ko-KR" altLang="en-US" sz="2400" dirty="0" smtClean="0"/>
-                <a:t>충</a:t>
-              </a:r>
-              <a:r>
-                <a:rPr lang="ko-KR" altLang="en-US" sz="2400" dirty="0" smtClean="0"/>
-                <a:t>돌 </a:t>
-              </a:r>
-              <a:r>
-                <a:rPr lang="ko-KR" altLang="en-US" sz="2400" dirty="0" smtClean="0"/>
-                <a:t>처리 어디까지 가능할까</a:t>
+                <a:t>충돌 처리 어디까지 가능할까</a:t>
               </a:r>
               <a:endParaRPr lang="ko-KR" altLang="en-US" sz="2400" dirty="0"/>
             </a:p>
@@ -27064,10 +27428,10 @@
                   </a:outerShdw>
                 </a:effectLst>
               </a:rPr>
-              <a:t>포팅</a:t>
-            </a:r>
-            <a:r>
-              <a:rPr lang="ko-KR" altLang="en-US" dirty="0" err="1" smtClean="0">
+              <a:t>포팅된</a:t>
+            </a:r>
+            <a:r>
+              <a:rPr lang="ko-KR" altLang="en-US" dirty="0" smtClean="0">
                 <a:solidFill>
                   <a:srgbClr val="FFFF00"/>
                 </a:solidFill>
@@ -27081,41 +27445,7 @@
                   </a:outerShdw>
                 </a:effectLst>
               </a:rPr>
-              <a:t>된</a:t>
-            </a:r>
-            <a:r>
-              <a:rPr lang="ko-KR" altLang="en-US" dirty="0" smtClean="0">
-                <a:solidFill>
-                  <a:srgbClr val="FFFF00"/>
-                </a:solidFill>
-                <a:effectLst>
-                  <a:outerShdw blurRad="50800" dist="38100" dir="5400000" algn="t" rotWithShape="0">
-                    <a:schemeClr val="tx1">
-                      <a:lumMod val="50000"/>
-                      <a:lumOff val="50000"/>
-                      <a:alpha val="40000"/>
-                    </a:schemeClr>
-                  </a:outerShdw>
-                </a:effectLst>
-              </a:rPr>
-              <a:t> </a:t>
-            </a:r>
-            <a:r>
-              <a:rPr lang="ko-KR" altLang="en-US" dirty="0" smtClean="0">
-                <a:solidFill>
-                  <a:srgbClr val="FFFF00"/>
-                </a:solidFill>
-                <a:effectLst>
-                  <a:outerShdw blurRad="50800" dist="38100" dir="5400000" algn="t" rotWithShape="0">
-                    <a:schemeClr val="tx1">
-                      <a:lumMod val="50000"/>
-                      <a:lumOff val="50000"/>
-                      <a:alpha val="40000"/>
-                    </a:schemeClr>
-                  </a:outerShdw>
-                </a:effectLst>
-              </a:rPr>
-              <a:t>각종 라이브러리가 존재하나 학습 시간 필요</a:t>
+              <a:t> 각종 라이브러리가 존재하나 학습 시간 필요</a:t>
             </a:r>
             <a:endParaRPr lang="en-US" altLang="ko-KR" dirty="0" smtClean="0">
               <a:solidFill>
@@ -27238,41 +27568,7 @@
                   </a:outerShdw>
                 </a:effectLst>
               </a:rPr>
-              <a:t>하</a:t>
-            </a:r>
-            <a:r>
-              <a:rPr lang="ko-KR" altLang="en-US" dirty="0" smtClean="0">
-                <a:solidFill>
-                  <a:srgbClr val="FFFF00"/>
-                </a:solidFill>
-                <a:effectLst>
-                  <a:outerShdw blurRad="50800" dist="38100" dir="5400000" algn="t" rotWithShape="0">
-                    <a:schemeClr val="tx1">
-                      <a:lumMod val="50000"/>
-                      <a:lumOff val="50000"/>
-                      <a:alpha val="40000"/>
-                    </a:schemeClr>
-                  </a:outerShdw>
-                </a:effectLst>
-              </a:rPr>
-              <a:t>여 </a:t>
-            </a:r>
-            <a:r>
-              <a:rPr lang="ko-KR" altLang="en-US" dirty="0" smtClean="0">
-                <a:solidFill>
-                  <a:srgbClr val="FFFF00"/>
-                </a:solidFill>
-                <a:effectLst>
-                  <a:outerShdw blurRad="50800" dist="38100" dir="5400000" algn="t" rotWithShape="0">
-                    <a:schemeClr val="tx1">
-                      <a:lumMod val="50000"/>
-                      <a:lumOff val="50000"/>
-                      <a:alpha val="40000"/>
-                    </a:schemeClr>
-                  </a:outerShdw>
-                </a:effectLst>
-              </a:rPr>
-              <a:t>처리 단순화</a:t>
+              <a:t>하여 처리 단순화</a:t>
             </a:r>
             <a:endParaRPr lang="ko-KR" altLang="en-US" dirty="0">
               <a:solidFill>
@@ -27475,10 +27771,10 @@
                   </a:outerShdw>
                 </a:effectLst>
               </a:rPr>
-              <a:t> </a:t>
-            </a:r>
-            <a:r>
-              <a:rPr lang="ko-KR" altLang="en-US" dirty="0" smtClean="0">
+              <a:t> 조작법 뿐 아니라 </a:t>
+            </a:r>
+            <a:r>
+              <a:rPr lang="en-US" altLang="ko-KR" dirty="0" smtClean="0">
                 <a:solidFill>
                   <a:srgbClr val="FFFF00"/>
                 </a:solidFill>
@@ -27492,41 +27788,7 @@
                   </a:outerShdw>
                 </a:effectLst>
               </a:rPr>
-              <a:t>조작법 뿐 아니라 </a:t>
-            </a:r>
-            <a:r>
-              <a:rPr lang="en-US" altLang="ko-KR" dirty="0" smtClean="0">
-                <a:solidFill>
-                  <a:srgbClr val="FFFF00"/>
-                </a:solidFill>
-                <a:effectLst>
-                  <a:outerShdw blurRad="50800" dist="38100" dir="5400000" algn="t" rotWithShape="0">
-                    <a:schemeClr val="tx1">
-                      <a:lumMod val="50000"/>
-                      <a:lumOff val="50000"/>
-                      <a:alpha val="40000"/>
-                    </a:schemeClr>
-                  </a:outerShdw>
-                </a:effectLst>
-              </a:rPr>
-              <a:t>interact</a:t>
-            </a:r>
-            <a:r>
-              <a:rPr lang="en-US" altLang="ko-KR" dirty="0" smtClean="0">
-                <a:solidFill>
-                  <a:srgbClr val="FFFF00"/>
-                </a:solidFill>
-                <a:effectLst>
-                  <a:outerShdw blurRad="50800" dist="38100" dir="5400000" algn="t" rotWithShape="0">
-                    <a:schemeClr val="tx1">
-                      <a:lumMod val="50000"/>
-                      <a:lumOff val="50000"/>
-                      <a:alpha val="40000"/>
-                    </a:schemeClr>
-                  </a:outerShdw>
-                </a:effectLst>
-              </a:rPr>
-              <a:t>ion</a:t>
+              <a:t>interaction</a:t>
             </a:r>
             <a:r>
               <a:rPr lang="ko-KR" altLang="en-US" dirty="0" smtClean="0">
@@ -27818,24 +28080,7 @@
                   </a:outerShdw>
                 </a:effectLst>
               </a:rPr>
-              <a:t> </a:t>
-            </a:r>
-            <a:r>
-              <a:rPr lang="ko-KR" altLang="en-US" dirty="0" smtClean="0">
-                <a:solidFill>
-                  <a:srgbClr val="FFFF00"/>
-                </a:solidFill>
-                <a:effectLst>
-                  <a:outerShdw blurRad="50800" dist="38100" dir="5400000" algn="t" rotWithShape="0">
-                    <a:schemeClr val="tx1">
-                      <a:lumMod val="50000"/>
-                      <a:lumOff val="50000"/>
-                      <a:alpha val="40000"/>
-                    </a:schemeClr>
-                  </a:outerShdw>
-                </a:effectLst>
-              </a:rPr>
-              <a:t>내부 단위를 도입하여 처리</a:t>
+              <a:t> 내부 단위를 도입하여 처리</a:t>
             </a:r>
             <a:endParaRPr lang="en-US" altLang="ko-KR" dirty="0" smtClean="0">
               <a:solidFill>
@@ -27941,7 +28186,7 @@
 </p:sld>
 </file>
 
-<file path=ppt/slides/slide27.xml><?xml version="1.0" encoding="utf-8"?>
+<file path=ppt/slides/slide28.xml><?xml version="1.0" encoding="utf-8"?>
 <p:sld xmlns:a="http://schemas.openxmlformats.org/drawingml/2006/main" xmlns:r="http://schemas.openxmlformats.org/officeDocument/2006/relationships" xmlns:p="http://schemas.openxmlformats.org/presentationml/2006/main">
   <p:cSld>
     <p:spTree>

--- a/presentation/중간발표.pptx
+++ b/presentation/중간발표.pptx
@@ -28800,7 +28800,7 @@
         <p:spPr>
           <a:xfrm>
             <a:off x="5971337" y="3286124"/>
-            <a:ext cx="2901756" cy="923330"/>
+            <a:ext cx="2114681" cy="923330"/>
           </a:xfrm>
           <a:prstGeom prst="rect">
             <a:avLst/>
@@ -28831,7 +28831,7 @@
                   </a:outerShdw>
                 </a:effectLst>
               </a:rPr>
-              <a:t>Obstacle</a:t>
+              <a:t>Frame</a:t>
             </a:r>
             <a:endParaRPr lang="ko-KR" altLang="en-US" sz="5400" dirty="0">
               <a:solidFill>
@@ -32836,7 +32836,55 @@
                   </a:outerShdw>
                 </a:effectLst>
               </a:rPr>
-              <a:t>      obstacles.</a:t>
+              <a:t>      </a:t>
+            </a:r>
+            <a:r>
+              <a:rPr lang="en-US" altLang="ko-KR" sz="3600" dirty="0" smtClean="0">
+                <a:gradFill flip="none" rotWithShape="1">
+                  <a:gsLst>
+                    <a:gs pos="0">
+                      <a:schemeClr val="tx2">
+                        <a:lumMod val="20000"/>
+                        <a:lumOff val="80000"/>
+                        <a:shade val="30000"/>
+                        <a:satMod val="115000"/>
+                      </a:schemeClr>
+                    </a:gs>
+                    <a:gs pos="50000">
+                      <a:schemeClr val="tx2">
+                        <a:lumMod val="20000"/>
+                        <a:lumOff val="80000"/>
+                        <a:shade val="67500"/>
+                        <a:satMod val="115000"/>
+                      </a:schemeClr>
+                    </a:gs>
+                    <a:gs pos="100000">
+                      <a:schemeClr val="tx2">
+                        <a:lumMod val="20000"/>
+                        <a:lumOff val="80000"/>
+                        <a:shade val="100000"/>
+                        <a:satMod val="115000"/>
+                      </a:schemeClr>
+                    </a:gs>
+                  </a:gsLst>
+                  <a:lin ang="16200000" scaled="1"/>
+                  <a:tileRect/>
+                </a:gradFill>
+                <a:effectLst>
+                  <a:glow rad="63500">
+                    <a:schemeClr val="accent1">
+                      <a:satMod val="175000"/>
+                      <a:alpha val="40000"/>
+                    </a:schemeClr>
+                  </a:glow>
+                  <a:outerShdw blurRad="63500" sx="102000" sy="102000" algn="ctr" rotWithShape="0">
+                    <a:prstClr val="black">
+                      <a:alpha val="40000"/>
+                    </a:prstClr>
+                  </a:outerShdw>
+                </a:effectLst>
+              </a:rPr>
+              <a:t>Frame.</a:t>
             </a:r>
             <a:endParaRPr lang="ko-KR" altLang="en-US" sz="3600" dirty="0">
               <a:gradFill flip="none" rotWithShape="1">
